--- a/files/ift780/00_presentation.pptx
+++ b/files/ift780/00_presentation.pptx
@@ -67,7 +67,7 @@
       </p:grpSpPr>
       <p:sp>
         <p:nvSpPr>
-          <p:cNvPr id="27" name="PlaceHolder 1"/>
+          <p:cNvPr id="24" name="PlaceHolder 1"/>
           <p:cNvSpPr>
             <a:spLocks noGrp="1"/>
           </p:cNvSpPr>
@@ -77,8 +77,8 @@
         </p:nvSpPr>
         <p:spPr>
           <a:xfrm>
-            <a:off x="684360" y="189000"/>
-            <a:ext cx="7772040" cy="1142640"/>
+            <a:off x="457200" y="273600"/>
+            <a:ext cx="8229240" cy="1144800"/>
           </a:xfrm>
           <a:prstGeom prst="rect">
             <a:avLst/>
@@ -89,18 +89,16 @@
             <a:noAutofit/>
           </a:bodyPr>
           <a:p>
-            <a:endParaRPr b="0" lang="fr-CA" sz="1600" spc="-1" strike="noStrike">
-              <a:solidFill>
-                <a:srgbClr val="000000"/>
-              </a:solidFill>
-              <a:latin typeface="Times New Roman"/>
-            </a:endParaRPr>
-          </a:p>
-        </p:txBody>
-      </p:sp>
-      <p:sp>
-        <p:nvSpPr>
-          <p:cNvPr id="28" name="PlaceHolder 2"/>
+            <a:pPr algn="ctr"/>
+            <a:endParaRPr b="0" lang="en-CA" sz="4400" spc="-1" strike="noStrike">
+              <a:latin typeface="Arial"/>
+            </a:endParaRPr>
+          </a:p>
+        </p:txBody>
+      </p:sp>
+      <p:sp>
+        <p:nvSpPr>
+          <p:cNvPr id="25" name="PlaceHolder 2"/>
           <p:cNvSpPr>
             <a:spLocks noGrp="1"/>
           </p:cNvSpPr>
@@ -110,8 +108,8 @@
         </p:nvSpPr>
         <p:spPr>
           <a:xfrm>
-            <a:off x="685800" y="1981080"/>
-            <a:ext cx="7772040" cy="1962360"/>
+            <a:off x="457200" y="1604520"/>
+            <a:ext cx="8229240" cy="1896840"/>
           </a:xfrm>
           <a:prstGeom prst="rect">
             <a:avLst/>
@@ -122,18 +120,15 @@
             <a:normAutofit/>
           </a:bodyPr>
           <a:p>
-            <a:endParaRPr b="0" lang="fr-CA" sz="2400" spc="-1" strike="noStrike">
-              <a:solidFill>
-                <a:srgbClr val="000000"/>
-              </a:solidFill>
-              <a:latin typeface="Times New Roman"/>
-            </a:endParaRPr>
-          </a:p>
-        </p:txBody>
-      </p:sp>
-      <p:sp>
-        <p:nvSpPr>
-          <p:cNvPr id="29" name="PlaceHolder 3"/>
+            <a:endParaRPr b="0" lang="en-CA" sz="3200" spc="-1" strike="noStrike">
+              <a:latin typeface="Arial"/>
+            </a:endParaRPr>
+          </a:p>
+        </p:txBody>
+      </p:sp>
+      <p:sp>
+        <p:nvSpPr>
+          <p:cNvPr id="26" name="PlaceHolder 3"/>
           <p:cNvSpPr>
             <a:spLocks noGrp="1"/>
           </p:cNvSpPr>
@@ -143,8 +138,8 @@
         </p:nvSpPr>
         <p:spPr>
           <a:xfrm>
-            <a:off x="685800" y="4130280"/>
-            <a:ext cx="7772040" cy="1962360"/>
+            <a:off x="457200" y="3682080"/>
+            <a:ext cx="8229240" cy="1896840"/>
           </a:xfrm>
           <a:prstGeom prst="rect">
             <a:avLst/>
@@ -155,11 +150,8 @@
             <a:normAutofit/>
           </a:bodyPr>
           <a:p>
-            <a:endParaRPr b="0" lang="fr-CA" sz="2400" spc="-1" strike="noStrike">
-              <a:solidFill>
-                <a:srgbClr val="000000"/>
-              </a:solidFill>
-              <a:latin typeface="Times New Roman"/>
+            <a:endParaRPr b="0" lang="en-CA" sz="3200" spc="-1" strike="noStrike">
+              <a:latin typeface="Arial"/>
             </a:endParaRPr>
           </a:p>
         </p:txBody>
@@ -188,7 +180,7 @@
       </p:grpSpPr>
       <p:sp>
         <p:nvSpPr>
-          <p:cNvPr id="30" name="PlaceHolder 1"/>
+          <p:cNvPr id="27" name="PlaceHolder 1"/>
           <p:cNvSpPr>
             <a:spLocks noGrp="1"/>
           </p:cNvSpPr>
@@ -198,8 +190,8 @@
         </p:nvSpPr>
         <p:spPr>
           <a:xfrm>
-            <a:off x="684360" y="189000"/>
-            <a:ext cx="7772040" cy="1142640"/>
+            <a:off x="457200" y="273600"/>
+            <a:ext cx="8229240" cy="1144800"/>
           </a:xfrm>
           <a:prstGeom prst="rect">
             <a:avLst/>
@@ -210,18 +202,16 @@
             <a:noAutofit/>
           </a:bodyPr>
           <a:p>
-            <a:endParaRPr b="0" lang="fr-CA" sz="1600" spc="-1" strike="noStrike">
-              <a:solidFill>
-                <a:srgbClr val="000000"/>
-              </a:solidFill>
-              <a:latin typeface="Times New Roman"/>
-            </a:endParaRPr>
-          </a:p>
-        </p:txBody>
-      </p:sp>
-      <p:sp>
-        <p:nvSpPr>
-          <p:cNvPr id="31" name="PlaceHolder 2"/>
+            <a:pPr algn="ctr"/>
+            <a:endParaRPr b="0" lang="en-CA" sz="4400" spc="-1" strike="noStrike">
+              <a:latin typeface="Arial"/>
+            </a:endParaRPr>
+          </a:p>
+        </p:txBody>
+      </p:sp>
+      <p:sp>
+        <p:nvSpPr>
+          <p:cNvPr id="28" name="PlaceHolder 2"/>
           <p:cNvSpPr>
             <a:spLocks noGrp="1"/>
           </p:cNvSpPr>
@@ -231,8 +221,8 @@
         </p:nvSpPr>
         <p:spPr>
           <a:xfrm>
-            <a:off x="685800" y="1981080"/>
-            <a:ext cx="3792600" cy="1962360"/>
+            <a:off x="457200" y="1604520"/>
+            <a:ext cx="4015800" cy="1896840"/>
           </a:xfrm>
           <a:prstGeom prst="rect">
             <a:avLst/>
@@ -243,18 +233,15 @@
             <a:normAutofit/>
           </a:bodyPr>
           <a:p>
-            <a:endParaRPr b="0" lang="fr-CA" sz="2400" spc="-1" strike="noStrike">
-              <a:solidFill>
-                <a:srgbClr val="000000"/>
-              </a:solidFill>
-              <a:latin typeface="Times New Roman"/>
-            </a:endParaRPr>
-          </a:p>
-        </p:txBody>
-      </p:sp>
-      <p:sp>
-        <p:nvSpPr>
-          <p:cNvPr id="32" name="PlaceHolder 3"/>
+            <a:endParaRPr b="0" lang="en-CA" sz="3200" spc="-1" strike="noStrike">
+              <a:latin typeface="Arial"/>
+            </a:endParaRPr>
+          </a:p>
+        </p:txBody>
+      </p:sp>
+      <p:sp>
+        <p:nvSpPr>
+          <p:cNvPr id="29" name="PlaceHolder 3"/>
           <p:cNvSpPr>
             <a:spLocks noGrp="1"/>
           </p:cNvSpPr>
@@ -264,8 +251,8 @@
         </p:nvSpPr>
         <p:spPr>
           <a:xfrm>
-            <a:off x="4668480" y="1981080"/>
-            <a:ext cx="3792600" cy="1962360"/>
+            <a:off x="4674240" y="1604520"/>
+            <a:ext cx="4015800" cy="1896840"/>
           </a:xfrm>
           <a:prstGeom prst="rect">
             <a:avLst/>
@@ -276,18 +263,15 @@
             <a:normAutofit/>
           </a:bodyPr>
           <a:p>
-            <a:endParaRPr b="0" lang="fr-CA" sz="2400" spc="-1" strike="noStrike">
-              <a:solidFill>
-                <a:srgbClr val="000000"/>
-              </a:solidFill>
-              <a:latin typeface="Times New Roman"/>
-            </a:endParaRPr>
-          </a:p>
-        </p:txBody>
-      </p:sp>
-      <p:sp>
-        <p:nvSpPr>
-          <p:cNvPr id="33" name="PlaceHolder 4"/>
+            <a:endParaRPr b="0" lang="en-CA" sz="3200" spc="-1" strike="noStrike">
+              <a:latin typeface="Arial"/>
+            </a:endParaRPr>
+          </a:p>
+        </p:txBody>
+      </p:sp>
+      <p:sp>
+        <p:nvSpPr>
+          <p:cNvPr id="30" name="PlaceHolder 4"/>
           <p:cNvSpPr>
             <a:spLocks noGrp="1"/>
           </p:cNvSpPr>
@@ -297,8 +281,8 @@
         </p:nvSpPr>
         <p:spPr>
           <a:xfrm>
-            <a:off x="685800" y="4130280"/>
-            <a:ext cx="3792600" cy="1962360"/>
+            <a:off x="457200" y="3682080"/>
+            <a:ext cx="4015800" cy="1896840"/>
           </a:xfrm>
           <a:prstGeom prst="rect">
             <a:avLst/>
@@ -309,18 +293,15 @@
             <a:normAutofit/>
           </a:bodyPr>
           <a:p>
-            <a:endParaRPr b="0" lang="fr-CA" sz="2400" spc="-1" strike="noStrike">
-              <a:solidFill>
-                <a:srgbClr val="000000"/>
-              </a:solidFill>
-              <a:latin typeface="Times New Roman"/>
-            </a:endParaRPr>
-          </a:p>
-        </p:txBody>
-      </p:sp>
-      <p:sp>
-        <p:nvSpPr>
-          <p:cNvPr id="34" name="PlaceHolder 5"/>
+            <a:endParaRPr b="0" lang="en-CA" sz="3200" spc="-1" strike="noStrike">
+              <a:latin typeface="Arial"/>
+            </a:endParaRPr>
+          </a:p>
+        </p:txBody>
+      </p:sp>
+      <p:sp>
+        <p:nvSpPr>
+          <p:cNvPr id="31" name="PlaceHolder 5"/>
           <p:cNvSpPr>
             <a:spLocks noGrp="1"/>
           </p:cNvSpPr>
@@ -330,8 +311,8 @@
         </p:nvSpPr>
         <p:spPr>
           <a:xfrm>
-            <a:off x="4668480" y="4130280"/>
-            <a:ext cx="3792600" cy="1962360"/>
+            <a:off x="4674240" y="3682080"/>
+            <a:ext cx="4015800" cy="1896840"/>
           </a:xfrm>
           <a:prstGeom prst="rect">
             <a:avLst/>
@@ -342,11 +323,8 @@
             <a:normAutofit/>
           </a:bodyPr>
           <a:p>
-            <a:endParaRPr b="0" lang="fr-CA" sz="2400" spc="-1" strike="noStrike">
-              <a:solidFill>
-                <a:srgbClr val="000000"/>
-              </a:solidFill>
-              <a:latin typeface="Times New Roman"/>
+            <a:endParaRPr b="0" lang="en-CA" sz="3200" spc="-1" strike="noStrike">
+              <a:latin typeface="Arial"/>
             </a:endParaRPr>
           </a:p>
         </p:txBody>
@@ -375,7 +353,7 @@
       </p:grpSpPr>
       <p:sp>
         <p:nvSpPr>
-          <p:cNvPr id="35" name="PlaceHolder 1"/>
+          <p:cNvPr id="32" name="PlaceHolder 1"/>
           <p:cNvSpPr>
             <a:spLocks noGrp="1"/>
           </p:cNvSpPr>
@@ -385,8 +363,8 @@
         </p:nvSpPr>
         <p:spPr>
           <a:xfrm>
-            <a:off x="684360" y="189000"/>
-            <a:ext cx="7772040" cy="1142640"/>
+            <a:off x="457200" y="273600"/>
+            <a:ext cx="8229240" cy="1144800"/>
           </a:xfrm>
           <a:prstGeom prst="rect">
             <a:avLst/>
@@ -397,18 +375,16 @@
             <a:noAutofit/>
           </a:bodyPr>
           <a:p>
-            <a:endParaRPr b="0" lang="fr-CA" sz="1600" spc="-1" strike="noStrike">
-              <a:solidFill>
-                <a:srgbClr val="000000"/>
-              </a:solidFill>
-              <a:latin typeface="Times New Roman"/>
-            </a:endParaRPr>
-          </a:p>
-        </p:txBody>
-      </p:sp>
-      <p:sp>
-        <p:nvSpPr>
-          <p:cNvPr id="36" name="PlaceHolder 2"/>
+            <a:pPr algn="ctr"/>
+            <a:endParaRPr b="0" lang="en-CA" sz="4400" spc="-1" strike="noStrike">
+              <a:latin typeface="Arial"/>
+            </a:endParaRPr>
+          </a:p>
+        </p:txBody>
+      </p:sp>
+      <p:sp>
+        <p:nvSpPr>
+          <p:cNvPr id="33" name="PlaceHolder 2"/>
           <p:cNvSpPr>
             <a:spLocks noGrp="1"/>
           </p:cNvSpPr>
@@ -418,8 +394,8 @@
         </p:nvSpPr>
         <p:spPr>
           <a:xfrm>
-            <a:off x="685800" y="1981080"/>
-            <a:ext cx="2502360" cy="1962360"/>
+            <a:off x="457200" y="1604520"/>
+            <a:ext cx="2649600" cy="1896840"/>
           </a:xfrm>
           <a:prstGeom prst="rect">
             <a:avLst/>
@@ -430,18 +406,15 @@
             <a:normAutofit/>
           </a:bodyPr>
           <a:p>
-            <a:endParaRPr b="0" lang="fr-CA" sz="2400" spc="-1" strike="noStrike">
-              <a:solidFill>
-                <a:srgbClr val="000000"/>
-              </a:solidFill>
-              <a:latin typeface="Times New Roman"/>
-            </a:endParaRPr>
-          </a:p>
-        </p:txBody>
-      </p:sp>
-      <p:sp>
-        <p:nvSpPr>
-          <p:cNvPr id="37" name="PlaceHolder 3"/>
+            <a:endParaRPr b="0" lang="en-CA" sz="3200" spc="-1" strike="noStrike">
+              <a:latin typeface="Arial"/>
+            </a:endParaRPr>
+          </a:p>
+        </p:txBody>
+      </p:sp>
+      <p:sp>
+        <p:nvSpPr>
+          <p:cNvPr id="34" name="PlaceHolder 3"/>
           <p:cNvSpPr>
             <a:spLocks noGrp="1"/>
           </p:cNvSpPr>
@@ -451,8 +424,8 @@
         </p:nvSpPr>
         <p:spPr>
           <a:xfrm>
-            <a:off x="3313800" y="1981080"/>
-            <a:ext cx="2502360" cy="1962360"/>
+            <a:off x="3239640" y="1604520"/>
+            <a:ext cx="2649600" cy="1896840"/>
           </a:xfrm>
           <a:prstGeom prst="rect">
             <a:avLst/>
@@ -463,18 +436,15 @@
             <a:normAutofit/>
           </a:bodyPr>
           <a:p>
-            <a:endParaRPr b="0" lang="fr-CA" sz="2400" spc="-1" strike="noStrike">
-              <a:solidFill>
-                <a:srgbClr val="000000"/>
-              </a:solidFill>
-              <a:latin typeface="Times New Roman"/>
-            </a:endParaRPr>
-          </a:p>
-        </p:txBody>
-      </p:sp>
-      <p:sp>
-        <p:nvSpPr>
-          <p:cNvPr id="38" name="PlaceHolder 4"/>
+            <a:endParaRPr b="0" lang="en-CA" sz="3200" spc="-1" strike="noStrike">
+              <a:latin typeface="Arial"/>
+            </a:endParaRPr>
+          </a:p>
+        </p:txBody>
+      </p:sp>
+      <p:sp>
+        <p:nvSpPr>
+          <p:cNvPr id="35" name="PlaceHolder 4"/>
           <p:cNvSpPr>
             <a:spLocks noGrp="1"/>
           </p:cNvSpPr>
@@ -484,8 +454,8 @@
         </p:nvSpPr>
         <p:spPr>
           <a:xfrm>
-            <a:off x="5941440" y="1981080"/>
-            <a:ext cx="2502360" cy="1962360"/>
+            <a:off x="6022080" y="1604520"/>
+            <a:ext cx="2649600" cy="1896840"/>
           </a:xfrm>
           <a:prstGeom prst="rect">
             <a:avLst/>
@@ -496,18 +466,15 @@
             <a:normAutofit/>
           </a:bodyPr>
           <a:p>
-            <a:endParaRPr b="0" lang="fr-CA" sz="2400" spc="-1" strike="noStrike">
-              <a:solidFill>
-                <a:srgbClr val="000000"/>
-              </a:solidFill>
-              <a:latin typeface="Times New Roman"/>
-            </a:endParaRPr>
-          </a:p>
-        </p:txBody>
-      </p:sp>
-      <p:sp>
-        <p:nvSpPr>
-          <p:cNvPr id="39" name="PlaceHolder 5"/>
+            <a:endParaRPr b="0" lang="en-CA" sz="3200" spc="-1" strike="noStrike">
+              <a:latin typeface="Arial"/>
+            </a:endParaRPr>
+          </a:p>
+        </p:txBody>
+      </p:sp>
+      <p:sp>
+        <p:nvSpPr>
+          <p:cNvPr id="36" name="PlaceHolder 5"/>
           <p:cNvSpPr>
             <a:spLocks noGrp="1"/>
           </p:cNvSpPr>
@@ -517,8 +484,8 @@
         </p:nvSpPr>
         <p:spPr>
           <a:xfrm>
-            <a:off x="685800" y="4130280"/>
-            <a:ext cx="2502360" cy="1962360"/>
+            <a:off x="457200" y="3682080"/>
+            <a:ext cx="2649600" cy="1896840"/>
           </a:xfrm>
           <a:prstGeom prst="rect">
             <a:avLst/>
@@ -529,18 +496,15 @@
             <a:normAutofit/>
           </a:bodyPr>
           <a:p>
-            <a:endParaRPr b="0" lang="fr-CA" sz="2400" spc="-1" strike="noStrike">
-              <a:solidFill>
-                <a:srgbClr val="000000"/>
-              </a:solidFill>
-              <a:latin typeface="Times New Roman"/>
-            </a:endParaRPr>
-          </a:p>
-        </p:txBody>
-      </p:sp>
-      <p:sp>
-        <p:nvSpPr>
-          <p:cNvPr id="40" name="PlaceHolder 6"/>
+            <a:endParaRPr b="0" lang="en-CA" sz="3200" spc="-1" strike="noStrike">
+              <a:latin typeface="Arial"/>
+            </a:endParaRPr>
+          </a:p>
+        </p:txBody>
+      </p:sp>
+      <p:sp>
+        <p:nvSpPr>
+          <p:cNvPr id="37" name="PlaceHolder 6"/>
           <p:cNvSpPr>
             <a:spLocks noGrp="1"/>
           </p:cNvSpPr>
@@ -550,8 +514,8 @@
         </p:nvSpPr>
         <p:spPr>
           <a:xfrm>
-            <a:off x="3313800" y="4130280"/>
-            <a:ext cx="2502360" cy="1962360"/>
+            <a:off x="3239640" y="3682080"/>
+            <a:ext cx="2649600" cy="1896840"/>
           </a:xfrm>
           <a:prstGeom prst="rect">
             <a:avLst/>
@@ -562,18 +526,15 @@
             <a:normAutofit/>
           </a:bodyPr>
           <a:p>
-            <a:endParaRPr b="0" lang="fr-CA" sz="2400" spc="-1" strike="noStrike">
-              <a:solidFill>
-                <a:srgbClr val="000000"/>
-              </a:solidFill>
-              <a:latin typeface="Times New Roman"/>
-            </a:endParaRPr>
-          </a:p>
-        </p:txBody>
-      </p:sp>
-      <p:sp>
-        <p:nvSpPr>
-          <p:cNvPr id="41" name="PlaceHolder 7"/>
+            <a:endParaRPr b="0" lang="en-CA" sz="3200" spc="-1" strike="noStrike">
+              <a:latin typeface="Arial"/>
+            </a:endParaRPr>
+          </a:p>
+        </p:txBody>
+      </p:sp>
+      <p:sp>
+        <p:nvSpPr>
+          <p:cNvPr id="38" name="PlaceHolder 7"/>
           <p:cNvSpPr>
             <a:spLocks noGrp="1"/>
           </p:cNvSpPr>
@@ -583,8 +544,8 @@
         </p:nvSpPr>
         <p:spPr>
           <a:xfrm>
-            <a:off x="5941440" y="4130280"/>
-            <a:ext cx="2502360" cy="1962360"/>
+            <a:off x="6022080" y="3682080"/>
+            <a:ext cx="2649600" cy="1896840"/>
           </a:xfrm>
           <a:prstGeom prst="rect">
             <a:avLst/>
@@ -595,11 +556,8 @@
             <a:normAutofit/>
           </a:bodyPr>
           <a:p>
-            <a:endParaRPr b="0" lang="fr-CA" sz="2400" spc="-1" strike="noStrike">
-              <a:solidFill>
-                <a:srgbClr val="000000"/>
-              </a:solidFill>
-              <a:latin typeface="Times New Roman"/>
+            <a:endParaRPr b="0" lang="en-CA" sz="3200" spc="-1" strike="noStrike">
+              <a:latin typeface="Arial"/>
             </a:endParaRPr>
           </a:p>
         </p:txBody>
@@ -650,7 +608,7 @@
       </p:grpSpPr>
       <p:sp>
         <p:nvSpPr>
-          <p:cNvPr id="48" name="PlaceHolder 1"/>
+          <p:cNvPr id="42" name="PlaceHolder 1"/>
           <p:cNvSpPr>
             <a:spLocks noGrp="1"/>
           </p:cNvSpPr>
@@ -660,8 +618,8 @@
         </p:nvSpPr>
         <p:spPr>
           <a:xfrm>
-            <a:off x="684360" y="189000"/>
-            <a:ext cx="7772040" cy="1142640"/>
+            <a:off x="457200" y="273600"/>
+            <a:ext cx="8229240" cy="1144800"/>
           </a:xfrm>
           <a:prstGeom prst="rect">
             <a:avLst/>
@@ -672,18 +630,16 @@
             <a:noAutofit/>
           </a:bodyPr>
           <a:p>
-            <a:endParaRPr b="0" lang="fr-CA" sz="1600" spc="-1" strike="noStrike">
-              <a:solidFill>
-                <a:srgbClr val="000000"/>
-              </a:solidFill>
-              <a:latin typeface="Times New Roman"/>
-            </a:endParaRPr>
-          </a:p>
-        </p:txBody>
-      </p:sp>
-      <p:sp>
-        <p:nvSpPr>
-          <p:cNvPr id="49" name="PlaceHolder 2"/>
+            <a:pPr algn="ctr"/>
+            <a:endParaRPr b="0" lang="en-CA" sz="4400" spc="-1" strike="noStrike">
+              <a:latin typeface="Arial"/>
+            </a:endParaRPr>
+          </a:p>
+        </p:txBody>
+      </p:sp>
+      <p:sp>
+        <p:nvSpPr>
+          <p:cNvPr id="43" name="PlaceHolder 2"/>
           <p:cNvSpPr>
             <a:spLocks noGrp="1"/>
           </p:cNvSpPr>
@@ -693,8 +649,8 @@
         </p:nvSpPr>
         <p:spPr>
           <a:xfrm>
-            <a:off x="685800" y="1981080"/>
-            <a:ext cx="7772040" cy="4114440"/>
+            <a:off x="457200" y="1604520"/>
+            <a:ext cx="8229240" cy="3977280"/>
           </a:xfrm>
           <a:prstGeom prst="rect">
             <a:avLst/>
@@ -736,7 +692,7 @@
       </p:grpSpPr>
       <p:sp>
         <p:nvSpPr>
-          <p:cNvPr id="50" name="PlaceHolder 1"/>
+          <p:cNvPr id="44" name="PlaceHolder 1"/>
           <p:cNvSpPr>
             <a:spLocks noGrp="1"/>
           </p:cNvSpPr>
@@ -746,8 +702,8 @@
         </p:nvSpPr>
         <p:spPr>
           <a:xfrm>
-            <a:off x="684360" y="189000"/>
-            <a:ext cx="7772040" cy="1142640"/>
+            <a:off x="457200" y="273600"/>
+            <a:ext cx="8229240" cy="1144800"/>
           </a:xfrm>
           <a:prstGeom prst="rect">
             <a:avLst/>
@@ -758,18 +714,16 @@
             <a:noAutofit/>
           </a:bodyPr>
           <a:p>
-            <a:endParaRPr b="0" lang="fr-CA" sz="1600" spc="-1" strike="noStrike">
-              <a:solidFill>
-                <a:srgbClr val="000000"/>
-              </a:solidFill>
-              <a:latin typeface="Times New Roman"/>
-            </a:endParaRPr>
-          </a:p>
-        </p:txBody>
-      </p:sp>
-      <p:sp>
-        <p:nvSpPr>
-          <p:cNvPr id="51" name="PlaceHolder 2"/>
+            <a:pPr algn="ctr"/>
+            <a:endParaRPr b="0" lang="en-CA" sz="4400" spc="-1" strike="noStrike">
+              <a:latin typeface="Arial"/>
+            </a:endParaRPr>
+          </a:p>
+        </p:txBody>
+      </p:sp>
+      <p:sp>
+        <p:nvSpPr>
+          <p:cNvPr id="45" name="PlaceHolder 2"/>
           <p:cNvSpPr>
             <a:spLocks noGrp="1"/>
           </p:cNvSpPr>
@@ -779,8 +733,8 @@
         </p:nvSpPr>
         <p:spPr>
           <a:xfrm>
-            <a:off x="685800" y="1981080"/>
-            <a:ext cx="7772040" cy="4114440"/>
+            <a:off x="457200" y="1604520"/>
+            <a:ext cx="8229240" cy="3977280"/>
           </a:xfrm>
           <a:prstGeom prst="rect">
             <a:avLst/>
@@ -791,11 +745,8 @@
             <a:normAutofit/>
           </a:bodyPr>
           <a:p>
-            <a:endParaRPr b="0" lang="fr-CA" sz="2400" spc="-1" strike="noStrike">
-              <a:solidFill>
-                <a:srgbClr val="000000"/>
-              </a:solidFill>
-              <a:latin typeface="Times New Roman"/>
+            <a:endParaRPr b="0" lang="en-CA" sz="3200" spc="-1" strike="noStrike">
+              <a:latin typeface="Arial"/>
             </a:endParaRPr>
           </a:p>
         </p:txBody>
@@ -824,7 +775,7 @@
       </p:grpSpPr>
       <p:sp>
         <p:nvSpPr>
-          <p:cNvPr id="52" name="PlaceHolder 1"/>
+          <p:cNvPr id="46" name="PlaceHolder 1"/>
           <p:cNvSpPr>
             <a:spLocks noGrp="1"/>
           </p:cNvSpPr>
@@ -834,8 +785,8 @@
         </p:nvSpPr>
         <p:spPr>
           <a:xfrm>
-            <a:off x="684360" y="189000"/>
-            <a:ext cx="7772040" cy="1142640"/>
+            <a:off x="457200" y="273600"/>
+            <a:ext cx="8229240" cy="1144800"/>
           </a:xfrm>
           <a:prstGeom prst="rect">
             <a:avLst/>
@@ -846,18 +797,16 @@
             <a:noAutofit/>
           </a:bodyPr>
           <a:p>
-            <a:endParaRPr b="0" lang="fr-CA" sz="1600" spc="-1" strike="noStrike">
-              <a:solidFill>
-                <a:srgbClr val="000000"/>
-              </a:solidFill>
-              <a:latin typeface="Times New Roman"/>
-            </a:endParaRPr>
-          </a:p>
-        </p:txBody>
-      </p:sp>
-      <p:sp>
-        <p:nvSpPr>
-          <p:cNvPr id="53" name="PlaceHolder 2"/>
+            <a:pPr algn="ctr"/>
+            <a:endParaRPr b="0" lang="en-CA" sz="4400" spc="-1" strike="noStrike">
+              <a:latin typeface="Arial"/>
+            </a:endParaRPr>
+          </a:p>
+        </p:txBody>
+      </p:sp>
+      <p:sp>
+        <p:nvSpPr>
+          <p:cNvPr id="47" name="PlaceHolder 2"/>
           <p:cNvSpPr>
             <a:spLocks noGrp="1"/>
           </p:cNvSpPr>
@@ -867,8 +816,8 @@
         </p:nvSpPr>
         <p:spPr>
           <a:xfrm>
-            <a:off x="685800" y="1981080"/>
-            <a:ext cx="3792600" cy="4114440"/>
+            <a:off x="457200" y="1604520"/>
+            <a:ext cx="4015800" cy="3977280"/>
           </a:xfrm>
           <a:prstGeom prst="rect">
             <a:avLst/>
@@ -879,18 +828,15 @@
             <a:normAutofit/>
           </a:bodyPr>
           <a:p>
-            <a:endParaRPr b="0" lang="fr-CA" sz="2400" spc="-1" strike="noStrike">
-              <a:solidFill>
-                <a:srgbClr val="000000"/>
-              </a:solidFill>
-              <a:latin typeface="Times New Roman"/>
-            </a:endParaRPr>
-          </a:p>
-        </p:txBody>
-      </p:sp>
-      <p:sp>
-        <p:nvSpPr>
-          <p:cNvPr id="54" name="PlaceHolder 3"/>
+            <a:endParaRPr b="0" lang="en-CA" sz="3200" spc="-1" strike="noStrike">
+              <a:latin typeface="Arial"/>
+            </a:endParaRPr>
+          </a:p>
+        </p:txBody>
+      </p:sp>
+      <p:sp>
+        <p:nvSpPr>
+          <p:cNvPr id="48" name="PlaceHolder 3"/>
           <p:cNvSpPr>
             <a:spLocks noGrp="1"/>
           </p:cNvSpPr>
@@ -900,8 +846,8 @@
         </p:nvSpPr>
         <p:spPr>
           <a:xfrm>
-            <a:off x="4668480" y="1981080"/>
-            <a:ext cx="3792600" cy="4114440"/>
+            <a:off x="4674240" y="1604520"/>
+            <a:ext cx="4015800" cy="3977280"/>
           </a:xfrm>
           <a:prstGeom prst="rect">
             <a:avLst/>
@@ -912,11 +858,8 @@
             <a:normAutofit/>
           </a:bodyPr>
           <a:p>
-            <a:endParaRPr b="0" lang="fr-CA" sz="2400" spc="-1" strike="noStrike">
-              <a:solidFill>
-                <a:srgbClr val="000000"/>
-              </a:solidFill>
-              <a:latin typeface="Times New Roman"/>
+            <a:endParaRPr b="0" lang="en-CA" sz="3200" spc="-1" strike="noStrike">
+              <a:latin typeface="Arial"/>
             </a:endParaRPr>
           </a:p>
         </p:txBody>
@@ -945,7 +888,7 @@
       </p:grpSpPr>
       <p:sp>
         <p:nvSpPr>
-          <p:cNvPr id="55" name="PlaceHolder 1"/>
+          <p:cNvPr id="49" name="PlaceHolder 1"/>
           <p:cNvSpPr>
             <a:spLocks noGrp="1"/>
           </p:cNvSpPr>
@@ -955,8 +898,8 @@
         </p:nvSpPr>
         <p:spPr>
           <a:xfrm>
-            <a:off x="684360" y="189000"/>
-            <a:ext cx="7772040" cy="1142640"/>
+            <a:off x="457200" y="273600"/>
+            <a:ext cx="8229240" cy="1144800"/>
           </a:xfrm>
           <a:prstGeom prst="rect">
             <a:avLst/>
@@ -967,11 +910,9 @@
             <a:noAutofit/>
           </a:bodyPr>
           <a:p>
-            <a:endParaRPr b="0" lang="fr-CA" sz="1600" spc="-1" strike="noStrike">
-              <a:solidFill>
-                <a:srgbClr val="000000"/>
-              </a:solidFill>
-              <a:latin typeface="Times New Roman"/>
+            <a:pPr algn="ctr"/>
+            <a:endParaRPr b="0" lang="en-CA" sz="4400" spc="-1" strike="noStrike">
+              <a:latin typeface="Arial"/>
             </a:endParaRPr>
           </a:p>
         </p:txBody>
@@ -1000,7 +941,7 @@
       </p:grpSpPr>
       <p:sp>
         <p:nvSpPr>
-          <p:cNvPr id="56" name="PlaceHolder 1"/>
+          <p:cNvPr id="50" name="PlaceHolder 1"/>
           <p:cNvSpPr>
             <a:spLocks noGrp="1"/>
           </p:cNvSpPr>
@@ -1010,8 +951,8 @@
         </p:nvSpPr>
         <p:spPr>
           <a:xfrm>
-            <a:off x="684360" y="189000"/>
-            <a:ext cx="7772040" cy="5297760"/>
+            <a:off x="457200" y="273600"/>
+            <a:ext cx="8229240" cy="5307840"/>
           </a:xfrm>
           <a:prstGeom prst="rect">
             <a:avLst/>
@@ -1053,7 +994,7 @@
       </p:grpSpPr>
       <p:sp>
         <p:nvSpPr>
-          <p:cNvPr id="57" name="PlaceHolder 1"/>
+          <p:cNvPr id="51" name="PlaceHolder 1"/>
           <p:cNvSpPr>
             <a:spLocks noGrp="1"/>
           </p:cNvSpPr>
@@ -1063,8 +1004,8 @@
         </p:nvSpPr>
         <p:spPr>
           <a:xfrm>
-            <a:off x="684360" y="189000"/>
-            <a:ext cx="7772040" cy="1142640"/>
+            <a:off x="457200" y="273600"/>
+            <a:ext cx="8229240" cy="1144800"/>
           </a:xfrm>
           <a:prstGeom prst="rect">
             <a:avLst/>
@@ -1075,18 +1016,16 @@
             <a:noAutofit/>
           </a:bodyPr>
           <a:p>
-            <a:endParaRPr b="0" lang="fr-CA" sz="1600" spc="-1" strike="noStrike">
-              <a:solidFill>
-                <a:srgbClr val="000000"/>
-              </a:solidFill>
-              <a:latin typeface="Times New Roman"/>
-            </a:endParaRPr>
-          </a:p>
-        </p:txBody>
-      </p:sp>
-      <p:sp>
-        <p:nvSpPr>
-          <p:cNvPr id="58" name="PlaceHolder 2"/>
+            <a:pPr algn="ctr"/>
+            <a:endParaRPr b="0" lang="en-CA" sz="4400" spc="-1" strike="noStrike">
+              <a:latin typeface="Arial"/>
+            </a:endParaRPr>
+          </a:p>
+        </p:txBody>
+      </p:sp>
+      <p:sp>
+        <p:nvSpPr>
+          <p:cNvPr id="52" name="PlaceHolder 2"/>
           <p:cNvSpPr>
             <a:spLocks noGrp="1"/>
           </p:cNvSpPr>
@@ -1096,8 +1035,8 @@
         </p:nvSpPr>
         <p:spPr>
           <a:xfrm>
-            <a:off x="685800" y="1981080"/>
-            <a:ext cx="3792600" cy="1962360"/>
+            <a:off x="457200" y="1604520"/>
+            <a:ext cx="4015800" cy="1896840"/>
           </a:xfrm>
           <a:prstGeom prst="rect">
             <a:avLst/>
@@ -1108,18 +1047,15 @@
             <a:normAutofit/>
           </a:bodyPr>
           <a:p>
-            <a:endParaRPr b="0" lang="fr-CA" sz="2400" spc="-1" strike="noStrike">
-              <a:solidFill>
-                <a:srgbClr val="000000"/>
-              </a:solidFill>
-              <a:latin typeface="Times New Roman"/>
-            </a:endParaRPr>
-          </a:p>
-        </p:txBody>
-      </p:sp>
-      <p:sp>
-        <p:nvSpPr>
-          <p:cNvPr id="59" name="PlaceHolder 3"/>
+            <a:endParaRPr b="0" lang="en-CA" sz="3200" spc="-1" strike="noStrike">
+              <a:latin typeface="Arial"/>
+            </a:endParaRPr>
+          </a:p>
+        </p:txBody>
+      </p:sp>
+      <p:sp>
+        <p:nvSpPr>
+          <p:cNvPr id="53" name="PlaceHolder 3"/>
           <p:cNvSpPr>
             <a:spLocks noGrp="1"/>
           </p:cNvSpPr>
@@ -1129,8 +1065,8 @@
         </p:nvSpPr>
         <p:spPr>
           <a:xfrm>
-            <a:off x="4668480" y="1981080"/>
-            <a:ext cx="3792600" cy="4114440"/>
+            <a:off x="4674240" y="1604520"/>
+            <a:ext cx="4015800" cy="3977280"/>
           </a:xfrm>
           <a:prstGeom prst="rect">
             <a:avLst/>
@@ -1141,18 +1077,15 @@
             <a:normAutofit/>
           </a:bodyPr>
           <a:p>
-            <a:endParaRPr b="0" lang="fr-CA" sz="2400" spc="-1" strike="noStrike">
-              <a:solidFill>
-                <a:srgbClr val="000000"/>
-              </a:solidFill>
-              <a:latin typeface="Times New Roman"/>
-            </a:endParaRPr>
-          </a:p>
-        </p:txBody>
-      </p:sp>
-      <p:sp>
-        <p:nvSpPr>
-          <p:cNvPr id="60" name="PlaceHolder 4"/>
+            <a:endParaRPr b="0" lang="en-CA" sz="3200" spc="-1" strike="noStrike">
+              <a:latin typeface="Arial"/>
+            </a:endParaRPr>
+          </a:p>
+        </p:txBody>
+      </p:sp>
+      <p:sp>
+        <p:nvSpPr>
+          <p:cNvPr id="54" name="PlaceHolder 4"/>
           <p:cNvSpPr>
             <a:spLocks noGrp="1"/>
           </p:cNvSpPr>
@@ -1162,8 +1095,8 @@
         </p:nvSpPr>
         <p:spPr>
           <a:xfrm>
-            <a:off x="685800" y="4130280"/>
-            <a:ext cx="3792600" cy="1962360"/>
+            <a:off x="457200" y="3682080"/>
+            <a:ext cx="4015800" cy="1896840"/>
           </a:xfrm>
           <a:prstGeom prst="rect">
             <a:avLst/>
@@ -1174,11 +1107,8 @@
             <a:normAutofit/>
           </a:bodyPr>
           <a:p>
-            <a:endParaRPr b="0" lang="fr-CA" sz="2400" spc="-1" strike="noStrike">
-              <a:solidFill>
-                <a:srgbClr val="000000"/>
-              </a:solidFill>
-              <a:latin typeface="Times New Roman"/>
+            <a:endParaRPr b="0" lang="en-CA" sz="3200" spc="-1" strike="noStrike">
+              <a:latin typeface="Arial"/>
             </a:endParaRPr>
           </a:p>
         </p:txBody>
@@ -1207,7 +1137,7 @@
       </p:grpSpPr>
       <p:sp>
         <p:nvSpPr>
-          <p:cNvPr id="6" name="PlaceHolder 1"/>
+          <p:cNvPr id="3" name="PlaceHolder 1"/>
           <p:cNvSpPr>
             <a:spLocks noGrp="1"/>
           </p:cNvSpPr>
@@ -1217,8 +1147,8 @@
         </p:nvSpPr>
         <p:spPr>
           <a:xfrm>
-            <a:off x="684360" y="189000"/>
-            <a:ext cx="7772040" cy="1142640"/>
+            <a:off x="457200" y="273600"/>
+            <a:ext cx="8229240" cy="1144800"/>
           </a:xfrm>
           <a:prstGeom prst="rect">
             <a:avLst/>
@@ -1229,18 +1159,16 @@
             <a:noAutofit/>
           </a:bodyPr>
           <a:p>
-            <a:endParaRPr b="0" lang="fr-CA" sz="1600" spc="-1" strike="noStrike">
-              <a:solidFill>
-                <a:srgbClr val="000000"/>
-              </a:solidFill>
-              <a:latin typeface="Times New Roman"/>
-            </a:endParaRPr>
-          </a:p>
-        </p:txBody>
-      </p:sp>
-      <p:sp>
-        <p:nvSpPr>
-          <p:cNvPr id="7" name="PlaceHolder 2"/>
+            <a:pPr algn="ctr"/>
+            <a:endParaRPr b="0" lang="en-CA" sz="4400" spc="-1" strike="noStrike">
+              <a:latin typeface="Arial"/>
+            </a:endParaRPr>
+          </a:p>
+        </p:txBody>
+      </p:sp>
+      <p:sp>
+        <p:nvSpPr>
+          <p:cNvPr id="4" name="PlaceHolder 2"/>
           <p:cNvSpPr>
             <a:spLocks noGrp="1"/>
           </p:cNvSpPr>
@@ -1250,8 +1178,8 @@
         </p:nvSpPr>
         <p:spPr>
           <a:xfrm>
-            <a:off x="685800" y="1981080"/>
-            <a:ext cx="7772040" cy="4114440"/>
+            <a:off x="457200" y="1604520"/>
+            <a:ext cx="8229240" cy="3977280"/>
           </a:xfrm>
           <a:prstGeom prst="rect">
             <a:avLst/>
@@ -1293,7 +1221,7 @@
       </p:grpSpPr>
       <p:sp>
         <p:nvSpPr>
-          <p:cNvPr id="61" name="PlaceHolder 1"/>
+          <p:cNvPr id="55" name="PlaceHolder 1"/>
           <p:cNvSpPr>
             <a:spLocks noGrp="1"/>
           </p:cNvSpPr>
@@ -1303,8 +1231,8 @@
         </p:nvSpPr>
         <p:spPr>
           <a:xfrm>
-            <a:off x="684360" y="189000"/>
-            <a:ext cx="7772040" cy="1142640"/>
+            <a:off x="457200" y="273600"/>
+            <a:ext cx="8229240" cy="1144800"/>
           </a:xfrm>
           <a:prstGeom prst="rect">
             <a:avLst/>
@@ -1315,18 +1243,16 @@
             <a:noAutofit/>
           </a:bodyPr>
           <a:p>
-            <a:endParaRPr b="0" lang="fr-CA" sz="1600" spc="-1" strike="noStrike">
-              <a:solidFill>
-                <a:srgbClr val="000000"/>
-              </a:solidFill>
-              <a:latin typeface="Times New Roman"/>
-            </a:endParaRPr>
-          </a:p>
-        </p:txBody>
-      </p:sp>
-      <p:sp>
-        <p:nvSpPr>
-          <p:cNvPr id="62" name="PlaceHolder 2"/>
+            <a:pPr algn="ctr"/>
+            <a:endParaRPr b="0" lang="en-CA" sz="4400" spc="-1" strike="noStrike">
+              <a:latin typeface="Arial"/>
+            </a:endParaRPr>
+          </a:p>
+        </p:txBody>
+      </p:sp>
+      <p:sp>
+        <p:nvSpPr>
+          <p:cNvPr id="56" name="PlaceHolder 2"/>
           <p:cNvSpPr>
             <a:spLocks noGrp="1"/>
           </p:cNvSpPr>
@@ -1336,8 +1262,8 @@
         </p:nvSpPr>
         <p:spPr>
           <a:xfrm>
-            <a:off x="685800" y="1981080"/>
-            <a:ext cx="3792600" cy="4114440"/>
+            <a:off x="457200" y="1604520"/>
+            <a:ext cx="4015800" cy="3977280"/>
           </a:xfrm>
           <a:prstGeom prst="rect">
             <a:avLst/>
@@ -1348,18 +1274,15 @@
             <a:normAutofit/>
           </a:bodyPr>
           <a:p>
-            <a:endParaRPr b="0" lang="fr-CA" sz="2400" spc="-1" strike="noStrike">
-              <a:solidFill>
-                <a:srgbClr val="000000"/>
-              </a:solidFill>
-              <a:latin typeface="Times New Roman"/>
-            </a:endParaRPr>
-          </a:p>
-        </p:txBody>
-      </p:sp>
-      <p:sp>
-        <p:nvSpPr>
-          <p:cNvPr id="63" name="PlaceHolder 3"/>
+            <a:endParaRPr b="0" lang="en-CA" sz="3200" spc="-1" strike="noStrike">
+              <a:latin typeface="Arial"/>
+            </a:endParaRPr>
+          </a:p>
+        </p:txBody>
+      </p:sp>
+      <p:sp>
+        <p:nvSpPr>
+          <p:cNvPr id="57" name="PlaceHolder 3"/>
           <p:cNvSpPr>
             <a:spLocks noGrp="1"/>
           </p:cNvSpPr>
@@ -1369,8 +1292,8 @@
         </p:nvSpPr>
         <p:spPr>
           <a:xfrm>
-            <a:off x="4668480" y="1981080"/>
-            <a:ext cx="3792600" cy="1962360"/>
+            <a:off x="4674240" y="1604520"/>
+            <a:ext cx="4015800" cy="1896840"/>
           </a:xfrm>
           <a:prstGeom prst="rect">
             <a:avLst/>
@@ -1381,18 +1304,15 @@
             <a:normAutofit/>
           </a:bodyPr>
           <a:p>
-            <a:endParaRPr b="0" lang="fr-CA" sz="2400" spc="-1" strike="noStrike">
-              <a:solidFill>
-                <a:srgbClr val="000000"/>
-              </a:solidFill>
-              <a:latin typeface="Times New Roman"/>
-            </a:endParaRPr>
-          </a:p>
-        </p:txBody>
-      </p:sp>
-      <p:sp>
-        <p:nvSpPr>
-          <p:cNvPr id="64" name="PlaceHolder 4"/>
+            <a:endParaRPr b="0" lang="en-CA" sz="3200" spc="-1" strike="noStrike">
+              <a:latin typeface="Arial"/>
+            </a:endParaRPr>
+          </a:p>
+        </p:txBody>
+      </p:sp>
+      <p:sp>
+        <p:nvSpPr>
+          <p:cNvPr id="58" name="PlaceHolder 4"/>
           <p:cNvSpPr>
             <a:spLocks noGrp="1"/>
           </p:cNvSpPr>
@@ -1402,8 +1322,8 @@
         </p:nvSpPr>
         <p:spPr>
           <a:xfrm>
-            <a:off x="4668480" y="4130280"/>
-            <a:ext cx="3792600" cy="1962360"/>
+            <a:off x="4674240" y="3682080"/>
+            <a:ext cx="4015800" cy="1896840"/>
           </a:xfrm>
           <a:prstGeom prst="rect">
             <a:avLst/>
@@ -1414,11 +1334,8 @@
             <a:normAutofit/>
           </a:bodyPr>
           <a:p>
-            <a:endParaRPr b="0" lang="fr-CA" sz="2400" spc="-1" strike="noStrike">
-              <a:solidFill>
-                <a:srgbClr val="000000"/>
-              </a:solidFill>
-              <a:latin typeface="Times New Roman"/>
+            <a:endParaRPr b="0" lang="en-CA" sz="3200" spc="-1" strike="noStrike">
+              <a:latin typeface="Arial"/>
             </a:endParaRPr>
           </a:p>
         </p:txBody>
@@ -1447,7 +1364,7 @@
       </p:grpSpPr>
       <p:sp>
         <p:nvSpPr>
-          <p:cNvPr id="65" name="PlaceHolder 1"/>
+          <p:cNvPr id="59" name="PlaceHolder 1"/>
           <p:cNvSpPr>
             <a:spLocks noGrp="1"/>
           </p:cNvSpPr>
@@ -1457,8 +1374,8 @@
         </p:nvSpPr>
         <p:spPr>
           <a:xfrm>
-            <a:off x="684360" y="189000"/>
-            <a:ext cx="7772040" cy="1142640"/>
+            <a:off x="457200" y="273600"/>
+            <a:ext cx="8229240" cy="1144800"/>
           </a:xfrm>
           <a:prstGeom prst="rect">
             <a:avLst/>
@@ -1469,18 +1386,16 @@
             <a:noAutofit/>
           </a:bodyPr>
           <a:p>
-            <a:endParaRPr b="0" lang="fr-CA" sz="1600" spc="-1" strike="noStrike">
-              <a:solidFill>
-                <a:srgbClr val="000000"/>
-              </a:solidFill>
-              <a:latin typeface="Times New Roman"/>
-            </a:endParaRPr>
-          </a:p>
-        </p:txBody>
-      </p:sp>
-      <p:sp>
-        <p:nvSpPr>
-          <p:cNvPr id="66" name="PlaceHolder 2"/>
+            <a:pPr algn="ctr"/>
+            <a:endParaRPr b="0" lang="en-CA" sz="4400" spc="-1" strike="noStrike">
+              <a:latin typeface="Arial"/>
+            </a:endParaRPr>
+          </a:p>
+        </p:txBody>
+      </p:sp>
+      <p:sp>
+        <p:nvSpPr>
+          <p:cNvPr id="60" name="PlaceHolder 2"/>
           <p:cNvSpPr>
             <a:spLocks noGrp="1"/>
           </p:cNvSpPr>
@@ -1490,8 +1405,8 @@
         </p:nvSpPr>
         <p:spPr>
           <a:xfrm>
-            <a:off x="685800" y="1981080"/>
-            <a:ext cx="3792600" cy="1962360"/>
+            <a:off x="457200" y="1604520"/>
+            <a:ext cx="4015800" cy="1896840"/>
           </a:xfrm>
           <a:prstGeom prst="rect">
             <a:avLst/>
@@ -1502,18 +1417,15 @@
             <a:normAutofit/>
           </a:bodyPr>
           <a:p>
-            <a:endParaRPr b="0" lang="fr-CA" sz="2400" spc="-1" strike="noStrike">
-              <a:solidFill>
-                <a:srgbClr val="000000"/>
-              </a:solidFill>
-              <a:latin typeface="Times New Roman"/>
-            </a:endParaRPr>
-          </a:p>
-        </p:txBody>
-      </p:sp>
-      <p:sp>
-        <p:nvSpPr>
-          <p:cNvPr id="67" name="PlaceHolder 3"/>
+            <a:endParaRPr b="0" lang="en-CA" sz="3200" spc="-1" strike="noStrike">
+              <a:latin typeface="Arial"/>
+            </a:endParaRPr>
+          </a:p>
+        </p:txBody>
+      </p:sp>
+      <p:sp>
+        <p:nvSpPr>
+          <p:cNvPr id="61" name="PlaceHolder 3"/>
           <p:cNvSpPr>
             <a:spLocks noGrp="1"/>
           </p:cNvSpPr>
@@ -1523,8 +1435,8 @@
         </p:nvSpPr>
         <p:spPr>
           <a:xfrm>
-            <a:off x="4668480" y="1981080"/>
-            <a:ext cx="3792600" cy="1962360"/>
+            <a:off x="4674240" y="1604520"/>
+            <a:ext cx="4015800" cy="1896840"/>
           </a:xfrm>
           <a:prstGeom prst="rect">
             <a:avLst/>
@@ -1535,18 +1447,15 @@
             <a:normAutofit/>
           </a:bodyPr>
           <a:p>
-            <a:endParaRPr b="0" lang="fr-CA" sz="2400" spc="-1" strike="noStrike">
-              <a:solidFill>
-                <a:srgbClr val="000000"/>
-              </a:solidFill>
-              <a:latin typeface="Times New Roman"/>
-            </a:endParaRPr>
-          </a:p>
-        </p:txBody>
-      </p:sp>
-      <p:sp>
-        <p:nvSpPr>
-          <p:cNvPr id="68" name="PlaceHolder 4"/>
+            <a:endParaRPr b="0" lang="en-CA" sz="3200" spc="-1" strike="noStrike">
+              <a:latin typeface="Arial"/>
+            </a:endParaRPr>
+          </a:p>
+        </p:txBody>
+      </p:sp>
+      <p:sp>
+        <p:nvSpPr>
+          <p:cNvPr id="62" name="PlaceHolder 4"/>
           <p:cNvSpPr>
             <a:spLocks noGrp="1"/>
           </p:cNvSpPr>
@@ -1556,8 +1465,8 @@
         </p:nvSpPr>
         <p:spPr>
           <a:xfrm>
-            <a:off x="685800" y="4130280"/>
-            <a:ext cx="7772040" cy="1962360"/>
+            <a:off x="457200" y="3682080"/>
+            <a:ext cx="8229240" cy="1896840"/>
           </a:xfrm>
           <a:prstGeom prst="rect">
             <a:avLst/>
@@ -1568,11 +1477,8 @@
             <a:normAutofit/>
           </a:bodyPr>
           <a:p>
-            <a:endParaRPr b="0" lang="fr-CA" sz="2400" spc="-1" strike="noStrike">
-              <a:solidFill>
-                <a:srgbClr val="000000"/>
-              </a:solidFill>
-              <a:latin typeface="Times New Roman"/>
+            <a:endParaRPr b="0" lang="en-CA" sz="3200" spc="-1" strike="noStrike">
+              <a:latin typeface="Arial"/>
             </a:endParaRPr>
           </a:p>
         </p:txBody>
@@ -1601,7 +1507,7 @@
       </p:grpSpPr>
       <p:sp>
         <p:nvSpPr>
-          <p:cNvPr id="69" name="PlaceHolder 1"/>
+          <p:cNvPr id="63" name="PlaceHolder 1"/>
           <p:cNvSpPr>
             <a:spLocks noGrp="1"/>
           </p:cNvSpPr>
@@ -1611,8 +1517,8 @@
         </p:nvSpPr>
         <p:spPr>
           <a:xfrm>
-            <a:off x="684360" y="189000"/>
-            <a:ext cx="7772040" cy="1142640"/>
+            <a:off x="457200" y="273600"/>
+            <a:ext cx="8229240" cy="1144800"/>
           </a:xfrm>
           <a:prstGeom prst="rect">
             <a:avLst/>
@@ -1623,18 +1529,16 @@
             <a:noAutofit/>
           </a:bodyPr>
           <a:p>
-            <a:endParaRPr b="0" lang="fr-CA" sz="1600" spc="-1" strike="noStrike">
-              <a:solidFill>
-                <a:srgbClr val="000000"/>
-              </a:solidFill>
-              <a:latin typeface="Times New Roman"/>
-            </a:endParaRPr>
-          </a:p>
-        </p:txBody>
-      </p:sp>
-      <p:sp>
-        <p:nvSpPr>
-          <p:cNvPr id="70" name="PlaceHolder 2"/>
+            <a:pPr algn="ctr"/>
+            <a:endParaRPr b="0" lang="en-CA" sz="4400" spc="-1" strike="noStrike">
+              <a:latin typeface="Arial"/>
+            </a:endParaRPr>
+          </a:p>
+        </p:txBody>
+      </p:sp>
+      <p:sp>
+        <p:nvSpPr>
+          <p:cNvPr id="64" name="PlaceHolder 2"/>
           <p:cNvSpPr>
             <a:spLocks noGrp="1"/>
           </p:cNvSpPr>
@@ -1644,8 +1548,8 @@
         </p:nvSpPr>
         <p:spPr>
           <a:xfrm>
-            <a:off x="685800" y="1981080"/>
-            <a:ext cx="7772040" cy="1962360"/>
+            <a:off x="457200" y="1604520"/>
+            <a:ext cx="8229240" cy="1896840"/>
           </a:xfrm>
           <a:prstGeom prst="rect">
             <a:avLst/>
@@ -1656,18 +1560,15 @@
             <a:normAutofit/>
           </a:bodyPr>
           <a:p>
-            <a:endParaRPr b="0" lang="fr-CA" sz="2400" spc="-1" strike="noStrike">
-              <a:solidFill>
-                <a:srgbClr val="000000"/>
-              </a:solidFill>
-              <a:latin typeface="Times New Roman"/>
-            </a:endParaRPr>
-          </a:p>
-        </p:txBody>
-      </p:sp>
-      <p:sp>
-        <p:nvSpPr>
-          <p:cNvPr id="71" name="PlaceHolder 3"/>
+            <a:endParaRPr b="0" lang="en-CA" sz="3200" spc="-1" strike="noStrike">
+              <a:latin typeface="Arial"/>
+            </a:endParaRPr>
+          </a:p>
+        </p:txBody>
+      </p:sp>
+      <p:sp>
+        <p:nvSpPr>
+          <p:cNvPr id="65" name="PlaceHolder 3"/>
           <p:cNvSpPr>
             <a:spLocks noGrp="1"/>
           </p:cNvSpPr>
@@ -1677,8 +1578,8 @@
         </p:nvSpPr>
         <p:spPr>
           <a:xfrm>
-            <a:off x="685800" y="4130280"/>
-            <a:ext cx="7772040" cy="1962360"/>
+            <a:off x="457200" y="3682080"/>
+            <a:ext cx="8229240" cy="1896840"/>
           </a:xfrm>
           <a:prstGeom prst="rect">
             <a:avLst/>
@@ -1689,11 +1590,8 @@
             <a:normAutofit/>
           </a:bodyPr>
           <a:p>
-            <a:endParaRPr b="0" lang="fr-CA" sz="2400" spc="-1" strike="noStrike">
-              <a:solidFill>
-                <a:srgbClr val="000000"/>
-              </a:solidFill>
-              <a:latin typeface="Times New Roman"/>
+            <a:endParaRPr b="0" lang="en-CA" sz="3200" spc="-1" strike="noStrike">
+              <a:latin typeface="Arial"/>
             </a:endParaRPr>
           </a:p>
         </p:txBody>
@@ -1722,7 +1620,7 @@
       </p:grpSpPr>
       <p:sp>
         <p:nvSpPr>
-          <p:cNvPr id="72" name="PlaceHolder 1"/>
+          <p:cNvPr id="66" name="PlaceHolder 1"/>
           <p:cNvSpPr>
             <a:spLocks noGrp="1"/>
           </p:cNvSpPr>
@@ -1732,8 +1630,8 @@
         </p:nvSpPr>
         <p:spPr>
           <a:xfrm>
-            <a:off x="684360" y="189000"/>
-            <a:ext cx="7772040" cy="1142640"/>
+            <a:off x="457200" y="273600"/>
+            <a:ext cx="8229240" cy="1144800"/>
           </a:xfrm>
           <a:prstGeom prst="rect">
             <a:avLst/>
@@ -1744,18 +1642,16 @@
             <a:noAutofit/>
           </a:bodyPr>
           <a:p>
-            <a:endParaRPr b="0" lang="fr-CA" sz="1600" spc="-1" strike="noStrike">
-              <a:solidFill>
-                <a:srgbClr val="000000"/>
-              </a:solidFill>
-              <a:latin typeface="Times New Roman"/>
-            </a:endParaRPr>
-          </a:p>
-        </p:txBody>
-      </p:sp>
-      <p:sp>
-        <p:nvSpPr>
-          <p:cNvPr id="73" name="PlaceHolder 2"/>
+            <a:pPr algn="ctr"/>
+            <a:endParaRPr b="0" lang="en-CA" sz="4400" spc="-1" strike="noStrike">
+              <a:latin typeface="Arial"/>
+            </a:endParaRPr>
+          </a:p>
+        </p:txBody>
+      </p:sp>
+      <p:sp>
+        <p:nvSpPr>
+          <p:cNvPr id="67" name="PlaceHolder 2"/>
           <p:cNvSpPr>
             <a:spLocks noGrp="1"/>
           </p:cNvSpPr>
@@ -1765,8 +1661,8 @@
         </p:nvSpPr>
         <p:spPr>
           <a:xfrm>
-            <a:off x="685800" y="1981080"/>
-            <a:ext cx="3792600" cy="1962360"/>
+            <a:off x="457200" y="1604520"/>
+            <a:ext cx="4015800" cy="1896840"/>
           </a:xfrm>
           <a:prstGeom prst="rect">
             <a:avLst/>
@@ -1777,18 +1673,15 @@
             <a:normAutofit/>
           </a:bodyPr>
           <a:p>
-            <a:endParaRPr b="0" lang="fr-CA" sz="2400" spc="-1" strike="noStrike">
-              <a:solidFill>
-                <a:srgbClr val="000000"/>
-              </a:solidFill>
-              <a:latin typeface="Times New Roman"/>
-            </a:endParaRPr>
-          </a:p>
-        </p:txBody>
-      </p:sp>
-      <p:sp>
-        <p:nvSpPr>
-          <p:cNvPr id="74" name="PlaceHolder 3"/>
+            <a:endParaRPr b="0" lang="en-CA" sz="3200" spc="-1" strike="noStrike">
+              <a:latin typeface="Arial"/>
+            </a:endParaRPr>
+          </a:p>
+        </p:txBody>
+      </p:sp>
+      <p:sp>
+        <p:nvSpPr>
+          <p:cNvPr id="68" name="PlaceHolder 3"/>
           <p:cNvSpPr>
             <a:spLocks noGrp="1"/>
           </p:cNvSpPr>
@@ -1798,8 +1691,8 @@
         </p:nvSpPr>
         <p:spPr>
           <a:xfrm>
-            <a:off x="4668480" y="1981080"/>
-            <a:ext cx="3792600" cy="1962360"/>
+            <a:off x="4674240" y="1604520"/>
+            <a:ext cx="4015800" cy="1896840"/>
           </a:xfrm>
           <a:prstGeom prst="rect">
             <a:avLst/>
@@ -1810,18 +1703,15 @@
             <a:normAutofit/>
           </a:bodyPr>
           <a:p>
-            <a:endParaRPr b="0" lang="fr-CA" sz="2400" spc="-1" strike="noStrike">
-              <a:solidFill>
-                <a:srgbClr val="000000"/>
-              </a:solidFill>
-              <a:latin typeface="Times New Roman"/>
-            </a:endParaRPr>
-          </a:p>
-        </p:txBody>
-      </p:sp>
-      <p:sp>
-        <p:nvSpPr>
-          <p:cNvPr id="75" name="PlaceHolder 4"/>
+            <a:endParaRPr b="0" lang="en-CA" sz="3200" spc="-1" strike="noStrike">
+              <a:latin typeface="Arial"/>
+            </a:endParaRPr>
+          </a:p>
+        </p:txBody>
+      </p:sp>
+      <p:sp>
+        <p:nvSpPr>
+          <p:cNvPr id="69" name="PlaceHolder 4"/>
           <p:cNvSpPr>
             <a:spLocks noGrp="1"/>
           </p:cNvSpPr>
@@ -1831,8 +1721,8 @@
         </p:nvSpPr>
         <p:spPr>
           <a:xfrm>
-            <a:off x="685800" y="4130280"/>
-            <a:ext cx="3792600" cy="1962360"/>
+            <a:off x="457200" y="3682080"/>
+            <a:ext cx="4015800" cy="1896840"/>
           </a:xfrm>
           <a:prstGeom prst="rect">
             <a:avLst/>
@@ -1843,18 +1733,15 @@
             <a:normAutofit/>
           </a:bodyPr>
           <a:p>
-            <a:endParaRPr b="0" lang="fr-CA" sz="2400" spc="-1" strike="noStrike">
-              <a:solidFill>
-                <a:srgbClr val="000000"/>
-              </a:solidFill>
-              <a:latin typeface="Times New Roman"/>
-            </a:endParaRPr>
-          </a:p>
-        </p:txBody>
-      </p:sp>
-      <p:sp>
-        <p:nvSpPr>
-          <p:cNvPr id="76" name="PlaceHolder 5"/>
+            <a:endParaRPr b="0" lang="en-CA" sz="3200" spc="-1" strike="noStrike">
+              <a:latin typeface="Arial"/>
+            </a:endParaRPr>
+          </a:p>
+        </p:txBody>
+      </p:sp>
+      <p:sp>
+        <p:nvSpPr>
+          <p:cNvPr id="70" name="PlaceHolder 5"/>
           <p:cNvSpPr>
             <a:spLocks noGrp="1"/>
           </p:cNvSpPr>
@@ -1864,8 +1751,8 @@
         </p:nvSpPr>
         <p:spPr>
           <a:xfrm>
-            <a:off x="4668480" y="4130280"/>
-            <a:ext cx="3792600" cy="1962360"/>
+            <a:off x="4674240" y="3682080"/>
+            <a:ext cx="4015800" cy="1896840"/>
           </a:xfrm>
           <a:prstGeom prst="rect">
             <a:avLst/>
@@ -1876,11 +1763,8 @@
             <a:normAutofit/>
           </a:bodyPr>
           <a:p>
-            <a:endParaRPr b="0" lang="fr-CA" sz="2400" spc="-1" strike="noStrike">
-              <a:solidFill>
-                <a:srgbClr val="000000"/>
-              </a:solidFill>
-              <a:latin typeface="Times New Roman"/>
+            <a:endParaRPr b="0" lang="en-CA" sz="3200" spc="-1" strike="noStrike">
+              <a:latin typeface="Arial"/>
             </a:endParaRPr>
           </a:p>
         </p:txBody>
@@ -1909,7 +1793,7 @@
       </p:grpSpPr>
       <p:sp>
         <p:nvSpPr>
-          <p:cNvPr id="77" name="PlaceHolder 1"/>
+          <p:cNvPr id="71" name="PlaceHolder 1"/>
           <p:cNvSpPr>
             <a:spLocks noGrp="1"/>
           </p:cNvSpPr>
@@ -1919,8 +1803,8 @@
         </p:nvSpPr>
         <p:spPr>
           <a:xfrm>
-            <a:off x="684360" y="189000"/>
-            <a:ext cx="7772040" cy="1142640"/>
+            <a:off x="457200" y="273600"/>
+            <a:ext cx="8229240" cy="1144800"/>
           </a:xfrm>
           <a:prstGeom prst="rect">
             <a:avLst/>
@@ -1931,18 +1815,16 @@
             <a:noAutofit/>
           </a:bodyPr>
           <a:p>
-            <a:endParaRPr b="0" lang="fr-CA" sz="1600" spc="-1" strike="noStrike">
-              <a:solidFill>
-                <a:srgbClr val="000000"/>
-              </a:solidFill>
-              <a:latin typeface="Times New Roman"/>
-            </a:endParaRPr>
-          </a:p>
-        </p:txBody>
-      </p:sp>
-      <p:sp>
-        <p:nvSpPr>
-          <p:cNvPr id="78" name="PlaceHolder 2"/>
+            <a:pPr algn="ctr"/>
+            <a:endParaRPr b="0" lang="en-CA" sz="4400" spc="-1" strike="noStrike">
+              <a:latin typeface="Arial"/>
+            </a:endParaRPr>
+          </a:p>
+        </p:txBody>
+      </p:sp>
+      <p:sp>
+        <p:nvSpPr>
+          <p:cNvPr id="72" name="PlaceHolder 2"/>
           <p:cNvSpPr>
             <a:spLocks noGrp="1"/>
           </p:cNvSpPr>
@@ -1952,8 +1834,8 @@
         </p:nvSpPr>
         <p:spPr>
           <a:xfrm>
-            <a:off x="685800" y="1981080"/>
-            <a:ext cx="2502360" cy="1962360"/>
+            <a:off x="457200" y="1604520"/>
+            <a:ext cx="2649600" cy="1896840"/>
           </a:xfrm>
           <a:prstGeom prst="rect">
             <a:avLst/>
@@ -1964,18 +1846,15 @@
             <a:normAutofit/>
           </a:bodyPr>
           <a:p>
-            <a:endParaRPr b="0" lang="fr-CA" sz="2400" spc="-1" strike="noStrike">
-              <a:solidFill>
-                <a:srgbClr val="000000"/>
-              </a:solidFill>
-              <a:latin typeface="Times New Roman"/>
-            </a:endParaRPr>
-          </a:p>
-        </p:txBody>
-      </p:sp>
-      <p:sp>
-        <p:nvSpPr>
-          <p:cNvPr id="79" name="PlaceHolder 3"/>
+            <a:endParaRPr b="0" lang="en-CA" sz="3200" spc="-1" strike="noStrike">
+              <a:latin typeface="Arial"/>
+            </a:endParaRPr>
+          </a:p>
+        </p:txBody>
+      </p:sp>
+      <p:sp>
+        <p:nvSpPr>
+          <p:cNvPr id="73" name="PlaceHolder 3"/>
           <p:cNvSpPr>
             <a:spLocks noGrp="1"/>
           </p:cNvSpPr>
@@ -1985,8 +1864,8 @@
         </p:nvSpPr>
         <p:spPr>
           <a:xfrm>
-            <a:off x="3313800" y="1981080"/>
-            <a:ext cx="2502360" cy="1962360"/>
+            <a:off x="3239640" y="1604520"/>
+            <a:ext cx="2649600" cy="1896840"/>
           </a:xfrm>
           <a:prstGeom prst="rect">
             <a:avLst/>
@@ -1997,18 +1876,15 @@
             <a:normAutofit/>
           </a:bodyPr>
           <a:p>
-            <a:endParaRPr b="0" lang="fr-CA" sz="2400" spc="-1" strike="noStrike">
-              <a:solidFill>
-                <a:srgbClr val="000000"/>
-              </a:solidFill>
-              <a:latin typeface="Times New Roman"/>
-            </a:endParaRPr>
-          </a:p>
-        </p:txBody>
-      </p:sp>
-      <p:sp>
-        <p:nvSpPr>
-          <p:cNvPr id="80" name="PlaceHolder 4"/>
+            <a:endParaRPr b="0" lang="en-CA" sz="3200" spc="-1" strike="noStrike">
+              <a:latin typeface="Arial"/>
+            </a:endParaRPr>
+          </a:p>
+        </p:txBody>
+      </p:sp>
+      <p:sp>
+        <p:nvSpPr>
+          <p:cNvPr id="74" name="PlaceHolder 4"/>
           <p:cNvSpPr>
             <a:spLocks noGrp="1"/>
           </p:cNvSpPr>
@@ -2018,8 +1894,8 @@
         </p:nvSpPr>
         <p:spPr>
           <a:xfrm>
-            <a:off x="5941440" y="1981080"/>
-            <a:ext cx="2502360" cy="1962360"/>
+            <a:off x="6022080" y="1604520"/>
+            <a:ext cx="2649600" cy="1896840"/>
           </a:xfrm>
           <a:prstGeom prst="rect">
             <a:avLst/>
@@ -2030,18 +1906,15 @@
             <a:normAutofit/>
           </a:bodyPr>
           <a:p>
-            <a:endParaRPr b="0" lang="fr-CA" sz="2400" spc="-1" strike="noStrike">
-              <a:solidFill>
-                <a:srgbClr val="000000"/>
-              </a:solidFill>
-              <a:latin typeface="Times New Roman"/>
-            </a:endParaRPr>
-          </a:p>
-        </p:txBody>
-      </p:sp>
-      <p:sp>
-        <p:nvSpPr>
-          <p:cNvPr id="81" name="PlaceHolder 5"/>
+            <a:endParaRPr b="0" lang="en-CA" sz="3200" spc="-1" strike="noStrike">
+              <a:latin typeface="Arial"/>
+            </a:endParaRPr>
+          </a:p>
+        </p:txBody>
+      </p:sp>
+      <p:sp>
+        <p:nvSpPr>
+          <p:cNvPr id="75" name="PlaceHolder 5"/>
           <p:cNvSpPr>
             <a:spLocks noGrp="1"/>
           </p:cNvSpPr>
@@ -2051,8 +1924,8 @@
         </p:nvSpPr>
         <p:spPr>
           <a:xfrm>
-            <a:off x="685800" y="4130280"/>
-            <a:ext cx="2502360" cy="1962360"/>
+            <a:off x="457200" y="3682080"/>
+            <a:ext cx="2649600" cy="1896840"/>
           </a:xfrm>
           <a:prstGeom prst="rect">
             <a:avLst/>
@@ -2063,18 +1936,15 @@
             <a:normAutofit/>
           </a:bodyPr>
           <a:p>
-            <a:endParaRPr b="0" lang="fr-CA" sz="2400" spc="-1" strike="noStrike">
-              <a:solidFill>
-                <a:srgbClr val="000000"/>
-              </a:solidFill>
-              <a:latin typeface="Times New Roman"/>
-            </a:endParaRPr>
-          </a:p>
-        </p:txBody>
-      </p:sp>
-      <p:sp>
-        <p:nvSpPr>
-          <p:cNvPr id="82" name="PlaceHolder 6"/>
+            <a:endParaRPr b="0" lang="en-CA" sz="3200" spc="-1" strike="noStrike">
+              <a:latin typeface="Arial"/>
+            </a:endParaRPr>
+          </a:p>
+        </p:txBody>
+      </p:sp>
+      <p:sp>
+        <p:nvSpPr>
+          <p:cNvPr id="76" name="PlaceHolder 6"/>
           <p:cNvSpPr>
             <a:spLocks noGrp="1"/>
           </p:cNvSpPr>
@@ -2084,8 +1954,8 @@
         </p:nvSpPr>
         <p:spPr>
           <a:xfrm>
-            <a:off x="3313800" y="4130280"/>
-            <a:ext cx="2502360" cy="1962360"/>
+            <a:off x="3239640" y="3682080"/>
+            <a:ext cx="2649600" cy="1896840"/>
           </a:xfrm>
           <a:prstGeom prst="rect">
             <a:avLst/>
@@ -2096,18 +1966,15 @@
             <a:normAutofit/>
           </a:bodyPr>
           <a:p>
-            <a:endParaRPr b="0" lang="fr-CA" sz="2400" spc="-1" strike="noStrike">
-              <a:solidFill>
-                <a:srgbClr val="000000"/>
-              </a:solidFill>
-              <a:latin typeface="Times New Roman"/>
-            </a:endParaRPr>
-          </a:p>
-        </p:txBody>
-      </p:sp>
-      <p:sp>
-        <p:nvSpPr>
-          <p:cNvPr id="83" name="PlaceHolder 7"/>
+            <a:endParaRPr b="0" lang="en-CA" sz="3200" spc="-1" strike="noStrike">
+              <a:latin typeface="Arial"/>
+            </a:endParaRPr>
+          </a:p>
+        </p:txBody>
+      </p:sp>
+      <p:sp>
+        <p:nvSpPr>
+          <p:cNvPr id="77" name="PlaceHolder 7"/>
           <p:cNvSpPr>
             <a:spLocks noGrp="1"/>
           </p:cNvSpPr>
@@ -2117,8 +1984,8 @@
         </p:nvSpPr>
         <p:spPr>
           <a:xfrm>
-            <a:off x="5941440" y="4130280"/>
-            <a:ext cx="2502360" cy="1962360"/>
+            <a:off x="6022080" y="3682080"/>
+            <a:ext cx="2649600" cy="1896840"/>
           </a:xfrm>
           <a:prstGeom prst="rect">
             <a:avLst/>
@@ -2129,11 +1996,8 @@
             <a:normAutofit/>
           </a:bodyPr>
           <a:p>
-            <a:endParaRPr b="0" lang="fr-CA" sz="2400" spc="-1" strike="noStrike">
-              <a:solidFill>
-                <a:srgbClr val="000000"/>
-              </a:solidFill>
-              <a:latin typeface="Times New Roman"/>
+            <a:endParaRPr b="0" lang="en-CA" sz="3200" spc="-1" strike="noStrike">
+              <a:latin typeface="Arial"/>
             </a:endParaRPr>
           </a:p>
         </p:txBody>
@@ -2162,7 +2026,7 @@
       </p:grpSpPr>
       <p:sp>
         <p:nvSpPr>
-          <p:cNvPr id="8" name="PlaceHolder 1"/>
+          <p:cNvPr id="5" name="PlaceHolder 1"/>
           <p:cNvSpPr>
             <a:spLocks noGrp="1"/>
           </p:cNvSpPr>
@@ -2172,8 +2036,8 @@
         </p:nvSpPr>
         <p:spPr>
           <a:xfrm>
-            <a:off x="684360" y="189000"/>
-            <a:ext cx="7772040" cy="1142640"/>
+            <a:off x="457200" y="273600"/>
+            <a:ext cx="8229240" cy="1144800"/>
           </a:xfrm>
           <a:prstGeom prst="rect">
             <a:avLst/>
@@ -2184,18 +2048,16 @@
             <a:noAutofit/>
           </a:bodyPr>
           <a:p>
-            <a:endParaRPr b="0" lang="fr-CA" sz="1600" spc="-1" strike="noStrike">
-              <a:solidFill>
-                <a:srgbClr val="000000"/>
-              </a:solidFill>
-              <a:latin typeface="Times New Roman"/>
-            </a:endParaRPr>
-          </a:p>
-        </p:txBody>
-      </p:sp>
-      <p:sp>
-        <p:nvSpPr>
-          <p:cNvPr id="9" name="PlaceHolder 2"/>
+            <a:pPr algn="ctr"/>
+            <a:endParaRPr b="0" lang="en-CA" sz="4400" spc="-1" strike="noStrike">
+              <a:latin typeface="Arial"/>
+            </a:endParaRPr>
+          </a:p>
+        </p:txBody>
+      </p:sp>
+      <p:sp>
+        <p:nvSpPr>
+          <p:cNvPr id="6" name="PlaceHolder 2"/>
           <p:cNvSpPr>
             <a:spLocks noGrp="1"/>
           </p:cNvSpPr>
@@ -2205,8 +2067,8 @@
         </p:nvSpPr>
         <p:spPr>
           <a:xfrm>
-            <a:off x="685800" y="1981080"/>
-            <a:ext cx="7772040" cy="4114440"/>
+            <a:off x="457200" y="1604520"/>
+            <a:ext cx="8229240" cy="3977280"/>
           </a:xfrm>
           <a:prstGeom prst="rect">
             <a:avLst/>
@@ -2217,11 +2079,8 @@
             <a:normAutofit/>
           </a:bodyPr>
           <a:p>
-            <a:endParaRPr b="0" lang="fr-CA" sz="2400" spc="-1" strike="noStrike">
-              <a:solidFill>
-                <a:srgbClr val="000000"/>
-              </a:solidFill>
-              <a:latin typeface="Times New Roman"/>
+            <a:endParaRPr b="0" lang="en-CA" sz="3200" spc="-1" strike="noStrike">
+              <a:latin typeface="Arial"/>
             </a:endParaRPr>
           </a:p>
         </p:txBody>
@@ -2250,7 +2109,7 @@
       </p:grpSpPr>
       <p:sp>
         <p:nvSpPr>
-          <p:cNvPr id="10" name="PlaceHolder 1"/>
+          <p:cNvPr id="7" name="PlaceHolder 1"/>
           <p:cNvSpPr>
             <a:spLocks noGrp="1"/>
           </p:cNvSpPr>
@@ -2260,8 +2119,8 @@
         </p:nvSpPr>
         <p:spPr>
           <a:xfrm>
-            <a:off x="684360" y="189000"/>
-            <a:ext cx="7772040" cy="1142640"/>
+            <a:off x="457200" y="273600"/>
+            <a:ext cx="8229240" cy="1144800"/>
           </a:xfrm>
           <a:prstGeom prst="rect">
             <a:avLst/>
@@ -2272,18 +2131,16 @@
             <a:noAutofit/>
           </a:bodyPr>
           <a:p>
-            <a:endParaRPr b="0" lang="fr-CA" sz="1600" spc="-1" strike="noStrike">
-              <a:solidFill>
-                <a:srgbClr val="000000"/>
-              </a:solidFill>
-              <a:latin typeface="Times New Roman"/>
-            </a:endParaRPr>
-          </a:p>
-        </p:txBody>
-      </p:sp>
-      <p:sp>
-        <p:nvSpPr>
-          <p:cNvPr id="11" name="PlaceHolder 2"/>
+            <a:pPr algn="ctr"/>
+            <a:endParaRPr b="0" lang="en-CA" sz="4400" spc="-1" strike="noStrike">
+              <a:latin typeface="Arial"/>
+            </a:endParaRPr>
+          </a:p>
+        </p:txBody>
+      </p:sp>
+      <p:sp>
+        <p:nvSpPr>
+          <p:cNvPr id="8" name="PlaceHolder 2"/>
           <p:cNvSpPr>
             <a:spLocks noGrp="1"/>
           </p:cNvSpPr>
@@ -2293,8 +2150,8 @@
         </p:nvSpPr>
         <p:spPr>
           <a:xfrm>
-            <a:off x="685800" y="1981080"/>
-            <a:ext cx="3792600" cy="4114440"/>
+            <a:off x="457200" y="1604520"/>
+            <a:ext cx="4015800" cy="3977280"/>
           </a:xfrm>
           <a:prstGeom prst="rect">
             <a:avLst/>
@@ -2305,18 +2162,15 @@
             <a:normAutofit/>
           </a:bodyPr>
           <a:p>
-            <a:endParaRPr b="0" lang="fr-CA" sz="2400" spc="-1" strike="noStrike">
-              <a:solidFill>
-                <a:srgbClr val="000000"/>
-              </a:solidFill>
-              <a:latin typeface="Times New Roman"/>
-            </a:endParaRPr>
-          </a:p>
-        </p:txBody>
-      </p:sp>
-      <p:sp>
-        <p:nvSpPr>
-          <p:cNvPr id="12" name="PlaceHolder 3"/>
+            <a:endParaRPr b="0" lang="en-CA" sz="3200" spc="-1" strike="noStrike">
+              <a:latin typeface="Arial"/>
+            </a:endParaRPr>
+          </a:p>
+        </p:txBody>
+      </p:sp>
+      <p:sp>
+        <p:nvSpPr>
+          <p:cNvPr id="9" name="PlaceHolder 3"/>
           <p:cNvSpPr>
             <a:spLocks noGrp="1"/>
           </p:cNvSpPr>
@@ -2326,8 +2180,8 @@
         </p:nvSpPr>
         <p:spPr>
           <a:xfrm>
-            <a:off x="4668480" y="1981080"/>
-            <a:ext cx="3792600" cy="4114440"/>
+            <a:off x="4674240" y="1604520"/>
+            <a:ext cx="4015800" cy="3977280"/>
           </a:xfrm>
           <a:prstGeom prst="rect">
             <a:avLst/>
@@ -2338,11 +2192,8 @@
             <a:normAutofit/>
           </a:bodyPr>
           <a:p>
-            <a:endParaRPr b="0" lang="fr-CA" sz="2400" spc="-1" strike="noStrike">
-              <a:solidFill>
-                <a:srgbClr val="000000"/>
-              </a:solidFill>
-              <a:latin typeface="Times New Roman"/>
+            <a:endParaRPr b="0" lang="en-CA" sz="3200" spc="-1" strike="noStrike">
+              <a:latin typeface="Arial"/>
             </a:endParaRPr>
           </a:p>
         </p:txBody>
@@ -2371,7 +2222,7 @@
       </p:grpSpPr>
       <p:sp>
         <p:nvSpPr>
-          <p:cNvPr id="13" name="PlaceHolder 1"/>
+          <p:cNvPr id="10" name="PlaceHolder 1"/>
           <p:cNvSpPr>
             <a:spLocks noGrp="1"/>
           </p:cNvSpPr>
@@ -2381,8 +2232,8 @@
         </p:nvSpPr>
         <p:spPr>
           <a:xfrm>
-            <a:off x="684360" y="189000"/>
-            <a:ext cx="7772040" cy="1142640"/>
+            <a:off x="457200" y="273600"/>
+            <a:ext cx="8229240" cy="1144800"/>
           </a:xfrm>
           <a:prstGeom prst="rect">
             <a:avLst/>
@@ -2393,11 +2244,9 @@
             <a:noAutofit/>
           </a:bodyPr>
           <a:p>
-            <a:endParaRPr b="0" lang="fr-CA" sz="1600" spc="-1" strike="noStrike">
-              <a:solidFill>
-                <a:srgbClr val="000000"/>
-              </a:solidFill>
-              <a:latin typeface="Times New Roman"/>
+            <a:pPr algn="ctr"/>
+            <a:endParaRPr b="0" lang="en-CA" sz="4400" spc="-1" strike="noStrike">
+              <a:latin typeface="Arial"/>
             </a:endParaRPr>
           </a:p>
         </p:txBody>
@@ -2426,7 +2275,7 @@
       </p:grpSpPr>
       <p:sp>
         <p:nvSpPr>
-          <p:cNvPr id="14" name="PlaceHolder 1"/>
+          <p:cNvPr id="11" name="PlaceHolder 1"/>
           <p:cNvSpPr>
             <a:spLocks noGrp="1"/>
           </p:cNvSpPr>
@@ -2436,8 +2285,8 @@
         </p:nvSpPr>
         <p:spPr>
           <a:xfrm>
-            <a:off x="684360" y="189000"/>
-            <a:ext cx="7772040" cy="5297760"/>
+            <a:off x="457200" y="273600"/>
+            <a:ext cx="8229240" cy="5307840"/>
           </a:xfrm>
           <a:prstGeom prst="rect">
             <a:avLst/>
@@ -2479,7 +2328,7 @@
       </p:grpSpPr>
       <p:sp>
         <p:nvSpPr>
-          <p:cNvPr id="15" name="PlaceHolder 1"/>
+          <p:cNvPr id="12" name="PlaceHolder 1"/>
           <p:cNvSpPr>
             <a:spLocks noGrp="1"/>
           </p:cNvSpPr>
@@ -2489,8 +2338,8 @@
         </p:nvSpPr>
         <p:spPr>
           <a:xfrm>
-            <a:off x="684360" y="189000"/>
-            <a:ext cx="7772040" cy="1142640"/>
+            <a:off x="457200" y="273600"/>
+            <a:ext cx="8229240" cy="1144800"/>
           </a:xfrm>
           <a:prstGeom prst="rect">
             <a:avLst/>
@@ -2501,18 +2350,16 @@
             <a:noAutofit/>
           </a:bodyPr>
           <a:p>
-            <a:endParaRPr b="0" lang="fr-CA" sz="1600" spc="-1" strike="noStrike">
-              <a:solidFill>
-                <a:srgbClr val="000000"/>
-              </a:solidFill>
-              <a:latin typeface="Times New Roman"/>
-            </a:endParaRPr>
-          </a:p>
-        </p:txBody>
-      </p:sp>
-      <p:sp>
-        <p:nvSpPr>
-          <p:cNvPr id="16" name="PlaceHolder 2"/>
+            <a:pPr algn="ctr"/>
+            <a:endParaRPr b="0" lang="en-CA" sz="4400" spc="-1" strike="noStrike">
+              <a:latin typeface="Arial"/>
+            </a:endParaRPr>
+          </a:p>
+        </p:txBody>
+      </p:sp>
+      <p:sp>
+        <p:nvSpPr>
+          <p:cNvPr id="13" name="PlaceHolder 2"/>
           <p:cNvSpPr>
             <a:spLocks noGrp="1"/>
           </p:cNvSpPr>
@@ -2522,8 +2369,8 @@
         </p:nvSpPr>
         <p:spPr>
           <a:xfrm>
-            <a:off x="685800" y="1981080"/>
-            <a:ext cx="3792600" cy="1962360"/>
+            <a:off x="457200" y="1604520"/>
+            <a:ext cx="4015800" cy="1896840"/>
           </a:xfrm>
           <a:prstGeom prst="rect">
             <a:avLst/>
@@ -2534,18 +2381,15 @@
             <a:normAutofit/>
           </a:bodyPr>
           <a:p>
-            <a:endParaRPr b="0" lang="fr-CA" sz="2400" spc="-1" strike="noStrike">
-              <a:solidFill>
-                <a:srgbClr val="000000"/>
-              </a:solidFill>
-              <a:latin typeface="Times New Roman"/>
-            </a:endParaRPr>
-          </a:p>
-        </p:txBody>
-      </p:sp>
-      <p:sp>
-        <p:nvSpPr>
-          <p:cNvPr id="17" name="PlaceHolder 3"/>
+            <a:endParaRPr b="0" lang="en-CA" sz="3200" spc="-1" strike="noStrike">
+              <a:latin typeface="Arial"/>
+            </a:endParaRPr>
+          </a:p>
+        </p:txBody>
+      </p:sp>
+      <p:sp>
+        <p:nvSpPr>
+          <p:cNvPr id="14" name="PlaceHolder 3"/>
           <p:cNvSpPr>
             <a:spLocks noGrp="1"/>
           </p:cNvSpPr>
@@ -2555,8 +2399,8 @@
         </p:nvSpPr>
         <p:spPr>
           <a:xfrm>
-            <a:off x="4668480" y="1981080"/>
-            <a:ext cx="3792600" cy="4114440"/>
+            <a:off x="4674240" y="1604520"/>
+            <a:ext cx="4015800" cy="3977280"/>
           </a:xfrm>
           <a:prstGeom prst="rect">
             <a:avLst/>
@@ -2567,18 +2411,15 @@
             <a:normAutofit/>
           </a:bodyPr>
           <a:p>
-            <a:endParaRPr b="0" lang="fr-CA" sz="2400" spc="-1" strike="noStrike">
-              <a:solidFill>
-                <a:srgbClr val="000000"/>
-              </a:solidFill>
-              <a:latin typeface="Times New Roman"/>
-            </a:endParaRPr>
-          </a:p>
-        </p:txBody>
-      </p:sp>
-      <p:sp>
-        <p:nvSpPr>
-          <p:cNvPr id="18" name="PlaceHolder 4"/>
+            <a:endParaRPr b="0" lang="en-CA" sz="3200" spc="-1" strike="noStrike">
+              <a:latin typeface="Arial"/>
+            </a:endParaRPr>
+          </a:p>
+        </p:txBody>
+      </p:sp>
+      <p:sp>
+        <p:nvSpPr>
+          <p:cNvPr id="15" name="PlaceHolder 4"/>
           <p:cNvSpPr>
             <a:spLocks noGrp="1"/>
           </p:cNvSpPr>
@@ -2588,8 +2429,8 @@
         </p:nvSpPr>
         <p:spPr>
           <a:xfrm>
-            <a:off x="685800" y="4130280"/>
-            <a:ext cx="3792600" cy="1962360"/>
+            <a:off x="457200" y="3682080"/>
+            <a:ext cx="4015800" cy="1896840"/>
           </a:xfrm>
           <a:prstGeom prst="rect">
             <a:avLst/>
@@ -2600,11 +2441,8 @@
             <a:normAutofit/>
           </a:bodyPr>
           <a:p>
-            <a:endParaRPr b="0" lang="fr-CA" sz="2400" spc="-1" strike="noStrike">
-              <a:solidFill>
-                <a:srgbClr val="000000"/>
-              </a:solidFill>
-              <a:latin typeface="Times New Roman"/>
+            <a:endParaRPr b="0" lang="en-CA" sz="3200" spc="-1" strike="noStrike">
+              <a:latin typeface="Arial"/>
             </a:endParaRPr>
           </a:p>
         </p:txBody>
@@ -2633,7 +2471,7 @@
       </p:grpSpPr>
       <p:sp>
         <p:nvSpPr>
-          <p:cNvPr id="19" name="PlaceHolder 1"/>
+          <p:cNvPr id="16" name="PlaceHolder 1"/>
           <p:cNvSpPr>
             <a:spLocks noGrp="1"/>
           </p:cNvSpPr>
@@ -2643,8 +2481,8 @@
         </p:nvSpPr>
         <p:spPr>
           <a:xfrm>
-            <a:off x="684360" y="189000"/>
-            <a:ext cx="7772040" cy="1142640"/>
+            <a:off x="457200" y="273600"/>
+            <a:ext cx="8229240" cy="1144800"/>
           </a:xfrm>
           <a:prstGeom prst="rect">
             <a:avLst/>
@@ -2655,18 +2493,16 @@
             <a:noAutofit/>
           </a:bodyPr>
           <a:p>
-            <a:endParaRPr b="0" lang="fr-CA" sz="1600" spc="-1" strike="noStrike">
-              <a:solidFill>
-                <a:srgbClr val="000000"/>
-              </a:solidFill>
-              <a:latin typeface="Times New Roman"/>
-            </a:endParaRPr>
-          </a:p>
-        </p:txBody>
-      </p:sp>
-      <p:sp>
-        <p:nvSpPr>
-          <p:cNvPr id="20" name="PlaceHolder 2"/>
+            <a:pPr algn="ctr"/>
+            <a:endParaRPr b="0" lang="en-CA" sz="4400" spc="-1" strike="noStrike">
+              <a:latin typeface="Arial"/>
+            </a:endParaRPr>
+          </a:p>
+        </p:txBody>
+      </p:sp>
+      <p:sp>
+        <p:nvSpPr>
+          <p:cNvPr id="17" name="PlaceHolder 2"/>
           <p:cNvSpPr>
             <a:spLocks noGrp="1"/>
           </p:cNvSpPr>
@@ -2676,8 +2512,8 @@
         </p:nvSpPr>
         <p:spPr>
           <a:xfrm>
-            <a:off x="685800" y="1981080"/>
-            <a:ext cx="3792600" cy="4114440"/>
+            <a:off x="457200" y="1604520"/>
+            <a:ext cx="4015800" cy="3977280"/>
           </a:xfrm>
           <a:prstGeom prst="rect">
             <a:avLst/>
@@ -2688,18 +2524,15 @@
             <a:normAutofit/>
           </a:bodyPr>
           <a:p>
-            <a:endParaRPr b="0" lang="fr-CA" sz="2400" spc="-1" strike="noStrike">
-              <a:solidFill>
-                <a:srgbClr val="000000"/>
-              </a:solidFill>
-              <a:latin typeface="Times New Roman"/>
-            </a:endParaRPr>
-          </a:p>
-        </p:txBody>
-      </p:sp>
-      <p:sp>
-        <p:nvSpPr>
-          <p:cNvPr id="21" name="PlaceHolder 3"/>
+            <a:endParaRPr b="0" lang="en-CA" sz="3200" spc="-1" strike="noStrike">
+              <a:latin typeface="Arial"/>
+            </a:endParaRPr>
+          </a:p>
+        </p:txBody>
+      </p:sp>
+      <p:sp>
+        <p:nvSpPr>
+          <p:cNvPr id="18" name="PlaceHolder 3"/>
           <p:cNvSpPr>
             <a:spLocks noGrp="1"/>
           </p:cNvSpPr>
@@ -2709,8 +2542,8 @@
         </p:nvSpPr>
         <p:spPr>
           <a:xfrm>
-            <a:off x="4668480" y="1981080"/>
-            <a:ext cx="3792600" cy="1962360"/>
+            <a:off x="4674240" y="1604520"/>
+            <a:ext cx="4015800" cy="1896840"/>
           </a:xfrm>
           <a:prstGeom prst="rect">
             <a:avLst/>
@@ -2721,18 +2554,15 @@
             <a:normAutofit/>
           </a:bodyPr>
           <a:p>
-            <a:endParaRPr b="0" lang="fr-CA" sz="2400" spc="-1" strike="noStrike">
-              <a:solidFill>
-                <a:srgbClr val="000000"/>
-              </a:solidFill>
-              <a:latin typeface="Times New Roman"/>
-            </a:endParaRPr>
-          </a:p>
-        </p:txBody>
-      </p:sp>
-      <p:sp>
-        <p:nvSpPr>
-          <p:cNvPr id="22" name="PlaceHolder 4"/>
+            <a:endParaRPr b="0" lang="en-CA" sz="3200" spc="-1" strike="noStrike">
+              <a:latin typeface="Arial"/>
+            </a:endParaRPr>
+          </a:p>
+        </p:txBody>
+      </p:sp>
+      <p:sp>
+        <p:nvSpPr>
+          <p:cNvPr id="19" name="PlaceHolder 4"/>
           <p:cNvSpPr>
             <a:spLocks noGrp="1"/>
           </p:cNvSpPr>
@@ -2742,8 +2572,8 @@
         </p:nvSpPr>
         <p:spPr>
           <a:xfrm>
-            <a:off x="4668480" y="4130280"/>
-            <a:ext cx="3792600" cy="1962360"/>
+            <a:off x="4674240" y="3682080"/>
+            <a:ext cx="4015800" cy="1896840"/>
           </a:xfrm>
           <a:prstGeom prst="rect">
             <a:avLst/>
@@ -2754,11 +2584,8 @@
             <a:normAutofit/>
           </a:bodyPr>
           <a:p>
-            <a:endParaRPr b="0" lang="fr-CA" sz="2400" spc="-1" strike="noStrike">
-              <a:solidFill>
-                <a:srgbClr val="000000"/>
-              </a:solidFill>
-              <a:latin typeface="Times New Roman"/>
+            <a:endParaRPr b="0" lang="en-CA" sz="3200" spc="-1" strike="noStrike">
+              <a:latin typeface="Arial"/>
             </a:endParaRPr>
           </a:p>
         </p:txBody>
@@ -2787,7 +2614,7 @@
       </p:grpSpPr>
       <p:sp>
         <p:nvSpPr>
-          <p:cNvPr id="23" name="PlaceHolder 1"/>
+          <p:cNvPr id="20" name="PlaceHolder 1"/>
           <p:cNvSpPr>
             <a:spLocks noGrp="1"/>
           </p:cNvSpPr>
@@ -2797,8 +2624,8 @@
         </p:nvSpPr>
         <p:spPr>
           <a:xfrm>
-            <a:off x="684360" y="189000"/>
-            <a:ext cx="7772040" cy="1142640"/>
+            <a:off x="457200" y="273600"/>
+            <a:ext cx="8229240" cy="1144800"/>
           </a:xfrm>
           <a:prstGeom prst="rect">
             <a:avLst/>
@@ -2809,18 +2636,16 @@
             <a:noAutofit/>
           </a:bodyPr>
           <a:p>
-            <a:endParaRPr b="0" lang="fr-CA" sz="1600" spc="-1" strike="noStrike">
-              <a:solidFill>
-                <a:srgbClr val="000000"/>
-              </a:solidFill>
-              <a:latin typeface="Times New Roman"/>
-            </a:endParaRPr>
-          </a:p>
-        </p:txBody>
-      </p:sp>
-      <p:sp>
-        <p:nvSpPr>
-          <p:cNvPr id="24" name="PlaceHolder 2"/>
+            <a:pPr algn="ctr"/>
+            <a:endParaRPr b="0" lang="en-CA" sz="4400" spc="-1" strike="noStrike">
+              <a:latin typeface="Arial"/>
+            </a:endParaRPr>
+          </a:p>
+        </p:txBody>
+      </p:sp>
+      <p:sp>
+        <p:nvSpPr>
+          <p:cNvPr id="21" name="PlaceHolder 2"/>
           <p:cNvSpPr>
             <a:spLocks noGrp="1"/>
           </p:cNvSpPr>
@@ -2830,8 +2655,8 @@
         </p:nvSpPr>
         <p:spPr>
           <a:xfrm>
-            <a:off x="685800" y="1981080"/>
-            <a:ext cx="3792600" cy="1962360"/>
+            <a:off x="457200" y="1604520"/>
+            <a:ext cx="4015800" cy="1896840"/>
           </a:xfrm>
           <a:prstGeom prst="rect">
             <a:avLst/>
@@ -2842,18 +2667,15 @@
             <a:normAutofit/>
           </a:bodyPr>
           <a:p>
-            <a:endParaRPr b="0" lang="fr-CA" sz="2400" spc="-1" strike="noStrike">
-              <a:solidFill>
-                <a:srgbClr val="000000"/>
-              </a:solidFill>
-              <a:latin typeface="Times New Roman"/>
-            </a:endParaRPr>
-          </a:p>
-        </p:txBody>
-      </p:sp>
-      <p:sp>
-        <p:nvSpPr>
-          <p:cNvPr id="25" name="PlaceHolder 3"/>
+            <a:endParaRPr b="0" lang="en-CA" sz="3200" spc="-1" strike="noStrike">
+              <a:latin typeface="Arial"/>
+            </a:endParaRPr>
+          </a:p>
+        </p:txBody>
+      </p:sp>
+      <p:sp>
+        <p:nvSpPr>
+          <p:cNvPr id="22" name="PlaceHolder 3"/>
           <p:cNvSpPr>
             <a:spLocks noGrp="1"/>
           </p:cNvSpPr>
@@ -2863,8 +2685,8 @@
         </p:nvSpPr>
         <p:spPr>
           <a:xfrm>
-            <a:off x="4668480" y="1981080"/>
-            <a:ext cx="3792600" cy="1962360"/>
+            <a:off x="4674240" y="1604520"/>
+            <a:ext cx="4015800" cy="1896840"/>
           </a:xfrm>
           <a:prstGeom prst="rect">
             <a:avLst/>
@@ -2875,18 +2697,15 @@
             <a:normAutofit/>
           </a:bodyPr>
           <a:p>
-            <a:endParaRPr b="0" lang="fr-CA" sz="2400" spc="-1" strike="noStrike">
-              <a:solidFill>
-                <a:srgbClr val="000000"/>
-              </a:solidFill>
-              <a:latin typeface="Times New Roman"/>
-            </a:endParaRPr>
-          </a:p>
-        </p:txBody>
-      </p:sp>
-      <p:sp>
-        <p:nvSpPr>
-          <p:cNvPr id="26" name="PlaceHolder 4"/>
+            <a:endParaRPr b="0" lang="en-CA" sz="3200" spc="-1" strike="noStrike">
+              <a:latin typeface="Arial"/>
+            </a:endParaRPr>
+          </a:p>
+        </p:txBody>
+      </p:sp>
+      <p:sp>
+        <p:nvSpPr>
+          <p:cNvPr id="23" name="PlaceHolder 4"/>
           <p:cNvSpPr>
             <a:spLocks noGrp="1"/>
           </p:cNvSpPr>
@@ -2896,8 +2715,8 @@
         </p:nvSpPr>
         <p:spPr>
           <a:xfrm>
-            <a:off x="685800" y="4130280"/>
-            <a:ext cx="7772040" cy="1962360"/>
+            <a:off x="457200" y="3682080"/>
+            <a:ext cx="8229240" cy="1896840"/>
           </a:xfrm>
           <a:prstGeom prst="rect">
             <a:avLst/>
@@ -2908,11 +2727,8 @@
             <a:normAutofit/>
           </a:bodyPr>
           <a:p>
-            <a:endParaRPr b="0" lang="fr-CA" sz="2400" spc="-1" strike="noStrike">
-              <a:solidFill>
-                <a:srgbClr val="000000"/>
-              </a:solidFill>
-              <a:latin typeface="Times New Roman"/>
+            <a:endParaRPr b="0" lang="en-CA" sz="3200" spc="-1" strike="noStrike">
+              <a:latin typeface="Arial"/>
             </a:endParaRPr>
           </a:p>
         </p:txBody>
@@ -2955,7 +2771,7 @@
         <p:spPr>
           <a:xfrm>
             <a:off x="76320" y="76320"/>
-            <a:ext cx="8991360" cy="6629040"/>
+            <a:ext cx="8990640" cy="6628320"/>
           </a:xfrm>
           <a:prstGeom prst="roundRect">
             <a:avLst>
@@ -2989,37 +2805,26 @@
         </p:nvSpPr>
         <p:spPr>
           <a:xfrm>
-            <a:off x="685800" y="2130480"/>
-            <a:ext cx="7772040" cy="1469520"/>
-          </a:xfrm>
-          <a:prstGeom prst="rect">
-            <a:avLst/>
-          </a:prstGeom>
-        </p:spPr>
-        <p:txBody>
-          <a:bodyPr anchor="ctr">
+            <a:off x="457200" y="273600"/>
+            <a:ext cx="8228880" cy="1144440"/>
+          </a:xfrm>
+          <a:prstGeom prst="rect">
+            <a:avLst/>
+          </a:prstGeom>
+        </p:spPr>
+        <p:txBody>
+          <a:bodyPr lIns="0" rIns="0" tIns="0" bIns="0" anchor="ctr">
             <a:noAutofit/>
           </a:bodyPr>
           <a:p>
-            <a:pPr>
-              <a:lnSpc>
-                <a:spcPct val="100000"/>
-              </a:lnSpc>
-            </a:pPr>
-            <a:r>
-              <a:rPr b="0" lang="en-US" sz="4400" spc="-1" strike="noStrike">
-                <a:solidFill>
-                  <a:srgbClr val="000000"/>
-                </a:solidFill>
-                <a:latin typeface="Times New Roman"/>
-              </a:rPr>
-              <a:t>Click to edit Master title style</a:t>
-            </a:r>
-            <a:endParaRPr b="0" lang="fr-CA" sz="4400" spc="-1" strike="noStrike">
-              <a:solidFill>
-                <a:srgbClr val="000000"/>
-              </a:solidFill>
-              <a:latin typeface="Times New Roman"/>
+            <a:r>
+              <a:rPr b="0" lang="en-CA" sz="1800" spc="-1" strike="noStrike">
+                <a:latin typeface="Arial"/>
+              </a:rPr>
+              <a:t>Click to edit the title text format</a:t>
+            </a:r>
+            <a:endParaRPr b="0" lang="en-CA" sz="1800" spc="-1" strike="noStrike">
+              <a:latin typeface="Arial"/>
             </a:endParaRPr>
           </a:p>
         </p:txBody>
@@ -3027,110 +2832,6 @@
       <p:sp>
         <p:nvSpPr>
           <p:cNvPr id="2" name="PlaceHolder 3"/>
-          <p:cNvSpPr>
-            <a:spLocks noGrp="1"/>
-          </p:cNvSpPr>
-          <p:nvPr>
-            <p:ph type="dt"/>
-          </p:nvPr>
-        </p:nvSpPr>
-        <p:spPr>
-          <a:xfrm>
-            <a:off x="685800" y="6248520"/>
-            <a:ext cx="1904760" cy="456840"/>
-          </a:xfrm>
-          <a:prstGeom prst="rect">
-            <a:avLst/>
-          </a:prstGeom>
-        </p:spPr>
-        <p:txBody>
-          <a:bodyPr>
-            <a:noAutofit/>
-          </a:bodyPr>
-          <a:p>
-            <a:endParaRPr b="0" lang="en-CA" sz="2400" spc="-1" strike="noStrike">
-              <a:latin typeface="Times New Roman"/>
-            </a:endParaRPr>
-          </a:p>
-        </p:txBody>
-      </p:sp>
-      <p:sp>
-        <p:nvSpPr>
-          <p:cNvPr id="3" name="PlaceHolder 4"/>
-          <p:cNvSpPr>
-            <a:spLocks noGrp="1"/>
-          </p:cNvSpPr>
-          <p:nvPr>
-            <p:ph type="ftr"/>
-          </p:nvPr>
-        </p:nvSpPr>
-        <p:spPr>
-          <a:xfrm>
-            <a:off x="3124080" y="6248520"/>
-            <a:ext cx="2895120" cy="456840"/>
-          </a:xfrm>
-          <a:prstGeom prst="rect">
-            <a:avLst/>
-          </a:prstGeom>
-        </p:spPr>
-        <p:txBody>
-          <a:bodyPr>
-            <a:noAutofit/>
-          </a:bodyPr>
-          <a:p>
-            <a:endParaRPr b="0" lang="en-CA" sz="2400" spc="-1" strike="noStrike">
-              <a:latin typeface="Times New Roman"/>
-            </a:endParaRPr>
-          </a:p>
-        </p:txBody>
-      </p:sp>
-      <p:sp>
-        <p:nvSpPr>
-          <p:cNvPr id="4" name="PlaceHolder 5"/>
-          <p:cNvSpPr>
-            <a:spLocks noGrp="1"/>
-          </p:cNvSpPr>
-          <p:nvPr>
-            <p:ph type="sldNum"/>
-          </p:nvPr>
-        </p:nvSpPr>
-        <p:spPr>
-          <a:xfrm>
-            <a:off x="6553080" y="6248520"/>
-            <a:ext cx="1904760" cy="456840"/>
-          </a:xfrm>
-          <a:prstGeom prst="rect">
-            <a:avLst/>
-          </a:prstGeom>
-        </p:spPr>
-        <p:txBody>
-          <a:bodyPr>
-            <a:noAutofit/>
-          </a:bodyPr>
-          <a:p>
-            <a:pPr algn="r">
-              <a:lnSpc>
-                <a:spcPct val="100000"/>
-              </a:lnSpc>
-            </a:pPr>
-            <a:fld id="{B84A4278-C9FD-45C5-A3A8-7B1FAEF8AF76}" type="slidenum">
-              <a:rPr b="0" lang="fr-CA" sz="1400" spc="-1" strike="noStrike">
-                <a:solidFill>
-                  <a:srgbClr val="000000"/>
-                </a:solidFill>
-                <a:latin typeface="Times New Roman"/>
-              </a:rPr>
-              <a:t>&lt;number&gt;</a:t>
-            </a:fld>
-            <a:endParaRPr b="0" lang="en-CA" sz="1400" spc="-1" strike="noStrike">
-              <a:latin typeface="Times New Roman"/>
-            </a:endParaRPr>
-          </a:p>
-        </p:txBody>
-      </p:sp>
-      <p:sp>
-        <p:nvSpPr>
-          <p:cNvPr id="5" name="PlaceHolder 6"/>
           <p:cNvSpPr>
             <a:spLocks noGrp="1"/>
           </p:cNvSpPr>
@@ -3141,7 +2842,7 @@
         <p:spPr>
           <a:xfrm>
             <a:off x="457200" y="1604520"/>
-            <a:ext cx="8229240" cy="3977280"/>
+            <a:ext cx="8228880" cy="3976920"/>
           </a:xfrm>
           <a:prstGeom prst="rect">
             <a:avLst/>
@@ -3164,19 +2865,13 @@
               <a:buChar char=""/>
             </a:pPr>
             <a:r>
-              <a:rPr b="0" lang="fr-CA" sz="2400" spc="-1" strike="noStrike">
-                <a:solidFill>
-                  <a:srgbClr val="000000"/>
-                </a:solidFill>
-                <a:latin typeface="Times New Roman"/>
+              <a:rPr b="0" lang="en-CA" sz="1800" spc="-1" strike="noStrike">
+                <a:latin typeface="Arial"/>
               </a:rPr>
               <a:t>Click to edit the outline text format</a:t>
             </a:r>
-            <a:endParaRPr b="0" lang="fr-CA" sz="2400" spc="-1" strike="noStrike">
-              <a:solidFill>
-                <a:srgbClr val="000000"/>
-              </a:solidFill>
-              <a:latin typeface="Times New Roman"/>
+            <a:endParaRPr b="0" lang="en-CA" sz="1800" spc="-1" strike="noStrike">
+              <a:latin typeface="Arial"/>
             </a:endParaRPr>
           </a:p>
           <a:p>
@@ -3192,19 +2887,13 @@
               <a:buChar char=""/>
             </a:pPr>
             <a:r>
-              <a:rPr b="0" lang="fr-CA" sz="1600" spc="-1" strike="noStrike">
-                <a:solidFill>
-                  <a:srgbClr val="000000"/>
-                </a:solidFill>
-                <a:latin typeface="Times New Roman"/>
+              <a:rPr b="0" lang="en-CA" sz="1800" spc="-1" strike="noStrike">
+                <a:latin typeface="Arial"/>
               </a:rPr>
               <a:t>Second Outline Level</a:t>
             </a:r>
-            <a:endParaRPr b="0" lang="fr-CA" sz="1600" spc="-1" strike="noStrike">
-              <a:solidFill>
-                <a:srgbClr val="000000"/>
-              </a:solidFill>
-              <a:latin typeface="Times New Roman"/>
+            <a:endParaRPr b="0" lang="en-CA" sz="1800" spc="-1" strike="noStrike">
+              <a:latin typeface="Arial"/>
             </a:endParaRPr>
           </a:p>
           <a:p>
@@ -3220,19 +2909,13 @@
               <a:buChar char=""/>
             </a:pPr>
             <a:r>
-              <a:rPr b="0" lang="fr-CA" sz="1600" spc="-1" strike="noStrike">
-                <a:solidFill>
-                  <a:srgbClr val="000000"/>
-                </a:solidFill>
-                <a:latin typeface="Times New Roman"/>
+              <a:rPr b="0" lang="en-CA" sz="1800" spc="-1" strike="noStrike">
+                <a:latin typeface="Arial"/>
               </a:rPr>
               <a:t>Third Outline Level</a:t>
             </a:r>
-            <a:endParaRPr b="0" lang="fr-CA" sz="1600" spc="-1" strike="noStrike">
-              <a:solidFill>
-                <a:srgbClr val="000000"/>
-              </a:solidFill>
-              <a:latin typeface="Times New Roman"/>
+            <a:endParaRPr b="0" lang="en-CA" sz="1800" spc="-1" strike="noStrike">
+              <a:latin typeface="Arial"/>
             </a:endParaRPr>
           </a:p>
           <a:p>
@@ -3248,19 +2931,13 @@
               <a:buChar char=""/>
             </a:pPr>
             <a:r>
-              <a:rPr b="0" lang="fr-CA" sz="1600" spc="-1" strike="noStrike">
-                <a:solidFill>
-                  <a:srgbClr val="000000"/>
-                </a:solidFill>
-                <a:latin typeface="Times New Roman"/>
+              <a:rPr b="0" lang="en-CA" sz="1800" spc="-1" strike="noStrike">
+                <a:latin typeface="Arial"/>
               </a:rPr>
               <a:t>Fourth Outline Level</a:t>
             </a:r>
-            <a:endParaRPr b="0" lang="fr-CA" sz="1600" spc="-1" strike="noStrike">
-              <a:solidFill>
-                <a:srgbClr val="000000"/>
-              </a:solidFill>
-              <a:latin typeface="Times New Roman"/>
+            <a:endParaRPr b="0" lang="en-CA" sz="1800" spc="-1" strike="noStrike">
+              <a:latin typeface="Arial"/>
             </a:endParaRPr>
           </a:p>
           <a:p>
@@ -3276,19 +2953,13 @@
               <a:buChar char=""/>
             </a:pPr>
             <a:r>
-              <a:rPr b="0" lang="fr-CA" sz="2000" spc="-1" strike="noStrike">
-                <a:solidFill>
-                  <a:srgbClr val="000000"/>
-                </a:solidFill>
-                <a:latin typeface="Times New Roman"/>
+              <a:rPr b="0" lang="en-CA" sz="1800" spc="-1" strike="noStrike">
+                <a:latin typeface="Arial"/>
               </a:rPr>
               <a:t>Fifth Outline Level</a:t>
             </a:r>
-            <a:endParaRPr b="0" lang="fr-CA" sz="2000" spc="-1" strike="noStrike">
-              <a:solidFill>
-                <a:srgbClr val="000000"/>
-              </a:solidFill>
-              <a:latin typeface="Times New Roman"/>
+            <a:endParaRPr b="0" lang="en-CA" sz="1800" spc="-1" strike="noStrike">
+              <a:latin typeface="Arial"/>
             </a:endParaRPr>
           </a:p>
           <a:p>
@@ -3304,19 +2975,13 @@
               <a:buChar char=""/>
             </a:pPr>
             <a:r>
-              <a:rPr b="0" lang="fr-CA" sz="2000" spc="-1" strike="noStrike">
-                <a:solidFill>
-                  <a:srgbClr val="000000"/>
-                </a:solidFill>
-                <a:latin typeface="Times New Roman"/>
+              <a:rPr b="0" lang="en-CA" sz="1800" spc="-1" strike="noStrike">
+                <a:latin typeface="Arial"/>
               </a:rPr>
               <a:t>Sixth Outline Level</a:t>
             </a:r>
-            <a:endParaRPr b="0" lang="fr-CA" sz="2000" spc="-1" strike="noStrike">
-              <a:solidFill>
-                <a:srgbClr val="000000"/>
-              </a:solidFill>
-              <a:latin typeface="Times New Roman"/>
+            <a:endParaRPr b="0" lang="en-CA" sz="1800" spc="-1" strike="noStrike">
+              <a:latin typeface="Arial"/>
             </a:endParaRPr>
           </a:p>
           <a:p>
@@ -3332,19 +2997,13 @@
               <a:buChar char=""/>
             </a:pPr>
             <a:r>
-              <a:rPr b="0" lang="fr-CA" sz="2000" spc="-1" strike="noStrike">
-                <a:solidFill>
-                  <a:srgbClr val="000000"/>
-                </a:solidFill>
-                <a:latin typeface="Times New Roman"/>
+              <a:rPr b="0" lang="en-CA" sz="1800" spc="-1" strike="noStrike">
+                <a:latin typeface="Arial"/>
               </a:rPr>
               <a:t>Seventh Outline Level</a:t>
             </a:r>
-            <a:endParaRPr b="0" lang="fr-CA" sz="2000" spc="-1" strike="noStrike">
-              <a:solidFill>
-                <a:srgbClr val="000000"/>
-              </a:solidFill>
-              <a:latin typeface="Times New Roman"/>
+            <a:endParaRPr b="0" lang="en-CA" sz="1800" spc="-1" strike="noStrike">
+              <a:latin typeface="Arial"/>
             </a:endParaRPr>
           </a:p>
         </p:txBody>
@@ -3395,14 +3054,14 @@
       </p:grpSpPr>
       <p:sp>
         <p:nvSpPr>
-          <p:cNvPr id="42" name="CustomShape 1"/>
+          <p:cNvPr id="39" name="CustomShape 1"/>
           <p:cNvSpPr/>
           <p:nvPr/>
         </p:nvSpPr>
         <p:spPr>
           <a:xfrm>
             <a:off x="76320" y="76320"/>
-            <a:ext cx="8991360" cy="6629040"/>
+            <a:ext cx="8990640" cy="6628320"/>
           </a:xfrm>
           <a:prstGeom prst="roundRect">
             <a:avLst>
@@ -3426,7 +3085,7 @@
       </p:sp>
       <p:sp>
         <p:nvSpPr>
-          <p:cNvPr id="43" name="PlaceHolder 2"/>
+          <p:cNvPr id="40" name="PlaceHolder 2"/>
           <p:cNvSpPr>
             <a:spLocks noGrp="1"/>
           </p:cNvSpPr>
@@ -3436,44 +3095,40 @@
         </p:nvSpPr>
         <p:spPr>
           <a:xfrm>
-            <a:off x="684360" y="189000"/>
-            <a:ext cx="7772040" cy="1142640"/>
-          </a:xfrm>
-          <a:prstGeom prst="rect">
-            <a:avLst/>
-          </a:prstGeom>
-        </p:spPr>
-        <p:txBody>
-          <a:bodyPr anchor="ctr">
+            <a:off x="457200" y="273600"/>
+            <a:ext cx="8229240" cy="1144800"/>
+          </a:xfrm>
+          <a:prstGeom prst="rect">
+            <a:avLst/>
+          </a:prstGeom>
+        </p:spPr>
+        <p:txBody>
+          <a:bodyPr lIns="0" rIns="0" tIns="0" bIns="0" anchor="ctr">
             <a:noAutofit/>
           </a:bodyPr>
           <a:p>
-            <a:pPr>
-              <a:lnSpc>
-                <a:spcPct val="100000"/>
-              </a:lnSpc>
-            </a:pPr>
-            <a:r>
-              <a:rPr b="0" lang="en-US" sz="4400" spc="-1" strike="noStrike">
-                <a:solidFill>
-                  <a:srgbClr val="000000"/>
-                </a:solidFill>
-                <a:latin typeface="Times New Roman"/>
-              </a:rPr>
-              <a:t>Click to edit Master title style</a:t>
-            </a:r>
-            <a:endParaRPr b="0" lang="fr-CA" sz="4400" spc="-1" strike="noStrike">
-              <a:solidFill>
-                <a:srgbClr val="000000"/>
-              </a:solidFill>
-              <a:latin typeface="Times New Roman"/>
-            </a:endParaRPr>
-          </a:p>
-        </p:txBody>
-      </p:sp>
-      <p:sp>
-        <p:nvSpPr>
-          <p:cNvPr id="44" name="PlaceHolder 3"/>
+            <a:pPr algn="ctr"/>
+            <a:r>
+              <a:rPr b="0" lang="en-CA" sz="4400" spc="-1" strike="noStrike">
+                <a:latin typeface="Arial"/>
+              </a:rPr>
+              <a:t>Click to edit the title text </a:t>
+            </a:r>
+            <a:r>
+              <a:rPr b="0" lang="en-CA" sz="4400" spc="-1" strike="noStrike">
+                <a:latin typeface="Arial"/>
+              </a:rPr>
+              <a:t>format</a:t>
+            </a:r>
+            <a:endParaRPr b="0" lang="en-CA" sz="4400" spc="-1" strike="noStrike">
+              <a:latin typeface="Arial"/>
+            </a:endParaRPr>
+          </a:p>
+        </p:txBody>
+      </p:sp>
+      <p:sp>
+        <p:nvSpPr>
+          <p:cNvPr id="41" name="PlaceHolder 3"/>
           <p:cNvSpPr>
             <a:spLocks noGrp="1"/>
           </p:cNvSpPr>
@@ -3483,269 +3138,169 @@
         </p:nvSpPr>
         <p:spPr>
           <a:xfrm>
-            <a:off x="685800" y="1981080"/>
-            <a:ext cx="7772040" cy="4114440"/>
-          </a:xfrm>
-          <a:prstGeom prst="rect">
-            <a:avLst/>
-          </a:prstGeom>
-        </p:spPr>
-        <p:txBody>
-          <a:bodyPr>
-            <a:noAutofit/>
-          </a:bodyPr>
-          <a:p>
-            <a:pPr marL="343080" indent="-342720">
-              <a:lnSpc>
-                <a:spcPct val="100000"/>
-              </a:lnSpc>
-              <a:spcBef>
-                <a:spcPts val="479"/>
+            <a:off x="457200" y="1604520"/>
+            <a:ext cx="8229240" cy="3977280"/>
+          </a:xfrm>
+          <a:prstGeom prst="rect">
+            <a:avLst/>
+          </a:prstGeom>
+        </p:spPr>
+        <p:txBody>
+          <a:bodyPr lIns="0" rIns="0" tIns="0" bIns="0">
+            <a:normAutofit/>
+          </a:bodyPr>
+          <a:p>
+            <a:pPr marL="432000" indent="-324000">
+              <a:spcBef>
+                <a:spcPts val="1417"/>
               </a:spcBef>
               <a:buClr>
                 <a:srgbClr val="000000"/>
               </a:buClr>
-              <a:buFont typeface="Symbol" charset="2"/>
-              <a:buChar char=""/>
-            </a:pPr>
-            <a:r>
-              <a:rPr b="0" lang="en-US" sz="2400" spc="-1" strike="noStrike">
-                <a:solidFill>
-                  <a:srgbClr val="000000"/>
-                </a:solidFill>
-                <a:latin typeface="Times New Roman"/>
-              </a:rPr>
-              <a:t>Click to edit Master text styles</a:t>
-            </a:r>
-            <a:endParaRPr b="0" lang="fr-CA" sz="2400" spc="-1" strike="noStrike">
-              <a:solidFill>
-                <a:srgbClr val="000000"/>
-              </a:solidFill>
-              <a:latin typeface="Times New Roman"/>
-            </a:endParaRPr>
-          </a:p>
-          <a:p>
-            <a:pPr lvl="1" marL="743040" indent="-285480">
-              <a:lnSpc>
-                <a:spcPct val="100000"/>
-              </a:lnSpc>
-              <a:spcBef>
-                <a:spcPts val="400"/>
+              <a:buSzPct val="45000"/>
+              <a:buFont typeface="Wingdings" charset="2"/>
+              <a:buChar char=""/>
+            </a:pPr>
+            <a:r>
+              <a:rPr b="0" lang="en-CA" sz="3200" spc="-1" strike="noStrike">
+                <a:latin typeface="Arial"/>
+              </a:rPr>
+              <a:t>Click to edit the outline text format</a:t>
+            </a:r>
+            <a:endParaRPr b="0" lang="en-CA" sz="3200" spc="-1" strike="noStrike">
+              <a:latin typeface="Arial"/>
+            </a:endParaRPr>
+          </a:p>
+          <a:p>
+            <a:pPr lvl="1" marL="864000" indent="-324000">
+              <a:spcBef>
+                <a:spcPts val="1134"/>
               </a:spcBef>
               <a:buClr>
                 <a:srgbClr val="000000"/>
               </a:buClr>
+              <a:buSzPct val="75000"/>
               <a:buFont typeface="Symbol" charset="2"/>
               <a:buChar char=""/>
             </a:pPr>
             <a:r>
-              <a:rPr b="0" lang="en-US" sz="2000" spc="-1" strike="noStrike">
-                <a:solidFill>
-                  <a:srgbClr val="000000"/>
-                </a:solidFill>
-                <a:latin typeface="Times New Roman"/>
-              </a:rPr>
-              <a:t>Second level</a:t>
-            </a:r>
-            <a:endParaRPr b="0" lang="fr-CA" sz="2000" spc="-1" strike="noStrike">
-              <a:solidFill>
-                <a:srgbClr val="000000"/>
-              </a:solidFill>
-              <a:latin typeface="Times New Roman"/>
-            </a:endParaRPr>
-          </a:p>
-          <a:p>
-            <a:pPr lvl="2" marL="1143000" indent="-228240">
-              <a:lnSpc>
-                <a:spcPct val="100000"/>
-              </a:lnSpc>
-              <a:spcBef>
-                <a:spcPts val="320"/>
+              <a:rPr b="0" lang="en-CA" sz="2800" spc="-1" strike="noStrike">
+                <a:latin typeface="Arial"/>
+              </a:rPr>
+              <a:t>Second Outline Level</a:t>
+            </a:r>
+            <a:endParaRPr b="0" lang="en-CA" sz="2800" spc="-1" strike="noStrike">
+              <a:latin typeface="Arial"/>
+            </a:endParaRPr>
+          </a:p>
+          <a:p>
+            <a:pPr lvl="2" marL="1296000" indent="-288000">
+              <a:spcBef>
+                <a:spcPts val="850"/>
               </a:spcBef>
               <a:buClr>
                 <a:srgbClr val="000000"/>
               </a:buClr>
-              <a:buFont typeface="Symbol" charset="2"/>
-              <a:buChar char=""/>
-            </a:pPr>
-            <a:r>
-              <a:rPr b="0" lang="en-US" sz="1600" spc="-1" strike="noStrike">
-                <a:solidFill>
-                  <a:srgbClr val="000000"/>
-                </a:solidFill>
-                <a:latin typeface="Times New Roman"/>
-              </a:rPr>
-              <a:t>Third level</a:t>
-            </a:r>
-            <a:endParaRPr b="0" lang="fr-CA" sz="1600" spc="-1" strike="noStrike">
-              <a:solidFill>
-                <a:srgbClr val="000000"/>
-              </a:solidFill>
-              <a:latin typeface="Times New Roman"/>
-            </a:endParaRPr>
-          </a:p>
-          <a:p>
-            <a:pPr lvl="3" marL="1600200" indent="-228240">
-              <a:lnSpc>
-                <a:spcPct val="100000"/>
-              </a:lnSpc>
-              <a:spcBef>
-                <a:spcPts val="320"/>
+              <a:buSzPct val="45000"/>
+              <a:buFont typeface="Wingdings" charset="2"/>
+              <a:buChar char=""/>
+            </a:pPr>
+            <a:r>
+              <a:rPr b="0" lang="en-CA" sz="2400" spc="-1" strike="noStrike">
+                <a:latin typeface="Arial"/>
+              </a:rPr>
+              <a:t>Third Outline Level</a:t>
+            </a:r>
+            <a:endParaRPr b="0" lang="en-CA" sz="2400" spc="-1" strike="noStrike">
+              <a:latin typeface="Arial"/>
+            </a:endParaRPr>
+          </a:p>
+          <a:p>
+            <a:pPr lvl="3" marL="1728000" indent="-216000">
+              <a:spcBef>
+                <a:spcPts val="567"/>
               </a:spcBef>
               <a:buClr>
                 <a:srgbClr val="000000"/>
               </a:buClr>
+              <a:buSzPct val="75000"/>
               <a:buFont typeface="Symbol" charset="2"/>
               <a:buChar char=""/>
             </a:pPr>
             <a:r>
-              <a:rPr b="0" lang="en-US" sz="1600" spc="-1" strike="noStrike">
-                <a:solidFill>
-                  <a:srgbClr val="000000"/>
-                </a:solidFill>
-                <a:latin typeface="Times New Roman"/>
-              </a:rPr>
-              <a:t>Fourth level</a:t>
-            </a:r>
-            <a:endParaRPr b="0" lang="fr-CA" sz="1600" spc="-1" strike="noStrike">
-              <a:solidFill>
-                <a:srgbClr val="000000"/>
-              </a:solidFill>
-              <a:latin typeface="Times New Roman"/>
-            </a:endParaRPr>
-          </a:p>
-          <a:p>
-            <a:pPr lvl="4" marL="2057400" indent="-228240">
-              <a:lnSpc>
-                <a:spcPct val="100000"/>
-              </a:lnSpc>
-              <a:spcBef>
-                <a:spcPts val="320"/>
+              <a:rPr b="0" lang="en-CA" sz="2000" spc="-1" strike="noStrike">
+                <a:latin typeface="Arial"/>
+              </a:rPr>
+              <a:t>Fourth Outline Level</a:t>
+            </a:r>
+            <a:endParaRPr b="0" lang="en-CA" sz="2000" spc="-1" strike="noStrike">
+              <a:latin typeface="Arial"/>
+            </a:endParaRPr>
+          </a:p>
+          <a:p>
+            <a:pPr lvl="4" marL="2160000" indent="-216000">
+              <a:spcBef>
+                <a:spcPts val="283"/>
               </a:spcBef>
               <a:buClr>
                 <a:srgbClr val="000000"/>
               </a:buClr>
-              <a:buFont typeface="StarSymbol"/>
-              <a:buChar char="»"/>
-            </a:pPr>
-            <a:r>
-              <a:rPr b="0" lang="en-US" sz="1600" spc="-1" strike="noStrike">
-                <a:solidFill>
-                  <a:srgbClr val="000000"/>
-                </a:solidFill>
-                <a:latin typeface="Times New Roman"/>
-              </a:rPr>
-              <a:t>Fifth level</a:t>
-            </a:r>
-            <a:endParaRPr b="0" lang="fr-CA" sz="1600" spc="-1" strike="noStrike">
-              <a:solidFill>
+              <a:buSzPct val="45000"/>
+              <a:buFont typeface="Wingdings" charset="2"/>
+              <a:buChar char=""/>
+            </a:pPr>
+            <a:r>
+              <a:rPr b="0" lang="en-CA" sz="2000" spc="-1" strike="noStrike">
+                <a:latin typeface="Arial"/>
+              </a:rPr>
+              <a:t>Fifth Outline Level</a:t>
+            </a:r>
+            <a:endParaRPr b="0" lang="en-CA" sz="2000" spc="-1" strike="noStrike">
+              <a:latin typeface="Arial"/>
+            </a:endParaRPr>
+          </a:p>
+          <a:p>
+            <a:pPr lvl="5" marL="2592000" indent="-216000">
+              <a:spcBef>
+                <a:spcPts val="283"/>
+              </a:spcBef>
+              <a:buClr>
                 <a:srgbClr val="000000"/>
-              </a:solidFill>
-              <a:latin typeface="Times New Roman"/>
-            </a:endParaRPr>
-          </a:p>
-        </p:txBody>
-      </p:sp>
-      <p:sp>
-        <p:nvSpPr>
-          <p:cNvPr id="45" name="PlaceHolder 4"/>
-          <p:cNvSpPr>
-            <a:spLocks noGrp="1"/>
-          </p:cNvSpPr>
-          <p:nvPr>
-            <p:ph type="dt"/>
-          </p:nvPr>
-        </p:nvSpPr>
-        <p:spPr>
-          <a:xfrm>
-            <a:off x="685800" y="6248520"/>
-            <a:ext cx="1904760" cy="456840"/>
-          </a:xfrm>
-          <a:prstGeom prst="rect">
-            <a:avLst/>
-          </a:prstGeom>
-        </p:spPr>
-        <p:txBody>
-          <a:bodyPr>
-            <a:noAutofit/>
-          </a:bodyPr>
-          <a:p>
-            <a:endParaRPr b="0" lang="en-CA" sz="2400" spc="-1" strike="noStrike">
-              <a:latin typeface="Times New Roman"/>
-            </a:endParaRPr>
-          </a:p>
-        </p:txBody>
-      </p:sp>
-      <p:sp>
-        <p:nvSpPr>
-          <p:cNvPr id="46" name="PlaceHolder 5"/>
-          <p:cNvSpPr>
-            <a:spLocks noGrp="1"/>
-          </p:cNvSpPr>
-          <p:nvPr>
-            <p:ph type="ftr"/>
-          </p:nvPr>
-        </p:nvSpPr>
-        <p:spPr>
-          <a:xfrm>
-            <a:off x="3124080" y="6248520"/>
-            <a:ext cx="2895120" cy="456840"/>
-          </a:xfrm>
-          <a:prstGeom prst="rect">
-            <a:avLst/>
-          </a:prstGeom>
-        </p:spPr>
-        <p:txBody>
-          <a:bodyPr>
-            <a:noAutofit/>
-          </a:bodyPr>
-          <a:p>
-            <a:endParaRPr b="0" lang="en-CA" sz="2400" spc="-1" strike="noStrike">
-              <a:latin typeface="Times New Roman"/>
-            </a:endParaRPr>
-          </a:p>
-        </p:txBody>
-      </p:sp>
-      <p:sp>
-        <p:nvSpPr>
-          <p:cNvPr id="47" name="PlaceHolder 6"/>
-          <p:cNvSpPr>
-            <a:spLocks noGrp="1"/>
-          </p:cNvSpPr>
-          <p:nvPr>
-            <p:ph type="sldNum"/>
-          </p:nvPr>
-        </p:nvSpPr>
-        <p:spPr>
-          <a:xfrm>
-            <a:off x="6553080" y="6248520"/>
-            <a:ext cx="1904760" cy="456840"/>
-          </a:xfrm>
-          <a:prstGeom prst="rect">
-            <a:avLst/>
-          </a:prstGeom>
-        </p:spPr>
-        <p:txBody>
-          <a:bodyPr>
-            <a:noAutofit/>
-          </a:bodyPr>
-          <a:p>
-            <a:pPr algn="r">
-              <a:lnSpc>
-                <a:spcPct val="100000"/>
-              </a:lnSpc>
-            </a:pPr>
-            <a:fld id="{BAA65740-E8D3-443F-810E-E9056A679552}" type="slidenum">
-              <a:rPr b="0" lang="fr-CA" sz="1400" spc="-1" strike="noStrike">
-                <a:solidFill>
-                  <a:srgbClr val="000000"/>
-                </a:solidFill>
-                <a:latin typeface="Times New Roman"/>
-              </a:rPr>
-              <a:t>&lt;number&gt;</a:t>
-            </a:fld>
-            <a:endParaRPr b="0" lang="en-CA" sz="1400" spc="-1" strike="noStrike">
-              <a:latin typeface="Times New Roman"/>
+              </a:buClr>
+              <a:buSzPct val="45000"/>
+              <a:buFont typeface="Wingdings" charset="2"/>
+              <a:buChar char=""/>
+            </a:pPr>
+            <a:r>
+              <a:rPr b="0" lang="en-CA" sz="2000" spc="-1" strike="noStrike">
+                <a:latin typeface="Arial"/>
+              </a:rPr>
+              <a:t>Sixth Outline Level</a:t>
+            </a:r>
+            <a:endParaRPr b="0" lang="en-CA" sz="2000" spc="-1" strike="noStrike">
+              <a:latin typeface="Arial"/>
+            </a:endParaRPr>
+          </a:p>
+          <a:p>
+            <a:pPr lvl="6" marL="3024000" indent="-216000">
+              <a:spcBef>
+                <a:spcPts val="283"/>
+              </a:spcBef>
+              <a:buClr>
+                <a:srgbClr val="000000"/>
+              </a:buClr>
+              <a:buSzPct val="45000"/>
+              <a:buFont typeface="Wingdings" charset="2"/>
+              <a:buChar char=""/>
+            </a:pPr>
+            <a:r>
+              <a:rPr b="0" lang="en-CA" sz="2000" spc="-1" strike="noStrike">
+                <a:latin typeface="Arial"/>
+              </a:rPr>
+              <a:t>Seventh Outline Level</a:t>
+            </a:r>
+            <a:endParaRPr b="0" lang="en-CA" sz="2000" spc="-1" strike="noStrike">
+              <a:latin typeface="Arial"/>
             </a:endParaRPr>
           </a:p>
         </p:txBody>
@@ -3789,14 +3344,14 @@
       </p:grpSpPr>
       <p:sp>
         <p:nvSpPr>
-          <p:cNvPr id="84" name="TextShape 1"/>
-          <p:cNvSpPr txBox="1"/>
+          <p:cNvPr id="78" name="CustomShape 1"/>
+          <p:cNvSpPr/>
           <p:nvPr/>
         </p:nvSpPr>
         <p:spPr>
           <a:xfrm>
             <a:off x="646200" y="1752480"/>
-            <a:ext cx="7772040" cy="1142640"/>
+            <a:ext cx="7771320" cy="1141920"/>
           </a:xfrm>
           <a:prstGeom prst="rect">
             <a:avLst/>
@@ -3806,8 +3361,14 @@
             <a:noFill/>
           </a:ln>
         </p:spPr>
-        <p:txBody>
-          <a:bodyPr anchor="ctr">
+        <p:style>
+          <a:lnRef idx="0"/>
+          <a:fillRef idx="0"/>
+          <a:effectRef idx="0"/>
+          <a:fontRef idx="minor"/>
+        </p:style>
+        <p:txBody>
+          <a:bodyPr lIns="90000" rIns="90000" tIns="45000" bIns="45000" anchor="ctr">
             <a:noAutofit/>
           </a:bodyPr>
           <a:p>
@@ -3822,6 +3383,7 @@
                   <a:srgbClr val="000000"/>
                 </a:solidFill>
                 <a:latin typeface="Times New Roman"/>
+                <a:ea typeface="DejaVu Sans"/>
               </a:rPr>
               <a:t>Réseaux neuronaux</a:t>
             </a:r>
@@ -3832,28 +3394,26 @@
                   <a:srgbClr val="000000"/>
                 </a:solidFill>
                 <a:latin typeface="Times New Roman"/>
+                <a:ea typeface="DejaVu Sans"/>
               </a:rPr>
               <a:t>IFT-780</a:t>
             </a:r>
-            <a:endParaRPr b="0" lang="fr-CA" sz="4400" spc="-1" strike="noStrike">
-              <a:solidFill>
-                <a:srgbClr val="000000"/>
-              </a:solidFill>
-              <a:latin typeface="Times New Roman"/>
-            </a:endParaRPr>
-          </a:p>
-        </p:txBody>
-      </p:sp>
-      <p:sp>
-        <p:nvSpPr>
-          <p:cNvPr id="85" name="TextShape 2"/>
-          <p:cNvSpPr txBox="1"/>
+            <a:endParaRPr b="0" lang="en-CA" sz="4400" spc="-1" strike="noStrike">
+              <a:latin typeface="Arial"/>
+            </a:endParaRPr>
+          </a:p>
+        </p:txBody>
+      </p:sp>
+      <p:sp>
+        <p:nvSpPr>
+          <p:cNvPr id="79" name="CustomShape 2"/>
+          <p:cNvSpPr/>
           <p:nvPr/>
         </p:nvSpPr>
         <p:spPr>
           <a:xfrm>
             <a:off x="1332000" y="4844880"/>
-            <a:ext cx="6400440" cy="1752120"/>
+            <a:ext cx="6399720" cy="1751400"/>
           </a:xfrm>
           <a:prstGeom prst="rect">
             <a:avLst/>
@@ -3863,8 +3423,14 @@
             <a:noFill/>
           </a:ln>
         </p:spPr>
-        <p:txBody>
-          <a:bodyPr>
+        <p:style>
+          <a:lnRef idx="0"/>
+          <a:fillRef idx="0"/>
+          <a:effectRef idx="0"/>
+          <a:fontRef idx="minor"/>
+        </p:style>
+        <p:txBody>
+          <a:bodyPr lIns="90000" rIns="90000" tIns="45000" bIns="45000">
             <a:noAutofit/>
           </a:bodyPr>
           <a:p>
@@ -3885,6 +3451,7 @@
                   <a:srgbClr val="000000"/>
                 </a:solidFill>
                 <a:latin typeface="Times New Roman"/>
+                <a:ea typeface="DejaVu Sans"/>
               </a:rPr>
               <a:t>Présentation</a:t>
             </a:r>
@@ -3910,6 +3477,7 @@
                   <a:srgbClr val="000000"/>
                 </a:solidFill>
                 <a:latin typeface="Times New Roman"/>
+                <a:ea typeface="DejaVu Sans"/>
               </a:rPr>
               <a:t>Par</a:t>
             </a:r>
@@ -3935,6 +3503,7 @@
                   <a:srgbClr val="000000"/>
                 </a:solidFill>
                 <a:latin typeface="Times New Roman"/>
+                <a:ea typeface="DejaVu Sans"/>
               </a:rPr>
               <a:t>Pierre-Marc Jodoin</a:t>
             </a:r>
@@ -3944,6 +3513,7 @@
                   <a:srgbClr val="000000"/>
                 </a:solidFill>
                 <a:latin typeface="Times New Roman"/>
+                <a:ea typeface="DejaVu Sans"/>
               </a:rPr>
               <a:t> Antoine Théberge </a:t>
             </a:r>
@@ -3985,14 +3555,14 @@
       </p:grpSpPr>
       <p:sp>
         <p:nvSpPr>
-          <p:cNvPr id="109" name="TextShape 1"/>
-          <p:cNvSpPr txBox="1"/>
+          <p:cNvPr id="103" name="CustomShape 1"/>
+          <p:cNvSpPr/>
           <p:nvPr/>
         </p:nvSpPr>
         <p:spPr>
           <a:xfrm>
             <a:off x="684360" y="189000"/>
-            <a:ext cx="7772040" cy="1142640"/>
+            <a:ext cx="7771320" cy="1141920"/>
           </a:xfrm>
           <a:prstGeom prst="rect">
             <a:avLst/>
@@ -4002,8 +3572,14 @@
             <a:noFill/>
           </a:ln>
         </p:spPr>
-        <p:txBody>
-          <a:bodyPr anchor="ctr">
+        <p:style>
+          <a:lnRef idx="0"/>
+          <a:fillRef idx="0"/>
+          <a:effectRef idx="0"/>
+          <a:fontRef idx="minor"/>
+        </p:style>
+        <p:txBody>
+          <a:bodyPr lIns="90000" rIns="90000" tIns="45000" bIns="45000" anchor="ctr">
             <a:noAutofit/>
           </a:bodyPr>
           <a:p>
@@ -4018,28 +3594,26 @@
                   <a:srgbClr val="000000"/>
                 </a:solidFill>
                 <a:latin typeface="Times New Roman"/>
+                <a:ea typeface="DejaVu Sans"/>
               </a:rPr>
               <a:t>Évaluation</a:t>
             </a:r>
-            <a:endParaRPr b="0" lang="fr-CA" sz="4400" spc="-1" strike="noStrike">
-              <a:solidFill>
-                <a:srgbClr val="000000"/>
-              </a:solidFill>
-              <a:latin typeface="Times New Roman"/>
-            </a:endParaRPr>
-          </a:p>
-        </p:txBody>
-      </p:sp>
-      <p:sp>
-        <p:nvSpPr>
-          <p:cNvPr id="110" name="TextShape 2"/>
-          <p:cNvSpPr txBox="1"/>
+            <a:endParaRPr b="0" lang="en-CA" sz="4400" spc="-1" strike="noStrike">
+              <a:latin typeface="Arial"/>
+            </a:endParaRPr>
+          </a:p>
+        </p:txBody>
+      </p:sp>
+      <p:sp>
+        <p:nvSpPr>
+          <p:cNvPr id="104" name="CustomShape 2"/>
+          <p:cNvSpPr/>
           <p:nvPr/>
         </p:nvSpPr>
         <p:spPr>
           <a:xfrm>
             <a:off x="743760" y="1332000"/>
-            <a:ext cx="7772040" cy="2423520"/>
+            <a:ext cx="7771320" cy="2422800"/>
           </a:xfrm>
           <a:prstGeom prst="rect">
             <a:avLst/>
@@ -4049,12 +3623,18 @@
             <a:noFill/>
           </a:ln>
         </p:spPr>
-        <p:txBody>
-          <a:bodyPr>
+        <p:style>
+          <a:lnRef idx="0"/>
+          <a:fillRef idx="0"/>
+          <a:effectRef idx="0"/>
+          <a:fontRef idx="minor"/>
+        </p:style>
+        <p:txBody>
+          <a:bodyPr lIns="90000" rIns="90000" tIns="45000" bIns="45000">
             <a:noAutofit/>
           </a:bodyPr>
           <a:p>
-            <a:pPr marL="343080" indent="-342720">
+            <a:pPr marL="343080" indent="-342000">
               <a:lnSpc>
                 <a:spcPct val="100000"/>
               </a:lnSpc>
@@ -4064,7 +3644,7 @@
               <a:buClr>
                 <a:srgbClr val="000000"/>
               </a:buClr>
-              <a:buFont typeface="Symbol" charset="2"/>
+              <a:buFont typeface="Symbol"/>
               <a:buChar char=""/>
             </a:pPr>
             <a:r>
@@ -4073,6 +3653,7 @@
                   <a:srgbClr val="000000"/>
                 </a:solidFill>
                 <a:latin typeface="Times New Roman"/>
+                <a:ea typeface="DejaVu Sans"/>
               </a:rPr>
               <a:t>Examen</a:t>
             </a:r>
@@ -4082,26 +3663,26 @@
                   <a:srgbClr val="000000"/>
                 </a:solidFill>
                 <a:latin typeface="Times New Roman"/>
+                <a:ea typeface="DejaVu Sans"/>
               </a:rPr>
               <a:t> final : 30%</a:t>
             </a:r>
-            <a:endParaRPr b="0" lang="fr-CA" sz="2800" spc="-1" strike="noStrike">
-              <a:solidFill>
-                <a:srgbClr val="000000"/>
-              </a:solidFill>
-              <a:latin typeface="Times New Roman"/>
-            </a:endParaRPr>
-          </a:p>
-          <a:p>
-            <a:endParaRPr b="0" lang="fr-CA" sz="2800" spc="-1" strike="noStrike">
-              <a:solidFill>
-                <a:srgbClr val="000000"/>
-              </a:solidFill>
-              <a:latin typeface="Times New Roman"/>
-            </a:endParaRPr>
-          </a:p>
-          <a:p>
-            <a:pPr marL="343080" indent="-342720">
+            <a:endParaRPr b="0" lang="en-CA" sz="2800" spc="-1" strike="noStrike">
+              <a:latin typeface="Arial"/>
+            </a:endParaRPr>
+          </a:p>
+          <a:p>
+            <a:pPr>
+              <a:lnSpc>
+                <a:spcPct val="100000"/>
+              </a:lnSpc>
+            </a:pPr>
+            <a:endParaRPr b="0" lang="en-CA" sz="2800" spc="-1" strike="noStrike">
+              <a:latin typeface="Arial"/>
+            </a:endParaRPr>
+          </a:p>
+          <a:p>
+            <a:pPr marL="343080" indent="-342000">
               <a:lnSpc>
                 <a:spcPct val="100000"/>
               </a:lnSpc>
@@ -4111,7 +3692,7 @@
               <a:buClr>
                 <a:srgbClr val="000000"/>
               </a:buClr>
-              <a:buFont typeface="Symbol" charset="2"/>
+              <a:buFont typeface="Symbol"/>
               <a:buChar char=""/>
             </a:pPr>
             <a:r>
@@ -4120,18 +3701,16 @@
                   <a:srgbClr val="000000"/>
                 </a:solidFill>
                 <a:latin typeface="Times New Roman"/>
+                <a:ea typeface="DejaVu Sans"/>
               </a:rPr>
               <a:t>Travaux pratiques: 40-70%</a:t>
             </a:r>
-            <a:endParaRPr b="0" lang="fr-CA" sz="3200" spc="-1" strike="noStrike">
-              <a:solidFill>
-                <a:srgbClr val="000000"/>
-              </a:solidFill>
-              <a:latin typeface="Times New Roman"/>
-            </a:endParaRPr>
-          </a:p>
-          <a:p>
-            <a:pPr lvl="1" marL="743040" indent="-285480">
+            <a:endParaRPr b="0" lang="en-CA" sz="3200" spc="-1" strike="noStrike">
+              <a:latin typeface="Arial"/>
+            </a:endParaRPr>
+          </a:p>
+          <a:p>
+            <a:pPr lvl="1" marL="743040" indent="-284760">
               <a:lnSpc>
                 <a:spcPct val="100000"/>
               </a:lnSpc>
@@ -4141,7 +3720,7 @@
               <a:buClr>
                 <a:srgbClr val="000000"/>
               </a:buClr>
-              <a:buFont typeface="Symbol" charset="2"/>
+              <a:buFont typeface="Symbol"/>
               <a:buChar char=""/>
             </a:pPr>
             <a:r>
@@ -4150,18 +3729,16 @@
                   <a:srgbClr val="000000"/>
                 </a:solidFill>
                 <a:latin typeface="Times New Roman"/>
+                <a:ea typeface="DejaVu Sans"/>
               </a:rPr>
               <a:t>TP1 : 20%</a:t>
             </a:r>
-            <a:endParaRPr b="0" lang="fr-CA" sz="2800" spc="-1" strike="noStrike">
-              <a:solidFill>
-                <a:srgbClr val="000000"/>
-              </a:solidFill>
-              <a:latin typeface="Times New Roman"/>
-            </a:endParaRPr>
-          </a:p>
-          <a:p>
-            <a:pPr lvl="1" marL="743040" indent="-285480">
+            <a:endParaRPr b="0" lang="en-CA" sz="2800" spc="-1" strike="noStrike">
+              <a:latin typeface="Arial"/>
+            </a:endParaRPr>
+          </a:p>
+          <a:p>
+            <a:pPr lvl="1" marL="743040" indent="-284760">
               <a:lnSpc>
                 <a:spcPct val="100000"/>
               </a:lnSpc>
@@ -4171,7 +3748,7 @@
               <a:buClr>
                 <a:srgbClr val="000000"/>
               </a:buClr>
-              <a:buFont typeface="Symbol" charset="2"/>
+              <a:buFont typeface="Symbol"/>
               <a:buChar char=""/>
             </a:pPr>
             <a:r>
@@ -4180,18 +3757,16 @@
                   <a:srgbClr val="000000"/>
                 </a:solidFill>
                 <a:latin typeface="Times New Roman"/>
+                <a:ea typeface="DejaVu Sans"/>
               </a:rPr>
               <a:t>TP2 : 20%</a:t>
             </a:r>
-            <a:endParaRPr b="0" lang="fr-CA" sz="2800" spc="-1" strike="noStrike">
-              <a:solidFill>
-                <a:srgbClr val="000000"/>
-              </a:solidFill>
-              <a:latin typeface="Times New Roman"/>
-            </a:endParaRPr>
-          </a:p>
-          <a:p>
-            <a:pPr lvl="1" marL="743040" indent="-285480">
+            <a:endParaRPr b="0" lang="en-CA" sz="2800" spc="-1" strike="noStrike">
+              <a:latin typeface="Arial"/>
+            </a:endParaRPr>
+          </a:p>
+          <a:p>
+            <a:pPr lvl="1" marL="743040" indent="-284760">
               <a:lnSpc>
                 <a:spcPct val="100000"/>
               </a:lnSpc>
@@ -4201,7 +3776,7 @@
               <a:buClr>
                 <a:srgbClr val="000000"/>
               </a:buClr>
-              <a:buFont typeface="Symbol" charset="2"/>
+              <a:buFont typeface="Symbol"/>
               <a:buChar char=""/>
             </a:pPr>
             <a:r>
@@ -4210,18 +3785,16 @@
                   <a:srgbClr val="000000"/>
                 </a:solidFill>
                 <a:latin typeface="Times New Roman"/>
+                <a:ea typeface="DejaVu Sans"/>
               </a:rPr>
               <a:t>TP3 : 0-30%</a:t>
             </a:r>
-            <a:endParaRPr b="0" lang="fr-CA" sz="2800" spc="-1" strike="noStrike">
-              <a:solidFill>
-                <a:srgbClr val="000000"/>
-              </a:solidFill>
-              <a:latin typeface="Times New Roman"/>
-            </a:endParaRPr>
-          </a:p>
-          <a:p>
-            <a:pPr marL="343080" indent="-342720">
+            <a:endParaRPr b="0" lang="en-CA" sz="2800" spc="-1" strike="noStrike">
+              <a:latin typeface="Arial"/>
+            </a:endParaRPr>
+          </a:p>
+          <a:p>
+            <a:pPr marL="343080" indent="-342000">
               <a:lnSpc>
                 <a:spcPct val="100000"/>
               </a:lnSpc>
@@ -4231,7 +3804,7 @@
               <a:buClr>
                 <a:srgbClr val="000000"/>
               </a:buClr>
-              <a:buFont typeface="Symbol" charset="2"/>
+              <a:buFont typeface="Symbol"/>
               <a:buChar char=""/>
             </a:pPr>
             <a:r>
@@ -4240,6 +3813,7 @@
                   <a:srgbClr val="000000"/>
                 </a:solidFill>
                 <a:latin typeface="Times New Roman"/>
+                <a:ea typeface="DejaVu Sans"/>
               </a:rPr>
               <a:t>Projet de session : 0-30</a:t>
             </a:r>
@@ -4249,18 +3823,16 @@
                   <a:srgbClr val="000000"/>
                 </a:solidFill>
                 <a:latin typeface="Times New Roman"/>
+                <a:ea typeface="DejaVu Sans"/>
               </a:rPr>
               <a:t>%</a:t>
             </a:r>
-            <a:endParaRPr b="0" lang="fr-CA" sz="3200" spc="-1" strike="noStrike">
-              <a:solidFill>
-                <a:srgbClr val="000000"/>
-              </a:solidFill>
-              <a:latin typeface="Times New Roman"/>
-            </a:endParaRPr>
-          </a:p>
-          <a:p>
-            <a:pPr marL="343080" indent="-342720">
+            <a:endParaRPr b="0" lang="en-CA" sz="3200" spc="-1" strike="noStrike">
+              <a:latin typeface="Arial"/>
+            </a:endParaRPr>
+          </a:p>
+          <a:p>
+            <a:pPr marL="343080" indent="-342000">
               <a:lnSpc>
                 <a:spcPct val="100000"/>
               </a:lnSpc>
@@ -4270,7 +3842,7 @@
               <a:buClr>
                 <a:srgbClr val="000000"/>
               </a:buClr>
-              <a:buFont typeface="Symbol" charset="2"/>
+              <a:buFont typeface="Symbol"/>
               <a:buChar char=""/>
             </a:pPr>
             <a:r>
@@ -4279,28 +3851,26 @@
                   <a:srgbClr val="000000"/>
                 </a:solidFill>
                 <a:latin typeface="Times New Roman"/>
+                <a:ea typeface="DejaVu Sans"/>
               </a:rPr>
               <a:t>Vous avez le choix entre le TP3 et le projet</a:t>
             </a:r>
-            <a:endParaRPr b="0" lang="fr-CA" sz="3200" spc="-1" strike="noStrike">
-              <a:solidFill>
-                <a:srgbClr val="000000"/>
-              </a:solidFill>
-              <a:latin typeface="Times New Roman"/>
-            </a:endParaRPr>
-          </a:p>
-        </p:txBody>
-      </p:sp>
-      <p:sp>
-        <p:nvSpPr>
-          <p:cNvPr id="111" name="TextShape 3"/>
-          <p:cNvSpPr txBox="1"/>
+            <a:endParaRPr b="0" lang="en-CA" sz="3200" spc="-1" strike="noStrike">
+              <a:latin typeface="Arial"/>
+            </a:endParaRPr>
+          </a:p>
+        </p:txBody>
+      </p:sp>
+      <p:sp>
+        <p:nvSpPr>
+          <p:cNvPr id="105" name="CustomShape 3"/>
+          <p:cNvSpPr/>
           <p:nvPr/>
         </p:nvSpPr>
         <p:spPr>
           <a:xfrm>
             <a:off x="6553080" y="6248520"/>
-            <a:ext cx="1904760" cy="456840"/>
+            <a:ext cx="1904040" cy="456120"/>
           </a:xfrm>
           <a:prstGeom prst="rect">
             <a:avLst/>
@@ -4310,8 +3880,14 @@
             <a:noFill/>
           </a:ln>
         </p:spPr>
-        <p:txBody>
-          <a:bodyPr>
+        <p:style>
+          <a:lnRef idx="0"/>
+          <a:fillRef idx="0"/>
+          <a:effectRef idx="0"/>
+          <a:fontRef idx="minor"/>
+        </p:style>
+        <p:txBody>
+          <a:bodyPr lIns="90000" rIns="90000" tIns="45000" bIns="45000">
             <a:noAutofit/>
           </a:bodyPr>
           <a:p>
@@ -4320,31 +3896,32 @@
                 <a:spcPct val="100000"/>
               </a:lnSpc>
             </a:pPr>
-            <a:fld id="{C45EC6E1-1CF2-455B-806F-13DF28242AA3}" type="slidenum">
+            <a:fld id="{F5B93C1A-B5FB-4DA0-8F16-DCBFA500DD02}" type="slidenum">
               <a:rPr b="0" lang="fr-CA" sz="1400" spc="-1" strike="noStrike">
                 <a:solidFill>
                   <a:srgbClr val="000000"/>
                 </a:solidFill>
                 <a:latin typeface="Times New Roman"/>
+                <a:ea typeface="DejaVu Sans"/>
               </a:rPr>
               <a:t>&lt;number&gt;</a:t>
             </a:fld>
             <a:endParaRPr b="0" lang="en-CA" sz="1400" spc="-1" strike="noStrike">
-              <a:latin typeface="Times New Roman"/>
-            </a:endParaRPr>
-          </a:p>
-        </p:txBody>
-      </p:sp>
-      <p:sp>
-        <p:nvSpPr>
-          <p:cNvPr id="112" name="CustomShape 4"/>
+              <a:latin typeface="Arial"/>
+            </a:endParaRPr>
+          </a:p>
+        </p:txBody>
+      </p:sp>
+      <p:sp>
+        <p:nvSpPr>
+          <p:cNvPr id="106" name="CustomShape 4"/>
           <p:cNvSpPr/>
           <p:nvPr/>
         </p:nvSpPr>
         <p:spPr>
           <a:xfrm>
             <a:off x="4322160" y="1332000"/>
-            <a:ext cx="151920" cy="768960"/>
+            <a:ext cx="151200" cy="768240"/>
           </a:xfrm>
           <a:prstGeom prst="rightBrace">
             <a:avLst>
@@ -4379,14 +3956,14 @@
       </p:sp>
       <p:sp>
         <p:nvSpPr>
-          <p:cNvPr id="113" name="CustomShape 5"/>
+          <p:cNvPr id="107" name="CustomShape 5"/>
           <p:cNvSpPr/>
           <p:nvPr/>
         </p:nvSpPr>
         <p:spPr>
           <a:xfrm>
             <a:off x="4638240" y="1393200"/>
-            <a:ext cx="2974680" cy="700200"/>
+            <a:ext cx="2973960" cy="699480"/>
           </a:xfrm>
           <a:prstGeom prst="rect">
             <a:avLst/>
@@ -4418,6 +3995,7 @@
                   <a:srgbClr val="000000"/>
                 </a:solidFill>
                 <a:latin typeface="Times New Roman"/>
+                <a:ea typeface="DejaVu Sans"/>
               </a:rPr>
               <a:t>Seule les notes manuscrites</a:t>
             </a:r>
@@ -4437,6 +4015,7 @@
                   <a:srgbClr val="000000"/>
                 </a:solidFill>
                 <a:latin typeface="Times New Roman"/>
+                <a:ea typeface="DejaVu Sans"/>
               </a:rPr>
               <a:t>seront admises</a:t>
             </a:r>
@@ -4478,14 +4057,14 @@
       </p:grpSpPr>
       <p:sp>
         <p:nvSpPr>
-          <p:cNvPr id="114" name="TextShape 1"/>
-          <p:cNvSpPr txBox="1"/>
+          <p:cNvPr id="108" name="CustomShape 1"/>
+          <p:cNvSpPr/>
           <p:nvPr/>
         </p:nvSpPr>
         <p:spPr>
           <a:xfrm>
             <a:off x="6553080" y="6248520"/>
-            <a:ext cx="1904760" cy="456840"/>
+            <a:ext cx="1904040" cy="456120"/>
           </a:xfrm>
           <a:prstGeom prst="rect">
             <a:avLst/>
@@ -4495,8 +4074,14 @@
             <a:noFill/>
           </a:ln>
         </p:spPr>
-        <p:txBody>
-          <a:bodyPr>
+        <p:style>
+          <a:lnRef idx="0"/>
+          <a:fillRef idx="0"/>
+          <a:effectRef idx="0"/>
+          <a:fontRef idx="minor"/>
+        </p:style>
+        <p:txBody>
+          <a:bodyPr lIns="90000" rIns="90000" tIns="45000" bIns="45000">
             <a:noAutofit/>
           </a:bodyPr>
           <a:p>
@@ -4505,31 +4090,32 @@
                 <a:spcPct val="100000"/>
               </a:lnSpc>
             </a:pPr>
-            <a:fld id="{5A0F41B2-535C-4460-AC0A-4E40C445F892}" type="slidenum">
+            <a:fld id="{F989B8B6-C11D-49A5-ABCE-4998442CDD61}" type="slidenum">
               <a:rPr b="0" lang="fr-CA" sz="1400" spc="-1" strike="noStrike">
                 <a:solidFill>
                   <a:srgbClr val="000000"/>
                 </a:solidFill>
                 <a:latin typeface="Times New Roman"/>
+                <a:ea typeface="DejaVu Sans"/>
               </a:rPr>
               <a:t>&lt;number&gt;</a:t>
             </a:fld>
             <a:endParaRPr b="0" lang="en-CA" sz="1400" spc="-1" strike="noStrike">
-              <a:latin typeface="Times New Roman"/>
-            </a:endParaRPr>
-          </a:p>
-        </p:txBody>
-      </p:sp>
-      <p:sp>
-        <p:nvSpPr>
-          <p:cNvPr id="115" name="TextShape 2"/>
-          <p:cNvSpPr txBox="1"/>
+              <a:latin typeface="Arial"/>
+            </a:endParaRPr>
+          </a:p>
+        </p:txBody>
+      </p:sp>
+      <p:sp>
+        <p:nvSpPr>
+          <p:cNvPr id="109" name="CustomShape 2"/>
+          <p:cNvSpPr/>
           <p:nvPr/>
         </p:nvSpPr>
         <p:spPr>
           <a:xfrm>
             <a:off x="684360" y="189000"/>
-            <a:ext cx="7772040" cy="1142640"/>
+            <a:ext cx="7771320" cy="1141920"/>
           </a:xfrm>
           <a:prstGeom prst="rect">
             <a:avLst/>
@@ -4539,8 +4125,14 @@
             <a:noFill/>
           </a:ln>
         </p:spPr>
-        <p:txBody>
-          <a:bodyPr anchor="ctr">
+        <p:style>
+          <a:lnRef idx="0"/>
+          <a:fillRef idx="0"/>
+          <a:effectRef idx="0"/>
+          <a:fontRef idx="minor"/>
+        </p:style>
+        <p:txBody>
+          <a:bodyPr lIns="90000" rIns="90000" tIns="45000" bIns="45000" anchor="ctr">
             <a:noAutofit/>
           </a:bodyPr>
           <a:p>
@@ -4555,28 +4147,26 @@
                   <a:srgbClr val="000000"/>
                 </a:solidFill>
                 <a:latin typeface="Times New Roman"/>
+                <a:ea typeface="DejaVu Sans"/>
               </a:rPr>
               <a:t>Évaluation (suite)</a:t>
             </a:r>
-            <a:endParaRPr b="0" lang="fr-CA" sz="4400" spc="-1" strike="noStrike">
-              <a:solidFill>
-                <a:srgbClr val="000000"/>
-              </a:solidFill>
-              <a:latin typeface="Times New Roman"/>
-            </a:endParaRPr>
-          </a:p>
-        </p:txBody>
-      </p:sp>
-      <p:sp>
-        <p:nvSpPr>
-          <p:cNvPr id="116" name="TextShape 3"/>
-          <p:cNvSpPr txBox="1"/>
+            <a:endParaRPr b="0" lang="en-CA" sz="4400" spc="-1" strike="noStrike">
+              <a:latin typeface="Arial"/>
+            </a:endParaRPr>
+          </a:p>
+        </p:txBody>
+      </p:sp>
+      <p:sp>
+        <p:nvSpPr>
+          <p:cNvPr id="110" name="CustomShape 3"/>
+          <p:cNvSpPr/>
           <p:nvPr/>
         </p:nvSpPr>
         <p:spPr>
           <a:xfrm>
             <a:off x="179640" y="1981080"/>
-            <a:ext cx="8964000" cy="2490840"/>
+            <a:ext cx="8963280" cy="2490120"/>
           </a:xfrm>
           <a:prstGeom prst="rect">
             <a:avLst/>
@@ -4586,8 +4176,14 @@
             <a:noFill/>
           </a:ln>
         </p:spPr>
-        <p:txBody>
-          <a:bodyPr>
+        <p:style>
+          <a:lnRef idx="0"/>
+          <a:fillRef idx="0"/>
+          <a:effectRef idx="0"/>
+          <a:fontRef idx="minor"/>
+        </p:style>
+        <p:txBody>
+          <a:bodyPr lIns="90000" rIns="90000" tIns="45000" bIns="45000">
             <a:noAutofit/>
           </a:bodyPr>
           <a:p>
@@ -4608,6 +4204,7 @@
                   <a:srgbClr val="000000"/>
                 </a:solidFill>
                 <a:latin typeface="Times New Roman"/>
+                <a:ea typeface="DejaVu Sans"/>
               </a:rPr>
               <a:t>P</a:t>
             </a:r>
@@ -4617,6 +4214,7 @@
                   <a:srgbClr val="000000"/>
                 </a:solidFill>
                 <a:latin typeface="Times New Roman"/>
+                <a:ea typeface="DejaVu Sans"/>
               </a:rPr>
               <a:t>rojet de session, </a:t>
             </a:r>
@@ -4626,6 +4224,7 @@
                   <a:srgbClr val="000000"/>
                 </a:solidFill>
                 <a:latin typeface="Times New Roman"/>
+                <a:ea typeface="DejaVu Sans"/>
               </a:rPr>
               <a:t>voir plan de cours pour plus de d</a:t>
             </a:r>
@@ -4635,14 +4234,12 @@
                   <a:srgbClr val="000000"/>
                 </a:solidFill>
                 <a:latin typeface="Times New Roman"/>
+                <a:ea typeface="DejaVu Sans"/>
               </a:rPr>
               <a:t>étails</a:t>
             </a:r>
-            <a:endParaRPr b="0" lang="fr-CA" sz="2400" spc="-1" strike="noStrike">
-              <a:solidFill>
-                <a:srgbClr val="000000"/>
-              </a:solidFill>
-              <a:latin typeface="Times New Roman"/>
+            <a:endParaRPr b="0" lang="en-CA" sz="2400" spc="-1" strike="noStrike">
+              <a:latin typeface="Arial"/>
             </a:endParaRPr>
           </a:p>
           <a:p>
@@ -4657,11 +4254,8 @@
                 <a:tab algn="l" pos="0"/>
               </a:tabLst>
             </a:pPr>
-            <a:endParaRPr b="0" lang="fr-CA" sz="2400" spc="-1" strike="noStrike">
-              <a:solidFill>
-                <a:srgbClr val="000000"/>
-              </a:solidFill>
-              <a:latin typeface="Times New Roman"/>
+            <a:endParaRPr b="0" lang="en-CA" sz="2400" spc="-1" strike="noStrike">
+              <a:latin typeface="Arial"/>
             </a:endParaRPr>
           </a:p>
           <a:p>
@@ -4683,14 +4277,12 @@
                 </a:solidFill>
                 <a:uFillTx/>
                 <a:latin typeface="Times New Roman"/>
+                <a:ea typeface="DejaVu Sans"/>
               </a:rPr>
               <a:t>https://www.antoinetheberge.ca/teaching/2021-spring-ift780</a:t>
             </a:r>
-            <a:endParaRPr b="0" lang="fr-CA" sz="2400" spc="-1" strike="noStrike">
-              <a:solidFill>
-                <a:srgbClr val="000000"/>
-              </a:solidFill>
-              <a:latin typeface="Times New Roman"/>
+            <a:endParaRPr b="0" lang="en-CA" sz="2400" spc="-1" strike="noStrike">
+              <a:latin typeface="Arial"/>
             </a:endParaRPr>
           </a:p>
         </p:txBody>
@@ -4727,14 +4319,14 @@
       </p:grpSpPr>
       <p:sp>
         <p:nvSpPr>
-          <p:cNvPr id="117" name="TextShape 1"/>
-          <p:cNvSpPr txBox="1"/>
+          <p:cNvPr id="111" name="CustomShape 1"/>
+          <p:cNvSpPr/>
           <p:nvPr/>
         </p:nvSpPr>
         <p:spPr>
           <a:xfrm>
             <a:off x="759960" y="188640"/>
-            <a:ext cx="7772040" cy="1142640"/>
+            <a:ext cx="7771320" cy="1141920"/>
           </a:xfrm>
           <a:prstGeom prst="rect">
             <a:avLst/>
@@ -4744,8 +4336,14 @@
             <a:noFill/>
           </a:ln>
         </p:spPr>
-        <p:txBody>
-          <a:bodyPr anchor="ctr">
+        <p:style>
+          <a:lnRef idx="0"/>
+          <a:fillRef idx="0"/>
+          <a:effectRef idx="0"/>
+          <a:fontRef idx="minor"/>
+        </p:style>
+        <p:txBody>
+          <a:bodyPr lIns="90000" rIns="90000" tIns="45000" bIns="45000" anchor="ctr">
             <a:noAutofit/>
           </a:bodyPr>
           <a:p>
@@ -4760,28 +4358,26 @@
                   <a:srgbClr val="000000"/>
                 </a:solidFill>
                 <a:latin typeface="Times New Roman"/>
+                <a:ea typeface="DejaVu Sans"/>
               </a:rPr>
               <a:t>À partir de maintenant</a:t>
             </a:r>
-            <a:endParaRPr b="0" lang="fr-CA" sz="4400" spc="-1" strike="noStrike">
-              <a:solidFill>
-                <a:srgbClr val="000000"/>
-              </a:solidFill>
-              <a:latin typeface="Times New Roman"/>
-            </a:endParaRPr>
-          </a:p>
-        </p:txBody>
-      </p:sp>
-      <p:sp>
-        <p:nvSpPr>
-          <p:cNvPr id="118" name="TextShape 2"/>
-          <p:cNvSpPr txBox="1"/>
+            <a:endParaRPr b="0" lang="en-CA" sz="4400" spc="-1" strike="noStrike">
+              <a:latin typeface="Arial"/>
+            </a:endParaRPr>
+          </a:p>
+        </p:txBody>
+      </p:sp>
+      <p:sp>
+        <p:nvSpPr>
+          <p:cNvPr id="112" name="CustomShape 2"/>
+          <p:cNvSpPr/>
           <p:nvPr/>
         </p:nvSpPr>
         <p:spPr>
           <a:xfrm>
             <a:off x="685800" y="1981080"/>
-            <a:ext cx="7772040" cy="4114440"/>
+            <a:ext cx="7771320" cy="4113720"/>
           </a:xfrm>
           <a:prstGeom prst="rect">
             <a:avLst/>
@@ -4791,12 +4387,18 @@
             <a:noFill/>
           </a:ln>
         </p:spPr>
-        <p:txBody>
-          <a:bodyPr>
+        <p:style>
+          <a:lnRef idx="0"/>
+          <a:fillRef idx="0"/>
+          <a:effectRef idx="0"/>
+          <a:fontRef idx="minor"/>
+        </p:style>
+        <p:txBody>
+          <a:bodyPr lIns="90000" rIns="90000" tIns="45000" bIns="45000">
             <a:noAutofit/>
           </a:bodyPr>
           <a:p>
-            <a:pPr marL="343080" indent="-342720">
+            <a:pPr marL="343080" indent="-342000">
               <a:lnSpc>
                 <a:spcPct val="100000"/>
               </a:lnSpc>
@@ -4806,7 +4408,7 @@
               <a:buClr>
                 <a:srgbClr val="000000"/>
               </a:buClr>
-              <a:buFont typeface="Symbol" charset="2"/>
+              <a:buFont typeface="Symbol"/>
               <a:buChar char=""/>
             </a:pPr>
             <a:r>
@@ -4816,18 +4418,16 @@
                 </a:solidFill>
                 <a:uFillTx/>
                 <a:latin typeface="Times New Roman"/>
+                <a:ea typeface="DejaVu Sans"/>
               </a:rPr>
               <a:t>Formez vos équipes</a:t>
             </a:r>
-            <a:endParaRPr b="0" lang="fr-CA" sz="2400" spc="-1" strike="noStrike">
-              <a:solidFill>
-                <a:srgbClr val="000000"/>
-              </a:solidFill>
-              <a:latin typeface="Times New Roman"/>
-            </a:endParaRPr>
-          </a:p>
-          <a:p>
-            <a:pPr marL="343080" indent="-342720">
+            <a:endParaRPr b="0" lang="en-CA" sz="2400" spc="-1" strike="noStrike">
+              <a:latin typeface="Arial"/>
+            </a:endParaRPr>
+          </a:p>
+          <a:p>
+            <a:pPr marL="343080" indent="-342000">
               <a:lnSpc>
                 <a:spcPct val="100000"/>
               </a:lnSpc>
@@ -4837,7 +4437,7 @@
               <a:buClr>
                 <a:srgbClr val="000000"/>
               </a:buClr>
-              <a:buFont typeface="Symbol" charset="2"/>
+              <a:buFont typeface="Symbol"/>
               <a:buChar char=""/>
             </a:pPr>
             <a:r>
@@ -4846,18 +4446,16 @@
                   <a:srgbClr val="000000"/>
                 </a:solidFill>
                 <a:latin typeface="Times New Roman"/>
-              </a:rPr>
-              <a:t>Révision (ou apprentissage) de python (voir tutoriel sur le site du cours)</a:t>
-            </a:r>
-            <a:endParaRPr b="0" lang="fr-CA" sz="2400" spc="-1" strike="noStrike">
-              <a:solidFill>
-                <a:srgbClr val="000000"/>
-              </a:solidFill>
-              <a:latin typeface="Times New Roman"/>
-            </a:endParaRPr>
-          </a:p>
-          <a:p>
-            <a:pPr marL="343080" indent="-342720">
+                <a:ea typeface="DejaVu Sans"/>
+              </a:rPr>
+              <a:t>Révision (ou apprentissage) de python</a:t>
+            </a:r>
+            <a:endParaRPr b="0" lang="en-CA" sz="2400" spc="-1" strike="noStrike">
+              <a:latin typeface="Arial"/>
+            </a:endParaRPr>
+          </a:p>
+          <a:p>
+            <a:pPr marL="343080" indent="-342000">
               <a:lnSpc>
                 <a:spcPct val="100000"/>
               </a:lnSpc>
@@ -4867,7 +4465,7 @@
               <a:buClr>
                 <a:srgbClr val="000000"/>
               </a:buClr>
-              <a:buFont typeface="Symbol" charset="2"/>
+              <a:buFont typeface="Symbol"/>
               <a:buChar char=""/>
             </a:pPr>
             <a:r>
@@ -4876,18 +4474,16 @@
                   <a:srgbClr val="000000"/>
                 </a:solidFill>
                 <a:latin typeface="Times New Roman"/>
-              </a:rPr>
-              <a:t>Révision des bases en math (voir vidéos en ligne)</a:t>
-            </a:r>
-            <a:endParaRPr b="0" lang="fr-CA" sz="2400" spc="-1" strike="noStrike">
-              <a:solidFill>
-                <a:srgbClr val="000000"/>
-              </a:solidFill>
-              <a:latin typeface="Times New Roman"/>
-            </a:endParaRPr>
-          </a:p>
-          <a:p>
-            <a:pPr marL="343080" indent="-342720">
+                <a:ea typeface="DejaVu Sans"/>
+              </a:rPr>
+              <a:t>Révision des bases en math</a:t>
+            </a:r>
+            <a:endParaRPr b="0" lang="en-CA" sz="2400" spc="-1" strike="noStrike">
+              <a:latin typeface="Arial"/>
+            </a:endParaRPr>
+          </a:p>
+          <a:p>
+            <a:pPr marL="343080" indent="-342000">
               <a:lnSpc>
                 <a:spcPct val="100000"/>
               </a:lnSpc>
@@ -4897,7 +4493,7 @@
               <a:buClr>
                 <a:srgbClr val="000000"/>
               </a:buClr>
-              <a:buFont typeface="Symbol" charset="2"/>
+              <a:buFont typeface="Symbol"/>
               <a:buChar char=""/>
             </a:pPr>
             <a:r>
@@ -4906,28 +4502,26 @@
                   <a:srgbClr val="000000"/>
                 </a:solidFill>
                 <a:latin typeface="Times New Roman"/>
+                <a:ea typeface="DejaVu Sans"/>
               </a:rPr>
               <a:t>Révision des bases des techniques d’apprentissage (voir vidéos du cours ift603 ou prendre le cours ift603)</a:t>
             </a:r>
-            <a:endParaRPr b="0" lang="fr-CA" sz="2400" spc="-1" strike="noStrike">
-              <a:solidFill>
-                <a:srgbClr val="000000"/>
-              </a:solidFill>
-              <a:latin typeface="Times New Roman"/>
-            </a:endParaRPr>
-          </a:p>
-        </p:txBody>
-      </p:sp>
-      <p:sp>
-        <p:nvSpPr>
-          <p:cNvPr id="119" name="TextShape 3"/>
-          <p:cNvSpPr txBox="1"/>
+            <a:endParaRPr b="0" lang="en-CA" sz="2400" spc="-1" strike="noStrike">
+              <a:latin typeface="Arial"/>
+            </a:endParaRPr>
+          </a:p>
+        </p:txBody>
+      </p:sp>
+      <p:sp>
+        <p:nvSpPr>
+          <p:cNvPr id="113" name="CustomShape 3"/>
+          <p:cNvSpPr/>
           <p:nvPr/>
         </p:nvSpPr>
         <p:spPr>
           <a:xfrm>
             <a:off x="6553080" y="6248520"/>
-            <a:ext cx="1904760" cy="456840"/>
+            <a:ext cx="1904040" cy="456120"/>
           </a:xfrm>
           <a:prstGeom prst="rect">
             <a:avLst/>
@@ -4937,8 +4531,14 @@
             <a:noFill/>
           </a:ln>
         </p:spPr>
-        <p:txBody>
-          <a:bodyPr>
+        <p:style>
+          <a:lnRef idx="0"/>
+          <a:fillRef idx="0"/>
+          <a:effectRef idx="0"/>
+          <a:fontRef idx="minor"/>
+        </p:style>
+        <p:txBody>
+          <a:bodyPr lIns="90000" rIns="90000" tIns="45000" bIns="45000">
             <a:noAutofit/>
           </a:bodyPr>
           <a:p>
@@ -4947,17 +4547,18 @@
                 <a:spcPct val="100000"/>
               </a:lnSpc>
             </a:pPr>
-            <a:fld id="{92DF769B-023D-488D-A44B-A48FB2143742}" type="slidenum">
+            <a:fld id="{C08BC618-EEFA-4E9B-B9E5-90F420898080}" type="slidenum">
               <a:rPr b="0" lang="fr-CA" sz="1400" spc="-1" strike="noStrike">
                 <a:solidFill>
                   <a:srgbClr val="000000"/>
                 </a:solidFill>
                 <a:latin typeface="Times New Roman"/>
+                <a:ea typeface="DejaVu Sans"/>
               </a:rPr>
               <a:t>&lt;number&gt;</a:t>
             </a:fld>
             <a:endParaRPr b="0" lang="en-CA" sz="1400" spc="-1" strike="noStrike">
-              <a:latin typeface="Times New Roman"/>
+              <a:latin typeface="Arial"/>
             </a:endParaRPr>
           </a:p>
         </p:txBody>
@@ -4994,14 +4595,14 @@
       </p:grpSpPr>
       <p:sp>
         <p:nvSpPr>
-          <p:cNvPr id="120" name="TextShape 1"/>
-          <p:cNvSpPr txBox="1"/>
+          <p:cNvPr id="114" name="CustomShape 1"/>
+          <p:cNvSpPr/>
           <p:nvPr/>
         </p:nvSpPr>
         <p:spPr>
           <a:xfrm>
             <a:off x="684360" y="189000"/>
-            <a:ext cx="3405240" cy="1142640"/>
+            <a:ext cx="3404520" cy="1141920"/>
           </a:xfrm>
           <a:prstGeom prst="rect">
             <a:avLst/>
@@ -5011,8 +4612,14 @@
             <a:noFill/>
           </a:ln>
         </p:spPr>
-        <p:txBody>
-          <a:bodyPr anchor="ctr">
+        <p:style>
+          <a:lnRef idx="0"/>
+          <a:fillRef idx="0"/>
+          <a:effectRef idx="0"/>
+          <a:fontRef idx="minor"/>
+        </p:style>
+        <p:txBody>
+          <a:bodyPr lIns="90000" rIns="90000" tIns="45000" bIns="45000" anchor="ctr">
             <a:noAutofit/>
           </a:bodyPr>
           <a:p>
@@ -5027,28 +4634,26 @@
                   <a:srgbClr val="000000"/>
                 </a:solidFill>
                 <a:latin typeface="Times New Roman"/>
+                <a:ea typeface="DejaVu Sans"/>
               </a:rPr>
               <a:t>Déroulement</a:t>
             </a:r>
-            <a:endParaRPr b="0" lang="fr-CA" sz="4400" spc="-1" strike="noStrike">
-              <a:solidFill>
-                <a:srgbClr val="000000"/>
-              </a:solidFill>
-              <a:latin typeface="Times New Roman"/>
-            </a:endParaRPr>
-          </a:p>
-        </p:txBody>
-      </p:sp>
-      <p:sp>
-        <p:nvSpPr>
-          <p:cNvPr id="121" name="TextShape 2"/>
-          <p:cNvSpPr txBox="1"/>
+            <a:endParaRPr b="0" lang="en-CA" sz="4400" spc="-1" strike="noStrike">
+              <a:latin typeface="Arial"/>
+            </a:endParaRPr>
+          </a:p>
+        </p:txBody>
+      </p:sp>
+      <p:sp>
+        <p:nvSpPr>
+          <p:cNvPr id="115" name="CustomShape 2"/>
+          <p:cNvSpPr/>
           <p:nvPr/>
         </p:nvSpPr>
         <p:spPr>
           <a:xfrm>
             <a:off x="309600" y="1190520"/>
-            <a:ext cx="7056720" cy="2558520"/>
+            <a:ext cx="7056000" cy="2557800"/>
           </a:xfrm>
           <a:prstGeom prst="rect">
             <a:avLst/>
@@ -5058,12 +4663,18 @@
             <a:noFill/>
           </a:ln>
         </p:spPr>
-        <p:txBody>
-          <a:bodyPr>
+        <p:style>
+          <a:lnRef idx="0"/>
+          <a:fillRef idx="0"/>
+          <a:effectRef idx="0"/>
+          <a:fontRef idx="minor"/>
+        </p:style>
+        <p:txBody>
+          <a:bodyPr lIns="90000" rIns="90000" tIns="45000" bIns="45000">
             <a:noAutofit/>
           </a:bodyPr>
           <a:p>
-            <a:pPr marL="343080" indent="-342720">
+            <a:pPr marL="343080" indent="-342000">
               <a:lnSpc>
                 <a:spcPct val="100000"/>
               </a:lnSpc>
@@ -5073,7 +4684,7 @@
               <a:buClr>
                 <a:srgbClr val="000000"/>
               </a:buClr>
-              <a:buFont typeface="Symbol" charset="2"/>
+              <a:buFont typeface="Symbol"/>
               <a:buChar char=""/>
             </a:pPr>
             <a:r>
@@ -5082,18 +4693,16 @@
                   <a:srgbClr val="000000"/>
                 </a:solidFill>
                 <a:latin typeface="Times New Roman"/>
+                <a:ea typeface="DejaVu Sans"/>
               </a:rPr>
               <a:t>Site web du cours</a:t>
             </a:r>
-            <a:endParaRPr b="0" lang="fr-CA" sz="2400" spc="-1" strike="noStrike">
-              <a:solidFill>
-                <a:srgbClr val="000000"/>
-              </a:solidFill>
-              <a:latin typeface="Times New Roman"/>
-            </a:endParaRPr>
-          </a:p>
-          <a:p>
-            <a:pPr lvl="1" marL="743040" indent="-285480">
+            <a:endParaRPr b="0" lang="en-CA" sz="2400" spc="-1" strike="noStrike">
+              <a:latin typeface="Arial"/>
+            </a:endParaRPr>
+          </a:p>
+          <a:p>
+            <a:pPr lvl="1" marL="743040" indent="-284760">
               <a:lnSpc>
                 <a:spcPct val="100000"/>
               </a:lnSpc>
@@ -5103,7 +4712,7 @@
               <a:buClr>
                 <a:srgbClr val="000000"/>
               </a:buClr>
-              <a:buFont typeface="Symbol" charset="2"/>
+              <a:buFont typeface="Symbol"/>
               <a:buChar char=""/>
             </a:pPr>
             <a:r>
@@ -5113,18 +4722,16 @@
                 </a:solidFill>
                 <a:uFillTx/>
                 <a:latin typeface="Times New Roman"/>
+                <a:ea typeface="DejaVu Sans"/>
               </a:rPr>
               <a:t>https://www.antoinetheberge.ca/teaching/2021-spring-ift780</a:t>
             </a:r>
-            <a:endParaRPr b="0" lang="fr-CA" sz="1600" spc="-1" strike="noStrike">
-              <a:solidFill>
-                <a:srgbClr val="000000"/>
-              </a:solidFill>
-              <a:latin typeface="Times New Roman"/>
-            </a:endParaRPr>
-          </a:p>
-          <a:p>
-            <a:pPr marL="343080" indent="-342720">
+            <a:endParaRPr b="0" lang="en-CA" sz="1600" spc="-1" strike="noStrike">
+              <a:latin typeface="Arial"/>
+            </a:endParaRPr>
+          </a:p>
+          <a:p>
+            <a:pPr marL="343080" indent="-342000">
               <a:lnSpc>
                 <a:spcPct val="100000"/>
               </a:lnSpc>
@@ -5134,7 +4741,7 @@
               <a:buClr>
                 <a:srgbClr val="000000"/>
               </a:buClr>
-              <a:buFont typeface="Symbol" charset="2"/>
+              <a:buFont typeface="Symbol"/>
               <a:buChar char=""/>
             </a:pPr>
             <a:r>
@@ -5143,18 +4750,16 @@
                   <a:srgbClr val="000000"/>
                 </a:solidFill>
                 <a:latin typeface="Times New Roman"/>
+                <a:ea typeface="DejaVu Sans"/>
               </a:rPr>
               <a:t>Livres (non obligatoires)</a:t>
             </a:r>
-            <a:endParaRPr b="0" lang="fr-CA" sz="2400" spc="-1" strike="noStrike">
-              <a:solidFill>
-                <a:srgbClr val="000000"/>
-              </a:solidFill>
-              <a:latin typeface="Times New Roman"/>
-            </a:endParaRPr>
-          </a:p>
-          <a:p>
-            <a:pPr lvl="1" marL="743040" indent="-285480">
+            <a:endParaRPr b="0" lang="en-CA" sz="2400" spc="-1" strike="noStrike">
+              <a:latin typeface="Arial"/>
+            </a:endParaRPr>
+          </a:p>
+          <a:p>
+            <a:pPr lvl="1" marL="743040" indent="-284760">
               <a:lnSpc>
                 <a:spcPct val="100000"/>
               </a:lnSpc>
@@ -5164,7 +4769,7 @@
               <a:buClr>
                 <a:srgbClr val="000000"/>
               </a:buClr>
-              <a:buFont typeface="Symbol" charset="2"/>
+              <a:buFont typeface="Symbol"/>
               <a:buChar char=""/>
             </a:pPr>
             <a:r>
@@ -5173,14 +4778,12 @@
                   <a:srgbClr val="000000"/>
                 </a:solidFill>
                 <a:latin typeface="Times New Roman"/>
+                <a:ea typeface="DejaVu Sans"/>
               </a:rPr>
               <a:t>Deep Learning</a:t>
             </a:r>
-            <a:endParaRPr b="0" lang="fr-CA" sz="2000" spc="-1" strike="noStrike">
-              <a:solidFill>
-                <a:srgbClr val="000000"/>
-              </a:solidFill>
-              <a:latin typeface="Times New Roman"/>
+            <a:endParaRPr b="0" lang="en-CA" sz="2000" spc="-1" strike="noStrike">
+              <a:latin typeface="Arial"/>
             </a:endParaRPr>
           </a:p>
           <a:p>
@@ -5201,6 +4804,7 @@
                   <a:srgbClr val="000000"/>
                 </a:solidFill>
                 <a:latin typeface="Times New Roman"/>
+                <a:ea typeface="DejaVu Sans"/>
               </a:rPr>
               <a:t>	</a:t>
             </a:r>
@@ -5210,18 +4814,16 @@
                   <a:srgbClr val="000000"/>
                 </a:solidFill>
                 <a:latin typeface="Times New Roman"/>
+                <a:ea typeface="DejaVu Sans"/>
               </a:rPr>
               <a:t>Ian Goodfellow, Yoshua Bengio, Aaron Courville, MIT Press 2016 </a:t>
             </a:r>
-            <a:endParaRPr b="0" lang="fr-CA" sz="1600" spc="-1" strike="noStrike">
-              <a:solidFill>
-                <a:srgbClr val="000000"/>
-              </a:solidFill>
-              <a:latin typeface="Times New Roman"/>
-            </a:endParaRPr>
-          </a:p>
-          <a:p>
-            <a:pPr lvl="1" marL="743040" indent="-285480">
+            <a:endParaRPr b="0" lang="en-CA" sz="1600" spc="-1" strike="noStrike">
+              <a:latin typeface="Arial"/>
+            </a:endParaRPr>
+          </a:p>
+          <a:p>
+            <a:pPr lvl="1" marL="743040" indent="-284760">
               <a:lnSpc>
                 <a:spcPct val="100000"/>
               </a:lnSpc>
@@ -5231,7 +4833,7 @@
               <a:buClr>
                 <a:srgbClr val="000000"/>
               </a:buClr>
-              <a:buFont typeface="Symbol" charset="2"/>
+              <a:buFont typeface="Symbol"/>
               <a:buChar char=""/>
               <a:tabLst>
                 <a:tab algn="l" pos="0"/>
@@ -5243,14 +4845,12 @@
                   <a:srgbClr val="000000"/>
                 </a:solidFill>
                 <a:latin typeface="Times New Roman"/>
+                <a:ea typeface="DejaVu Sans"/>
               </a:rPr>
               <a:t>Pattern Recognition and Machine Learning</a:t>
             </a:r>
-            <a:endParaRPr b="0" lang="fr-CA" sz="2000" spc="-1" strike="noStrike">
-              <a:solidFill>
-                <a:srgbClr val="000000"/>
-              </a:solidFill>
-              <a:latin typeface="Times New Roman"/>
+            <a:endParaRPr b="0" lang="en-CA" sz="2000" spc="-1" strike="noStrike">
+              <a:latin typeface="Arial"/>
             </a:endParaRPr>
           </a:p>
           <a:p>
@@ -5271,18 +4871,16 @@
                   <a:srgbClr val="000000"/>
                 </a:solidFill>
                 <a:latin typeface="Times New Roman"/>
+                <a:ea typeface="DejaVu Sans"/>
               </a:rPr>
               <a:t>Christopher Bishop, Springer, 2007</a:t>
             </a:r>
-            <a:endParaRPr b="0" lang="fr-CA" sz="1600" spc="-1" strike="noStrike">
-              <a:solidFill>
-                <a:srgbClr val="000000"/>
-              </a:solidFill>
-              <a:latin typeface="Times New Roman"/>
-            </a:endParaRPr>
-          </a:p>
-          <a:p>
-            <a:pPr marL="457200" indent="-342720">
+            <a:endParaRPr b="0" lang="en-CA" sz="1600" spc="-1" strike="noStrike">
+              <a:latin typeface="Arial"/>
+            </a:endParaRPr>
+          </a:p>
+          <a:p>
+            <a:pPr marL="457200" indent="-342000">
               <a:lnSpc>
                 <a:spcPct val="100000"/>
               </a:lnSpc>
@@ -5292,7 +4890,7 @@
               <a:buClr>
                 <a:srgbClr val="000000"/>
               </a:buClr>
-              <a:buFont typeface="Symbol" charset="2"/>
+              <a:buFont typeface="Symbol"/>
               <a:buChar char=""/>
               <a:tabLst>
                 <a:tab algn="l" pos="0"/>
@@ -5304,18 +4902,26 @@
                   <a:srgbClr val="000000"/>
                 </a:solidFill>
                 <a:latin typeface="Times New Roman"/>
+                <a:ea typeface="DejaVu Sans"/>
               </a:rPr>
               <a:t>Où trouver les livres?</a:t>
             </a:r>
-            <a:endParaRPr b="0" lang="fr-CA" sz="2400" spc="-1" strike="noStrike">
-              <a:solidFill>
-                <a:srgbClr val="000000"/>
-              </a:solidFill>
-              <a:latin typeface="Times New Roman"/>
-            </a:endParaRPr>
-          </a:p>
-          <a:p>
-            <a:pPr lvl="1" marL="857160" indent="-342720">
+            <a:r>
+              <a:rPr b="0" lang="fr-CA" sz="2000" spc="-1" strike="noStrike">
+                <a:solidFill>
+                  <a:srgbClr val="000000"/>
+                </a:solidFill>
+                <a:latin typeface="Times New Roman"/>
+                <a:ea typeface="DejaVu Sans"/>
+              </a:rPr>
+              <a:t>	</a:t>
+            </a:r>
+            <a:endParaRPr b="0" lang="en-CA" sz="2000" spc="-1" strike="noStrike">
+              <a:latin typeface="Arial"/>
+            </a:endParaRPr>
+          </a:p>
+          <a:p>
+            <a:pPr lvl="1" marL="857160" indent="-342000">
               <a:lnSpc>
                 <a:spcPct val="100000"/>
               </a:lnSpc>
@@ -5325,7 +4931,7 @@
               <a:buClr>
                 <a:srgbClr val="000000"/>
               </a:buClr>
-              <a:buFont typeface="Symbol" charset="2"/>
+              <a:buFont typeface="Symbol"/>
               <a:buChar char=""/>
               <a:tabLst>
                 <a:tab algn="l" pos="0"/>
@@ -5337,76 +4943,16 @@
                   <a:srgbClr val="000000"/>
                 </a:solidFill>
                 <a:latin typeface="Times New Roman"/>
-              </a:rPr>
-              <a:t>Amazon</a:t>
-            </a:r>
-            <a:endParaRPr b="0" lang="fr-CA" sz="2000" spc="-1" strike="noStrike">
-              <a:solidFill>
-                <a:srgbClr val="000000"/>
-              </a:solidFill>
-              <a:latin typeface="Times New Roman"/>
-            </a:endParaRPr>
-          </a:p>
-          <a:p>
-            <a:pPr marL="914400">
-              <a:lnSpc>
-                <a:spcPct val="100000"/>
-              </a:lnSpc>
-              <a:spcBef>
-                <a:spcPts val="320"/>
-              </a:spcBef>
-              <a:tabLst>
-                <a:tab algn="l" pos="0"/>
-              </a:tabLst>
-            </a:pPr>
-            <a:r>
-              <a:rPr b="1" lang="fr-CA" sz="1600" spc="-1" strike="noStrike" u="sng">
-                <a:solidFill>
-                  <a:srgbClr val="000000"/>
-                </a:solidFill>
-                <a:uFillTx/>
-                <a:latin typeface="Times New Roman"/>
-              </a:rPr>
-              <a:t>www.amazon.com/Pattern-Recognition-Learning-Information-Statistics/dp/0387310738</a:t>
-            </a:r>
-            <a:endParaRPr b="0" lang="fr-CA" sz="1600" spc="-1" strike="noStrike">
-              <a:solidFill>
-                <a:srgbClr val="000000"/>
-              </a:solidFill>
-              <a:latin typeface="Times New Roman"/>
-            </a:endParaRPr>
-          </a:p>
-          <a:p>
-            <a:pPr marL="914400">
-              <a:lnSpc>
-                <a:spcPct val="100000"/>
-              </a:lnSpc>
-              <a:spcBef>
-                <a:spcPts val="320"/>
-              </a:spcBef>
-              <a:tabLst>
-                <a:tab algn="l" pos="0"/>
-              </a:tabLst>
-            </a:pPr>
-            <a:r>
-              <a:rPr b="1" lang="en-CA" sz="1600" spc="-1" strike="noStrike" u="sng">
-                <a:solidFill>
-                  <a:srgbClr val="000000"/>
-                </a:solidFill>
-                <a:uFillTx/>
-                <a:latin typeface="Times New Roman"/>
-              </a:rPr>
-              <a:t>https://www.amazon.ca/-/fr/Ian-Goodfellow/dp/0262035618/</a:t>
-            </a:r>
-            <a:endParaRPr b="0" lang="fr-CA" sz="1600" spc="-1" strike="noStrike">
-              <a:solidFill>
-                <a:srgbClr val="000000"/>
-              </a:solidFill>
-              <a:latin typeface="Times New Roman"/>
-            </a:endParaRPr>
-          </a:p>
-          <a:p>
-            <a:pPr lvl="1" marL="857160" indent="-342720">
+                <a:ea typeface="DejaVu Sans"/>
+              </a:rPr>
+              <a:t>La coop de l’université (préférable)</a:t>
+            </a:r>
+            <a:endParaRPr b="0" lang="en-CA" sz="2000" spc="-1" strike="noStrike">
+              <a:latin typeface="Arial"/>
+            </a:endParaRPr>
+          </a:p>
+          <a:p>
+            <a:pPr lvl="1" marL="857160" indent="-342000">
               <a:lnSpc>
                 <a:spcPct val="100000"/>
               </a:lnSpc>
@@ -5416,7 +4962,7 @@
               <a:buClr>
                 <a:srgbClr val="000000"/>
               </a:buClr>
-              <a:buFont typeface="Symbol" charset="2"/>
+              <a:buFont typeface="Symbol"/>
               <a:buChar char=""/>
               <a:tabLst>
                 <a:tab algn="l" pos="0"/>
@@ -5428,28 +4974,26 @@
                   <a:srgbClr val="000000"/>
                 </a:solidFill>
                 <a:latin typeface="Times New Roman"/>
-              </a:rPr>
-              <a:t>Bibliothèque de science et de génie</a:t>
-            </a:r>
-            <a:endParaRPr b="0" lang="fr-CA" sz="2000" spc="-1" strike="noStrike">
-              <a:solidFill>
+                <a:ea typeface="DejaVu Sans"/>
+              </a:rPr>
+              <a:t>Amazon</a:t>
+            </a:r>
+            <a:endParaRPr b="0" lang="en-CA" sz="2000" spc="-1" strike="noStrike">
+              <a:latin typeface="Arial"/>
+            </a:endParaRPr>
+          </a:p>
+          <a:p>
+            <a:pPr lvl="1" marL="857160" indent="-342000">
+              <a:lnSpc>
+                <a:spcPct val="100000"/>
+              </a:lnSpc>
+              <a:spcBef>
+                <a:spcPts val="400"/>
+              </a:spcBef>
+              <a:buClr>
                 <a:srgbClr val="000000"/>
-              </a:solidFill>
-              <a:latin typeface="Times New Roman"/>
-            </a:endParaRPr>
-          </a:p>
-          <a:p>
-            <a:pPr lvl="1" marL="857160" indent="-342720">
-              <a:lnSpc>
-                <a:spcPct val="100000"/>
-              </a:lnSpc>
-              <a:spcBef>
-                <a:spcPts val="400"/>
-              </a:spcBef>
-              <a:buClr>
-                <a:srgbClr val="ff0000"/>
               </a:buClr>
-              <a:buFont typeface="Symbol" charset="2"/>
+              <a:buFont typeface="Symbol"/>
               <a:buChar char=""/>
               <a:tabLst>
                 <a:tab algn="l" pos="0"/>
@@ -5458,37 +5002,98 @@
             <a:r>
               <a:rPr b="0" lang="fr-CA" sz="2000" spc="-1" strike="noStrike">
                 <a:solidFill>
-                  <a:srgbClr val="ff0000"/>
-                </a:solidFill>
-                <a:latin typeface="Times New Roman"/>
-              </a:rPr>
-              <a:t>Versions gratuites en ligne!!</a:t>
-            </a:r>
-            <a:endParaRPr b="0" lang="fr-CA" sz="2000" spc="-1" strike="noStrike">
-              <a:solidFill>
+                  <a:srgbClr val="000000"/>
+                </a:solidFill>
+                <a:latin typeface="Times New Roman"/>
+                <a:ea typeface="DejaVu Sans"/>
+              </a:rPr>
+              <a:t>Abebooks</a:t>
+            </a:r>
+            <a:endParaRPr b="0" lang="en-CA" sz="2000" spc="-1" strike="noStrike">
+              <a:latin typeface="Arial"/>
+            </a:endParaRPr>
+          </a:p>
+          <a:p>
+            <a:pPr lvl="1" marL="857160" indent="-342000">
+              <a:lnSpc>
+                <a:spcPct val="100000"/>
+              </a:lnSpc>
+              <a:spcBef>
+                <a:spcPts val="400"/>
+              </a:spcBef>
+              <a:buClr>
                 <a:srgbClr val="000000"/>
-              </a:solidFill>
-              <a:latin typeface="Times New Roman"/>
-            </a:endParaRPr>
-          </a:p>
-          <a:p>
-            <a:pPr marL="114480">
-              <a:lnSpc>
-                <a:spcPct val="100000"/>
-              </a:lnSpc>
-              <a:spcBef>
-                <a:spcPts val="360"/>
-              </a:spcBef>
+              </a:buClr>
+              <a:buFont typeface="Symbol"/>
+              <a:buChar char=""/>
               <a:tabLst>
                 <a:tab algn="l" pos="0"/>
               </a:tabLst>
             </a:pPr>
             <a:r>
+              <a:rPr b="0" lang="fr-CA" sz="2000" spc="-1" strike="noStrike">
+                <a:solidFill>
+                  <a:srgbClr val="000000"/>
+                </a:solidFill>
+                <a:latin typeface="Times New Roman"/>
+                <a:ea typeface="DejaVu Sans"/>
+              </a:rPr>
+              <a:t>Bibliothèque de sciences et génie</a:t>
+            </a:r>
+            <a:endParaRPr b="0" lang="en-CA" sz="2000" spc="-1" strike="noStrike">
+              <a:latin typeface="Arial"/>
+            </a:endParaRPr>
+          </a:p>
+          <a:p>
+            <a:pPr lvl="1" marL="857160" indent="-342000">
+              <a:lnSpc>
+                <a:spcPct val="100000"/>
+              </a:lnSpc>
+              <a:spcBef>
+                <a:spcPts val="400"/>
+              </a:spcBef>
+              <a:buClr>
+                <a:srgbClr val="ff0000"/>
+              </a:buClr>
+              <a:buFont typeface="Symbol"/>
+              <a:buChar char=""/>
+              <a:tabLst>
+                <a:tab algn="l" pos="0"/>
+              </a:tabLst>
+            </a:pPr>
+            <a:r>
+              <a:rPr b="0" lang="fr-CA" sz="2000" spc="-1" strike="noStrike">
+                <a:solidFill>
+                  <a:srgbClr val="ff0000"/>
+                </a:solidFill>
+                <a:latin typeface="Times New Roman"/>
+                <a:ea typeface="DejaVu Sans"/>
+              </a:rPr>
+              <a:t>Versions gratuites en ligne!!</a:t>
+            </a:r>
+            <a:endParaRPr b="0" lang="en-CA" sz="2000" spc="-1" strike="noStrike">
+              <a:latin typeface="Arial"/>
+            </a:endParaRPr>
+          </a:p>
+          <a:p>
+            <a:pPr marL="114480">
+              <a:lnSpc>
+                <a:spcPct val="100000"/>
+              </a:lnSpc>
+              <a:spcBef>
+                <a:spcPts val="360"/>
+              </a:spcBef>
+              <a:tabLst>
+                <a:tab algn="l" pos="0"/>
+              </a:tabLst>
+            </a:pPr>
+            <a:r>
               <a:rPr b="0" lang="fr-CA" sz="1800" spc="-1" strike="noStrike">
                 <a:solidFill>
                   <a:srgbClr val="ff0000"/>
                 </a:solidFill>
                 <a:latin typeface="Times New Roman"/>
+                <a:ea typeface="DejaVu Sans"/>
               </a:rPr>
               <a:t>             </a:t>
             </a:r>
@@ -5499,28 +5104,26 @@
                 </a:solidFill>
                 <a:uFillTx/>
                 <a:latin typeface="Times New Roman"/>
+                <a:ea typeface="DejaVu Sans"/>
               </a:rPr>
               <a:t>https://www.antoinetheberge.ca/teaching/2021-spring-ift780</a:t>
             </a:r>
-            <a:endParaRPr b="0" lang="fr-CA" sz="1600" spc="-1" strike="noStrike">
-              <a:solidFill>
-                <a:srgbClr val="000000"/>
-              </a:solidFill>
-              <a:latin typeface="Times New Roman"/>
-            </a:endParaRPr>
-          </a:p>
-        </p:txBody>
-      </p:sp>
-      <p:sp>
-        <p:nvSpPr>
-          <p:cNvPr id="122" name="TextShape 3"/>
-          <p:cNvSpPr txBox="1"/>
+            <a:endParaRPr b="0" lang="en-CA" sz="1600" spc="-1" strike="noStrike">
+              <a:latin typeface="Arial"/>
+            </a:endParaRPr>
+          </a:p>
+        </p:txBody>
+      </p:sp>
+      <p:sp>
+        <p:nvSpPr>
+          <p:cNvPr id="116" name="CustomShape 3"/>
+          <p:cNvSpPr/>
           <p:nvPr/>
         </p:nvSpPr>
         <p:spPr>
           <a:xfrm>
             <a:off x="6553080" y="6248520"/>
-            <a:ext cx="1904760" cy="456840"/>
+            <a:ext cx="1904040" cy="456120"/>
           </a:xfrm>
           <a:prstGeom prst="rect">
             <a:avLst/>
@@ -5530,8 +5133,14 @@
             <a:noFill/>
           </a:ln>
         </p:spPr>
-        <p:txBody>
-          <a:bodyPr>
+        <p:style>
+          <a:lnRef idx="0"/>
+          <a:fillRef idx="0"/>
+          <a:effectRef idx="0"/>
+          <a:fontRef idx="minor"/>
+        </p:style>
+        <p:txBody>
+          <a:bodyPr lIns="90000" rIns="90000" tIns="45000" bIns="45000">
             <a:noAutofit/>
           </a:bodyPr>
           <a:p>
@@ -5540,24 +5149,25 @@
                 <a:spcPct val="100000"/>
               </a:lnSpc>
             </a:pPr>
-            <a:fld id="{47C790C7-5E8D-4A66-AEC5-920E236FD254}" type="slidenum">
+            <a:fld id="{EC46BD42-232A-4DA7-A2F2-AD79DD2F338A}" type="slidenum">
               <a:rPr b="0" lang="fr-CA" sz="1400" spc="-1" strike="noStrike">
                 <a:solidFill>
                   <a:srgbClr val="000000"/>
                 </a:solidFill>
                 <a:latin typeface="Times New Roman"/>
+                <a:ea typeface="DejaVu Sans"/>
               </a:rPr>
               <a:t>&lt;number&gt;</a:t>
             </a:fld>
             <a:endParaRPr b="0" lang="en-CA" sz="1400" spc="-1" strike="noStrike">
-              <a:latin typeface="Times New Roman"/>
+              <a:latin typeface="Arial"/>
             </a:endParaRPr>
           </a:p>
         </p:txBody>
       </p:sp>
       <p:pic>
         <p:nvPicPr>
-          <p:cNvPr id="123" name="Picture 2" descr="Image result for Pattern Recognition and Machine Learning Christopher Bishop Springer, 2007"/>
+          <p:cNvPr id="117" name="Picture 2" descr="Image result for Pattern Recognition and Machine Learning Christopher Bishop Springer, 2007"/>
           <p:cNvPicPr/>
           <p:nvPr/>
         </p:nvPicPr>
@@ -5568,7 +5178,7 @@
         <p:spPr>
           <a:xfrm>
             <a:off x="6904800" y="3656880"/>
-            <a:ext cx="2238840" cy="3048480"/>
+            <a:ext cx="2238120" cy="3047760"/>
           </a:xfrm>
           <a:prstGeom prst="rect">
             <a:avLst/>
@@ -5580,7 +5190,7 @@
       </p:pic>
       <p:pic>
         <p:nvPicPr>
-          <p:cNvPr id="124" name="Picture 4" descr=""/>
+          <p:cNvPr id="118" name="Picture 4" descr=""/>
           <p:cNvPicPr/>
           <p:nvPr/>
         </p:nvPicPr>
@@ -5591,7 +5201,7 @@
         <p:spPr>
           <a:xfrm>
             <a:off x="6904800" y="0"/>
-            <a:ext cx="2238840" cy="2940120"/>
+            <a:ext cx="2238120" cy="2939400"/>
           </a:xfrm>
           <a:prstGeom prst="rect">
             <a:avLst/>
@@ -5633,14 +5243,14 @@
       </p:grpSpPr>
       <p:sp>
         <p:nvSpPr>
-          <p:cNvPr id="125" name="TextShape 1"/>
-          <p:cNvSpPr txBox="1"/>
+          <p:cNvPr id="119" name="CustomShape 1"/>
+          <p:cNvSpPr/>
           <p:nvPr/>
         </p:nvSpPr>
         <p:spPr>
           <a:xfrm>
             <a:off x="684360" y="189000"/>
-            <a:ext cx="7772040" cy="1142640"/>
+            <a:ext cx="7771320" cy="1141920"/>
           </a:xfrm>
           <a:prstGeom prst="rect">
             <a:avLst/>
@@ -5650,8 +5260,14 @@
             <a:noFill/>
           </a:ln>
         </p:spPr>
-        <p:txBody>
-          <a:bodyPr anchor="ctr">
+        <p:style>
+          <a:lnRef idx="0"/>
+          <a:fillRef idx="0"/>
+          <a:effectRef idx="0"/>
+          <a:fontRef idx="minor"/>
+        </p:style>
+        <p:txBody>
+          <a:bodyPr lIns="90000" rIns="90000" tIns="45000" bIns="45000" anchor="ctr">
             <a:noAutofit/>
           </a:bodyPr>
           <a:p>
@@ -5666,28 +5282,26 @@
                   <a:srgbClr val="000000"/>
                 </a:solidFill>
                 <a:latin typeface="Times New Roman"/>
+                <a:ea typeface="DejaVu Sans"/>
               </a:rPr>
               <a:t>D’ici la semaine prochaine</a:t>
             </a:r>
-            <a:endParaRPr b="0" lang="fr-CA" sz="4400" spc="-1" strike="noStrike">
-              <a:solidFill>
-                <a:srgbClr val="000000"/>
-              </a:solidFill>
-              <a:latin typeface="Times New Roman"/>
-            </a:endParaRPr>
-          </a:p>
-        </p:txBody>
-      </p:sp>
-      <p:sp>
-        <p:nvSpPr>
-          <p:cNvPr id="126" name="TextShape 2"/>
-          <p:cNvSpPr txBox="1"/>
+            <a:endParaRPr b="0" lang="en-CA" sz="4400" spc="-1" strike="noStrike">
+              <a:latin typeface="Arial"/>
+            </a:endParaRPr>
+          </a:p>
+        </p:txBody>
+      </p:sp>
+      <p:sp>
+        <p:nvSpPr>
+          <p:cNvPr id="120" name="CustomShape 2"/>
+          <p:cNvSpPr/>
           <p:nvPr/>
         </p:nvSpPr>
         <p:spPr>
           <a:xfrm>
             <a:off x="684360" y="1732680"/>
-            <a:ext cx="7772040" cy="4114440"/>
+            <a:ext cx="7771320" cy="4113720"/>
           </a:xfrm>
           <a:prstGeom prst="rect">
             <a:avLst/>
@@ -5697,8 +5311,14 @@
             <a:noFill/>
           </a:ln>
         </p:spPr>
-        <p:txBody>
-          <a:bodyPr>
+        <p:style>
+          <a:lnRef idx="0"/>
+          <a:fillRef idx="0"/>
+          <a:effectRef idx="0"/>
+          <a:fontRef idx="minor"/>
+        </p:style>
+        <p:txBody>
+          <a:bodyPr lIns="90000" rIns="90000" tIns="45000" bIns="45000">
             <a:noAutofit/>
           </a:bodyPr>
           <a:p>
@@ -5719,18 +5339,16 @@
                   <a:srgbClr val="000000"/>
                 </a:solidFill>
                 <a:latin typeface="Times New Roman"/>
+                <a:ea typeface="DejaVu Sans"/>
               </a:rPr>
               <a:t>Révision</a:t>
             </a:r>
-            <a:endParaRPr b="0" lang="fr-CA" sz="3200" spc="-1" strike="noStrike">
-              <a:solidFill>
-                <a:srgbClr val="000000"/>
-              </a:solidFill>
-              <a:latin typeface="Times New Roman"/>
-            </a:endParaRPr>
-          </a:p>
-          <a:p>
-            <a:pPr lvl="1" marL="743040" indent="-285480">
+            <a:endParaRPr b="0" lang="en-CA" sz="3200" spc="-1" strike="noStrike">
+              <a:latin typeface="Arial"/>
+            </a:endParaRPr>
+          </a:p>
+          <a:p>
+            <a:pPr lvl="1" marL="743040" indent="-284760">
               <a:lnSpc>
                 <a:spcPct val="100000"/>
               </a:lnSpc>
@@ -5740,7 +5358,7 @@
               <a:buClr>
                 <a:srgbClr val="000000"/>
               </a:buClr>
-              <a:buFont typeface="Symbol" charset="2"/>
+              <a:buFont typeface="Symbol"/>
               <a:buChar char=""/>
               <a:tabLst>
                 <a:tab algn="l" pos="0"/>
@@ -5752,6 +5370,7 @@
                   <a:srgbClr val="000000"/>
                 </a:solidFill>
                 <a:latin typeface="Times New Roman"/>
+                <a:ea typeface="DejaVu Sans"/>
               </a:rPr>
               <a:t>Programmation Python 3.x (</a:t>
             </a:r>
@@ -5761,6 +5380,7 @@
                   <a:srgbClr val="000000"/>
                 </a:solidFill>
                 <a:latin typeface="Times New Roman"/>
+                <a:ea typeface="DejaVu Sans"/>
               </a:rPr>
               <a:t>Spyder</a:t>
             </a:r>
@@ -5770,6 +5390,7 @@
                   <a:srgbClr val="000000"/>
                 </a:solidFill>
                 <a:latin typeface="Times New Roman"/>
+                <a:ea typeface="DejaVu Sans"/>
               </a:rPr>
               <a:t>, </a:t>
             </a:r>
@@ -5779,8 +5400,9 @@
                   <a:srgbClr val="000000"/>
                 </a:solidFill>
                 <a:latin typeface="Times New Roman"/>
-              </a:rPr>
-              <a:t>Pycharm, Vim</a:t>
+                <a:ea typeface="DejaVu Sans"/>
+              </a:rPr>
+              <a:t>Pycharm, Vim?</a:t>
             </a:r>
             <a:r>
               <a:rPr b="0" lang="fr-CA" sz="2000" spc="-1" strike="noStrike">
@@ -5788,18 +5410,16 @@
                   <a:srgbClr val="000000"/>
                 </a:solidFill>
                 <a:latin typeface="Times New Roman"/>
+                <a:ea typeface="DejaVu Sans"/>
               </a:rPr>
               <a:t>)</a:t>
             </a:r>
-            <a:endParaRPr b="0" lang="fr-CA" sz="2000" spc="-1" strike="noStrike">
-              <a:solidFill>
-                <a:srgbClr val="000000"/>
-              </a:solidFill>
-              <a:latin typeface="Times New Roman"/>
-            </a:endParaRPr>
-          </a:p>
-          <a:p>
-            <a:pPr lvl="2" marL="1143000" indent="-228240">
+            <a:endParaRPr b="0" lang="en-CA" sz="2000" spc="-1" strike="noStrike">
+              <a:latin typeface="Arial"/>
+            </a:endParaRPr>
+          </a:p>
+          <a:p>
+            <a:pPr lvl="2" marL="1143000" indent="-227520">
               <a:lnSpc>
                 <a:spcPct val="100000"/>
               </a:lnSpc>
@@ -5809,7 +5429,7 @@
               <a:buClr>
                 <a:srgbClr val="000000"/>
               </a:buClr>
-              <a:buFont typeface="Symbol" charset="2"/>
+              <a:buFont typeface="Symbol"/>
               <a:buChar char=""/>
               <a:tabLst>
                 <a:tab algn="l" pos="0"/>
@@ -5821,6 +5441,7 @@
                   <a:srgbClr val="000000"/>
                 </a:solidFill>
                 <a:latin typeface="Times New Roman"/>
+                <a:ea typeface="DejaVu Sans"/>
               </a:rPr>
               <a:t>Tutoriel Stanford : </a:t>
             </a:r>
@@ -5831,18 +5452,16 @@
                 </a:solidFill>
                 <a:uFillTx/>
                 <a:latin typeface="Times New Roman"/>
+                <a:ea typeface="DejaVu Sans"/>
               </a:rPr>
               <a:t>cs231n.github.io/python-numpy-tutorial/</a:t>
             </a:r>
-            <a:endParaRPr b="0" lang="fr-CA" sz="1600" spc="-1" strike="noStrike">
-              <a:solidFill>
-                <a:srgbClr val="000000"/>
-              </a:solidFill>
-              <a:latin typeface="Times New Roman"/>
-            </a:endParaRPr>
-          </a:p>
-          <a:p>
-            <a:pPr lvl="2" marL="1143000" indent="-228240">
+            <a:endParaRPr b="0" lang="en-CA" sz="1600" spc="-1" strike="noStrike">
+              <a:latin typeface="Arial"/>
+            </a:endParaRPr>
+          </a:p>
+          <a:p>
+            <a:pPr lvl="2" marL="1143000" indent="-227520">
               <a:lnSpc>
                 <a:spcPct val="100000"/>
               </a:lnSpc>
@@ -5852,7 +5471,7 @@
               <a:buClr>
                 <a:srgbClr val="000000"/>
               </a:buClr>
-              <a:buFont typeface="Symbol" charset="2"/>
+              <a:buFont typeface="Symbol"/>
               <a:buChar char=""/>
               <a:tabLst>
                 <a:tab algn="l" pos="0"/>
@@ -5864,6 +5483,7 @@
                   <a:srgbClr val="000000"/>
                 </a:solidFill>
                 <a:latin typeface="Times New Roman"/>
+                <a:ea typeface="DejaVu Sans"/>
               </a:rPr>
               <a:t>Tutoriel approfondi : </a:t>
             </a:r>
@@ -5874,18 +5494,16 @@
                 </a:solidFill>
                 <a:uFillTx/>
                 <a:latin typeface="Times New Roman"/>
+                <a:ea typeface="DejaVu Sans"/>
               </a:rPr>
               <a:t>https://docs.python.org/3/tutorial/</a:t>
             </a:r>
-            <a:endParaRPr b="0" lang="fr-CA" sz="1600" spc="-1" strike="noStrike">
-              <a:solidFill>
-                <a:srgbClr val="000000"/>
-              </a:solidFill>
-              <a:latin typeface="Times New Roman"/>
-            </a:endParaRPr>
-          </a:p>
-          <a:p>
-            <a:pPr lvl="2" marL="1143000" indent="-228240">
+            <a:endParaRPr b="0" lang="en-CA" sz="1600" spc="-1" strike="noStrike">
+              <a:latin typeface="Arial"/>
+            </a:endParaRPr>
+          </a:p>
+          <a:p>
+            <a:pPr lvl="2" marL="1143000" indent="-227520">
               <a:lnSpc>
                 <a:spcPct val="100000"/>
               </a:lnSpc>
@@ -5895,7 +5513,7 @@
               <a:buClr>
                 <a:srgbClr val="000000"/>
               </a:buClr>
-              <a:buFont typeface="Symbol" charset="2"/>
+              <a:buFont typeface="Symbol"/>
               <a:buChar char=""/>
               <a:tabLst>
                 <a:tab algn="l" pos="0"/>
@@ -5907,26 +5525,29 @@
                   <a:srgbClr val="000000"/>
                 </a:solidFill>
                 <a:latin typeface="Times New Roman"/>
+                <a:ea typeface="DejaVu Sans"/>
               </a:rPr>
               <a:t>Etc.</a:t>
             </a:r>
-            <a:endParaRPr b="0" lang="fr-CA" sz="1600" spc="-1" strike="noStrike">
-              <a:solidFill>
-                <a:srgbClr val="000000"/>
-              </a:solidFill>
-              <a:latin typeface="Times New Roman"/>
-            </a:endParaRPr>
-          </a:p>
-          <a:p>
-            <a:endParaRPr b="0" lang="fr-CA" sz="1600" spc="-1" strike="noStrike">
-              <a:solidFill>
-                <a:srgbClr val="000000"/>
-              </a:solidFill>
-              <a:latin typeface="Times New Roman"/>
-            </a:endParaRPr>
-          </a:p>
-          <a:p>
-            <a:pPr lvl="1" marL="743040" indent="-285480">
+            <a:endParaRPr b="0" lang="en-CA" sz="1600" spc="-1" strike="noStrike">
+              <a:latin typeface="Arial"/>
+            </a:endParaRPr>
+          </a:p>
+          <a:p>
+            <a:pPr>
+              <a:lnSpc>
+                <a:spcPct val="100000"/>
+              </a:lnSpc>
+              <a:tabLst>
+                <a:tab algn="l" pos="0"/>
+              </a:tabLst>
+            </a:pPr>
+            <a:endParaRPr b="0" lang="en-CA" sz="1600" spc="-1" strike="noStrike">
+              <a:latin typeface="Arial"/>
+            </a:endParaRPr>
+          </a:p>
+          <a:p>
+            <a:pPr lvl="1" marL="743040" indent="-284760">
               <a:lnSpc>
                 <a:spcPct val="100000"/>
               </a:lnSpc>
@@ -5936,7 +5557,7 @@
               <a:buClr>
                 <a:srgbClr val="000000"/>
               </a:buClr>
-              <a:buFont typeface="Symbol" charset="2"/>
+              <a:buFont typeface="Symbol"/>
               <a:buChar char=""/>
               <a:tabLst>
                 <a:tab algn="l" pos="0"/>
@@ -5948,18 +5569,16 @@
                   <a:srgbClr val="000000"/>
                 </a:solidFill>
                 <a:latin typeface="Times New Roman"/>
+                <a:ea typeface="DejaVu Sans"/>
               </a:rPr>
               <a:t>Se familiariser avec Linux</a:t>
             </a:r>
-            <a:endParaRPr b="0" lang="fr-CA" sz="2000" spc="-1" strike="noStrike">
-              <a:solidFill>
-                <a:srgbClr val="000000"/>
-              </a:solidFill>
-              <a:latin typeface="Times New Roman"/>
-            </a:endParaRPr>
-          </a:p>
-          <a:p>
-            <a:pPr lvl="1" marL="743040" indent="-285480">
+            <a:endParaRPr b="0" lang="en-CA" sz="2000" spc="-1" strike="noStrike">
+              <a:latin typeface="Arial"/>
+            </a:endParaRPr>
+          </a:p>
+          <a:p>
+            <a:pPr lvl="1" marL="743040" indent="-284760">
               <a:lnSpc>
                 <a:spcPct val="100000"/>
               </a:lnSpc>
@@ -5969,7 +5588,7 @@
               <a:buClr>
                 <a:srgbClr val="000000"/>
               </a:buClr>
-              <a:buFont typeface="Symbol" charset="2"/>
+              <a:buFont typeface="Symbol"/>
               <a:buChar char=""/>
               <a:tabLst>
                 <a:tab algn="l" pos="0"/>
@@ -5981,6 +5600,7 @@
                   <a:srgbClr val="000000"/>
                 </a:solidFill>
                 <a:latin typeface="Times New Roman"/>
+                <a:ea typeface="DejaVu Sans"/>
               </a:rPr>
               <a:t>Se familiariser avec git si vous ne connaissez pas… </a:t>
             </a:r>
@@ -5990,6 +5610,7 @@
                   <a:srgbClr val="ff0000"/>
                 </a:solidFill>
                 <a:latin typeface="Times New Roman"/>
+                <a:ea typeface="DejaVu Sans"/>
               </a:rPr>
               <a:t>ça urge</a:t>
             </a:r>
@@ -5999,18 +5620,16 @@
                   <a:srgbClr val="000000"/>
                 </a:solidFill>
                 <a:latin typeface="Times New Roman"/>
+                <a:ea typeface="DejaVu Sans"/>
               </a:rPr>
               <a:t>!</a:t>
             </a:r>
-            <a:endParaRPr b="0" lang="fr-CA" sz="2000" spc="-1" strike="noStrike">
-              <a:solidFill>
-                <a:srgbClr val="000000"/>
-              </a:solidFill>
-              <a:latin typeface="Times New Roman"/>
-            </a:endParaRPr>
-          </a:p>
-          <a:p>
-            <a:pPr lvl="1" marL="743040" indent="-285480">
+            <a:endParaRPr b="0" lang="en-CA" sz="2000" spc="-1" strike="noStrike">
+              <a:latin typeface="Arial"/>
+            </a:endParaRPr>
+          </a:p>
+          <a:p>
+            <a:pPr lvl="1" marL="743040" indent="-284760">
               <a:lnSpc>
                 <a:spcPct val="100000"/>
               </a:lnSpc>
@@ -6020,7 +5639,7 @@
               <a:buClr>
                 <a:srgbClr val="000000"/>
               </a:buClr>
-              <a:buFont typeface="Symbol" charset="2"/>
+              <a:buFont typeface="Symbol"/>
               <a:buChar char=""/>
               <a:tabLst>
                 <a:tab algn="l" pos="0"/>
@@ -6032,6 +5651,7 @@
                   <a:srgbClr val="000000"/>
                 </a:solidFill>
                 <a:latin typeface="Times New Roman"/>
+                <a:ea typeface="DejaVu Sans"/>
               </a:rPr>
               <a:t>Se mettre à niveau avec les concepts de base en </a:t>
             </a:r>
@@ -6041,6 +5661,7 @@
                   <a:srgbClr val="000000"/>
                 </a:solidFill>
                 <a:latin typeface="Times New Roman"/>
+                <a:ea typeface="DejaVu Sans"/>
               </a:rPr>
               <a:t>techniques d’apprentissage</a:t>
             </a:r>
@@ -6050,6 +5671,7 @@
                   <a:srgbClr val="000000"/>
                 </a:solidFill>
                 <a:latin typeface="Times New Roman"/>
+                <a:ea typeface="DejaVu Sans"/>
               </a:rPr>
               <a:t> et en </a:t>
             </a:r>
@@ -6059,28 +5681,26 @@
                   <a:srgbClr val="000000"/>
                 </a:solidFill>
                 <a:latin typeface="Times New Roman"/>
+                <a:ea typeface="DejaVu Sans"/>
               </a:rPr>
               <a:t>probabilités</a:t>
             </a:r>
-            <a:endParaRPr b="0" lang="fr-CA" sz="2000" spc="-1" strike="noStrike">
-              <a:solidFill>
-                <a:srgbClr val="000000"/>
-              </a:solidFill>
-              <a:latin typeface="Times New Roman"/>
-            </a:endParaRPr>
-          </a:p>
-        </p:txBody>
-      </p:sp>
-      <p:sp>
-        <p:nvSpPr>
-          <p:cNvPr id="127" name="TextShape 3"/>
-          <p:cNvSpPr txBox="1"/>
+            <a:endParaRPr b="0" lang="en-CA" sz="2000" spc="-1" strike="noStrike">
+              <a:latin typeface="Arial"/>
+            </a:endParaRPr>
+          </a:p>
+        </p:txBody>
+      </p:sp>
+      <p:sp>
+        <p:nvSpPr>
+          <p:cNvPr id="121" name="CustomShape 3"/>
+          <p:cNvSpPr/>
           <p:nvPr/>
         </p:nvSpPr>
         <p:spPr>
           <a:xfrm>
             <a:off x="6553080" y="6248520"/>
-            <a:ext cx="1904760" cy="456840"/>
+            <a:ext cx="1904040" cy="456120"/>
           </a:xfrm>
           <a:prstGeom prst="rect">
             <a:avLst/>
@@ -6090,8 +5710,14 @@
             <a:noFill/>
           </a:ln>
         </p:spPr>
-        <p:txBody>
-          <a:bodyPr>
+        <p:style>
+          <a:lnRef idx="0"/>
+          <a:fillRef idx="0"/>
+          <a:effectRef idx="0"/>
+          <a:fontRef idx="minor"/>
+        </p:style>
+        <p:txBody>
+          <a:bodyPr lIns="90000" rIns="90000" tIns="45000" bIns="45000">
             <a:noAutofit/>
           </a:bodyPr>
           <a:p>
@@ -6100,17 +5726,18 @@
                 <a:spcPct val="100000"/>
               </a:lnSpc>
             </a:pPr>
-            <a:fld id="{740E4166-3B8F-4670-ADEF-AFF427D6D38C}" type="slidenum">
+            <a:fld id="{464EBF6D-E98F-44E6-BC87-9329811DF45D}" type="slidenum">
               <a:rPr b="0" lang="fr-CA" sz="1400" spc="-1" strike="noStrike">
                 <a:solidFill>
                   <a:srgbClr val="000000"/>
                 </a:solidFill>
                 <a:latin typeface="Times New Roman"/>
+                <a:ea typeface="DejaVu Sans"/>
               </a:rPr>
               <a:t>&lt;number&gt;</a:t>
             </a:fld>
             <a:endParaRPr b="0" lang="en-CA" sz="1400" spc="-1" strike="noStrike">
-              <a:latin typeface="Times New Roman"/>
+              <a:latin typeface="Arial"/>
             </a:endParaRPr>
           </a:p>
         </p:txBody>
@@ -6147,14 +5774,14 @@
       </p:grpSpPr>
       <p:sp>
         <p:nvSpPr>
-          <p:cNvPr id="86" name="TextShape 1"/>
-          <p:cNvSpPr txBox="1"/>
+          <p:cNvPr id="80" name="CustomShape 1"/>
+          <p:cNvSpPr/>
           <p:nvPr/>
         </p:nvSpPr>
         <p:spPr>
           <a:xfrm>
             <a:off x="6553080" y="6248520"/>
-            <a:ext cx="1904760" cy="456840"/>
+            <a:ext cx="1904040" cy="456120"/>
           </a:xfrm>
           <a:prstGeom prst="rect">
             <a:avLst/>
@@ -6164,8 +5791,14 @@
             <a:noFill/>
           </a:ln>
         </p:spPr>
-        <p:txBody>
-          <a:bodyPr>
+        <p:style>
+          <a:lnRef idx="0"/>
+          <a:fillRef idx="0"/>
+          <a:effectRef idx="0"/>
+          <a:fontRef idx="minor"/>
+        </p:style>
+        <p:txBody>
+          <a:bodyPr lIns="90000" rIns="90000" tIns="45000" bIns="45000">
             <a:noAutofit/>
           </a:bodyPr>
           <a:p>
@@ -6174,31 +5807,32 @@
                 <a:spcPct val="100000"/>
               </a:lnSpc>
             </a:pPr>
-            <a:fld id="{BD129992-0E28-4F87-B56A-FD0D930A14E9}" type="slidenum">
+            <a:fld id="{2837FFF3-6856-4F90-A343-139EDCE30DC4}" type="slidenum">
               <a:rPr b="0" lang="fr-CA" sz="1400" spc="-1" strike="noStrike">
                 <a:solidFill>
                   <a:srgbClr val="000000"/>
                 </a:solidFill>
                 <a:latin typeface="Times New Roman"/>
+                <a:ea typeface="DejaVu Sans"/>
               </a:rPr>
               <a:t>&lt;number&gt;</a:t>
             </a:fld>
             <a:endParaRPr b="0" lang="en-CA" sz="1400" spc="-1" strike="noStrike">
-              <a:latin typeface="Times New Roman"/>
-            </a:endParaRPr>
-          </a:p>
-        </p:txBody>
-      </p:sp>
-      <p:sp>
-        <p:nvSpPr>
-          <p:cNvPr id="87" name="TextShape 2"/>
-          <p:cNvSpPr txBox="1"/>
+              <a:latin typeface="Arial"/>
+            </a:endParaRPr>
+          </a:p>
+        </p:txBody>
+      </p:sp>
+      <p:sp>
+        <p:nvSpPr>
+          <p:cNvPr id="81" name="CustomShape 2"/>
+          <p:cNvSpPr/>
           <p:nvPr/>
         </p:nvSpPr>
         <p:spPr>
           <a:xfrm>
             <a:off x="684360" y="189000"/>
-            <a:ext cx="7772040" cy="1142640"/>
+            <a:ext cx="7771320" cy="1141920"/>
           </a:xfrm>
           <a:prstGeom prst="rect">
             <a:avLst/>
@@ -6208,8 +5842,14 @@
             <a:noFill/>
           </a:ln>
         </p:spPr>
-        <p:txBody>
-          <a:bodyPr anchor="ctr">
+        <p:style>
+          <a:lnRef idx="0"/>
+          <a:fillRef idx="0"/>
+          <a:effectRef idx="0"/>
+          <a:fontRef idx="minor"/>
+        </p:style>
+        <p:txBody>
+          <a:bodyPr lIns="90000" rIns="90000" tIns="45000" bIns="45000" anchor="ctr">
             <a:noAutofit/>
           </a:bodyPr>
           <a:p>
@@ -6224,28 +5864,26 @@
                   <a:srgbClr val="000000"/>
                 </a:solidFill>
                 <a:latin typeface="Times New Roman"/>
+                <a:ea typeface="DejaVu Sans"/>
               </a:rPr>
               <a:t>Présentation</a:t>
             </a:r>
-            <a:endParaRPr b="0" lang="fr-CA" sz="4400" spc="-1" strike="noStrike">
-              <a:solidFill>
-                <a:srgbClr val="000000"/>
-              </a:solidFill>
-              <a:latin typeface="Times New Roman"/>
-            </a:endParaRPr>
-          </a:p>
-        </p:txBody>
-      </p:sp>
-      <p:sp>
-        <p:nvSpPr>
-          <p:cNvPr id="88" name="TextShape 3"/>
-          <p:cNvSpPr txBox="1"/>
+            <a:endParaRPr b="0" lang="en-CA" sz="4400" spc="-1" strike="noStrike">
+              <a:latin typeface="Arial"/>
+            </a:endParaRPr>
+          </a:p>
+        </p:txBody>
+      </p:sp>
+      <p:sp>
+        <p:nvSpPr>
+          <p:cNvPr id="82" name="CustomShape 3"/>
+          <p:cNvSpPr/>
           <p:nvPr/>
         </p:nvSpPr>
         <p:spPr>
           <a:xfrm>
             <a:off x="469800" y="1947960"/>
-            <a:ext cx="8457840" cy="4114440"/>
+            <a:ext cx="8457120" cy="4113720"/>
           </a:xfrm>
           <a:prstGeom prst="rect">
             <a:avLst/>
@@ -6255,12 +5893,18 @@
             <a:noFill/>
           </a:ln>
         </p:spPr>
-        <p:txBody>
-          <a:bodyPr>
+        <p:style>
+          <a:lnRef idx="0"/>
+          <a:fillRef idx="0"/>
+          <a:effectRef idx="0"/>
+          <a:fontRef idx="minor"/>
+        </p:style>
+        <p:txBody>
+          <a:bodyPr lIns="90000" rIns="90000" tIns="45000" bIns="45000">
             <a:noAutofit/>
           </a:bodyPr>
           <a:p>
-            <a:pPr marL="343080" indent="-342720">
+            <a:pPr marL="343080" indent="-342000">
               <a:lnSpc>
                 <a:spcPct val="100000"/>
               </a:lnSpc>
@@ -6270,7 +5914,7 @@
               <a:buClr>
                 <a:srgbClr val="000000"/>
               </a:buClr>
-              <a:buFont typeface="Symbol" charset="2"/>
+              <a:buFont typeface="Symbol"/>
               <a:buChar char=""/>
             </a:pPr>
             <a:r>
@@ -6279,17 +5923,9 @@
                   <a:srgbClr val="000000"/>
                 </a:solidFill>
                 <a:latin typeface="Times New Roman"/>
-              </a:rPr>
-              <a:t>Chargé</a:t>
-            </a:r>
-            <a:r>
-              <a:rPr b="1" lang="fr-CA" sz="2400" spc="-1" strike="noStrike">
-                <a:solidFill>
-                  <a:srgbClr val="000000"/>
-                </a:solidFill>
-                <a:latin typeface="Times New Roman"/>
-              </a:rPr>
-              <a:t> de cours </a:t>
+                <a:ea typeface="DejaVu Sans"/>
+              </a:rPr>
+              <a:t>Chargé de cours </a:t>
             </a:r>
             <a:r>
               <a:rPr b="0" lang="fr-CA" sz="2400" spc="-1" strike="noStrike">
@@ -6297,18 +5933,16 @@
                   <a:srgbClr val="000000"/>
                 </a:solidFill>
                 <a:latin typeface="Times New Roman"/>
+                <a:ea typeface="DejaVu Sans"/>
               </a:rPr>
               <a:t>: Antoine Théberge</a:t>
             </a:r>
-            <a:endParaRPr b="0" lang="fr-CA" sz="2400" spc="-1" strike="noStrike">
-              <a:solidFill>
-                <a:srgbClr val="000000"/>
-              </a:solidFill>
-              <a:latin typeface="Times New Roman"/>
-            </a:endParaRPr>
-          </a:p>
-          <a:p>
-            <a:pPr marL="343080" indent="-342720">
+            <a:endParaRPr b="0" lang="en-CA" sz="2400" spc="-1" strike="noStrike">
+              <a:latin typeface="Arial"/>
+            </a:endParaRPr>
+          </a:p>
+          <a:p>
+            <a:pPr marL="343080" indent="-342000">
               <a:lnSpc>
                 <a:spcPct val="100000"/>
               </a:lnSpc>
@@ -6318,7 +5952,7 @@
               <a:buClr>
                 <a:srgbClr val="000000"/>
               </a:buClr>
-              <a:buFont typeface="Symbol" charset="2"/>
+              <a:buFont typeface="Symbol"/>
               <a:buChar char=""/>
             </a:pPr>
             <a:r>
@@ -6327,6 +5961,7 @@
                   <a:srgbClr val="000000"/>
                 </a:solidFill>
                 <a:latin typeface="Times New Roman"/>
+                <a:ea typeface="DejaVu Sans"/>
               </a:rPr>
               <a:t>Courriel</a:t>
             </a:r>
@@ -6336,18 +5971,16 @@
                   <a:srgbClr val="000000"/>
                 </a:solidFill>
                 <a:latin typeface="Times New Roman"/>
+                <a:ea typeface="DejaVu Sans"/>
               </a:rPr>
               <a:t> : antoine.theberge@usherbrooke.ca</a:t>
             </a:r>
-            <a:endParaRPr b="0" lang="fr-CA" sz="2400" spc="-1" strike="noStrike">
-              <a:solidFill>
-                <a:srgbClr val="000000"/>
-              </a:solidFill>
-              <a:latin typeface="Times New Roman"/>
-            </a:endParaRPr>
-          </a:p>
-          <a:p>
-            <a:pPr marL="343080" indent="-342720">
+            <a:endParaRPr b="0" lang="en-CA" sz="2400" spc="-1" strike="noStrike">
+              <a:latin typeface="Arial"/>
+            </a:endParaRPr>
+          </a:p>
+          <a:p>
+            <a:pPr marL="343080" indent="-342000">
               <a:lnSpc>
                 <a:spcPct val="100000"/>
               </a:lnSpc>
@@ -6357,7 +5990,7 @@
               <a:buClr>
                 <a:srgbClr val="000000"/>
               </a:buClr>
-              <a:buFont typeface="Symbol" charset="2"/>
+              <a:buFont typeface="Symbol"/>
               <a:buChar char=""/>
             </a:pPr>
             <a:r>
@@ -6366,6 +5999,7 @@
                   <a:srgbClr val="000000"/>
                 </a:solidFill>
                 <a:latin typeface="Times New Roman"/>
+                <a:ea typeface="DejaVu Sans"/>
               </a:rPr>
               <a:t>Page web</a:t>
             </a:r>
@@ -6375,28 +6009,28 @@
                   <a:srgbClr val="000000"/>
                 </a:solidFill>
                 <a:latin typeface="Times New Roman"/>
+                <a:ea typeface="DejaVu Sans"/>
               </a:rPr>
               <a:t> : </a:t>
             </a:r>
             <a:r>
-              <a:rPr b="0" lang="en-US" sz="2400" spc="-1" strike="noStrike">
-                <a:solidFill>
-                  <a:srgbClr val="000000"/>
-                </a:solidFill>
-                <a:latin typeface="Times New Roman"/>
+              <a:rPr b="0" lang="en-US" sz="2400" spc="-1" strike="noStrike" u="sng">
+                <a:solidFill>
+                  <a:srgbClr val="ccccff"/>
+                </a:solidFill>
+                <a:uFillTx/>
+                <a:latin typeface="Times New Roman"/>
+                <a:ea typeface="DejaVu Sans"/>
                 <a:hlinkClick r:id="rId1"/>
               </a:rPr>
               <a:t>https://www.antoinetheberge.ca</a:t>
             </a:r>
-            <a:endParaRPr b="0" lang="fr-CA" sz="2400" spc="-1" strike="noStrike">
-              <a:solidFill>
-                <a:srgbClr val="000000"/>
-              </a:solidFill>
-              <a:latin typeface="Times New Roman"/>
-            </a:endParaRPr>
-          </a:p>
-          <a:p>
-            <a:pPr marL="343080" indent="-342720">
+            <a:endParaRPr b="0" lang="en-CA" sz="2400" spc="-1" strike="noStrike">
+              <a:latin typeface="Arial"/>
+            </a:endParaRPr>
+          </a:p>
+          <a:p>
+            <a:pPr marL="343080" indent="-342000">
               <a:lnSpc>
                 <a:spcPct val="100000"/>
               </a:lnSpc>
@@ -6406,7 +6040,7 @@
               <a:buClr>
                 <a:srgbClr val="000000"/>
               </a:buClr>
-              <a:buFont typeface="Symbol" charset="2"/>
+              <a:buFont typeface="Symbol"/>
               <a:buChar char=""/>
             </a:pPr>
             <a:r>
@@ -6415,6 +6049,7 @@
                   <a:srgbClr val="000000"/>
                 </a:solidFill>
                 <a:latin typeface="Times New Roman"/>
+                <a:ea typeface="DejaVu Sans"/>
               </a:rPr>
               <a:t>Page web cours </a:t>
             </a:r>
@@ -6424,28 +6059,28 @@
                   <a:srgbClr val="000000"/>
                 </a:solidFill>
                 <a:latin typeface="Times New Roman"/>
+                <a:ea typeface="DejaVu Sans"/>
               </a:rPr>
               <a:t>: </a:t>
             </a:r>
             <a:r>
-              <a:rPr b="0" lang="en-US" sz="2400" spc="-1" strike="noStrike">
-                <a:solidFill>
-                  <a:srgbClr val="000000"/>
-                </a:solidFill>
-                <a:latin typeface="Times New Roman"/>
+              <a:rPr b="0" lang="en-US" sz="2400" spc="-1" strike="noStrike" u="sng">
+                <a:solidFill>
+                  <a:srgbClr val="ccccff"/>
+                </a:solidFill>
+                <a:uFillTx/>
+                <a:latin typeface="Times New Roman"/>
+                <a:ea typeface="DejaVu Sans"/>
                 <a:hlinkClick r:id="rId2"/>
               </a:rPr>
               <a:t>https://www.antoinetheberge.ca/teaching/2021-spring-ift780</a:t>
             </a:r>
-            <a:endParaRPr b="0" lang="fr-CA" sz="2400" spc="-1" strike="noStrike">
-              <a:solidFill>
-                <a:srgbClr val="000000"/>
-              </a:solidFill>
-              <a:latin typeface="Times New Roman"/>
-            </a:endParaRPr>
-          </a:p>
-          <a:p>
-            <a:pPr marL="343080" indent="-342720">
+            <a:endParaRPr b="0" lang="en-CA" sz="2400" spc="-1" strike="noStrike">
+              <a:latin typeface="Arial"/>
+            </a:endParaRPr>
+          </a:p>
+          <a:p>
+            <a:pPr marL="343080" indent="-342000">
               <a:lnSpc>
                 <a:spcPct val="100000"/>
               </a:lnSpc>
@@ -6455,7 +6090,7 @@
               <a:buClr>
                 <a:srgbClr val="000000"/>
               </a:buClr>
-              <a:buFont typeface="Symbol" charset="2"/>
+              <a:buFont typeface="Symbol"/>
               <a:buChar char=""/>
             </a:pPr>
             <a:r>
@@ -6464,6 +6099,7 @@
                   <a:srgbClr val="000000"/>
                 </a:solidFill>
                 <a:latin typeface="Times New Roman"/>
+                <a:ea typeface="DejaVu Sans"/>
               </a:rPr>
               <a:t>Local</a:t>
             </a:r>
@@ -6473,27 +6109,16 @@
                   <a:srgbClr val="000000"/>
                 </a:solidFill>
                 <a:latin typeface="Times New Roman"/>
-              </a:rPr>
-              <a:t> : D6-0052</a:t>
-            </a:r>
-            <a:r>
-              <a:rPr b="0" lang="fr-CA" sz="2400" spc="-1" strike="noStrike">
-                <a:solidFill>
-                  <a:srgbClr val="000000"/>
-                </a:solidFill>
-                <a:latin typeface="Times New Roman"/>
-              </a:rPr>
-              <a:t>, pavillon des sciences</a:t>
-            </a:r>
-            <a:endParaRPr b="0" lang="fr-CA" sz="2400" spc="-1" strike="noStrike">
-              <a:solidFill>
-                <a:srgbClr val="000000"/>
-              </a:solidFill>
-              <a:latin typeface="Times New Roman"/>
-            </a:endParaRPr>
-          </a:p>
-          <a:p>
-            <a:pPr marL="343080" indent="-342720">
+                <a:ea typeface="DejaVu Sans"/>
+              </a:rPr>
+              <a:t> : D6-0052, pavillon des sciences</a:t>
+            </a:r>
+            <a:endParaRPr b="0" lang="en-CA" sz="2400" spc="-1" strike="noStrike">
+              <a:latin typeface="Arial"/>
+            </a:endParaRPr>
+          </a:p>
+          <a:p>
+            <a:pPr marL="343080" indent="-342000">
               <a:lnSpc>
                 <a:spcPct val="100000"/>
               </a:lnSpc>
@@ -6503,7 +6128,7 @@
               <a:buClr>
                 <a:srgbClr val="000000"/>
               </a:buClr>
-              <a:buFont typeface="Symbol" charset="2"/>
+              <a:buFont typeface="Symbol"/>
               <a:buChar char=""/>
             </a:pPr>
             <a:r>
@@ -6512,6 +6137,7 @@
                   <a:srgbClr val="000000"/>
                 </a:solidFill>
                 <a:latin typeface="Times New Roman"/>
+                <a:ea typeface="DejaVu Sans"/>
               </a:rPr>
               <a:t>Période de disponibilités</a:t>
             </a:r>
@@ -6521,14 +6147,12 @@
                   <a:srgbClr val="000000"/>
                 </a:solidFill>
                 <a:latin typeface="Times New Roman"/>
+                <a:ea typeface="DejaVu Sans"/>
               </a:rPr>
               <a:t> : à déterminer</a:t>
             </a:r>
-            <a:endParaRPr b="0" lang="fr-CA" sz="2400" spc="-1" strike="noStrike">
-              <a:solidFill>
-                <a:srgbClr val="000000"/>
-              </a:solidFill>
-              <a:latin typeface="Times New Roman"/>
+            <a:endParaRPr b="0" lang="en-CA" sz="2400" spc="-1" strike="noStrike">
+              <a:latin typeface="Arial"/>
             </a:endParaRPr>
           </a:p>
         </p:txBody>
@@ -6565,14 +6189,14 @@
       </p:grpSpPr>
       <p:sp>
         <p:nvSpPr>
-          <p:cNvPr id="89" name="TextShape 1"/>
-          <p:cNvSpPr txBox="1"/>
+          <p:cNvPr id="83" name="CustomShape 1"/>
+          <p:cNvSpPr/>
           <p:nvPr/>
         </p:nvSpPr>
         <p:spPr>
           <a:xfrm>
             <a:off x="684360" y="189000"/>
-            <a:ext cx="7772040" cy="1142640"/>
+            <a:ext cx="7771320" cy="1141920"/>
           </a:xfrm>
           <a:prstGeom prst="rect">
             <a:avLst/>
@@ -6582,8 +6206,14 @@
             <a:noFill/>
           </a:ln>
         </p:spPr>
-        <p:txBody>
-          <a:bodyPr anchor="ctr">
+        <p:style>
+          <a:lnRef idx="0"/>
+          <a:fillRef idx="0"/>
+          <a:effectRef idx="0"/>
+          <a:fontRef idx="minor"/>
+        </p:style>
+        <p:txBody>
+          <a:bodyPr lIns="90000" rIns="90000" tIns="45000" bIns="45000" anchor="ctr">
             <a:noAutofit/>
           </a:bodyPr>
           <a:p>
@@ -6598,28 +6228,26 @@
                   <a:srgbClr val="000000"/>
                 </a:solidFill>
                 <a:latin typeface="Times New Roman"/>
+                <a:ea typeface="DejaVu Sans"/>
               </a:rPr>
               <a:t>Horaire</a:t>
             </a:r>
-            <a:endParaRPr b="0" lang="fr-CA" sz="4400" spc="-1" strike="noStrike">
-              <a:solidFill>
-                <a:srgbClr val="000000"/>
-              </a:solidFill>
-              <a:latin typeface="Times New Roman"/>
-            </a:endParaRPr>
-          </a:p>
-        </p:txBody>
-      </p:sp>
-      <p:sp>
-        <p:nvSpPr>
-          <p:cNvPr id="90" name="TextShape 2"/>
-          <p:cNvSpPr txBox="1"/>
+            <a:endParaRPr b="0" lang="en-CA" sz="4400" spc="-1" strike="noStrike">
+              <a:latin typeface="Arial"/>
+            </a:endParaRPr>
+          </a:p>
+        </p:txBody>
+      </p:sp>
+      <p:sp>
+        <p:nvSpPr>
+          <p:cNvPr id="84" name="CustomShape 2"/>
+          <p:cNvSpPr/>
           <p:nvPr/>
         </p:nvSpPr>
         <p:spPr>
           <a:xfrm>
             <a:off x="684360" y="1960200"/>
-            <a:ext cx="7772040" cy="4114440"/>
+            <a:ext cx="7771320" cy="4113720"/>
           </a:xfrm>
           <a:prstGeom prst="rect">
             <a:avLst/>
@@ -6629,12 +6257,18 @@
             <a:noFill/>
           </a:ln>
         </p:spPr>
-        <p:txBody>
-          <a:bodyPr>
+        <p:style>
+          <a:lnRef idx="0"/>
+          <a:fillRef idx="0"/>
+          <a:effectRef idx="0"/>
+          <a:fontRef idx="minor"/>
+        </p:style>
+        <p:txBody>
+          <a:bodyPr lIns="90000" rIns="90000" tIns="45000" bIns="45000">
             <a:noAutofit/>
           </a:bodyPr>
           <a:p>
-            <a:pPr marL="343080" indent="-342720">
+            <a:pPr marL="343080" indent="-342000">
               <a:lnSpc>
                 <a:spcPct val="100000"/>
               </a:lnSpc>
@@ -6644,7 +6278,7 @@
               <a:buClr>
                 <a:srgbClr val="000000"/>
               </a:buClr>
-              <a:buFont typeface="Symbol" charset="2"/>
+              <a:buFont typeface="Symbol"/>
               <a:buChar char=""/>
             </a:pPr>
             <a:r>
@@ -6653,18 +6287,16 @@
                   <a:srgbClr val="000000"/>
                 </a:solidFill>
                 <a:latin typeface="Times New Roman"/>
+                <a:ea typeface="DejaVu Sans"/>
               </a:rPr>
               <a:t>Cours magistraux</a:t>
             </a:r>
-            <a:endParaRPr b="0" lang="fr-CA" sz="3200" spc="-1" strike="noStrike">
-              <a:solidFill>
-                <a:srgbClr val="000000"/>
-              </a:solidFill>
-              <a:latin typeface="Times New Roman"/>
-            </a:endParaRPr>
-          </a:p>
-          <a:p>
-            <a:pPr lvl="1" marL="743040" indent="-285480">
+            <a:endParaRPr b="0" lang="en-CA" sz="3200" spc="-1" strike="noStrike">
+              <a:latin typeface="Arial"/>
+            </a:endParaRPr>
+          </a:p>
+          <a:p>
+            <a:pPr lvl="1" marL="743040" indent="-284760">
               <a:lnSpc>
                 <a:spcPct val="100000"/>
               </a:lnSpc>
@@ -6674,7 +6306,7 @@
               <a:buClr>
                 <a:srgbClr val="000000"/>
               </a:buClr>
-              <a:buFont typeface="Symbol" charset="2"/>
+              <a:buFont typeface="Symbol"/>
               <a:buChar char=""/>
             </a:pPr>
             <a:r>
@@ -6683,6 +6315,7 @@
                   <a:srgbClr val="000000"/>
                 </a:solidFill>
                 <a:latin typeface="Times New Roman"/>
+                <a:ea typeface="DejaVu Sans"/>
               </a:rPr>
               <a:t>voir ici: </a:t>
             </a:r>
@@ -6693,6 +6326,7 @@
                 </a:solidFill>
                 <a:uFillTx/>
                 <a:latin typeface="Times New Roman"/>
+                <a:ea typeface="DejaVu Sans"/>
                 <a:hlinkClick r:id="rId1"/>
               </a:rPr>
               <a:t>http://horaire.dinf.usherbrooke.ca</a:t>
@@ -6704,15 +6338,13 @@
                 </a:solidFill>
                 <a:uFillTx/>
                 <a:latin typeface="Times New Roman"/>
+                <a:ea typeface="DejaVu Sans"/>
                 <a:hlinkClick r:id="rId2"/>
               </a:rPr>
               <a:t>/</a:t>
             </a:r>
-            <a:endParaRPr b="0" lang="fr-CA" sz="2800" spc="-1" strike="noStrike">
-              <a:solidFill>
-                <a:srgbClr val="000000"/>
-              </a:solidFill>
-              <a:latin typeface="Times New Roman"/>
+            <a:endParaRPr b="0" lang="en-CA" sz="2800" spc="-1" strike="noStrike">
+              <a:latin typeface="Arial"/>
             </a:endParaRPr>
           </a:p>
           <a:p>
@@ -6727,15 +6359,12 @@
                 <a:tab algn="l" pos="0"/>
               </a:tabLst>
             </a:pPr>
-            <a:endParaRPr b="0" lang="fr-CA" sz="2800" spc="-1" strike="noStrike">
-              <a:solidFill>
-                <a:srgbClr val="000000"/>
-              </a:solidFill>
-              <a:latin typeface="Times New Roman"/>
-            </a:endParaRPr>
-          </a:p>
-          <a:p>
-            <a:pPr marL="343080" indent="-342720">
+            <a:endParaRPr b="0" lang="en-CA" sz="2800" spc="-1" strike="noStrike">
+              <a:latin typeface="Arial"/>
+            </a:endParaRPr>
+          </a:p>
+          <a:p>
+            <a:pPr marL="343080" indent="-342000">
               <a:lnSpc>
                 <a:spcPct val="100000"/>
               </a:lnSpc>
@@ -6745,7 +6374,7 @@
               <a:buClr>
                 <a:srgbClr val="000000"/>
               </a:buClr>
-              <a:buFont typeface="Symbol" charset="2"/>
+              <a:buFont typeface="Symbol"/>
               <a:buChar char=""/>
               <a:tabLst>
                 <a:tab algn="l" pos="0"/>
@@ -6757,6 +6386,7 @@
                   <a:srgbClr val="000000"/>
                 </a:solidFill>
                 <a:latin typeface="Times New Roman"/>
+                <a:ea typeface="DejaVu Sans"/>
               </a:rPr>
               <a:t>Travaux dirigés (</a:t>
             </a:r>
@@ -6766,6 +6396,7 @@
                   <a:srgbClr val="000000"/>
                 </a:solidFill>
                 <a:latin typeface="Times New Roman"/>
+                <a:ea typeface="DejaVu Sans"/>
               </a:rPr>
               <a:t>parfois, peut-être, à voir en classe</a:t>
             </a:r>
@@ -6775,28 +6406,26 @@
                   <a:srgbClr val="000000"/>
                 </a:solidFill>
                 <a:latin typeface="Times New Roman"/>
+                <a:ea typeface="DejaVu Sans"/>
               </a:rPr>
               <a:t>)</a:t>
             </a:r>
-            <a:endParaRPr b="0" lang="fr-CA" sz="3200" spc="-1" strike="noStrike">
-              <a:solidFill>
-                <a:srgbClr val="000000"/>
-              </a:solidFill>
-              <a:latin typeface="Times New Roman"/>
-            </a:endParaRPr>
-          </a:p>
-        </p:txBody>
-      </p:sp>
-      <p:sp>
-        <p:nvSpPr>
-          <p:cNvPr id="91" name="TextShape 3"/>
-          <p:cNvSpPr txBox="1"/>
+            <a:endParaRPr b="0" lang="en-CA" sz="3200" spc="-1" strike="noStrike">
+              <a:latin typeface="Arial"/>
+            </a:endParaRPr>
+          </a:p>
+        </p:txBody>
+      </p:sp>
+      <p:sp>
+        <p:nvSpPr>
+          <p:cNvPr id="85" name="CustomShape 3"/>
+          <p:cNvSpPr/>
           <p:nvPr/>
         </p:nvSpPr>
         <p:spPr>
           <a:xfrm>
             <a:off x="6553080" y="6248520"/>
-            <a:ext cx="1904760" cy="456840"/>
+            <a:ext cx="1904040" cy="456120"/>
           </a:xfrm>
           <a:prstGeom prst="rect">
             <a:avLst/>
@@ -6806,8 +6435,14 @@
             <a:noFill/>
           </a:ln>
         </p:spPr>
-        <p:txBody>
-          <a:bodyPr>
+        <p:style>
+          <a:lnRef idx="0"/>
+          <a:fillRef idx="0"/>
+          <a:effectRef idx="0"/>
+          <a:fontRef idx="minor"/>
+        </p:style>
+        <p:txBody>
+          <a:bodyPr lIns="90000" rIns="90000" tIns="45000" bIns="45000">
             <a:noAutofit/>
           </a:bodyPr>
           <a:p>
@@ -6816,31 +6451,32 @@
                 <a:spcPct val="100000"/>
               </a:lnSpc>
             </a:pPr>
-            <a:fld id="{5728B23D-3CAA-4CA0-A8DB-DBDFAF3A9E21}" type="slidenum">
+            <a:fld id="{82368DC8-D9F4-48BA-A2C2-898AD415EDBB}" type="slidenum">
               <a:rPr b="0" lang="fr-CA" sz="1400" spc="-1" strike="noStrike">
                 <a:solidFill>
                   <a:srgbClr val="000000"/>
                 </a:solidFill>
                 <a:latin typeface="Times New Roman"/>
+                <a:ea typeface="DejaVu Sans"/>
               </a:rPr>
               <a:t>&lt;number&gt;</a:t>
             </a:fld>
             <a:endParaRPr b="0" lang="en-CA" sz="1400" spc="-1" strike="noStrike">
-              <a:latin typeface="Times New Roman"/>
-            </a:endParaRPr>
-          </a:p>
-        </p:txBody>
-      </p:sp>
-      <p:sp>
-        <p:nvSpPr>
-          <p:cNvPr id="92" name="CustomShape 4"/>
+              <a:latin typeface="Arial"/>
+            </a:endParaRPr>
+          </a:p>
+        </p:txBody>
+      </p:sp>
+      <p:sp>
+        <p:nvSpPr>
+          <p:cNvPr id="86" name="CustomShape 4"/>
           <p:cNvSpPr/>
           <p:nvPr/>
         </p:nvSpPr>
         <p:spPr>
           <a:xfrm rot="21052200">
-            <a:off x="4518360" y="794880"/>
-            <a:ext cx="4731120" cy="699840"/>
+            <a:off x="4517640" y="794880"/>
+            <a:ext cx="4730400" cy="699120"/>
           </a:xfrm>
           <a:prstGeom prst="rect">
             <a:avLst/>
@@ -6874,6 +6510,7 @@
                   <a:srgbClr val="ff0000"/>
                 </a:solidFill>
                 <a:latin typeface="Times New Roman"/>
+                <a:ea typeface="DejaVu Sans"/>
               </a:rPr>
               <a:t>Sujet à modification!</a:t>
             </a:r>
@@ -6915,14 +6552,14 @@
       </p:grpSpPr>
       <p:sp>
         <p:nvSpPr>
-          <p:cNvPr id="93" name="TextShape 1"/>
-          <p:cNvSpPr txBox="1"/>
+          <p:cNvPr id="87" name="CustomShape 1"/>
+          <p:cNvSpPr/>
           <p:nvPr/>
         </p:nvSpPr>
         <p:spPr>
           <a:xfrm>
             <a:off x="6553080" y="6248520"/>
-            <a:ext cx="1904760" cy="456840"/>
+            <a:ext cx="1904040" cy="456120"/>
           </a:xfrm>
           <a:prstGeom prst="rect">
             <a:avLst/>
@@ -6932,8 +6569,14 @@
             <a:noFill/>
           </a:ln>
         </p:spPr>
-        <p:txBody>
-          <a:bodyPr>
+        <p:style>
+          <a:lnRef idx="0"/>
+          <a:fillRef idx="0"/>
+          <a:effectRef idx="0"/>
+          <a:fontRef idx="minor"/>
+        </p:style>
+        <p:txBody>
+          <a:bodyPr lIns="90000" rIns="90000" tIns="45000" bIns="45000">
             <a:noAutofit/>
           </a:bodyPr>
           <a:p>
@@ -6942,31 +6585,32 @@
                 <a:spcPct val="100000"/>
               </a:lnSpc>
             </a:pPr>
-            <a:fld id="{7A0D6017-202D-4996-B40C-2A7135C8F42F}" type="slidenum">
+            <a:fld id="{D946E31C-216A-4B20-B4CE-FF6B12EFD1F2}" type="slidenum">
               <a:rPr b="0" lang="fr-CA" sz="1400" spc="-1" strike="noStrike">
                 <a:solidFill>
                   <a:srgbClr val="000000"/>
                 </a:solidFill>
                 <a:latin typeface="Times New Roman"/>
+                <a:ea typeface="DejaVu Sans"/>
               </a:rPr>
               <a:t>&lt;number&gt;</a:t>
             </a:fld>
             <a:endParaRPr b="0" lang="en-CA" sz="1400" spc="-1" strike="noStrike">
-              <a:latin typeface="Times New Roman"/>
-            </a:endParaRPr>
-          </a:p>
-        </p:txBody>
-      </p:sp>
-      <p:sp>
-        <p:nvSpPr>
-          <p:cNvPr id="94" name="TextShape 2"/>
-          <p:cNvSpPr txBox="1"/>
+              <a:latin typeface="Arial"/>
+            </a:endParaRPr>
+          </a:p>
+        </p:txBody>
+      </p:sp>
+      <p:sp>
+        <p:nvSpPr>
+          <p:cNvPr id="88" name="CustomShape 2"/>
+          <p:cNvSpPr/>
           <p:nvPr/>
         </p:nvSpPr>
         <p:spPr>
           <a:xfrm>
             <a:off x="684360" y="189000"/>
-            <a:ext cx="7772040" cy="1142640"/>
+            <a:ext cx="7771320" cy="1141920"/>
           </a:xfrm>
           <a:prstGeom prst="rect">
             <a:avLst/>
@@ -6976,8 +6620,14 @@
             <a:noFill/>
           </a:ln>
         </p:spPr>
-        <p:txBody>
-          <a:bodyPr anchor="ctr">
+        <p:style>
+          <a:lnRef idx="0"/>
+          <a:fillRef idx="0"/>
+          <a:effectRef idx="0"/>
+          <a:fontRef idx="minor"/>
+        </p:style>
+        <p:txBody>
+          <a:bodyPr lIns="90000" rIns="90000" tIns="45000" bIns="45000" anchor="ctr">
             <a:noAutofit/>
           </a:bodyPr>
           <a:p>
@@ -6992,28 +6642,36 @@
                   <a:srgbClr val="000000"/>
                 </a:solidFill>
                 <a:latin typeface="Times New Roman"/>
+                <a:ea typeface="DejaVu Sans"/>
               </a:rPr>
               <a:t>Évaluation</a:t>
             </a:r>
-            <a:endParaRPr b="0" lang="fr-CA" sz="4400" spc="-1" strike="noStrike">
-              <a:solidFill>
-                <a:srgbClr val="000000"/>
-              </a:solidFill>
-              <a:latin typeface="Times New Roman"/>
-            </a:endParaRPr>
-          </a:p>
-        </p:txBody>
-      </p:sp>
-      <p:sp>
-        <p:nvSpPr>
-          <p:cNvPr id="95" name="TextShape 3"/>
-          <p:cNvSpPr txBox="1"/>
+            <a:r>
+              <a:rPr b="0" lang="en-US" sz="4400" spc="-1" strike="noStrike">
+                <a:solidFill>
+                  <a:srgbClr val="000000"/>
+                </a:solidFill>
+                <a:latin typeface="Times New Roman"/>
+                <a:ea typeface="DejaVu Sans"/>
+              </a:rPr>
+              <a:t> (examens)</a:t>
+            </a:r>
+            <a:endParaRPr b="0" lang="en-CA" sz="4400" spc="-1" strike="noStrike">
+              <a:latin typeface="Arial"/>
+            </a:endParaRPr>
+          </a:p>
+        </p:txBody>
+      </p:sp>
+      <p:sp>
+        <p:nvSpPr>
+          <p:cNvPr id="89" name="CustomShape 3"/>
+          <p:cNvSpPr/>
           <p:nvPr/>
         </p:nvSpPr>
         <p:spPr>
           <a:xfrm>
-            <a:off x="179640" y="1981080"/>
-            <a:ext cx="8772840" cy="4114440"/>
+            <a:off x="611640" y="1989000"/>
+            <a:ext cx="8205480" cy="4113720"/>
           </a:xfrm>
           <a:prstGeom prst="rect">
             <a:avLst/>
@@ -7023,12 +6681,18 @@
             <a:noFill/>
           </a:ln>
         </p:spPr>
-        <p:txBody>
-          <a:bodyPr>
+        <p:style>
+          <a:lnRef idx="0"/>
+          <a:fillRef idx="0"/>
+          <a:effectRef idx="0"/>
+          <a:fontRef idx="minor"/>
+        </p:style>
+        <p:txBody>
+          <a:bodyPr lIns="90000" rIns="90000" tIns="45000" bIns="45000">
             <a:noAutofit/>
           </a:bodyPr>
           <a:p>
-            <a:pPr marL="343080" indent="-342720">
+            <a:pPr marL="343080" indent="-342000">
               <a:lnSpc>
                 <a:spcPct val="100000"/>
               </a:lnSpc>
@@ -7038,7 +6702,7 @@
               <a:buClr>
                 <a:srgbClr val="000000"/>
               </a:buClr>
-              <a:buFont typeface="Symbol" charset="2"/>
+              <a:buFont typeface="Symbol"/>
               <a:buChar char=""/>
             </a:pPr>
             <a:r>
@@ -7047,36 +6711,16 @@
                   <a:srgbClr val="000000"/>
                 </a:solidFill>
                 <a:latin typeface="Times New Roman"/>
-              </a:rPr>
-              <a:t>Les travaux pratiques se font en </a:t>
-            </a:r>
-            <a:r>
-              <a:rPr b="1" lang="fr-CA" sz="2400" spc="-1" strike="noStrike">
-                <a:solidFill>
-                  <a:srgbClr val="000000"/>
-                </a:solidFill>
-                <a:latin typeface="Times New Roman"/>
-              </a:rPr>
-              <a:t>python</a:t>
-            </a:r>
-            <a:r>
-              <a:rPr b="0" lang="fr-CA" sz="2400" spc="-1" strike="noStrike">
-                <a:solidFill>
-                  <a:srgbClr val="000000"/>
-                </a:solidFill>
-                <a:latin typeface="Times New Roman"/>
-              </a:rPr>
-              <a:t>.</a:t>
-            </a:r>
-            <a:endParaRPr b="0" lang="fr-CA" sz="2400" spc="-1" strike="noStrike">
-              <a:solidFill>
-                <a:srgbClr val="000000"/>
-              </a:solidFill>
-              <a:latin typeface="Times New Roman"/>
-            </a:endParaRPr>
-          </a:p>
-          <a:p>
-            <a:pPr marL="343080" indent="-342720">
+                <a:ea typeface="DejaVu Sans"/>
+              </a:rPr>
+              <a:t>Pas d’examen intra</a:t>
+            </a:r>
+            <a:endParaRPr b="0" lang="en-CA" sz="2400" spc="-1" strike="noStrike">
+              <a:latin typeface="Arial"/>
+            </a:endParaRPr>
+          </a:p>
+          <a:p>
+            <a:pPr marL="343080" indent="-342000">
               <a:lnSpc>
                 <a:spcPct val="100000"/>
               </a:lnSpc>
@@ -7086,7 +6730,7 @@
               <a:buClr>
                 <a:srgbClr val="000000"/>
               </a:buClr>
-              <a:buFont typeface="Symbol" charset="2"/>
+              <a:buFont typeface="Symbol"/>
               <a:buChar char=""/>
             </a:pPr>
             <a:r>
@@ -7095,101 +6739,166 @@
                   <a:srgbClr val="000000"/>
                 </a:solidFill>
                 <a:latin typeface="Times New Roman"/>
-              </a:rPr>
-              <a:t>Correcteur et soutient technique </a:t>
-            </a:r>
-            <a:endParaRPr b="0" lang="fr-CA" sz="2400" spc="-1" strike="noStrike">
-              <a:solidFill>
-                <a:srgbClr val="000000"/>
-              </a:solidFill>
-              <a:latin typeface="Times New Roman"/>
-            </a:endParaRPr>
-          </a:p>
-          <a:p>
-            <a:pPr lvl="1" marL="743040" indent="-285480">
-              <a:lnSpc>
-                <a:spcPct val="100000"/>
-              </a:lnSpc>
-              <a:spcBef>
-                <a:spcPts val="561"/>
+                <a:ea typeface="DejaVu Sans"/>
+              </a:rPr>
+              <a:t>L’examen final se fait </a:t>
+            </a:r>
+            <a:r>
+              <a:rPr b="1" lang="fr-CA" sz="2400" spc="-1" strike="noStrike">
+                <a:solidFill>
+                  <a:srgbClr val="000000"/>
+                </a:solidFill>
+                <a:latin typeface="Times New Roman"/>
+                <a:ea typeface="DejaVu Sans"/>
+              </a:rPr>
+              <a:t>seul</a:t>
+            </a:r>
+            <a:r>
+              <a:rPr b="0" lang="fr-CA" sz="2400" spc="-1" strike="noStrike">
+                <a:solidFill>
+                  <a:srgbClr val="000000"/>
+                </a:solidFill>
+                <a:latin typeface="Times New Roman"/>
+                <a:ea typeface="DejaVu Sans"/>
+              </a:rPr>
+              <a:t>.</a:t>
+            </a:r>
+            <a:endParaRPr b="0" lang="en-CA" sz="2400" spc="-1" strike="noStrike">
+              <a:latin typeface="Arial"/>
+            </a:endParaRPr>
+          </a:p>
+          <a:p>
+            <a:pPr marL="343080" indent="-342000">
+              <a:lnSpc>
+                <a:spcPct val="100000"/>
+              </a:lnSpc>
+              <a:spcBef>
+                <a:spcPts val="479"/>
               </a:spcBef>
               <a:buClr>
                 <a:srgbClr val="000000"/>
               </a:buClr>
-              <a:buFont typeface="Symbol" charset="2"/>
-              <a:buChar char=""/>
-            </a:pPr>
-            <a:r>
-              <a:rPr b="1" lang="fr-CA" sz="2800" spc="-1" strike="noStrike">
-                <a:solidFill>
-                  <a:srgbClr val="000000"/>
-                </a:solidFill>
-                <a:latin typeface="Times New Roman"/>
-              </a:rPr>
-              <a:t>Thierry Judge</a:t>
-            </a:r>
-            <a:endParaRPr b="0" lang="fr-CA" sz="2800" spc="-1" strike="noStrike">
-              <a:solidFill>
+              <a:buFont typeface="Symbol"/>
+              <a:buChar char=""/>
+            </a:pPr>
+            <a:r>
+              <a:rPr b="0" lang="fr-CA" sz="2400" spc="-1" strike="noStrike">
+                <a:solidFill>
+                  <a:srgbClr val="000000"/>
+                </a:solidFill>
+                <a:latin typeface="Times New Roman"/>
+                <a:ea typeface="DejaVu Sans"/>
+              </a:rPr>
+              <a:t>L’examen final portera sur toute la matière vue en classe</a:t>
+            </a:r>
+            <a:endParaRPr b="0" lang="en-CA" sz="2400" spc="-1" strike="noStrike">
+              <a:latin typeface="Arial"/>
+            </a:endParaRPr>
+          </a:p>
+          <a:p>
+            <a:pPr marL="343080" indent="-342000">
+              <a:lnSpc>
+                <a:spcPct val="100000"/>
+              </a:lnSpc>
+              <a:spcBef>
+                <a:spcPts val="479"/>
+              </a:spcBef>
+              <a:buClr>
                 <a:srgbClr val="000000"/>
-              </a:solidFill>
-              <a:latin typeface="Times New Roman"/>
-            </a:endParaRPr>
-          </a:p>
-          <a:p>
-            <a:pPr marL="457200">
-              <a:lnSpc>
-                <a:spcPct val="100000"/>
-              </a:lnSpc>
-              <a:spcBef>
-                <a:spcPts val="400"/>
+              </a:buClr>
+              <a:buFont typeface="Symbol"/>
+              <a:buChar char=""/>
+            </a:pPr>
+            <a:r>
+              <a:rPr b="0" lang="fr-CA" sz="2400" spc="-1" strike="noStrike">
+                <a:solidFill>
+                  <a:srgbClr val="000000"/>
+                </a:solidFill>
+                <a:latin typeface="Times New Roman"/>
+                <a:ea typeface="DejaVu Sans"/>
+              </a:rPr>
+              <a:t>Vous avez droit à des feuilles </a:t>
+            </a:r>
+            <a:r>
+              <a:rPr b="1" lang="fr-CA" sz="2400" spc="-1" strike="noStrike" u="sng">
+                <a:solidFill>
+                  <a:srgbClr val="000000"/>
+                </a:solidFill>
+                <a:uFillTx/>
+                <a:latin typeface="Times New Roman"/>
+                <a:ea typeface="DejaVu Sans"/>
+              </a:rPr>
+              <a:t>manuscrites </a:t>
+            </a:r>
+            <a:r>
+              <a:rPr b="0" lang="fr-CA" sz="2400" spc="-1" strike="noStrike">
+                <a:solidFill>
+                  <a:srgbClr val="000000"/>
+                </a:solidFill>
+                <a:latin typeface="Times New Roman"/>
+                <a:ea typeface="DejaVu Sans"/>
+              </a:rPr>
+              <a:t>pour toute documentation.</a:t>
+            </a:r>
+            <a:endParaRPr b="0" lang="en-CA" sz="2400" spc="-1" strike="noStrike">
+              <a:latin typeface="Arial"/>
+            </a:endParaRPr>
+          </a:p>
+          <a:p>
+            <a:pPr marL="343080" indent="-342000">
+              <a:lnSpc>
+                <a:spcPct val="100000"/>
+              </a:lnSpc>
+              <a:spcBef>
+                <a:spcPts val="479"/>
+              </a:spcBef>
+              <a:buClr>
+                <a:srgbClr val="000000"/>
+              </a:buClr>
+              <a:buFont typeface="Symbol"/>
+              <a:buChar char=""/>
+            </a:pPr>
+            <a:r>
+              <a:rPr b="0" lang="fr-CA" sz="2400" spc="-1" strike="noStrike">
+                <a:solidFill>
+                  <a:srgbClr val="000000"/>
+                </a:solidFill>
+                <a:latin typeface="Times New Roman"/>
+                <a:ea typeface="DejaVu Sans"/>
+              </a:rPr>
+              <a:t>Votre présence aux séances magistrales est fortement recommandée mais non obligatoire.</a:t>
+            </a:r>
+            <a:endParaRPr b="0" lang="en-CA" sz="2400" spc="-1" strike="noStrike">
+              <a:latin typeface="Arial"/>
+            </a:endParaRPr>
+          </a:p>
+          <a:p>
+            <a:pPr>
+              <a:lnSpc>
+                <a:spcPct val="100000"/>
+              </a:lnSpc>
+              <a:spcBef>
+                <a:spcPts val="479"/>
+              </a:spcBef>
+            </a:pPr>
+            <a:endParaRPr b="0" lang="en-CA" sz="2400" spc="-1" strike="noStrike">
+              <a:latin typeface="Arial"/>
+            </a:endParaRPr>
+          </a:p>
+          <a:p>
+            <a:pPr marL="343080" indent="-342000">
+              <a:lnSpc>
+                <a:spcPct val="100000"/>
+              </a:lnSpc>
+              <a:spcBef>
+                <a:spcPts val="479"/>
               </a:spcBef>
               <a:tabLst>
                 <a:tab algn="l" pos="0"/>
               </a:tabLst>
             </a:pPr>
-            <a:endParaRPr b="0" lang="fr-CA" sz="2800" spc="-1" strike="noStrike">
-              <a:solidFill>
-                <a:srgbClr val="000000"/>
-              </a:solidFill>
-              <a:latin typeface="Times New Roman"/>
-            </a:endParaRPr>
-          </a:p>
-          <a:p>
-            <a:pPr>
-              <a:lnSpc>
-                <a:spcPct val="100000"/>
-              </a:lnSpc>
-              <a:spcBef>
-                <a:spcPts val="641"/>
-              </a:spcBef>
-              <a:tabLst>
-                <a:tab algn="l" pos="0"/>
-              </a:tabLst>
-            </a:pPr>
-            <a:endParaRPr b="0" lang="fr-CA" sz="2800" spc="-1" strike="noStrike">
-              <a:solidFill>
-                <a:srgbClr val="000000"/>
-              </a:solidFill>
-              <a:latin typeface="Times New Roman"/>
-            </a:endParaRPr>
-          </a:p>
-          <a:p>
-            <a:pPr>
-              <a:lnSpc>
-                <a:spcPct val="100000"/>
-              </a:lnSpc>
-              <a:spcBef>
-                <a:spcPts val="479"/>
-              </a:spcBef>
-              <a:tabLst>
-                <a:tab algn="l" pos="0"/>
-              </a:tabLst>
-            </a:pPr>
-            <a:endParaRPr b="0" lang="fr-CA" sz="2800" spc="-1" strike="noStrike">
-              <a:solidFill>
-                <a:srgbClr val="000000"/>
-              </a:solidFill>
-              <a:latin typeface="Times New Roman"/>
+            <a:endParaRPr b="0" lang="en-CA" sz="2400" spc="-1" strike="noStrike">
+              <a:latin typeface="Arial"/>
             </a:endParaRPr>
           </a:p>
         </p:txBody>
@@ -7226,14 +6935,14 @@
       </p:grpSpPr>
       <p:sp>
         <p:nvSpPr>
-          <p:cNvPr id="96" name="TextShape 1"/>
-          <p:cNvSpPr txBox="1"/>
+          <p:cNvPr id="90" name="CustomShape 1"/>
+          <p:cNvSpPr/>
           <p:nvPr/>
         </p:nvSpPr>
         <p:spPr>
           <a:xfrm>
             <a:off x="6553080" y="6248520"/>
-            <a:ext cx="1904760" cy="456840"/>
+            <a:ext cx="1904040" cy="456120"/>
           </a:xfrm>
           <a:prstGeom prst="rect">
             <a:avLst/>
@@ -7243,8 +6952,14 @@
             <a:noFill/>
           </a:ln>
         </p:spPr>
-        <p:txBody>
-          <a:bodyPr>
+        <p:style>
+          <a:lnRef idx="0"/>
+          <a:fillRef idx="0"/>
+          <a:effectRef idx="0"/>
+          <a:fontRef idx="minor"/>
+        </p:style>
+        <p:txBody>
+          <a:bodyPr lIns="90000" rIns="90000" tIns="45000" bIns="45000">
             <a:noAutofit/>
           </a:bodyPr>
           <a:p>
@@ -7253,31 +6968,32 @@
                 <a:spcPct val="100000"/>
               </a:lnSpc>
             </a:pPr>
-            <a:fld id="{8005985A-5666-4C96-9C47-AF644A74A69C}" type="slidenum">
+            <a:fld id="{EAEBC8D7-230E-4F82-9B78-2126FC74326E}" type="slidenum">
               <a:rPr b="0" lang="fr-CA" sz="1400" spc="-1" strike="noStrike">
                 <a:solidFill>
                   <a:srgbClr val="000000"/>
                 </a:solidFill>
                 <a:latin typeface="Times New Roman"/>
+                <a:ea typeface="DejaVu Sans"/>
               </a:rPr>
               <a:t>&lt;number&gt;</a:t>
             </a:fld>
             <a:endParaRPr b="0" lang="en-CA" sz="1400" spc="-1" strike="noStrike">
-              <a:latin typeface="Times New Roman"/>
-            </a:endParaRPr>
-          </a:p>
-        </p:txBody>
-      </p:sp>
-      <p:sp>
-        <p:nvSpPr>
-          <p:cNvPr id="97" name="TextShape 2"/>
-          <p:cNvSpPr txBox="1"/>
+              <a:latin typeface="Arial"/>
+            </a:endParaRPr>
+          </a:p>
+        </p:txBody>
+      </p:sp>
+      <p:sp>
+        <p:nvSpPr>
+          <p:cNvPr id="91" name="CustomShape 2"/>
+          <p:cNvSpPr/>
           <p:nvPr/>
         </p:nvSpPr>
         <p:spPr>
           <a:xfrm>
             <a:off x="684360" y="189000"/>
-            <a:ext cx="7772040" cy="1142640"/>
+            <a:ext cx="7771320" cy="1141920"/>
           </a:xfrm>
           <a:prstGeom prst="rect">
             <a:avLst/>
@@ -7287,8 +7003,14 @@
             <a:noFill/>
           </a:ln>
         </p:spPr>
-        <p:txBody>
-          <a:bodyPr anchor="ctr">
+        <p:style>
+          <a:lnRef idx="0"/>
+          <a:fillRef idx="0"/>
+          <a:effectRef idx="0"/>
+          <a:fontRef idx="minor"/>
+        </p:style>
+        <p:txBody>
+          <a:bodyPr lIns="90000" rIns="90000" tIns="45000" bIns="45000" anchor="ctr">
             <a:noAutofit/>
           </a:bodyPr>
           <a:p>
@@ -7303,37 +7025,26 @@
                   <a:srgbClr val="000000"/>
                 </a:solidFill>
                 <a:latin typeface="Times New Roman"/>
-              </a:rPr>
-              <a:t>Évaluation</a:t>
-            </a:r>
-            <a:r>
-              <a:rPr b="0" lang="en-US" sz="4400" spc="-1" strike="noStrike">
-                <a:solidFill>
-                  <a:srgbClr val="000000"/>
-                </a:solidFill>
-                <a:latin typeface="Times New Roman"/>
-              </a:rPr>
-              <a:t> (suite)</a:t>
-            </a:r>
-            <a:endParaRPr b="0" lang="fr-CA" sz="4400" spc="-1" strike="noStrike">
-              <a:solidFill>
-                <a:srgbClr val="000000"/>
-              </a:solidFill>
-              <a:latin typeface="Times New Roman"/>
-            </a:endParaRPr>
-          </a:p>
-        </p:txBody>
-      </p:sp>
-      <p:sp>
-        <p:nvSpPr>
-          <p:cNvPr id="98" name="TextShape 3"/>
-          <p:cNvSpPr txBox="1"/>
+                <a:ea typeface="DejaVu Sans"/>
+              </a:rPr>
+              <a:t>Évaluation (travaux pratiques)</a:t>
+            </a:r>
+            <a:endParaRPr b="0" lang="en-CA" sz="4400" spc="-1" strike="noStrike">
+              <a:latin typeface="Arial"/>
+            </a:endParaRPr>
+          </a:p>
+        </p:txBody>
+      </p:sp>
+      <p:sp>
+        <p:nvSpPr>
+          <p:cNvPr id="92" name="CustomShape 3"/>
+          <p:cNvSpPr/>
           <p:nvPr/>
         </p:nvSpPr>
         <p:spPr>
           <a:xfrm>
-            <a:off x="611640" y="1989000"/>
-            <a:ext cx="8206200" cy="4114440"/>
+            <a:off x="179640" y="1981080"/>
+            <a:ext cx="8772120" cy="4113720"/>
           </a:xfrm>
           <a:prstGeom prst="rect">
             <a:avLst/>
@@ -7343,12 +7054,18 @@
             <a:noFill/>
           </a:ln>
         </p:spPr>
-        <p:txBody>
-          <a:bodyPr>
+        <p:style>
+          <a:lnRef idx="0"/>
+          <a:fillRef idx="0"/>
+          <a:effectRef idx="0"/>
+          <a:fontRef idx="minor"/>
+        </p:style>
+        <p:txBody>
+          <a:bodyPr lIns="90000" rIns="90000" tIns="45000" bIns="45000">
             <a:noAutofit/>
           </a:bodyPr>
           <a:p>
-            <a:pPr marL="343080" indent="-342720">
+            <a:pPr marL="343080" indent="-342000">
               <a:lnSpc>
                 <a:spcPct val="100000"/>
               </a:lnSpc>
@@ -7358,7 +7075,7 @@
               <a:buClr>
                 <a:srgbClr val="000000"/>
               </a:buClr>
-              <a:buFont typeface="Symbol" charset="2"/>
+              <a:buFont typeface="Symbol"/>
               <a:buChar char=""/>
             </a:pPr>
             <a:r>
@@ -7367,18 +7084,36 @@
                   <a:srgbClr val="000000"/>
                 </a:solidFill>
                 <a:latin typeface="Times New Roman"/>
-              </a:rPr>
-              <a:t>Pas d’examen intra</a:t>
-            </a:r>
-            <a:endParaRPr b="0" lang="fr-CA" sz="2400" spc="-1" strike="noStrike">
-              <a:solidFill>
-                <a:srgbClr val="000000"/>
-              </a:solidFill>
-              <a:latin typeface="Times New Roman"/>
-            </a:endParaRPr>
-          </a:p>
-          <a:p>
-            <a:pPr marL="343080" indent="-342720">
+                <a:ea typeface="DejaVu Sans"/>
+              </a:rPr>
+              <a:t>Les travaux pratiques se font en </a:t>
+            </a:r>
+            <a:r>
+              <a:rPr b="1" lang="fr-CA" sz="2400" spc="-1" strike="noStrike">
+                <a:solidFill>
+                  <a:srgbClr val="000000"/>
+                </a:solidFill>
+                <a:latin typeface="Times New Roman"/>
+                <a:ea typeface="DejaVu Sans"/>
+              </a:rPr>
+              <a:t>python</a:t>
+            </a:r>
+            <a:r>
+              <a:rPr b="0" lang="fr-CA" sz="2400" spc="-1" strike="noStrike">
+                <a:solidFill>
+                  <a:srgbClr val="000000"/>
+                </a:solidFill>
+                <a:latin typeface="Times New Roman"/>
+                <a:ea typeface="DejaVu Sans"/>
+              </a:rPr>
+              <a:t>.</a:t>
+            </a:r>
+            <a:endParaRPr b="0" lang="en-CA" sz="2400" spc="-1" strike="noStrike">
+              <a:latin typeface="Arial"/>
+            </a:endParaRPr>
+          </a:p>
+          <a:p>
+            <a:pPr marL="343080" indent="-342000">
               <a:lnSpc>
                 <a:spcPct val="100000"/>
               </a:lnSpc>
@@ -7388,7 +7123,7 @@
               <a:buClr>
                 <a:srgbClr val="000000"/>
               </a:buClr>
-              <a:buFont typeface="Symbol" charset="2"/>
+              <a:buFont typeface="Symbol"/>
               <a:buChar char=""/>
             </a:pPr>
             <a:r>
@@ -7397,36 +7132,16 @@
                   <a:srgbClr val="000000"/>
                 </a:solidFill>
                 <a:latin typeface="Times New Roman"/>
-              </a:rPr>
-              <a:t>L’examen final se fait </a:t>
-            </a:r>
-            <a:r>
-              <a:rPr b="1" lang="fr-CA" sz="2400" spc="-1" strike="noStrike">
-                <a:solidFill>
-                  <a:srgbClr val="000000"/>
-                </a:solidFill>
-                <a:latin typeface="Times New Roman"/>
-              </a:rPr>
-              <a:t>seul</a:t>
-            </a:r>
-            <a:r>
-              <a:rPr b="0" lang="fr-CA" sz="2400" spc="-1" strike="noStrike">
-                <a:solidFill>
-                  <a:srgbClr val="000000"/>
-                </a:solidFill>
-                <a:latin typeface="Times New Roman"/>
-              </a:rPr>
-              <a:t>.</a:t>
-            </a:r>
-            <a:endParaRPr b="0" lang="fr-CA" sz="2400" spc="-1" strike="noStrike">
-              <a:solidFill>
-                <a:srgbClr val="000000"/>
-              </a:solidFill>
-              <a:latin typeface="Times New Roman"/>
-            </a:endParaRPr>
-          </a:p>
-          <a:p>
-            <a:pPr marL="343080" indent="-342720">
+                <a:ea typeface="DejaVu Sans"/>
+              </a:rPr>
+              <a:t>Exécuter localement ou via Google Colab (plus d’infos à venir)</a:t>
+            </a:r>
+            <a:endParaRPr b="0" lang="en-CA" sz="2400" spc="-1" strike="noStrike">
+              <a:latin typeface="Arial"/>
+            </a:endParaRPr>
+          </a:p>
+          <a:p>
+            <a:pPr marL="343080" indent="-342000">
               <a:lnSpc>
                 <a:spcPct val="100000"/>
               </a:lnSpc>
@@ -7436,7 +7151,7 @@
               <a:buClr>
                 <a:srgbClr val="000000"/>
               </a:buClr>
-              <a:buFont typeface="Symbol" charset="2"/>
+              <a:buFont typeface="Symbol"/>
               <a:buChar char=""/>
             </a:pPr>
             <a:r>
@@ -7445,146 +7160,88 @@
                   <a:srgbClr val="000000"/>
                 </a:solidFill>
                 <a:latin typeface="Times New Roman"/>
-              </a:rPr>
-              <a:t>L’examen final portera sur toute la matière vue en classe</a:t>
-            </a:r>
-            <a:endParaRPr b="0" lang="fr-CA" sz="2400" spc="-1" strike="noStrike">
-              <a:solidFill>
-                <a:srgbClr val="000000"/>
-              </a:solidFill>
-              <a:latin typeface="Times New Roman"/>
-            </a:endParaRPr>
-          </a:p>
-          <a:p>
-            <a:pPr marL="343080" indent="-342720">
-              <a:lnSpc>
-                <a:spcPct val="100000"/>
-              </a:lnSpc>
-              <a:spcBef>
-                <a:spcPts val="479"/>
+                <a:ea typeface="DejaVu Sans"/>
+              </a:rPr>
+              <a:t>Correcteur et soutient technique pour les travaux :</a:t>
+            </a:r>
+            <a:endParaRPr b="0" lang="en-CA" sz="2400" spc="-1" strike="noStrike">
+              <a:latin typeface="Arial"/>
+            </a:endParaRPr>
+          </a:p>
+          <a:p>
+            <a:pPr lvl="1" marL="743040" indent="-284760">
+              <a:lnSpc>
+                <a:spcPct val="100000"/>
+              </a:lnSpc>
+              <a:spcBef>
+                <a:spcPts val="561"/>
               </a:spcBef>
               <a:buClr>
                 <a:srgbClr val="000000"/>
               </a:buClr>
-              <a:buFont typeface="Symbol" charset="2"/>
-              <a:buChar char=""/>
-            </a:pPr>
-            <a:r>
-              <a:rPr b="0" lang="fr-CA" sz="2400" spc="-1" strike="noStrike">
-                <a:solidFill>
-                  <a:srgbClr val="000000"/>
-                </a:solidFill>
-                <a:latin typeface="Times New Roman"/>
-              </a:rPr>
-              <a:t>Vous avez droit à des feuilles </a:t>
-            </a:r>
-            <a:r>
-              <a:rPr b="1" lang="fr-CA" sz="2400" spc="-1" strike="noStrike" u="sng">
-                <a:solidFill>
-                  <a:srgbClr val="000000"/>
-                </a:solidFill>
-                <a:uFillTx/>
-                <a:latin typeface="Times New Roman"/>
-              </a:rPr>
-              <a:t>manuscrites </a:t>
-            </a:r>
-            <a:r>
-              <a:rPr b="0" lang="fr-CA" sz="2400" spc="-1" strike="noStrike">
-                <a:solidFill>
-                  <a:srgbClr val="000000"/>
-                </a:solidFill>
-                <a:latin typeface="Times New Roman"/>
-              </a:rPr>
-              <a:t>pour toute </a:t>
-            </a:r>
-            <a:r>
-              <a:rPr b="0" lang="fr-CA" sz="2400" spc="-1" strike="noStrike">
-                <a:solidFill>
-                  <a:srgbClr val="000000"/>
-                </a:solidFill>
-                <a:latin typeface="Times New Roman"/>
-              </a:rPr>
-              <a:t>documentation.</a:t>
-            </a:r>
-            <a:endParaRPr b="0" lang="fr-CA" sz="2400" spc="-1" strike="noStrike">
-              <a:solidFill>
-                <a:srgbClr val="000000"/>
-              </a:solidFill>
-              <a:latin typeface="Times New Roman"/>
-            </a:endParaRPr>
-          </a:p>
-          <a:p>
-            <a:pPr marL="343080" indent="-342720">
-              <a:lnSpc>
-                <a:spcPct val="100000"/>
-              </a:lnSpc>
-              <a:spcBef>
-                <a:spcPts val="479"/>
-              </a:spcBef>
-              <a:buClr>
-                <a:srgbClr val="000000"/>
-              </a:buClr>
-              <a:buFont typeface="Symbol" charset="2"/>
-              <a:buChar char=""/>
-            </a:pPr>
-            <a:r>
-              <a:rPr b="0" lang="fr-CA" sz="2400" spc="-1" strike="noStrike">
-                <a:solidFill>
-                  <a:srgbClr val="000000"/>
-                </a:solidFill>
-                <a:latin typeface="Times New Roman"/>
-              </a:rPr>
-              <a:t>Votre présence aux séances magistrales est fortement </a:t>
-            </a:r>
-            <a:r>
-              <a:rPr b="0" lang="fr-CA" sz="2400" spc="-1" strike="noStrike">
-                <a:solidFill>
-                  <a:srgbClr val="000000"/>
-                </a:solidFill>
-                <a:latin typeface="Times New Roman"/>
-              </a:rPr>
-              <a:t>recommandée mais non obligatoire.</a:t>
-            </a:r>
-            <a:endParaRPr b="0" lang="fr-CA" sz="2400" spc="-1" strike="noStrike">
-              <a:solidFill>
-                <a:srgbClr val="000000"/>
-              </a:solidFill>
-              <a:latin typeface="Times New Roman"/>
-            </a:endParaRPr>
-          </a:p>
-          <a:p>
-            <a:pPr>
-              <a:lnSpc>
-                <a:spcPct val="100000"/>
-              </a:lnSpc>
-              <a:spcBef>
-                <a:spcPts val="479"/>
-              </a:spcBef>
-            </a:pPr>
-            <a:endParaRPr b="0" lang="fr-CA" sz="2400" spc="-1" strike="noStrike">
-              <a:solidFill>
-                <a:srgbClr val="000000"/>
-              </a:solidFill>
-              <a:latin typeface="Times New Roman"/>
-            </a:endParaRPr>
-          </a:p>
-          <a:p>
-            <a:pPr marL="343080" indent="-342720">
-              <a:lnSpc>
-                <a:spcPct val="100000"/>
-              </a:lnSpc>
-              <a:spcBef>
-                <a:spcPts val="479"/>
+              <a:buFont typeface="Symbol"/>
+              <a:buChar char=""/>
+            </a:pPr>
+            <a:r>
+              <a:rPr b="1" lang="fr-CA" sz="2800" spc="-1" strike="noStrike">
+                <a:solidFill>
+                  <a:srgbClr val="000000"/>
+                </a:solidFill>
+                <a:latin typeface="Times New Roman"/>
+                <a:ea typeface="DejaVu Sans"/>
+              </a:rPr>
+              <a:t>Thierry Judge</a:t>
+            </a:r>
+            <a:endParaRPr b="0" lang="en-CA" sz="2800" spc="-1" strike="noStrike">
+              <a:latin typeface="Arial"/>
+            </a:endParaRPr>
+          </a:p>
+          <a:p>
+            <a:pPr marL="457200">
+              <a:lnSpc>
+                <a:spcPct val="100000"/>
+              </a:lnSpc>
+              <a:spcBef>
+                <a:spcPts val="400"/>
               </a:spcBef>
               <a:tabLst>
                 <a:tab algn="l" pos="0"/>
               </a:tabLst>
             </a:pPr>
-            <a:endParaRPr b="0" lang="fr-CA" sz="2400" spc="-1" strike="noStrike">
-              <a:solidFill>
-                <a:srgbClr val="000000"/>
-              </a:solidFill>
-              <a:latin typeface="Times New Roman"/>
+            <a:endParaRPr b="0" lang="en-CA" sz="2800" spc="-1" strike="noStrike">
+              <a:latin typeface="Arial"/>
+            </a:endParaRPr>
+          </a:p>
+          <a:p>
+            <a:pPr marL="457200">
+              <a:lnSpc>
+                <a:spcPct val="100000"/>
+              </a:lnSpc>
+              <a:spcBef>
+                <a:spcPts val="641"/>
+              </a:spcBef>
+              <a:tabLst>
+                <a:tab algn="l" pos="0"/>
+              </a:tabLst>
+            </a:pPr>
+            <a:endParaRPr b="0" lang="en-CA" sz="2800" spc="-1" strike="noStrike">
+              <a:latin typeface="Arial"/>
+            </a:endParaRPr>
+          </a:p>
+          <a:p>
+            <a:pPr marL="457200">
+              <a:lnSpc>
+                <a:spcPct val="100000"/>
+              </a:lnSpc>
+              <a:spcBef>
+                <a:spcPts val="479"/>
+              </a:spcBef>
+              <a:tabLst>
+                <a:tab algn="l" pos="0"/>
+              </a:tabLst>
+            </a:pPr>
+            <a:endParaRPr b="0" lang="en-CA" sz="2800" spc="-1" strike="noStrike">
+              <a:latin typeface="Arial"/>
             </a:endParaRPr>
           </a:p>
         </p:txBody>
@@ -7621,14 +7278,14 @@
       </p:grpSpPr>
       <p:sp>
         <p:nvSpPr>
-          <p:cNvPr id="99" name="TextShape 1"/>
-          <p:cNvSpPr txBox="1"/>
+          <p:cNvPr id="93" name="CustomShape 1"/>
+          <p:cNvSpPr/>
           <p:nvPr/>
         </p:nvSpPr>
         <p:spPr>
           <a:xfrm>
             <a:off x="6553080" y="6248520"/>
-            <a:ext cx="1904760" cy="456840"/>
+            <a:ext cx="1904040" cy="456120"/>
           </a:xfrm>
           <a:prstGeom prst="rect">
             <a:avLst/>
@@ -7638,8 +7295,14 @@
             <a:noFill/>
           </a:ln>
         </p:spPr>
-        <p:txBody>
-          <a:bodyPr>
+        <p:style>
+          <a:lnRef idx="0"/>
+          <a:fillRef idx="0"/>
+          <a:effectRef idx="0"/>
+          <a:fontRef idx="minor"/>
+        </p:style>
+        <p:txBody>
+          <a:bodyPr lIns="90000" rIns="90000" tIns="45000" bIns="45000">
             <a:noAutofit/>
           </a:bodyPr>
           <a:p>
@@ -7648,31 +7311,32 @@
                 <a:spcPct val="100000"/>
               </a:lnSpc>
             </a:pPr>
-            <a:fld id="{95684CAC-6C6E-47B6-A563-B49F7AA29661}" type="slidenum">
+            <a:fld id="{B2915293-D57C-47AD-AF1C-F41245BA9F64}" type="slidenum">
               <a:rPr b="0" lang="fr-CA" sz="1400" spc="-1" strike="noStrike">
                 <a:solidFill>
                   <a:srgbClr val="000000"/>
                 </a:solidFill>
                 <a:latin typeface="Times New Roman"/>
+                <a:ea typeface="DejaVu Sans"/>
               </a:rPr>
               <a:t>&lt;number&gt;</a:t>
             </a:fld>
             <a:endParaRPr b="0" lang="en-CA" sz="1400" spc="-1" strike="noStrike">
-              <a:latin typeface="Times New Roman"/>
-            </a:endParaRPr>
-          </a:p>
-        </p:txBody>
-      </p:sp>
-      <p:sp>
-        <p:nvSpPr>
-          <p:cNvPr id="100" name="TextShape 2"/>
-          <p:cNvSpPr txBox="1"/>
+              <a:latin typeface="Arial"/>
+            </a:endParaRPr>
+          </a:p>
+        </p:txBody>
+      </p:sp>
+      <p:sp>
+        <p:nvSpPr>
+          <p:cNvPr id="94" name="CustomShape 2"/>
+          <p:cNvSpPr/>
           <p:nvPr/>
         </p:nvSpPr>
         <p:spPr>
           <a:xfrm>
             <a:off x="684360" y="189000"/>
-            <a:ext cx="7772040" cy="1142640"/>
+            <a:ext cx="7771320" cy="1141920"/>
           </a:xfrm>
           <a:prstGeom prst="rect">
             <a:avLst/>
@@ -7682,8 +7346,14 @@
             <a:noFill/>
           </a:ln>
         </p:spPr>
-        <p:txBody>
-          <a:bodyPr anchor="ctr">
+        <p:style>
+          <a:lnRef idx="0"/>
+          <a:fillRef idx="0"/>
+          <a:effectRef idx="0"/>
+          <a:fontRef idx="minor"/>
+        </p:style>
+        <p:txBody>
+          <a:bodyPr lIns="90000" rIns="90000" tIns="45000" bIns="45000" anchor="ctr">
             <a:noAutofit/>
           </a:bodyPr>
           <a:p>
@@ -7698,8 +7368,9 @@
                   <a:srgbClr val="000000"/>
                 </a:solidFill>
                 <a:latin typeface="Times New Roman"/>
-              </a:rPr>
-              <a:t>Évaluat</a:t>
+                <a:ea typeface="DejaVu Sans"/>
+              </a:rPr>
+              <a:t>Évaluation</a:t>
             </a:r>
             <a:r>
               <a:rPr b="0" lang="fr-CA" sz="4400" spc="-1" strike="noStrike">
@@ -7707,37 +7378,26 @@
                   <a:srgbClr val="000000"/>
                 </a:solidFill>
                 <a:latin typeface="Times New Roman"/>
-              </a:rPr>
-              <a:t>ion </a:t>
-            </a:r>
-            <a:r>
-              <a:rPr b="0" lang="fr-CA" sz="4400" spc="-1" strike="noStrike">
-                <a:solidFill>
-                  <a:srgbClr val="000000"/>
-                </a:solidFill>
-                <a:latin typeface="Times New Roman"/>
-              </a:rPr>
-              <a:t>(suite)</a:t>
-            </a:r>
-            <a:endParaRPr b="0" lang="fr-CA" sz="4400" spc="-1" strike="noStrike">
-              <a:solidFill>
-                <a:srgbClr val="000000"/>
-              </a:solidFill>
-              <a:latin typeface="Times New Roman"/>
-            </a:endParaRPr>
-          </a:p>
-        </p:txBody>
-      </p:sp>
-      <p:sp>
-        <p:nvSpPr>
-          <p:cNvPr id="101" name="TextShape 3"/>
-          <p:cNvSpPr txBox="1"/>
+                <a:ea typeface="DejaVu Sans"/>
+              </a:rPr>
+              <a:t> (travaux pratiques)</a:t>
+            </a:r>
+            <a:endParaRPr b="0" lang="en-CA" sz="4400" spc="-1" strike="noStrike">
+              <a:latin typeface="Arial"/>
+            </a:endParaRPr>
+          </a:p>
+        </p:txBody>
+      </p:sp>
+      <p:sp>
+        <p:nvSpPr>
+          <p:cNvPr id="95" name="CustomShape 3"/>
+          <p:cNvSpPr/>
           <p:nvPr/>
         </p:nvSpPr>
         <p:spPr>
           <a:xfrm>
             <a:off x="179640" y="1981080"/>
-            <a:ext cx="8964000" cy="4114440"/>
+            <a:ext cx="8963280" cy="4113720"/>
           </a:xfrm>
           <a:prstGeom prst="rect">
             <a:avLst/>
@@ -7747,12 +7407,18 @@
             <a:noFill/>
           </a:ln>
         </p:spPr>
-        <p:txBody>
-          <a:bodyPr>
+        <p:style>
+          <a:lnRef idx="0"/>
+          <a:fillRef idx="0"/>
+          <a:effectRef idx="0"/>
+          <a:fontRef idx="minor"/>
+        </p:style>
+        <p:txBody>
+          <a:bodyPr lIns="90000" rIns="90000" tIns="45000" bIns="45000">
             <a:noAutofit/>
           </a:bodyPr>
           <a:p>
-            <a:pPr marL="343080" indent="-342720">
+            <a:pPr marL="343080" indent="-342000">
               <a:lnSpc>
                 <a:spcPct val="100000"/>
               </a:lnSpc>
@@ -7762,7 +7428,7 @@
               <a:buClr>
                 <a:srgbClr val="000000"/>
               </a:buClr>
-              <a:buFont typeface="Symbol" charset="2"/>
+              <a:buFont typeface="Symbol"/>
               <a:buChar char=""/>
             </a:pPr>
             <a:r>
@@ -7771,6 +7437,7 @@
                   <a:srgbClr val="000000"/>
                 </a:solidFill>
                 <a:latin typeface="Times New Roman"/>
+                <a:ea typeface="DejaVu Sans"/>
               </a:rPr>
               <a:t>Les travaux pratiques </a:t>
             </a:r>
@@ -7780,6 +7447,7 @@
                   <a:srgbClr val="000000"/>
                 </a:solidFill>
                 <a:latin typeface="Times New Roman"/>
+                <a:ea typeface="DejaVu Sans"/>
               </a:rPr>
               <a:t>se </a:t>
             </a:r>
@@ -7789,6 +7457,7 @@
                   <a:srgbClr val="000000"/>
                 </a:solidFill>
                 <a:latin typeface="Times New Roman"/>
+                <a:ea typeface="DejaVu Sans"/>
               </a:rPr>
               <a:t>font </a:t>
             </a:r>
@@ -7798,6 +7467,7 @@
                   <a:srgbClr val="000000"/>
                 </a:solidFill>
                 <a:latin typeface="Times New Roman"/>
+                <a:ea typeface="DejaVu Sans"/>
               </a:rPr>
               <a:t>PAR ÉQUIPE DE </a:t>
             </a:r>
@@ -7808,6 +7478,7 @@
                 </a:solidFill>
                 <a:uFillTx/>
                 <a:latin typeface="Times New Roman"/>
+                <a:ea typeface="DejaVu Sans"/>
               </a:rPr>
               <a:t>DEUX ou TROIS</a:t>
             </a:r>
@@ -7817,18 +7488,16 @@
                   <a:srgbClr val="000000"/>
                 </a:solidFill>
                 <a:latin typeface="Times New Roman"/>
+                <a:ea typeface="DejaVu Sans"/>
               </a:rPr>
               <a:t>.</a:t>
             </a:r>
-            <a:endParaRPr b="0" lang="fr-CA" sz="2400" spc="-1" strike="noStrike">
-              <a:solidFill>
-                <a:srgbClr val="000000"/>
-              </a:solidFill>
-              <a:latin typeface="Times New Roman"/>
-            </a:endParaRPr>
-          </a:p>
-          <a:p>
-            <a:pPr lvl="1" marL="743040" indent="-285480">
+            <a:endParaRPr b="0" lang="en-CA" sz="2400" spc="-1" strike="noStrike">
+              <a:latin typeface="Arial"/>
+            </a:endParaRPr>
+          </a:p>
+          <a:p>
+            <a:pPr lvl="1" marL="743040" indent="-284760">
               <a:lnSpc>
                 <a:spcPct val="100000"/>
               </a:lnSpc>
@@ -7838,7 +7507,7 @@
               <a:buClr>
                 <a:srgbClr val="000000"/>
               </a:buClr>
-              <a:buFont typeface="Symbol" charset="2"/>
+              <a:buFont typeface="Symbol"/>
               <a:buChar char=""/>
             </a:pPr>
             <a:r>
@@ -7847,6 +7516,7 @@
                   <a:srgbClr val="000000"/>
                 </a:solidFill>
                 <a:latin typeface="Times New Roman"/>
+                <a:ea typeface="DejaVu Sans"/>
               </a:rPr>
               <a:t>Sinon </a:t>
             </a:r>
@@ -7857,18 +7527,16 @@
                 </a:solidFill>
                 <a:uFillTx/>
                 <a:latin typeface="Times New Roman"/>
+                <a:ea typeface="DejaVu Sans"/>
               </a:rPr>
               <a:t>PÉNALITÉS</a:t>
             </a:r>
-            <a:endParaRPr b="0" lang="fr-CA" sz="2000" spc="-1" strike="noStrike">
-              <a:solidFill>
-                <a:srgbClr val="000000"/>
-              </a:solidFill>
-              <a:latin typeface="Times New Roman"/>
-            </a:endParaRPr>
-          </a:p>
-          <a:p>
-            <a:pPr lvl="1" marL="743040" indent="-285480">
+            <a:endParaRPr b="0" lang="en-CA" sz="2000" spc="-1" strike="noStrike">
+              <a:latin typeface="Arial"/>
+            </a:endParaRPr>
+          </a:p>
+          <a:p>
+            <a:pPr lvl="1" marL="743040" indent="-284760">
               <a:lnSpc>
                 <a:spcPct val="100000"/>
               </a:lnSpc>
@@ -7878,7 +7546,7 @@
               <a:buClr>
                 <a:srgbClr val="ff0000"/>
               </a:buClr>
-              <a:buFont typeface="Symbol" charset="2"/>
+              <a:buFont typeface="Symbol"/>
               <a:buChar char=""/>
             </a:pPr>
             <a:r>
@@ -7888,18 +7556,16 @@
                 </a:solidFill>
                 <a:uFillTx/>
                 <a:latin typeface="Times New Roman"/>
+                <a:ea typeface="DejaVu Sans"/>
               </a:rPr>
               <a:t>Pas d’équipe solo!</a:t>
             </a:r>
-            <a:endParaRPr b="0" lang="fr-CA" sz="2000" spc="-1" strike="noStrike">
-              <a:solidFill>
-                <a:srgbClr val="000000"/>
-              </a:solidFill>
-              <a:latin typeface="Times New Roman"/>
-            </a:endParaRPr>
-          </a:p>
-          <a:p>
-            <a:pPr marL="343080" indent="-342720">
+            <a:endParaRPr b="0" lang="en-CA" sz="2000" spc="-1" strike="noStrike">
+              <a:latin typeface="Arial"/>
+            </a:endParaRPr>
+          </a:p>
+          <a:p>
+            <a:pPr marL="343080" indent="-342000">
               <a:lnSpc>
                 <a:spcPct val="100000"/>
               </a:lnSpc>
@@ -7909,7 +7575,7 @@
               <a:buClr>
                 <a:srgbClr val="000000"/>
               </a:buClr>
-              <a:buFont typeface="Symbol" charset="2"/>
+              <a:buFont typeface="Symbol"/>
               <a:buChar char=""/>
             </a:pPr>
             <a:r>
@@ -7918,17 +7584,9 @@
                   <a:srgbClr val="000000"/>
                 </a:solidFill>
                 <a:latin typeface="Times New Roman"/>
-              </a:rPr>
-              <a:t>La </a:t>
-            </a:r>
-            <a:r>
-              <a:rPr b="0" lang="fr-CA" sz="2400" spc="-1" strike="noStrike">
-                <a:solidFill>
-                  <a:srgbClr val="000000"/>
-                </a:solidFill>
-                <a:latin typeface="Times New Roman"/>
-              </a:rPr>
-              <a:t>remise du code et des exercices théoriques (lorsqu’il y en a) se fait par le système </a:t>
+                <a:ea typeface="DejaVu Sans"/>
+              </a:rPr>
+              <a:t>La remise du code et des exercices théoriques (lorsqu’il y en a) se fait par le système </a:t>
             </a:r>
             <a:r>
               <a:rPr b="1" lang="fr-CA" sz="2400" spc="-1" strike="noStrike">
@@ -7936,14 +7594,12 @@
                   <a:srgbClr val="000000"/>
                 </a:solidFill>
                 <a:latin typeface="Times New Roman"/>
+                <a:ea typeface="DejaVu Sans"/>
               </a:rPr>
               <a:t>turninWeb</a:t>
             </a:r>
-            <a:endParaRPr b="0" lang="fr-CA" sz="2400" spc="-1" strike="noStrike">
-              <a:solidFill>
-                <a:srgbClr val="000000"/>
-              </a:solidFill>
-              <a:latin typeface="Times New Roman"/>
+            <a:endParaRPr b="0" lang="en-CA" sz="2400" spc="-1" strike="noStrike">
+              <a:latin typeface="Arial"/>
             </a:endParaRPr>
           </a:p>
           <a:p>
@@ -7964,6 +7620,7 @@
                   <a:srgbClr val="000000"/>
                 </a:solidFill>
                 <a:latin typeface="Times New Roman"/>
+                <a:ea typeface="DejaVu Sans"/>
               </a:rPr>
               <a:t>          </a:t>
             </a:r>
@@ -7973,18 +7630,16 @@
                   <a:srgbClr val="000000"/>
                 </a:solidFill>
                 <a:latin typeface="Times New Roman"/>
+                <a:ea typeface="DejaVu Sans"/>
               </a:rPr>
               <a:t>(http://opus.dinf.usherbrooke.ca/)</a:t>
             </a:r>
-            <a:endParaRPr b="0" lang="fr-CA" sz="3200" spc="-1" strike="noStrike">
-              <a:solidFill>
-                <a:srgbClr val="000000"/>
-              </a:solidFill>
-              <a:latin typeface="Times New Roman"/>
-            </a:endParaRPr>
-          </a:p>
-          <a:p>
-            <a:pPr marL="343080" indent="-342720">
+            <a:endParaRPr b="0" lang="en-CA" sz="3200" spc="-1" strike="noStrike">
+              <a:latin typeface="Arial"/>
+            </a:endParaRPr>
+          </a:p>
+          <a:p>
+            <a:pPr marL="343080" indent="-342000">
               <a:lnSpc>
                 <a:spcPct val="100000"/>
               </a:lnSpc>
@@ -7994,7 +7649,7 @@
               <a:buClr>
                 <a:srgbClr val="000000"/>
               </a:buClr>
-              <a:buFont typeface="Symbol" charset="2"/>
+              <a:buFont typeface="Symbol"/>
               <a:buChar char=""/>
               <a:tabLst>
                 <a:tab algn="l" pos="0"/>
@@ -8006,18 +7661,16 @@
                   <a:srgbClr val="000000"/>
                 </a:solidFill>
                 <a:latin typeface="Times New Roman"/>
+                <a:ea typeface="DejaVu Sans"/>
               </a:rPr>
               <a:t>10 points de pénalité par jour de retard</a:t>
             </a:r>
-            <a:endParaRPr b="0" lang="fr-CA" sz="2400" spc="-1" strike="noStrike">
-              <a:solidFill>
-                <a:srgbClr val="000000"/>
-              </a:solidFill>
-              <a:latin typeface="Times New Roman"/>
-            </a:endParaRPr>
-          </a:p>
-          <a:p>
-            <a:pPr marL="343080" indent="-342720">
+            <a:endParaRPr b="0" lang="en-CA" sz="2400" spc="-1" strike="noStrike">
+              <a:latin typeface="Arial"/>
+            </a:endParaRPr>
+          </a:p>
+          <a:p>
+            <a:pPr marL="343080" indent="-342000">
               <a:lnSpc>
                 <a:spcPct val="100000"/>
               </a:lnSpc>
@@ -8027,7 +7680,7 @@
               <a:buClr>
                 <a:srgbClr val="000000"/>
               </a:buClr>
-              <a:buFont typeface="Symbol" charset="2"/>
+              <a:buFont typeface="Symbol"/>
               <a:buChar char=""/>
               <a:tabLst>
                 <a:tab algn="l" pos="0"/>
@@ -8039,18 +7692,16 @@
                   <a:srgbClr val="000000"/>
                 </a:solidFill>
                 <a:latin typeface="Times New Roman"/>
+                <a:ea typeface="DejaVu Sans"/>
               </a:rPr>
               <a:t>0 après 3 jours de retard</a:t>
             </a:r>
-            <a:endParaRPr b="0" lang="fr-CA" sz="2400" spc="-1" strike="noStrike">
-              <a:solidFill>
-                <a:srgbClr val="000000"/>
-              </a:solidFill>
-              <a:latin typeface="Times New Roman"/>
-            </a:endParaRPr>
-          </a:p>
-          <a:p>
-            <a:pPr marL="343080" indent="-342720">
+            <a:endParaRPr b="0" lang="en-CA" sz="2400" spc="-1" strike="noStrike">
+              <a:latin typeface="Arial"/>
+            </a:endParaRPr>
+          </a:p>
+          <a:p>
+            <a:pPr marL="343080" indent="-342000">
               <a:lnSpc>
                 <a:spcPct val="100000"/>
               </a:lnSpc>
@@ -8060,7 +7711,7 @@
               <a:buClr>
                 <a:srgbClr val="000000"/>
               </a:buClr>
-              <a:buFont typeface="Symbol" charset="2"/>
+              <a:buFont typeface="Symbol"/>
               <a:buChar char=""/>
               <a:tabLst>
                 <a:tab algn="l" pos="0"/>
@@ -8072,6 +7723,7 @@
                   <a:srgbClr val="000000"/>
                 </a:solidFill>
                 <a:latin typeface="Times New Roman"/>
+                <a:ea typeface="DejaVu Sans"/>
               </a:rPr>
               <a:t>Une erreur de remise </a:t>
             </a:r>
@@ -8081,14 +7733,12 @@
                   <a:srgbClr val="000000"/>
                 </a:solidFill>
                 <a:latin typeface="Times New Roman"/>
+                <a:ea typeface="DejaVu Sans"/>
               </a:rPr>
               <a:t>peut entraîner une note de zéro.</a:t>
             </a:r>
-            <a:endParaRPr b="0" lang="fr-CA" sz="2400" spc="-1" strike="noStrike">
-              <a:solidFill>
-                <a:srgbClr val="000000"/>
-              </a:solidFill>
-              <a:latin typeface="Times New Roman"/>
+            <a:endParaRPr b="0" lang="en-CA" sz="2400" spc="-1" strike="noStrike">
+              <a:latin typeface="Arial"/>
             </a:endParaRPr>
           </a:p>
           <a:p>
@@ -8103,11 +7753,8 @@
                 <a:tab algn="l" pos="0"/>
               </a:tabLst>
             </a:pPr>
-            <a:endParaRPr b="0" lang="fr-CA" sz="2400" spc="-1" strike="noStrike">
-              <a:solidFill>
-                <a:srgbClr val="000000"/>
-              </a:solidFill>
-              <a:latin typeface="Times New Roman"/>
+            <a:endParaRPr b="0" lang="en-CA" sz="2400" spc="-1" strike="noStrike">
+              <a:latin typeface="Arial"/>
             </a:endParaRPr>
           </a:p>
           <a:p>
@@ -8122,11 +7769,8 @@
                 <a:tab algn="l" pos="0"/>
               </a:tabLst>
             </a:pPr>
-            <a:endParaRPr b="0" lang="fr-CA" sz="2400" spc="-1" strike="noStrike">
-              <a:solidFill>
-                <a:srgbClr val="000000"/>
-              </a:solidFill>
-              <a:latin typeface="Times New Roman"/>
+            <a:endParaRPr b="0" lang="en-CA" sz="2400" spc="-1" strike="noStrike">
+              <a:latin typeface="Arial"/>
             </a:endParaRPr>
           </a:p>
         </p:txBody>
@@ -8163,14 +7807,14 @@
       </p:grpSpPr>
       <p:sp>
         <p:nvSpPr>
-          <p:cNvPr id="102" name="TextShape 1"/>
-          <p:cNvSpPr txBox="1"/>
+          <p:cNvPr id="96" name="CustomShape 1"/>
+          <p:cNvSpPr/>
           <p:nvPr/>
         </p:nvSpPr>
         <p:spPr>
           <a:xfrm>
             <a:off x="6553080" y="6248520"/>
-            <a:ext cx="1904760" cy="456840"/>
+            <a:ext cx="1904040" cy="456120"/>
           </a:xfrm>
           <a:prstGeom prst="rect">
             <a:avLst/>
@@ -8180,8 +7824,14 @@
             <a:noFill/>
           </a:ln>
         </p:spPr>
-        <p:txBody>
-          <a:bodyPr>
+        <p:style>
+          <a:lnRef idx="0"/>
+          <a:fillRef idx="0"/>
+          <a:effectRef idx="0"/>
+          <a:fontRef idx="minor"/>
+        </p:style>
+        <p:txBody>
+          <a:bodyPr lIns="90000" rIns="90000" tIns="45000" bIns="45000">
             <a:noAutofit/>
           </a:bodyPr>
           <a:p>
@@ -8190,31 +7840,32 @@
                 <a:spcPct val="100000"/>
               </a:lnSpc>
             </a:pPr>
-            <a:fld id="{F1BF199D-6963-4FB1-B0DD-57716170F4E4}" type="slidenum">
+            <a:fld id="{B027CE9E-4016-4B04-8CD1-C26257A66F6D}" type="slidenum">
               <a:rPr b="0" lang="fr-CA" sz="1400" spc="-1" strike="noStrike">
                 <a:solidFill>
                   <a:srgbClr val="000000"/>
                 </a:solidFill>
                 <a:latin typeface="Times New Roman"/>
+                <a:ea typeface="DejaVu Sans"/>
               </a:rPr>
               <a:t>&lt;number&gt;</a:t>
             </a:fld>
             <a:endParaRPr b="0" lang="en-CA" sz="1400" spc="-1" strike="noStrike">
-              <a:latin typeface="Times New Roman"/>
-            </a:endParaRPr>
-          </a:p>
-        </p:txBody>
-      </p:sp>
-      <p:sp>
-        <p:nvSpPr>
-          <p:cNvPr id="103" name="TextShape 2"/>
-          <p:cNvSpPr txBox="1"/>
+              <a:latin typeface="Arial"/>
+            </a:endParaRPr>
+          </a:p>
+        </p:txBody>
+      </p:sp>
+      <p:sp>
+        <p:nvSpPr>
+          <p:cNvPr id="97" name="CustomShape 2"/>
+          <p:cNvSpPr/>
           <p:nvPr/>
         </p:nvSpPr>
         <p:spPr>
           <a:xfrm>
             <a:off x="684360" y="189000"/>
-            <a:ext cx="7772040" cy="1142640"/>
+            <a:ext cx="7771320" cy="1141920"/>
           </a:xfrm>
           <a:prstGeom prst="rect">
             <a:avLst/>
@@ -8224,8 +7875,14 @@
             <a:noFill/>
           </a:ln>
         </p:spPr>
-        <p:txBody>
-          <a:bodyPr anchor="ctr">
+        <p:style>
+          <a:lnRef idx="0"/>
+          <a:fillRef idx="0"/>
+          <a:effectRef idx="0"/>
+          <a:fontRef idx="minor"/>
+        </p:style>
+        <p:txBody>
+          <a:bodyPr lIns="90000" rIns="90000" tIns="45000" bIns="45000" anchor="ctr">
             <a:noAutofit/>
           </a:bodyPr>
           <a:p>
@@ -8240,28 +7897,36 @@
                   <a:srgbClr val="000000"/>
                 </a:solidFill>
                 <a:latin typeface="Times New Roman"/>
-              </a:rPr>
-              <a:t>Évaluation (suite)</a:t>
-            </a:r>
-            <a:endParaRPr b="0" lang="fr-CA" sz="4400" spc="-1" strike="noStrike">
-              <a:solidFill>
-                <a:srgbClr val="000000"/>
-              </a:solidFill>
-              <a:latin typeface="Times New Roman"/>
-            </a:endParaRPr>
-          </a:p>
-        </p:txBody>
-      </p:sp>
-      <p:sp>
-        <p:nvSpPr>
-          <p:cNvPr id="104" name="TextShape 3"/>
-          <p:cNvSpPr txBox="1"/>
+                <a:ea typeface="DejaVu Sans"/>
+              </a:rPr>
+              <a:t>Évaluation</a:t>
+            </a:r>
+            <a:r>
+              <a:rPr b="0" lang="fr-CA" sz="4400" spc="-1" strike="noStrike">
+                <a:solidFill>
+                  <a:srgbClr val="000000"/>
+                </a:solidFill>
+                <a:latin typeface="Times New Roman"/>
+                <a:ea typeface="DejaVu Sans"/>
+              </a:rPr>
+              <a:t> (travaux pratiques)</a:t>
+            </a:r>
+            <a:endParaRPr b="0" lang="en-CA" sz="4400" spc="-1" strike="noStrike">
+              <a:latin typeface="Arial"/>
+            </a:endParaRPr>
+          </a:p>
+        </p:txBody>
+      </p:sp>
+      <p:sp>
+        <p:nvSpPr>
+          <p:cNvPr id="98" name="CustomShape 3"/>
+          <p:cNvSpPr/>
           <p:nvPr/>
         </p:nvSpPr>
         <p:spPr>
           <a:xfrm>
             <a:off x="179640" y="1555560"/>
-            <a:ext cx="8964000" cy="4114440"/>
+            <a:ext cx="8963280" cy="4113720"/>
           </a:xfrm>
           <a:prstGeom prst="rect">
             <a:avLst/>
@@ -8271,12 +7936,18 @@
             <a:noFill/>
           </a:ln>
         </p:spPr>
-        <p:txBody>
-          <a:bodyPr>
+        <p:style>
+          <a:lnRef idx="0"/>
+          <a:fillRef idx="0"/>
+          <a:effectRef idx="0"/>
+          <a:fontRef idx="minor"/>
+        </p:style>
+        <p:txBody>
+          <a:bodyPr lIns="90000" rIns="90000" tIns="45000" bIns="45000">
             <a:noAutofit/>
           </a:bodyPr>
           <a:p>
-            <a:pPr marL="343080" indent="-342720">
+            <a:pPr marL="343080" indent="-342000">
               <a:lnSpc>
                 <a:spcPct val="100000"/>
               </a:lnSpc>
@@ -8286,7 +7957,7 @@
               <a:buClr>
                 <a:srgbClr val="000000"/>
               </a:buClr>
-              <a:buFont typeface="Symbol" charset="2"/>
+              <a:buFont typeface="Symbol"/>
               <a:buChar char=""/>
             </a:pPr>
             <a:r>
@@ -8295,6 +7966,7 @@
                   <a:srgbClr val="000000"/>
                 </a:solidFill>
                 <a:latin typeface="Times New Roman"/>
+                <a:ea typeface="DejaVu Sans"/>
               </a:rPr>
               <a:t>Avec le travail à distance, il est </a:t>
             </a:r>
@@ -8305,6 +7977,7 @@
                 </a:solidFill>
                 <a:uFillTx/>
                 <a:latin typeface="Times New Roman"/>
+                <a:ea typeface="DejaVu Sans"/>
               </a:rPr>
               <a:t>obligatoire</a:t>
             </a:r>
@@ -8314,14 +7987,12 @@
                   <a:srgbClr val="000000"/>
                 </a:solidFill>
                 <a:latin typeface="Times New Roman"/>
+                <a:ea typeface="DejaVu Sans"/>
               </a:rPr>
               <a:t> d’utiliser un gestionnaire de code source « git ».  Afin de simplifier les choses, veuillez utiliser le gitlab de l’UdeS:</a:t>
             </a:r>
-            <a:endParaRPr b="0" lang="fr-CA" sz="2400" spc="-1" strike="noStrike">
-              <a:solidFill>
-                <a:srgbClr val="000000"/>
-              </a:solidFill>
-              <a:latin typeface="Times New Roman"/>
+            <a:endParaRPr b="0" lang="en-CA" sz="2400" spc="-1" strike="noStrike">
+              <a:latin typeface="Arial"/>
             </a:endParaRPr>
           </a:p>
           <a:p>
@@ -8333,11 +8004,8 @@
                 <a:spcPts val="479"/>
               </a:spcBef>
             </a:pPr>
-            <a:endParaRPr b="0" lang="fr-CA" sz="2400" spc="-1" strike="noStrike">
-              <a:solidFill>
-                <a:srgbClr val="000000"/>
-              </a:solidFill>
-              <a:latin typeface="Times New Roman"/>
+            <a:endParaRPr b="0" lang="en-CA" sz="2400" spc="-1" strike="noStrike">
+              <a:latin typeface="Arial"/>
             </a:endParaRPr>
           </a:p>
           <a:p>
@@ -8358,6 +8026,7 @@
                   <a:srgbClr val="000000"/>
                 </a:solidFill>
                 <a:latin typeface="Times New Roman"/>
+                <a:ea typeface="DejaVu Sans"/>
               </a:rPr>
               <a:t>	</a:t>
             </a:r>
@@ -8367,6 +8036,7 @@
                   <a:srgbClr val="000000"/>
                 </a:solidFill>
                 <a:latin typeface="Times New Roman"/>
+                <a:ea typeface="DejaVu Sans"/>
               </a:rPr>
               <a:t>	</a:t>
             </a:r>
@@ -8377,18 +8047,16 @@
                 </a:solidFill>
                 <a:uFillTx/>
                 <a:latin typeface="Times New Roman"/>
+                <a:ea typeface="DejaVu Sans"/>
               </a:rPr>
               <a:t>depot.dinf.usherbrooke.ca</a:t>
             </a:r>
-            <a:endParaRPr b="0" lang="fr-CA" sz="2800" spc="-1" strike="noStrike">
-              <a:solidFill>
-                <a:srgbClr val="000000"/>
-              </a:solidFill>
-              <a:latin typeface="Times New Roman"/>
-            </a:endParaRPr>
-          </a:p>
-          <a:p>
-            <a:pPr>
+            <a:endParaRPr b="0" lang="en-CA" sz="2800" spc="-1" strike="noStrike">
+              <a:latin typeface="Arial"/>
+            </a:endParaRPr>
+          </a:p>
+          <a:p>
+            <a:pPr marL="457200">
               <a:lnSpc>
                 <a:spcPct val="100000"/>
               </a:lnSpc>
@@ -8399,15 +8067,12 @@
                 <a:tab algn="l" pos="0"/>
               </a:tabLst>
             </a:pPr>
-            <a:endParaRPr b="0" lang="fr-CA" sz="2800" spc="-1" strike="noStrike">
-              <a:solidFill>
-                <a:srgbClr val="000000"/>
-              </a:solidFill>
-              <a:latin typeface="Times New Roman"/>
-            </a:endParaRPr>
-          </a:p>
-          <a:p>
-            <a:pPr marL="343080" indent="-342720">
+            <a:endParaRPr b="0" lang="en-CA" sz="2800" spc="-1" strike="noStrike">
+              <a:latin typeface="Arial"/>
+            </a:endParaRPr>
+          </a:p>
+          <a:p>
+            <a:pPr marL="343080" indent="-342000">
               <a:lnSpc>
                 <a:spcPct val="100000"/>
               </a:lnSpc>
@@ -8417,7 +8082,7 @@
               <a:buClr>
                 <a:srgbClr val="000000"/>
               </a:buClr>
-              <a:buFont typeface="Symbol" charset="2"/>
+              <a:buFont typeface="Symbol"/>
               <a:buChar char=""/>
               <a:tabLst>
                 <a:tab algn="l" pos="0"/>
@@ -8429,18 +8094,16 @@
                   <a:srgbClr val="000000"/>
                 </a:solidFill>
                 <a:latin typeface="Times New Roman"/>
+                <a:ea typeface="DejaVu Sans"/>
               </a:rPr>
               <a:t>Pas de code envoyé par courriel!</a:t>
             </a:r>
-            <a:endParaRPr b="0" lang="fr-CA" sz="2400" spc="-1" strike="noStrike">
-              <a:solidFill>
-                <a:srgbClr val="000000"/>
-              </a:solidFill>
-              <a:latin typeface="Times New Roman"/>
-            </a:endParaRPr>
-          </a:p>
-          <a:p>
-            <a:pPr marL="343080" indent="-342720">
+            <a:endParaRPr b="0" lang="en-CA" sz="2400" spc="-1" strike="noStrike">
+              <a:latin typeface="Arial"/>
+            </a:endParaRPr>
+          </a:p>
+          <a:p>
+            <a:pPr marL="343080" indent="-342000">
               <a:lnSpc>
                 <a:spcPct val="100000"/>
               </a:lnSpc>
@@ -8450,7 +8113,7 @@
               <a:buClr>
                 <a:srgbClr val="000000"/>
               </a:buClr>
-              <a:buFont typeface="Symbol" charset="2"/>
+              <a:buFont typeface="Symbol"/>
               <a:buChar char=""/>
               <a:tabLst>
                 <a:tab algn="l" pos="0"/>
@@ -8462,6 +8125,7 @@
                   <a:srgbClr val="000000"/>
                 </a:solidFill>
                 <a:latin typeface="Times New Roman"/>
+                <a:ea typeface="DejaVu Sans"/>
               </a:rPr>
               <a:t>Une mauvaise utilisation de git pourra entraîner une </a:t>
             </a:r>
@@ -8471,6 +8135,7 @@
                   <a:srgbClr val="000000"/>
                 </a:solidFill>
                 <a:latin typeface="Times New Roman"/>
+                <a:ea typeface="DejaVu Sans"/>
               </a:rPr>
               <a:t>perte de points </a:t>
             </a:r>
@@ -8480,18 +8145,16 @@
                   <a:srgbClr val="000000"/>
                 </a:solidFill>
                 <a:latin typeface="Times New Roman"/>
+                <a:ea typeface="DejaVu Sans"/>
               </a:rPr>
               <a:t>au tp3 et pour le projet.</a:t>
             </a:r>
-            <a:endParaRPr b="0" lang="fr-CA" sz="2400" spc="-1" strike="noStrike">
-              <a:solidFill>
-                <a:srgbClr val="000000"/>
-              </a:solidFill>
-              <a:latin typeface="Times New Roman"/>
-            </a:endParaRPr>
-          </a:p>
-          <a:p>
-            <a:pPr marL="343080" indent="-342720">
+            <a:endParaRPr b="0" lang="en-CA" sz="2400" spc="-1" strike="noStrike">
+              <a:latin typeface="Arial"/>
+            </a:endParaRPr>
+          </a:p>
+          <a:p>
+            <a:pPr marL="343080" indent="-342000">
               <a:lnSpc>
                 <a:spcPct val="100000"/>
               </a:lnSpc>
@@ -8501,7 +8164,7 @@
               <a:buClr>
                 <a:srgbClr val="000000"/>
               </a:buClr>
-              <a:buFont typeface="Symbol" charset="2"/>
+              <a:buFont typeface="Symbol"/>
               <a:buChar char=""/>
               <a:tabLst>
                 <a:tab algn="l" pos="0"/>
@@ -8513,14 +8176,12 @@
                   <a:srgbClr val="000000"/>
                 </a:solidFill>
                 <a:latin typeface="Times New Roman"/>
+                <a:ea typeface="DejaVu Sans"/>
               </a:rPr>
               <a:t>Vous ne connaissez pas git? </a:t>
             </a:r>
-            <a:endParaRPr b="0" lang="fr-CA" sz="2400" spc="-1" strike="noStrike">
-              <a:solidFill>
-                <a:srgbClr val="000000"/>
-              </a:solidFill>
-              <a:latin typeface="Times New Roman"/>
+            <a:endParaRPr b="0" lang="en-CA" sz="2400" spc="-1" strike="noStrike">
+              <a:latin typeface="Arial"/>
             </a:endParaRPr>
           </a:p>
           <a:p>
@@ -8541,6 +8202,7 @@
                   <a:srgbClr val="000000"/>
                 </a:solidFill>
                 <a:latin typeface="Times New Roman"/>
+                <a:ea typeface="DejaVu Sans"/>
               </a:rPr>
               <a:t>	</a:t>
             </a:r>
@@ -8550,6 +8212,7 @@
                   <a:srgbClr val="000000"/>
                 </a:solidFill>
                 <a:latin typeface="Times New Roman"/>
+                <a:ea typeface="DejaVu Sans"/>
               </a:rPr>
               <a:t>	</a:t>
             </a:r>
@@ -8560,6 +8223,7 @@
                 </a:solidFill>
                 <a:uFillTx/>
                 <a:latin typeface="Times New Roman"/>
+                <a:ea typeface="DejaVu Sans"/>
               </a:rPr>
               <a:t>www.tutorialspoint.com/git/index.htm</a:t>
             </a:r>
@@ -8569,14 +8233,12 @@
                   <a:srgbClr val="000000"/>
                 </a:solidFill>
                 <a:latin typeface="Times New Roman"/>
+                <a:ea typeface="DejaVu Sans"/>
               </a:rPr>
               <a:t> </a:t>
             </a:r>
-            <a:endParaRPr b="0" lang="fr-CA" sz="2400" spc="-1" strike="noStrike">
-              <a:solidFill>
-                <a:srgbClr val="000000"/>
-              </a:solidFill>
-              <a:latin typeface="Times New Roman"/>
+            <a:endParaRPr b="0" lang="en-CA" sz="2400" spc="-1" strike="noStrike">
+              <a:latin typeface="Arial"/>
             </a:endParaRPr>
           </a:p>
           <a:p>
@@ -8591,11 +8253,8 @@
                 <a:tab algn="l" pos="0"/>
               </a:tabLst>
             </a:pPr>
-            <a:endParaRPr b="0" lang="fr-CA" sz="2400" spc="-1" strike="noStrike">
-              <a:solidFill>
-                <a:srgbClr val="000000"/>
-              </a:solidFill>
-              <a:latin typeface="Times New Roman"/>
+            <a:endParaRPr b="0" lang="en-CA" sz="2400" spc="-1" strike="noStrike">
+              <a:latin typeface="Arial"/>
             </a:endParaRPr>
           </a:p>
           <a:p>
@@ -8610,11 +8269,8 @@
                 <a:tab algn="l" pos="0"/>
               </a:tabLst>
             </a:pPr>
-            <a:endParaRPr b="0" lang="fr-CA" sz="2400" spc="-1" strike="noStrike">
-              <a:solidFill>
-                <a:srgbClr val="000000"/>
-              </a:solidFill>
-              <a:latin typeface="Times New Roman"/>
+            <a:endParaRPr b="0" lang="en-CA" sz="2400" spc="-1" strike="noStrike">
+              <a:latin typeface="Arial"/>
             </a:endParaRPr>
           </a:p>
         </p:txBody>
@@ -8651,14 +8307,14 @@
       </p:grpSpPr>
       <p:sp>
         <p:nvSpPr>
-          <p:cNvPr id="105" name="TextShape 1"/>
-          <p:cNvSpPr txBox="1"/>
+          <p:cNvPr id="99" name="CustomShape 1"/>
+          <p:cNvSpPr/>
           <p:nvPr/>
         </p:nvSpPr>
         <p:spPr>
           <a:xfrm>
             <a:off x="6553080" y="6248520"/>
-            <a:ext cx="1904760" cy="456840"/>
+            <a:ext cx="1904040" cy="456120"/>
           </a:xfrm>
           <a:prstGeom prst="rect">
             <a:avLst/>
@@ -8668,8 +8324,14 @@
             <a:noFill/>
           </a:ln>
         </p:spPr>
-        <p:txBody>
-          <a:bodyPr>
+        <p:style>
+          <a:lnRef idx="0"/>
+          <a:fillRef idx="0"/>
+          <a:effectRef idx="0"/>
+          <a:fontRef idx="minor"/>
+        </p:style>
+        <p:txBody>
+          <a:bodyPr lIns="90000" rIns="90000" tIns="45000" bIns="45000">
             <a:noAutofit/>
           </a:bodyPr>
           <a:p>
@@ -8678,31 +8340,32 @@
                 <a:spcPct val="100000"/>
               </a:lnSpc>
             </a:pPr>
-            <a:fld id="{E2067D42-A0A8-4A28-BCD2-40B7225CFA69}" type="slidenum">
+            <a:fld id="{C9A689DA-1780-4CB0-893C-098B7C9381E3}" type="slidenum">
               <a:rPr b="0" lang="fr-CA" sz="1400" spc="-1" strike="noStrike">
                 <a:solidFill>
                   <a:srgbClr val="000000"/>
                 </a:solidFill>
                 <a:latin typeface="Times New Roman"/>
+                <a:ea typeface="DejaVu Sans"/>
               </a:rPr>
               <a:t>&lt;number&gt;</a:t>
             </a:fld>
             <a:endParaRPr b="0" lang="en-CA" sz="1400" spc="-1" strike="noStrike">
-              <a:latin typeface="Times New Roman"/>
-            </a:endParaRPr>
-          </a:p>
-        </p:txBody>
-      </p:sp>
-      <p:sp>
-        <p:nvSpPr>
-          <p:cNvPr id="106" name="TextShape 2"/>
-          <p:cNvSpPr txBox="1"/>
+              <a:latin typeface="Arial"/>
+            </a:endParaRPr>
+          </a:p>
+        </p:txBody>
+      </p:sp>
+      <p:sp>
+        <p:nvSpPr>
+          <p:cNvPr id="100" name="CustomShape 2"/>
+          <p:cNvSpPr/>
           <p:nvPr/>
         </p:nvSpPr>
         <p:spPr>
           <a:xfrm>
             <a:off x="684360" y="189000"/>
-            <a:ext cx="7772040" cy="1142640"/>
+            <a:ext cx="7771320" cy="1141920"/>
           </a:xfrm>
           <a:prstGeom prst="rect">
             <a:avLst/>
@@ -8712,8 +8375,14 @@
             <a:noFill/>
           </a:ln>
         </p:spPr>
-        <p:txBody>
-          <a:bodyPr anchor="ctr">
+        <p:style>
+          <a:lnRef idx="0"/>
+          <a:fillRef idx="0"/>
+          <a:effectRef idx="0"/>
+          <a:fontRef idx="minor"/>
+        </p:style>
+        <p:txBody>
+          <a:bodyPr lIns="90000" rIns="90000" tIns="45000" bIns="45000" anchor="ctr">
             <a:noAutofit/>
           </a:bodyPr>
           <a:p>
@@ -8728,28 +8397,26 @@
                   <a:srgbClr val="000000"/>
                 </a:solidFill>
                 <a:latin typeface="Times New Roman"/>
+                <a:ea typeface="DejaVu Sans"/>
               </a:rPr>
               <a:t>Recommandations</a:t>
             </a:r>
-            <a:endParaRPr b="0" lang="fr-CA" sz="4400" spc="-1" strike="noStrike">
-              <a:solidFill>
-                <a:srgbClr val="000000"/>
-              </a:solidFill>
-              <a:latin typeface="Times New Roman"/>
-            </a:endParaRPr>
-          </a:p>
-        </p:txBody>
-      </p:sp>
-      <p:sp>
-        <p:nvSpPr>
-          <p:cNvPr id="107" name="TextShape 3"/>
-          <p:cNvSpPr txBox="1"/>
+            <a:endParaRPr b="0" lang="en-CA" sz="4400" spc="-1" strike="noStrike">
+              <a:latin typeface="Arial"/>
+            </a:endParaRPr>
+          </a:p>
+        </p:txBody>
+      </p:sp>
+      <p:sp>
+        <p:nvSpPr>
+          <p:cNvPr id="101" name="CustomShape 3"/>
+          <p:cNvSpPr/>
           <p:nvPr/>
         </p:nvSpPr>
         <p:spPr>
           <a:xfrm>
             <a:off x="685800" y="1981080"/>
-            <a:ext cx="7772040" cy="4114440"/>
+            <a:ext cx="7771320" cy="4113720"/>
           </a:xfrm>
           <a:prstGeom prst="rect">
             <a:avLst/>
@@ -8759,12 +8426,18 @@
             <a:noFill/>
           </a:ln>
         </p:spPr>
-        <p:txBody>
-          <a:bodyPr>
+        <p:style>
+          <a:lnRef idx="0"/>
+          <a:fillRef idx="0"/>
+          <a:effectRef idx="0"/>
+          <a:fontRef idx="minor"/>
+        </p:style>
+        <p:txBody>
+          <a:bodyPr lIns="90000" rIns="90000" tIns="45000" bIns="45000">
             <a:noAutofit/>
           </a:bodyPr>
           <a:p>
-            <a:pPr marL="343080" indent="-342720">
+            <a:pPr marL="343080" indent="-342000">
               <a:lnSpc>
                 <a:spcPct val="100000"/>
               </a:lnSpc>
@@ -8774,7 +8447,7 @@
               <a:buClr>
                 <a:srgbClr val="000000"/>
               </a:buClr>
-              <a:buFont typeface="Symbol" charset="2"/>
+              <a:buFont typeface="Symbol"/>
               <a:buChar char=""/>
             </a:pPr>
             <a:r>
@@ -8784,18 +8457,16 @@
                 </a:solidFill>
                 <a:uFillTx/>
                 <a:latin typeface="Times New Roman"/>
+                <a:ea typeface="DejaVu Sans"/>
               </a:rPr>
               <a:t>N’attendez pas à la dernière minute pour faire les TP</a:t>
             </a:r>
-            <a:endParaRPr b="0" lang="fr-CA" sz="2400" spc="-1" strike="noStrike">
-              <a:solidFill>
-                <a:srgbClr val="000000"/>
-              </a:solidFill>
-              <a:latin typeface="Times New Roman"/>
-            </a:endParaRPr>
-          </a:p>
-          <a:p>
-            <a:pPr marL="343080" indent="-342720">
+            <a:endParaRPr b="0" lang="en-CA" sz="2400" spc="-1" strike="noStrike">
+              <a:latin typeface="Arial"/>
+            </a:endParaRPr>
+          </a:p>
+          <a:p>
+            <a:pPr marL="343080" indent="-342000">
               <a:lnSpc>
                 <a:spcPct val="100000"/>
               </a:lnSpc>
@@ -8805,7 +8476,7 @@
               <a:buClr>
                 <a:srgbClr val="000000"/>
               </a:buClr>
-              <a:buFont typeface="Symbol" charset="2"/>
+              <a:buFont typeface="Symbol"/>
               <a:buChar char=""/>
             </a:pPr>
             <a:r>
@@ -8814,18 +8485,16 @@
                   <a:srgbClr val="000000"/>
                 </a:solidFill>
                 <a:latin typeface="Times New Roman"/>
+                <a:ea typeface="DejaVu Sans"/>
               </a:rPr>
               <a:t>Faites 100% des TP et non 50%-50%.</a:t>
             </a:r>
-            <a:endParaRPr b="0" lang="fr-CA" sz="2400" spc="-1" strike="noStrike">
-              <a:solidFill>
-                <a:srgbClr val="000000"/>
-              </a:solidFill>
-              <a:latin typeface="Times New Roman"/>
-            </a:endParaRPr>
-          </a:p>
-          <a:p>
-            <a:pPr marL="343080" indent="-342720">
+            <a:endParaRPr b="0" lang="en-CA" sz="2400" spc="-1" strike="noStrike">
+              <a:latin typeface="Arial"/>
+            </a:endParaRPr>
+          </a:p>
+          <a:p>
+            <a:pPr marL="343080" indent="-342000">
               <a:lnSpc>
                 <a:spcPct val="100000"/>
               </a:lnSpc>
@@ -8835,7 +8504,7 @@
               <a:buClr>
                 <a:srgbClr val="000000"/>
               </a:buClr>
-              <a:buFont typeface="Symbol" charset="2"/>
+              <a:buFont typeface="Symbol"/>
               <a:buChar char=""/>
             </a:pPr>
             <a:r>
@@ -8844,6 +8513,7 @@
                   <a:srgbClr val="000000"/>
                 </a:solidFill>
                 <a:latin typeface="Times New Roman"/>
+                <a:ea typeface="DejaVu Sans"/>
               </a:rPr>
               <a:t>Jamais une bonne idée de </a:t>
             </a:r>
@@ -8854,18 +8524,16 @@
                 </a:solidFill>
                 <a:uFillTx/>
                 <a:latin typeface="Times New Roman"/>
+                <a:ea typeface="DejaVu Sans"/>
               </a:rPr>
               <a:t>plagier</a:t>
             </a:r>
-            <a:endParaRPr b="0" lang="fr-CA" sz="2400" spc="-1" strike="noStrike">
-              <a:solidFill>
-                <a:srgbClr val="000000"/>
-              </a:solidFill>
-              <a:latin typeface="Times New Roman"/>
-            </a:endParaRPr>
-          </a:p>
-          <a:p>
-            <a:pPr marL="343080" indent="-342720">
+            <a:endParaRPr b="0" lang="en-CA" sz="2400" spc="-1" strike="noStrike">
+              <a:latin typeface="Arial"/>
+            </a:endParaRPr>
+          </a:p>
+          <a:p>
+            <a:pPr marL="343080" indent="-342000">
               <a:lnSpc>
                 <a:spcPct val="100000"/>
               </a:lnSpc>
@@ -8875,7 +8543,7 @@
               <a:buClr>
                 <a:srgbClr val="000000"/>
               </a:buClr>
-              <a:buFont typeface="Symbol" charset="2"/>
+              <a:buFont typeface="Symbol"/>
               <a:buChar char=""/>
             </a:pPr>
             <a:r>
@@ -8884,18 +8552,16 @@
                   <a:srgbClr val="000000"/>
                 </a:solidFill>
                 <a:latin typeface="Times New Roman"/>
+                <a:ea typeface="DejaVu Sans"/>
               </a:rPr>
               <a:t>Feedbacks en temps réel.</a:t>
             </a:r>
-            <a:endParaRPr b="0" lang="fr-CA" sz="2400" spc="-1" strike="noStrike">
-              <a:solidFill>
-                <a:srgbClr val="000000"/>
-              </a:solidFill>
-              <a:latin typeface="Times New Roman"/>
-            </a:endParaRPr>
-          </a:p>
-          <a:p>
-            <a:pPr marL="343080" indent="-342720">
+            <a:endParaRPr b="0" lang="en-CA" sz="2400" spc="-1" strike="noStrike">
+              <a:latin typeface="Arial"/>
+            </a:endParaRPr>
+          </a:p>
+          <a:p>
+            <a:pPr marL="343080" indent="-342000">
               <a:lnSpc>
                 <a:spcPct val="100000"/>
               </a:lnSpc>
@@ -8905,7 +8571,7 @@
               <a:buClr>
                 <a:srgbClr val="000000"/>
               </a:buClr>
-              <a:buFont typeface="Symbol" charset="2"/>
+              <a:buFont typeface="Symbol"/>
               <a:buChar char=""/>
             </a:pPr>
             <a:r>
@@ -8914,6 +8580,7 @@
                   <a:srgbClr val="000000"/>
                 </a:solidFill>
                 <a:latin typeface="Times New Roman"/>
+                <a:ea typeface="DejaVu Sans"/>
               </a:rPr>
               <a:t>Pénalité de 10% par jour de retard, à vous de ne </a:t>
             </a:r>
@@ -8923,8 +8590,19 @@
                   <a:srgbClr val="000000"/>
                 </a:solidFill>
                 <a:latin typeface="Times New Roman"/>
-              </a:rPr>
-              <a:t>pas faire </a:t>
+                <a:ea typeface="DejaVu Sans"/>
+              </a:rPr>
+              <a:t>pas faire d’erreur </a:t>
+            </a:r>
+            <a:r>
+              <a:rPr b="0" lang="fr-CA" sz="2400" spc="-1" strike="noStrike">
+                <a:solidFill>
+                  <a:srgbClr val="000000"/>
+                </a:solidFill>
+                <a:latin typeface="Times New Roman"/>
+                <a:ea typeface="DejaVu Sans"/>
+              </a:rPr>
+              <a:t>avec le système de remise « </a:t>
             </a:r>
             <a:r>
               <a:rPr b="1" lang="fr-CA" sz="2400" spc="-1" strike="noStrike">
@@ -8932,8 +8610,9 @@
                   <a:srgbClr val="000000"/>
                 </a:solidFill>
                 <a:latin typeface="Times New Roman"/>
-              </a:rPr>
-              <a:t>d’erreur </a:t>
+                <a:ea typeface="DejaVu Sans"/>
+              </a:rPr>
+              <a:t>turninWeb</a:t>
             </a:r>
             <a:r>
               <a:rPr b="0" lang="fr-CA" sz="2400" spc="-1" strike="noStrike">
@@ -8941,32 +8620,12 @@
                   <a:srgbClr val="000000"/>
                 </a:solidFill>
                 <a:latin typeface="Times New Roman"/>
-              </a:rPr>
-              <a:t>avec le système de remise « </a:t>
-            </a:r>
-            <a:r>
-              <a:rPr b="1" lang="fr-CA" sz="2400" spc="-1" strike="noStrike">
-                <a:solidFill>
-                  <a:srgbClr val="000000"/>
-                </a:solidFill>
-                <a:latin typeface="Times New Roman"/>
-              </a:rPr>
-              <a:t>turninWeb</a:t>
-            </a:r>
-            <a:r>
-              <a:rPr b="0" lang="fr-CA" sz="2400" spc="-1" strike="noStrike">
-                <a:solidFill>
-                  <a:srgbClr val="000000"/>
-                </a:solidFill>
-                <a:latin typeface="Times New Roman"/>
+                <a:ea typeface="DejaVu Sans"/>
               </a:rPr>
               <a:t> »</a:t>
             </a:r>
-            <a:endParaRPr b="0" lang="fr-CA" sz="2400" spc="-1" strike="noStrike">
-              <a:solidFill>
-                <a:srgbClr val="000000"/>
-              </a:solidFill>
-              <a:latin typeface="Times New Roman"/>
+            <a:endParaRPr b="0" lang="en-CA" sz="2400" spc="-1" strike="noStrike">
+              <a:latin typeface="Arial"/>
             </a:endParaRPr>
           </a:p>
         </p:txBody>
@@ -9003,14 +8662,14 @@
       </p:grpSpPr>
       <p:sp>
         <p:nvSpPr>
-          <p:cNvPr id="108" name="TextShape 1"/>
-          <p:cNvSpPr txBox="1"/>
+          <p:cNvPr id="102" name="CustomShape 1"/>
+          <p:cNvSpPr/>
           <p:nvPr/>
         </p:nvSpPr>
         <p:spPr>
           <a:xfrm>
             <a:off x="778680" y="2506320"/>
-            <a:ext cx="7772040" cy="1142640"/>
+            <a:ext cx="7771320" cy="1141920"/>
           </a:xfrm>
           <a:prstGeom prst="rect">
             <a:avLst/>
@@ -9020,8 +8679,14 @@
             <a:noFill/>
           </a:ln>
         </p:spPr>
-        <p:txBody>
-          <a:bodyPr anchor="ctr">
+        <p:style>
+          <a:lnRef idx="0"/>
+          <a:fillRef idx="0"/>
+          <a:effectRef idx="0"/>
+          <a:fontRef idx="minor"/>
+        </p:style>
+        <p:txBody>
+          <a:bodyPr lIns="90000" rIns="90000" tIns="45000" bIns="45000" anchor="ctr">
             <a:noAutofit/>
           </a:bodyPr>
           <a:p>
@@ -9036,6 +8701,7 @@
                   <a:srgbClr val="000000"/>
                 </a:solidFill>
                 <a:latin typeface="Times New Roman"/>
+                <a:ea typeface="DejaVu Sans"/>
               </a:rPr>
               <a:t>NE PLAGIEZ PAS!</a:t>
             </a:r>
@@ -9046,14 +8712,12 @@
                   <a:srgbClr val="000000"/>
                 </a:solidFill>
                 <a:latin typeface="Times New Roman"/>
+                <a:ea typeface="DejaVu Sans"/>
               </a:rPr>
               <a:t>c’est facile de savoir si vous plagiez</a:t>
             </a:r>
-            <a:endParaRPr b="0" lang="fr-CA" sz="2000" spc="-1" strike="noStrike">
-              <a:solidFill>
-                <a:srgbClr val="000000"/>
-              </a:solidFill>
-              <a:latin typeface="Times New Roman"/>
+            <a:endParaRPr b="0" lang="en-CA" sz="2000" spc="-1" strike="noStrike">
+              <a:latin typeface="Arial"/>
             </a:endParaRPr>
           </a:p>
         </p:txBody>

--- a/files/ift780/00_presentation.pptx
+++ b/files/ift780/00_presentation.pptx
@@ -1,33 +1,136 @@
 
 <file path=ppt/presentation.xml><?xml version="1.0" encoding="utf-8"?>
-<p:presentation xmlns:a="http://schemas.openxmlformats.org/drawingml/2006/main" xmlns:p="http://schemas.openxmlformats.org/presentationml/2006/main" xmlns:r="http://schemas.openxmlformats.org/officeDocument/2006/relationships" xmlns:p14="http://schemas.microsoft.com/office/powerpoint/2010/main" xmlns:p15="http://schemas.microsoft.com/office/powerpoint/2012/main" xmlns:mc="http://schemas.openxmlformats.org/markup-compatibility/2006">
+<p:presentation xmlns:a="http://schemas.openxmlformats.org/drawingml/2006/main" xmlns:r="http://schemas.openxmlformats.org/officeDocument/2006/relationships" xmlns:p="http://schemas.openxmlformats.org/presentationml/2006/main">
   <p:sldMasterIdLst>
-    <p:sldMasterId id="2147483648" r:id="rId2"/>
-    <p:sldMasterId id="2147483661" r:id="rId3"/>
+    <p:sldMasterId id="2147483648" r:id="rId1"/>
+    <p:sldMasterId id="2147483661" r:id="rId2"/>
   </p:sldMasterIdLst>
   <p:sldIdLst>
-    <p:sldId id="256" r:id="rId4"/>
-    <p:sldId id="257" r:id="rId5"/>
-    <p:sldId id="258" r:id="rId6"/>
-    <p:sldId id="259" r:id="rId7"/>
-    <p:sldId id="260" r:id="rId8"/>
-    <p:sldId id="261" r:id="rId9"/>
-    <p:sldId id="262" r:id="rId10"/>
-    <p:sldId id="263" r:id="rId11"/>
-    <p:sldId id="264" r:id="rId12"/>
-    <p:sldId id="265" r:id="rId13"/>
-    <p:sldId id="266" r:id="rId14"/>
-    <p:sldId id="267" r:id="rId15"/>
-    <p:sldId id="268" r:id="rId16"/>
-    <p:sldId id="269" r:id="rId17"/>
+    <p:sldId id="256" r:id="rId3"/>
+    <p:sldId id="257" r:id="rId4"/>
+    <p:sldId id="258" r:id="rId5"/>
+    <p:sldId id="259" r:id="rId6"/>
+    <p:sldId id="260" r:id="rId7"/>
+    <p:sldId id="261" r:id="rId8"/>
+    <p:sldId id="262" r:id="rId9"/>
+    <p:sldId id="263" r:id="rId10"/>
+    <p:sldId id="264" r:id="rId11"/>
+    <p:sldId id="265" r:id="rId12"/>
+    <p:sldId id="266" r:id="rId13"/>
+    <p:sldId id="267" r:id="rId14"/>
+    <p:sldId id="268" r:id="rId15"/>
+    <p:sldId id="269" r:id="rId16"/>
   </p:sldIdLst>
-  <p:sldSz cx="9144000" cy="6858000"/>
+  <p:sldSz cx="9144000" cy="6858000" type="screen4x3"/>
   <p:notesSz cx="7772400" cy="10058400"/>
+  <p:defaultTextStyle>
+    <a:defPPr>
+      <a:defRPr lang="fr-FR"/>
+    </a:defPPr>
+    <a:lvl1pPr marL="0" algn="l" defTabSz="914400" rtl="0" eaLnBrk="1" latinLnBrk="0" hangingPunct="1">
+      <a:defRPr sz="1800" kern="1200">
+        <a:solidFill>
+          <a:schemeClr val="tx1"/>
+        </a:solidFill>
+        <a:latin typeface="+mn-lt"/>
+        <a:ea typeface="+mn-ea"/>
+        <a:cs typeface="+mn-cs"/>
+      </a:defRPr>
+    </a:lvl1pPr>
+    <a:lvl2pPr marL="457200" algn="l" defTabSz="914400" rtl="0" eaLnBrk="1" latinLnBrk="0" hangingPunct="1">
+      <a:defRPr sz="1800" kern="1200">
+        <a:solidFill>
+          <a:schemeClr val="tx1"/>
+        </a:solidFill>
+        <a:latin typeface="+mn-lt"/>
+        <a:ea typeface="+mn-ea"/>
+        <a:cs typeface="+mn-cs"/>
+      </a:defRPr>
+    </a:lvl2pPr>
+    <a:lvl3pPr marL="914400" algn="l" defTabSz="914400" rtl="0" eaLnBrk="1" latinLnBrk="0" hangingPunct="1">
+      <a:defRPr sz="1800" kern="1200">
+        <a:solidFill>
+          <a:schemeClr val="tx1"/>
+        </a:solidFill>
+        <a:latin typeface="+mn-lt"/>
+        <a:ea typeface="+mn-ea"/>
+        <a:cs typeface="+mn-cs"/>
+      </a:defRPr>
+    </a:lvl3pPr>
+    <a:lvl4pPr marL="1371600" algn="l" defTabSz="914400" rtl="0" eaLnBrk="1" latinLnBrk="0" hangingPunct="1">
+      <a:defRPr sz="1800" kern="1200">
+        <a:solidFill>
+          <a:schemeClr val="tx1"/>
+        </a:solidFill>
+        <a:latin typeface="+mn-lt"/>
+        <a:ea typeface="+mn-ea"/>
+        <a:cs typeface="+mn-cs"/>
+      </a:defRPr>
+    </a:lvl4pPr>
+    <a:lvl5pPr marL="1828800" algn="l" defTabSz="914400" rtl="0" eaLnBrk="1" latinLnBrk="0" hangingPunct="1">
+      <a:defRPr sz="1800" kern="1200">
+        <a:solidFill>
+          <a:schemeClr val="tx1"/>
+        </a:solidFill>
+        <a:latin typeface="+mn-lt"/>
+        <a:ea typeface="+mn-ea"/>
+        <a:cs typeface="+mn-cs"/>
+      </a:defRPr>
+    </a:lvl5pPr>
+    <a:lvl6pPr marL="2286000" algn="l" defTabSz="914400" rtl="0" eaLnBrk="1" latinLnBrk="0" hangingPunct="1">
+      <a:defRPr sz="1800" kern="1200">
+        <a:solidFill>
+          <a:schemeClr val="tx1"/>
+        </a:solidFill>
+        <a:latin typeface="+mn-lt"/>
+        <a:ea typeface="+mn-ea"/>
+        <a:cs typeface="+mn-cs"/>
+      </a:defRPr>
+    </a:lvl6pPr>
+    <a:lvl7pPr marL="2743200" algn="l" defTabSz="914400" rtl="0" eaLnBrk="1" latinLnBrk="0" hangingPunct="1">
+      <a:defRPr sz="1800" kern="1200">
+        <a:solidFill>
+          <a:schemeClr val="tx1"/>
+        </a:solidFill>
+        <a:latin typeface="+mn-lt"/>
+        <a:ea typeface="+mn-ea"/>
+        <a:cs typeface="+mn-cs"/>
+      </a:defRPr>
+    </a:lvl7pPr>
+    <a:lvl8pPr marL="3200400" algn="l" defTabSz="914400" rtl="0" eaLnBrk="1" latinLnBrk="0" hangingPunct="1">
+      <a:defRPr sz="1800" kern="1200">
+        <a:solidFill>
+          <a:schemeClr val="tx1"/>
+        </a:solidFill>
+        <a:latin typeface="+mn-lt"/>
+        <a:ea typeface="+mn-ea"/>
+        <a:cs typeface="+mn-cs"/>
+      </a:defRPr>
+    </a:lvl8pPr>
+    <a:lvl9pPr marL="3657600" algn="l" defTabSz="914400" rtl="0" eaLnBrk="1" latinLnBrk="0" hangingPunct="1">
+      <a:defRPr sz="1800" kern="1200">
+        <a:solidFill>
+          <a:schemeClr val="tx1"/>
+        </a:solidFill>
+        <a:latin typeface="+mn-lt"/>
+        <a:ea typeface="+mn-ea"/>
+        <a:cs typeface="+mn-cs"/>
+      </a:defRPr>
+    </a:lvl9pPr>
+  </p:defaultTextStyle>
 </p:presentation>
 </file>
 
+<file path=ppt/revisionInfo.xml><?xml version="1.0" encoding="utf-8"?>
+<p1510:revInfo xmlns:a="http://schemas.openxmlformats.org/drawingml/2006/main" xmlns:r="http://schemas.openxmlformats.org/officeDocument/2006/relationships" xmlns:p1510="http://schemas.microsoft.com/office/powerpoint/2015/10/main">
+  <p1510:revLst>
+    <p1510:client id="{D1736CCB-50A9-6762-6608-EF02081A2FA5}" v="20" dt="2022-01-12T20:49:37.909"/>
+  </p1510:revLst>
+</p1510:revInfo>
+</file>
+
 <file path=ppt/slideLayouts/slideLayout1.xml><?xml version="1.0" encoding="utf-8"?>
-<p:sldLayout xmlns:a="http://schemas.openxmlformats.org/drawingml/2006/main" xmlns:p="http://schemas.openxmlformats.org/presentationml/2006/main" xmlns:r="http://schemas.openxmlformats.org/officeDocument/2006/relationships" xmlns:p14="http://schemas.microsoft.com/office/powerpoint/2010/main" xmlns:p15="http://schemas.microsoft.com/office/powerpoint/2012/main" xmlns:mc="http://schemas.openxmlformats.org/markup-compatibility/2006" type="blank" preserve="1">
+<p:sldLayout xmlns:a="http://schemas.openxmlformats.org/drawingml/2006/main" xmlns:r="http://schemas.openxmlformats.org/officeDocument/2006/relationships" xmlns:p="http://schemas.openxmlformats.org/presentationml/2006/main" type="blank" preserve="1">
   <p:cSld name="Blank Slide">
     <p:spTree>
       <p:nvGrpSpPr>
@@ -45,11 +148,14 @@
       </p:grpSpPr>
     </p:spTree>
   </p:cSld>
+  <p:clrMapOvr>
+    <a:masterClrMapping/>
+  </p:clrMapOvr>
 </p:sldLayout>
 </file>
 
 <file path=ppt/slideLayouts/slideLayout10.xml><?xml version="1.0" encoding="utf-8"?>
-<p:sldLayout xmlns:a="http://schemas.openxmlformats.org/drawingml/2006/main" xmlns:p="http://schemas.openxmlformats.org/presentationml/2006/main" xmlns:r="http://schemas.openxmlformats.org/officeDocument/2006/relationships" xmlns:p14="http://schemas.microsoft.com/office/powerpoint/2010/main" xmlns:p15="http://schemas.microsoft.com/office/powerpoint/2012/main" xmlns:mc="http://schemas.openxmlformats.org/markup-compatibility/2006" type="objOverTx" preserve="1">
+<p:sldLayout xmlns:a="http://schemas.openxmlformats.org/drawingml/2006/main" xmlns:r="http://schemas.openxmlformats.org/officeDocument/2006/relationships" xmlns:p="http://schemas.openxmlformats.org/presentationml/2006/main" type="objOverTx" preserve="1">
   <p:cSld name="Title, Content over Content">
     <p:spTree>
       <p:nvGrpSpPr>
@@ -85,12 +191,13 @@
           </a:prstGeom>
         </p:spPr>
         <p:txBody>
-          <a:bodyPr lIns="0" rIns="0" tIns="0" bIns="0" anchor="ctr">
+          <a:bodyPr lIns="0" tIns="0" rIns="0" bIns="0" anchor="ctr">
             <a:noAutofit/>
           </a:bodyPr>
+          <a:lstStyle/>
           <a:p>
             <a:pPr algn="ctr"/>
-            <a:endParaRPr b="0" lang="en-CA" sz="4400" spc="-1" strike="noStrike">
+            <a:endParaRPr lang="en-CA" sz="4400" b="0" strike="noStrike" spc="-1">
               <a:latin typeface="Arial"/>
             </a:endParaRPr>
           </a:p>
@@ -116,11 +223,12 @@
           </a:prstGeom>
         </p:spPr>
         <p:txBody>
-          <a:bodyPr lIns="0" rIns="0" tIns="0" bIns="0">
+          <a:bodyPr lIns="0" tIns="0" rIns="0" bIns="0">
             <a:normAutofit/>
           </a:bodyPr>
-          <a:p>
-            <a:endParaRPr b="0" lang="en-CA" sz="3200" spc="-1" strike="noStrike">
+          <a:lstStyle/>
+          <a:p>
+            <a:endParaRPr lang="en-CA" sz="3200" b="0" strike="noStrike" spc="-1">
               <a:latin typeface="Arial"/>
             </a:endParaRPr>
           </a:p>
@@ -146,11 +254,12 @@
           </a:prstGeom>
         </p:spPr>
         <p:txBody>
-          <a:bodyPr lIns="0" rIns="0" tIns="0" bIns="0">
+          <a:bodyPr lIns="0" tIns="0" rIns="0" bIns="0">
             <a:normAutofit/>
           </a:bodyPr>
-          <a:p>
-            <a:endParaRPr b="0" lang="en-CA" sz="3200" spc="-1" strike="noStrike">
+          <a:lstStyle/>
+          <a:p>
+            <a:endParaRPr lang="en-CA" sz="3200" b="0" strike="noStrike" spc="-1">
               <a:latin typeface="Arial"/>
             </a:endParaRPr>
           </a:p>
@@ -158,11 +267,14 @@
       </p:sp>
     </p:spTree>
   </p:cSld>
+  <p:clrMapOvr>
+    <a:masterClrMapping/>
+  </p:clrMapOvr>
 </p:sldLayout>
 </file>
 
 <file path=ppt/slideLayouts/slideLayout11.xml><?xml version="1.0" encoding="utf-8"?>
-<p:sldLayout xmlns:a="http://schemas.openxmlformats.org/drawingml/2006/main" xmlns:p="http://schemas.openxmlformats.org/presentationml/2006/main" xmlns:r="http://schemas.openxmlformats.org/officeDocument/2006/relationships" xmlns:p14="http://schemas.microsoft.com/office/powerpoint/2010/main" xmlns:p15="http://schemas.microsoft.com/office/powerpoint/2012/main" xmlns:mc="http://schemas.openxmlformats.org/markup-compatibility/2006" type="fourObj" preserve="1">
+<p:sldLayout xmlns:a="http://schemas.openxmlformats.org/drawingml/2006/main" xmlns:r="http://schemas.openxmlformats.org/officeDocument/2006/relationships" xmlns:p="http://schemas.openxmlformats.org/presentationml/2006/main" type="fourObj" preserve="1">
   <p:cSld name="Title, 4 Content">
     <p:spTree>
       <p:nvGrpSpPr>
@@ -198,12 +310,13 @@
           </a:prstGeom>
         </p:spPr>
         <p:txBody>
-          <a:bodyPr lIns="0" rIns="0" tIns="0" bIns="0" anchor="ctr">
+          <a:bodyPr lIns="0" tIns="0" rIns="0" bIns="0" anchor="ctr">
             <a:noAutofit/>
           </a:bodyPr>
+          <a:lstStyle/>
           <a:p>
             <a:pPr algn="ctr"/>
-            <a:endParaRPr b="0" lang="en-CA" sz="4400" spc="-1" strike="noStrike">
+            <a:endParaRPr lang="en-CA" sz="4400" b="0" strike="noStrike" spc="-1">
               <a:latin typeface="Arial"/>
             </a:endParaRPr>
           </a:p>
@@ -229,11 +342,12 @@
           </a:prstGeom>
         </p:spPr>
         <p:txBody>
-          <a:bodyPr lIns="0" rIns="0" tIns="0" bIns="0">
+          <a:bodyPr lIns="0" tIns="0" rIns="0" bIns="0">
             <a:normAutofit/>
           </a:bodyPr>
-          <a:p>
-            <a:endParaRPr b="0" lang="en-CA" sz="3200" spc="-1" strike="noStrike">
+          <a:lstStyle/>
+          <a:p>
+            <a:endParaRPr lang="en-CA" sz="3200" b="0" strike="noStrike" spc="-1">
               <a:latin typeface="Arial"/>
             </a:endParaRPr>
           </a:p>
@@ -259,11 +373,12 @@
           </a:prstGeom>
         </p:spPr>
         <p:txBody>
-          <a:bodyPr lIns="0" rIns="0" tIns="0" bIns="0">
+          <a:bodyPr lIns="0" tIns="0" rIns="0" bIns="0">
             <a:normAutofit/>
           </a:bodyPr>
-          <a:p>
-            <a:endParaRPr b="0" lang="en-CA" sz="3200" spc="-1" strike="noStrike">
+          <a:lstStyle/>
+          <a:p>
+            <a:endParaRPr lang="en-CA" sz="3200" b="0" strike="noStrike" spc="-1">
               <a:latin typeface="Arial"/>
             </a:endParaRPr>
           </a:p>
@@ -289,11 +404,12 @@
           </a:prstGeom>
         </p:spPr>
         <p:txBody>
-          <a:bodyPr lIns="0" rIns="0" tIns="0" bIns="0">
+          <a:bodyPr lIns="0" tIns="0" rIns="0" bIns="0">
             <a:normAutofit/>
           </a:bodyPr>
-          <a:p>
-            <a:endParaRPr b="0" lang="en-CA" sz="3200" spc="-1" strike="noStrike">
+          <a:lstStyle/>
+          <a:p>
+            <a:endParaRPr lang="en-CA" sz="3200" b="0" strike="noStrike" spc="-1">
               <a:latin typeface="Arial"/>
             </a:endParaRPr>
           </a:p>
@@ -319,11 +435,12 @@
           </a:prstGeom>
         </p:spPr>
         <p:txBody>
-          <a:bodyPr lIns="0" rIns="0" tIns="0" bIns="0">
+          <a:bodyPr lIns="0" tIns="0" rIns="0" bIns="0">
             <a:normAutofit/>
           </a:bodyPr>
-          <a:p>
-            <a:endParaRPr b="0" lang="en-CA" sz="3200" spc="-1" strike="noStrike">
+          <a:lstStyle/>
+          <a:p>
+            <a:endParaRPr lang="en-CA" sz="3200" b="0" strike="noStrike" spc="-1">
               <a:latin typeface="Arial"/>
             </a:endParaRPr>
           </a:p>
@@ -331,11 +448,14 @@
       </p:sp>
     </p:spTree>
   </p:cSld>
+  <p:clrMapOvr>
+    <a:masterClrMapping/>
+  </p:clrMapOvr>
 </p:sldLayout>
 </file>
 
 <file path=ppt/slideLayouts/slideLayout12.xml><?xml version="1.0" encoding="utf-8"?>
-<p:sldLayout xmlns:a="http://schemas.openxmlformats.org/drawingml/2006/main" xmlns:p="http://schemas.openxmlformats.org/presentationml/2006/main" xmlns:r="http://schemas.openxmlformats.org/officeDocument/2006/relationships" xmlns:p14="http://schemas.microsoft.com/office/powerpoint/2010/main" xmlns:p15="http://schemas.microsoft.com/office/powerpoint/2012/main" xmlns:mc="http://schemas.openxmlformats.org/markup-compatibility/2006" type="blank" preserve="1">
+<p:sldLayout xmlns:a="http://schemas.openxmlformats.org/drawingml/2006/main" xmlns:r="http://schemas.openxmlformats.org/officeDocument/2006/relationships" xmlns:p="http://schemas.openxmlformats.org/presentationml/2006/main" type="blank" preserve="1">
   <p:cSld name="Title, 6 Content">
     <p:spTree>
       <p:nvGrpSpPr>
@@ -371,12 +491,13 @@
           </a:prstGeom>
         </p:spPr>
         <p:txBody>
-          <a:bodyPr lIns="0" rIns="0" tIns="0" bIns="0" anchor="ctr">
+          <a:bodyPr lIns="0" tIns="0" rIns="0" bIns="0" anchor="ctr">
             <a:noAutofit/>
           </a:bodyPr>
+          <a:lstStyle/>
           <a:p>
             <a:pPr algn="ctr"/>
-            <a:endParaRPr b="0" lang="en-CA" sz="4400" spc="-1" strike="noStrike">
+            <a:endParaRPr lang="en-CA" sz="4400" b="0" strike="noStrike" spc="-1">
               <a:latin typeface="Arial"/>
             </a:endParaRPr>
           </a:p>
@@ -402,11 +523,12 @@
           </a:prstGeom>
         </p:spPr>
         <p:txBody>
-          <a:bodyPr lIns="0" rIns="0" tIns="0" bIns="0">
+          <a:bodyPr lIns="0" tIns="0" rIns="0" bIns="0">
             <a:normAutofit/>
           </a:bodyPr>
-          <a:p>
-            <a:endParaRPr b="0" lang="en-CA" sz="3200" spc="-1" strike="noStrike">
+          <a:lstStyle/>
+          <a:p>
+            <a:endParaRPr lang="en-CA" sz="3200" b="0" strike="noStrike" spc="-1">
               <a:latin typeface="Arial"/>
             </a:endParaRPr>
           </a:p>
@@ -432,11 +554,12 @@
           </a:prstGeom>
         </p:spPr>
         <p:txBody>
-          <a:bodyPr lIns="0" rIns="0" tIns="0" bIns="0">
+          <a:bodyPr lIns="0" tIns="0" rIns="0" bIns="0">
             <a:normAutofit/>
           </a:bodyPr>
-          <a:p>
-            <a:endParaRPr b="0" lang="en-CA" sz="3200" spc="-1" strike="noStrike">
+          <a:lstStyle/>
+          <a:p>
+            <a:endParaRPr lang="en-CA" sz="3200" b="0" strike="noStrike" spc="-1">
               <a:latin typeface="Arial"/>
             </a:endParaRPr>
           </a:p>
@@ -462,11 +585,12 @@
           </a:prstGeom>
         </p:spPr>
         <p:txBody>
-          <a:bodyPr lIns="0" rIns="0" tIns="0" bIns="0">
+          <a:bodyPr lIns="0" tIns="0" rIns="0" bIns="0">
             <a:normAutofit/>
           </a:bodyPr>
-          <a:p>
-            <a:endParaRPr b="0" lang="en-CA" sz="3200" spc="-1" strike="noStrike">
+          <a:lstStyle/>
+          <a:p>
+            <a:endParaRPr lang="en-CA" sz="3200" b="0" strike="noStrike" spc="-1">
               <a:latin typeface="Arial"/>
             </a:endParaRPr>
           </a:p>
@@ -492,11 +616,12 @@
           </a:prstGeom>
         </p:spPr>
         <p:txBody>
-          <a:bodyPr lIns="0" rIns="0" tIns="0" bIns="0">
+          <a:bodyPr lIns="0" tIns="0" rIns="0" bIns="0">
             <a:normAutofit/>
           </a:bodyPr>
-          <a:p>
-            <a:endParaRPr b="0" lang="en-CA" sz="3200" spc="-1" strike="noStrike">
+          <a:lstStyle/>
+          <a:p>
+            <a:endParaRPr lang="en-CA" sz="3200" b="0" strike="noStrike" spc="-1">
               <a:latin typeface="Arial"/>
             </a:endParaRPr>
           </a:p>
@@ -522,11 +647,12 @@
           </a:prstGeom>
         </p:spPr>
         <p:txBody>
-          <a:bodyPr lIns="0" rIns="0" tIns="0" bIns="0">
+          <a:bodyPr lIns="0" tIns="0" rIns="0" bIns="0">
             <a:normAutofit/>
           </a:bodyPr>
-          <a:p>
-            <a:endParaRPr b="0" lang="en-CA" sz="3200" spc="-1" strike="noStrike">
+          <a:lstStyle/>
+          <a:p>
+            <a:endParaRPr lang="en-CA" sz="3200" b="0" strike="noStrike" spc="-1">
               <a:latin typeface="Arial"/>
             </a:endParaRPr>
           </a:p>
@@ -552,11 +678,12 @@
           </a:prstGeom>
         </p:spPr>
         <p:txBody>
-          <a:bodyPr lIns="0" rIns="0" tIns="0" bIns="0">
+          <a:bodyPr lIns="0" tIns="0" rIns="0" bIns="0">
             <a:normAutofit/>
           </a:bodyPr>
-          <a:p>
-            <a:endParaRPr b="0" lang="en-CA" sz="3200" spc="-1" strike="noStrike">
+          <a:lstStyle/>
+          <a:p>
+            <a:endParaRPr lang="en-CA" sz="3200" b="0" strike="noStrike" spc="-1">
               <a:latin typeface="Arial"/>
             </a:endParaRPr>
           </a:p>
@@ -564,11 +691,14 @@
       </p:sp>
     </p:spTree>
   </p:cSld>
+  <p:clrMapOvr>
+    <a:masterClrMapping/>
+  </p:clrMapOvr>
 </p:sldLayout>
 </file>
 
 <file path=ppt/slideLayouts/slideLayout13.xml><?xml version="1.0" encoding="utf-8"?>
-<p:sldLayout xmlns:a="http://schemas.openxmlformats.org/drawingml/2006/main" xmlns:p="http://schemas.openxmlformats.org/presentationml/2006/main" xmlns:r="http://schemas.openxmlformats.org/officeDocument/2006/relationships" xmlns:p14="http://schemas.microsoft.com/office/powerpoint/2010/main" xmlns:p15="http://schemas.microsoft.com/office/powerpoint/2012/main" xmlns:mc="http://schemas.openxmlformats.org/markup-compatibility/2006" type="blank" preserve="1">
+<p:sldLayout xmlns:a="http://schemas.openxmlformats.org/drawingml/2006/main" xmlns:r="http://schemas.openxmlformats.org/officeDocument/2006/relationships" xmlns:p="http://schemas.openxmlformats.org/presentationml/2006/main" type="blank" preserve="1">
   <p:cSld name="Blank Slide">
     <p:spTree>
       <p:nvGrpSpPr>
@@ -586,11 +716,14 @@
       </p:grpSpPr>
     </p:spTree>
   </p:cSld>
+  <p:clrMapOvr>
+    <a:masterClrMapping/>
+  </p:clrMapOvr>
 </p:sldLayout>
 </file>
 
 <file path=ppt/slideLayouts/slideLayout14.xml><?xml version="1.0" encoding="utf-8"?>
-<p:sldLayout xmlns:a="http://schemas.openxmlformats.org/drawingml/2006/main" xmlns:p="http://schemas.openxmlformats.org/presentationml/2006/main" xmlns:r="http://schemas.openxmlformats.org/officeDocument/2006/relationships" xmlns:p14="http://schemas.microsoft.com/office/powerpoint/2010/main" xmlns:p15="http://schemas.microsoft.com/office/powerpoint/2012/main" xmlns:mc="http://schemas.openxmlformats.org/markup-compatibility/2006" type="tx" preserve="1">
+<p:sldLayout xmlns:a="http://schemas.openxmlformats.org/drawingml/2006/main" xmlns:r="http://schemas.openxmlformats.org/officeDocument/2006/relationships" xmlns:p="http://schemas.openxmlformats.org/presentationml/2006/main" type="tx" preserve="1">
   <p:cSld name="Title Slide">
     <p:spTree>
       <p:nvGrpSpPr>
@@ -626,12 +759,13 @@
           </a:prstGeom>
         </p:spPr>
         <p:txBody>
-          <a:bodyPr lIns="0" rIns="0" tIns="0" bIns="0" anchor="ctr">
+          <a:bodyPr lIns="0" tIns="0" rIns="0" bIns="0" anchor="ctr">
             <a:noAutofit/>
           </a:bodyPr>
+          <a:lstStyle/>
           <a:p>
             <a:pPr algn="ctr"/>
-            <a:endParaRPr b="0" lang="en-CA" sz="4400" spc="-1" strike="noStrike">
+            <a:endParaRPr lang="en-CA" sz="4400" b="0" strike="noStrike" spc="-1">
               <a:latin typeface="Arial"/>
             </a:endParaRPr>
           </a:p>
@@ -657,12 +791,13 @@
           </a:prstGeom>
         </p:spPr>
         <p:txBody>
-          <a:bodyPr lIns="0" rIns="0" tIns="0" bIns="0" anchor="ctr">
+          <a:bodyPr lIns="0" tIns="0" rIns="0" bIns="0" anchor="ctr">
             <a:noAutofit/>
           </a:bodyPr>
+          <a:lstStyle/>
           <a:p>
             <a:pPr algn="ctr"/>
-            <a:endParaRPr b="0" lang="en-CA" sz="3200" spc="-1" strike="noStrike">
+            <a:endParaRPr lang="en-CA" sz="3200" b="0" strike="noStrike" spc="-1">
               <a:latin typeface="Arial"/>
             </a:endParaRPr>
           </a:p>
@@ -670,11 +805,14 @@
       </p:sp>
     </p:spTree>
   </p:cSld>
+  <p:clrMapOvr>
+    <a:masterClrMapping/>
+  </p:clrMapOvr>
 </p:sldLayout>
 </file>
 
 <file path=ppt/slideLayouts/slideLayout15.xml><?xml version="1.0" encoding="utf-8"?>
-<p:sldLayout xmlns:a="http://schemas.openxmlformats.org/drawingml/2006/main" xmlns:p="http://schemas.openxmlformats.org/presentationml/2006/main" xmlns:r="http://schemas.openxmlformats.org/officeDocument/2006/relationships" xmlns:p14="http://schemas.microsoft.com/office/powerpoint/2010/main" xmlns:p15="http://schemas.microsoft.com/office/powerpoint/2012/main" xmlns:mc="http://schemas.openxmlformats.org/markup-compatibility/2006" type="obj" preserve="1">
+<p:sldLayout xmlns:a="http://schemas.openxmlformats.org/drawingml/2006/main" xmlns:r="http://schemas.openxmlformats.org/officeDocument/2006/relationships" xmlns:p="http://schemas.openxmlformats.org/presentationml/2006/main" type="obj" preserve="1">
   <p:cSld name="Title, Content">
     <p:spTree>
       <p:nvGrpSpPr>
@@ -710,12 +848,13 @@
           </a:prstGeom>
         </p:spPr>
         <p:txBody>
-          <a:bodyPr lIns="0" rIns="0" tIns="0" bIns="0" anchor="ctr">
+          <a:bodyPr lIns="0" tIns="0" rIns="0" bIns="0" anchor="ctr">
             <a:noAutofit/>
           </a:bodyPr>
+          <a:lstStyle/>
           <a:p>
             <a:pPr algn="ctr"/>
-            <a:endParaRPr b="0" lang="en-CA" sz="4400" spc="-1" strike="noStrike">
+            <a:endParaRPr lang="en-CA" sz="4400" b="0" strike="noStrike" spc="-1">
               <a:latin typeface="Arial"/>
             </a:endParaRPr>
           </a:p>
@@ -741,11 +880,12 @@
           </a:prstGeom>
         </p:spPr>
         <p:txBody>
-          <a:bodyPr lIns="0" rIns="0" tIns="0" bIns="0">
+          <a:bodyPr lIns="0" tIns="0" rIns="0" bIns="0">
             <a:normAutofit/>
           </a:bodyPr>
-          <a:p>
-            <a:endParaRPr b="0" lang="en-CA" sz="3200" spc="-1" strike="noStrike">
+          <a:lstStyle/>
+          <a:p>
+            <a:endParaRPr lang="en-CA" sz="3200" b="0" strike="noStrike" spc="-1">
               <a:latin typeface="Arial"/>
             </a:endParaRPr>
           </a:p>
@@ -753,11 +893,14 @@
       </p:sp>
     </p:spTree>
   </p:cSld>
+  <p:clrMapOvr>
+    <a:masterClrMapping/>
+  </p:clrMapOvr>
 </p:sldLayout>
 </file>
 
 <file path=ppt/slideLayouts/slideLayout16.xml><?xml version="1.0" encoding="utf-8"?>
-<p:sldLayout xmlns:a="http://schemas.openxmlformats.org/drawingml/2006/main" xmlns:p="http://schemas.openxmlformats.org/presentationml/2006/main" xmlns:r="http://schemas.openxmlformats.org/officeDocument/2006/relationships" xmlns:p14="http://schemas.microsoft.com/office/powerpoint/2010/main" xmlns:p15="http://schemas.microsoft.com/office/powerpoint/2012/main" xmlns:mc="http://schemas.openxmlformats.org/markup-compatibility/2006" type="twoObj" preserve="1">
+<p:sldLayout xmlns:a="http://schemas.openxmlformats.org/drawingml/2006/main" xmlns:r="http://schemas.openxmlformats.org/officeDocument/2006/relationships" xmlns:p="http://schemas.openxmlformats.org/presentationml/2006/main" type="twoObj" preserve="1">
   <p:cSld name="Title, 2 Content">
     <p:spTree>
       <p:nvGrpSpPr>
@@ -793,12 +936,13 @@
           </a:prstGeom>
         </p:spPr>
         <p:txBody>
-          <a:bodyPr lIns="0" rIns="0" tIns="0" bIns="0" anchor="ctr">
+          <a:bodyPr lIns="0" tIns="0" rIns="0" bIns="0" anchor="ctr">
             <a:noAutofit/>
           </a:bodyPr>
+          <a:lstStyle/>
           <a:p>
             <a:pPr algn="ctr"/>
-            <a:endParaRPr b="0" lang="en-CA" sz="4400" spc="-1" strike="noStrike">
+            <a:endParaRPr lang="en-CA" sz="4400" b="0" strike="noStrike" spc="-1">
               <a:latin typeface="Arial"/>
             </a:endParaRPr>
           </a:p>
@@ -824,11 +968,12 @@
           </a:prstGeom>
         </p:spPr>
         <p:txBody>
-          <a:bodyPr lIns="0" rIns="0" tIns="0" bIns="0">
+          <a:bodyPr lIns="0" tIns="0" rIns="0" bIns="0">
             <a:normAutofit/>
           </a:bodyPr>
-          <a:p>
-            <a:endParaRPr b="0" lang="en-CA" sz="3200" spc="-1" strike="noStrike">
+          <a:lstStyle/>
+          <a:p>
+            <a:endParaRPr lang="en-CA" sz="3200" b="0" strike="noStrike" spc="-1">
               <a:latin typeface="Arial"/>
             </a:endParaRPr>
           </a:p>
@@ -854,11 +999,12 @@
           </a:prstGeom>
         </p:spPr>
         <p:txBody>
-          <a:bodyPr lIns="0" rIns="0" tIns="0" bIns="0">
+          <a:bodyPr lIns="0" tIns="0" rIns="0" bIns="0">
             <a:normAutofit/>
           </a:bodyPr>
-          <a:p>
-            <a:endParaRPr b="0" lang="en-CA" sz="3200" spc="-1" strike="noStrike">
+          <a:lstStyle/>
+          <a:p>
+            <a:endParaRPr lang="en-CA" sz="3200" b="0" strike="noStrike" spc="-1">
               <a:latin typeface="Arial"/>
             </a:endParaRPr>
           </a:p>
@@ -866,11 +1012,14 @@
       </p:sp>
     </p:spTree>
   </p:cSld>
+  <p:clrMapOvr>
+    <a:masterClrMapping/>
+  </p:clrMapOvr>
 </p:sldLayout>
 </file>
 
 <file path=ppt/slideLayouts/slideLayout17.xml><?xml version="1.0" encoding="utf-8"?>
-<p:sldLayout xmlns:a="http://schemas.openxmlformats.org/drawingml/2006/main" xmlns:p="http://schemas.openxmlformats.org/presentationml/2006/main" xmlns:r="http://schemas.openxmlformats.org/officeDocument/2006/relationships" xmlns:p14="http://schemas.microsoft.com/office/powerpoint/2010/main" xmlns:p15="http://schemas.microsoft.com/office/powerpoint/2012/main" xmlns:mc="http://schemas.openxmlformats.org/markup-compatibility/2006" type="titleOnly" preserve="1">
+<p:sldLayout xmlns:a="http://schemas.openxmlformats.org/drawingml/2006/main" xmlns:r="http://schemas.openxmlformats.org/officeDocument/2006/relationships" xmlns:p="http://schemas.openxmlformats.org/presentationml/2006/main" type="titleOnly" preserve="1">
   <p:cSld name="Title Only">
     <p:spTree>
       <p:nvGrpSpPr>
@@ -906,12 +1055,13 @@
           </a:prstGeom>
         </p:spPr>
         <p:txBody>
-          <a:bodyPr lIns="0" rIns="0" tIns="0" bIns="0" anchor="ctr">
+          <a:bodyPr lIns="0" tIns="0" rIns="0" bIns="0" anchor="ctr">
             <a:noAutofit/>
           </a:bodyPr>
+          <a:lstStyle/>
           <a:p>
             <a:pPr algn="ctr"/>
-            <a:endParaRPr b="0" lang="en-CA" sz="4400" spc="-1" strike="noStrike">
+            <a:endParaRPr lang="en-CA" sz="4400" b="0" strike="noStrike" spc="-1">
               <a:latin typeface="Arial"/>
             </a:endParaRPr>
           </a:p>
@@ -919,11 +1069,14 @@
       </p:sp>
     </p:spTree>
   </p:cSld>
+  <p:clrMapOvr>
+    <a:masterClrMapping/>
+  </p:clrMapOvr>
 </p:sldLayout>
 </file>
 
 <file path=ppt/slideLayouts/slideLayout18.xml><?xml version="1.0" encoding="utf-8"?>
-<p:sldLayout xmlns:a="http://schemas.openxmlformats.org/drawingml/2006/main" xmlns:p="http://schemas.openxmlformats.org/presentationml/2006/main" xmlns:r="http://schemas.openxmlformats.org/officeDocument/2006/relationships" xmlns:p14="http://schemas.microsoft.com/office/powerpoint/2010/main" xmlns:p15="http://schemas.microsoft.com/office/powerpoint/2012/main" xmlns:mc="http://schemas.openxmlformats.org/markup-compatibility/2006" type="objOnly" preserve="1">
+<p:sldLayout xmlns:a="http://schemas.openxmlformats.org/drawingml/2006/main" xmlns:r="http://schemas.openxmlformats.org/officeDocument/2006/relationships" xmlns:p="http://schemas.openxmlformats.org/presentationml/2006/main" type="objOnly" preserve="1">
   <p:cSld name="Centered Text">
     <p:spTree>
       <p:nvGrpSpPr>
@@ -959,12 +1112,13 @@
           </a:prstGeom>
         </p:spPr>
         <p:txBody>
-          <a:bodyPr lIns="0" rIns="0" tIns="0" bIns="0" anchor="ctr">
+          <a:bodyPr lIns="0" tIns="0" rIns="0" bIns="0" anchor="ctr">
             <a:noAutofit/>
           </a:bodyPr>
+          <a:lstStyle/>
           <a:p>
             <a:pPr algn="ctr"/>
-            <a:endParaRPr b="0" lang="en-CA" sz="3200" spc="-1" strike="noStrike">
+            <a:endParaRPr lang="en-CA" sz="3200" b="0" strike="noStrike" spc="-1">
               <a:latin typeface="Arial"/>
             </a:endParaRPr>
           </a:p>
@@ -972,11 +1126,14 @@
       </p:sp>
     </p:spTree>
   </p:cSld>
+  <p:clrMapOvr>
+    <a:masterClrMapping/>
+  </p:clrMapOvr>
 </p:sldLayout>
 </file>
 
 <file path=ppt/slideLayouts/slideLayout19.xml><?xml version="1.0" encoding="utf-8"?>
-<p:sldLayout xmlns:a="http://schemas.openxmlformats.org/drawingml/2006/main" xmlns:p="http://schemas.openxmlformats.org/presentationml/2006/main" xmlns:r="http://schemas.openxmlformats.org/officeDocument/2006/relationships" xmlns:p14="http://schemas.microsoft.com/office/powerpoint/2010/main" xmlns:p15="http://schemas.microsoft.com/office/powerpoint/2012/main" xmlns:mc="http://schemas.openxmlformats.org/markup-compatibility/2006" type="twoObjAndObj" preserve="1">
+<p:sldLayout xmlns:a="http://schemas.openxmlformats.org/drawingml/2006/main" xmlns:r="http://schemas.openxmlformats.org/officeDocument/2006/relationships" xmlns:p="http://schemas.openxmlformats.org/presentationml/2006/main" type="twoObjAndObj" preserve="1">
   <p:cSld name="Title, 2 Content and Content">
     <p:spTree>
       <p:nvGrpSpPr>
@@ -1012,12 +1169,13 @@
           </a:prstGeom>
         </p:spPr>
         <p:txBody>
-          <a:bodyPr lIns="0" rIns="0" tIns="0" bIns="0" anchor="ctr">
+          <a:bodyPr lIns="0" tIns="0" rIns="0" bIns="0" anchor="ctr">
             <a:noAutofit/>
           </a:bodyPr>
+          <a:lstStyle/>
           <a:p>
             <a:pPr algn="ctr"/>
-            <a:endParaRPr b="0" lang="en-CA" sz="4400" spc="-1" strike="noStrike">
+            <a:endParaRPr lang="en-CA" sz="4400" b="0" strike="noStrike" spc="-1">
               <a:latin typeface="Arial"/>
             </a:endParaRPr>
           </a:p>
@@ -1043,11 +1201,12 @@
           </a:prstGeom>
         </p:spPr>
         <p:txBody>
-          <a:bodyPr lIns="0" rIns="0" tIns="0" bIns="0">
+          <a:bodyPr lIns="0" tIns="0" rIns="0" bIns="0">
             <a:normAutofit/>
           </a:bodyPr>
-          <a:p>
-            <a:endParaRPr b="0" lang="en-CA" sz="3200" spc="-1" strike="noStrike">
+          <a:lstStyle/>
+          <a:p>
+            <a:endParaRPr lang="en-CA" sz="3200" b="0" strike="noStrike" spc="-1">
               <a:latin typeface="Arial"/>
             </a:endParaRPr>
           </a:p>
@@ -1073,11 +1232,12 @@
           </a:prstGeom>
         </p:spPr>
         <p:txBody>
-          <a:bodyPr lIns="0" rIns="0" tIns="0" bIns="0">
+          <a:bodyPr lIns="0" tIns="0" rIns="0" bIns="0">
             <a:normAutofit/>
           </a:bodyPr>
-          <a:p>
-            <a:endParaRPr b="0" lang="en-CA" sz="3200" spc="-1" strike="noStrike">
+          <a:lstStyle/>
+          <a:p>
+            <a:endParaRPr lang="en-CA" sz="3200" b="0" strike="noStrike" spc="-1">
               <a:latin typeface="Arial"/>
             </a:endParaRPr>
           </a:p>
@@ -1103,11 +1263,12 @@
           </a:prstGeom>
         </p:spPr>
         <p:txBody>
-          <a:bodyPr lIns="0" rIns="0" tIns="0" bIns="0">
+          <a:bodyPr lIns="0" tIns="0" rIns="0" bIns="0">
             <a:normAutofit/>
           </a:bodyPr>
-          <a:p>
-            <a:endParaRPr b="0" lang="en-CA" sz="3200" spc="-1" strike="noStrike">
+          <a:lstStyle/>
+          <a:p>
+            <a:endParaRPr lang="en-CA" sz="3200" b="0" strike="noStrike" spc="-1">
               <a:latin typeface="Arial"/>
             </a:endParaRPr>
           </a:p>
@@ -1115,11 +1276,14 @@
       </p:sp>
     </p:spTree>
   </p:cSld>
+  <p:clrMapOvr>
+    <a:masterClrMapping/>
+  </p:clrMapOvr>
 </p:sldLayout>
 </file>
 
 <file path=ppt/slideLayouts/slideLayout2.xml><?xml version="1.0" encoding="utf-8"?>
-<p:sldLayout xmlns:a="http://schemas.openxmlformats.org/drawingml/2006/main" xmlns:p="http://schemas.openxmlformats.org/presentationml/2006/main" xmlns:r="http://schemas.openxmlformats.org/officeDocument/2006/relationships" xmlns:p14="http://schemas.microsoft.com/office/powerpoint/2010/main" xmlns:p15="http://schemas.microsoft.com/office/powerpoint/2012/main" xmlns:mc="http://schemas.openxmlformats.org/markup-compatibility/2006" type="tx" preserve="1">
+<p:sldLayout xmlns:a="http://schemas.openxmlformats.org/drawingml/2006/main" xmlns:r="http://schemas.openxmlformats.org/officeDocument/2006/relationships" xmlns:p="http://schemas.openxmlformats.org/presentationml/2006/main" type="tx" preserve="1">
   <p:cSld name="Title Slide">
     <p:spTree>
       <p:nvGrpSpPr>
@@ -1155,12 +1319,13 @@
           </a:prstGeom>
         </p:spPr>
         <p:txBody>
-          <a:bodyPr lIns="0" rIns="0" tIns="0" bIns="0" anchor="ctr">
+          <a:bodyPr lIns="0" tIns="0" rIns="0" bIns="0" anchor="ctr">
             <a:noAutofit/>
           </a:bodyPr>
+          <a:lstStyle/>
           <a:p>
             <a:pPr algn="ctr"/>
-            <a:endParaRPr b="0" lang="en-CA" sz="4400" spc="-1" strike="noStrike">
+            <a:endParaRPr lang="en-CA" sz="4400" b="0" strike="noStrike" spc="-1">
               <a:latin typeface="Arial"/>
             </a:endParaRPr>
           </a:p>
@@ -1186,12 +1351,13 @@
           </a:prstGeom>
         </p:spPr>
         <p:txBody>
-          <a:bodyPr lIns="0" rIns="0" tIns="0" bIns="0" anchor="ctr">
+          <a:bodyPr lIns="0" tIns="0" rIns="0" bIns="0" anchor="ctr">
             <a:noAutofit/>
           </a:bodyPr>
+          <a:lstStyle/>
           <a:p>
             <a:pPr algn="ctr"/>
-            <a:endParaRPr b="0" lang="en-CA" sz="3200" spc="-1" strike="noStrike">
+            <a:endParaRPr lang="en-CA" sz="3200" b="0" strike="noStrike" spc="-1">
               <a:latin typeface="Arial"/>
             </a:endParaRPr>
           </a:p>
@@ -1199,11 +1365,14 @@
       </p:sp>
     </p:spTree>
   </p:cSld>
+  <p:clrMapOvr>
+    <a:masterClrMapping/>
+  </p:clrMapOvr>
 </p:sldLayout>
 </file>
 
 <file path=ppt/slideLayouts/slideLayout20.xml><?xml version="1.0" encoding="utf-8"?>
-<p:sldLayout xmlns:a="http://schemas.openxmlformats.org/drawingml/2006/main" xmlns:p="http://schemas.openxmlformats.org/presentationml/2006/main" xmlns:r="http://schemas.openxmlformats.org/officeDocument/2006/relationships" xmlns:p14="http://schemas.microsoft.com/office/powerpoint/2010/main" xmlns:p15="http://schemas.microsoft.com/office/powerpoint/2012/main" xmlns:mc="http://schemas.openxmlformats.org/markup-compatibility/2006" type="objAndTwoObj" preserve="1">
+<p:sldLayout xmlns:a="http://schemas.openxmlformats.org/drawingml/2006/main" xmlns:r="http://schemas.openxmlformats.org/officeDocument/2006/relationships" xmlns:p="http://schemas.openxmlformats.org/presentationml/2006/main" type="objAndTwoObj" preserve="1">
   <p:cSld name="Title Content and 2 Content">
     <p:spTree>
       <p:nvGrpSpPr>
@@ -1239,12 +1408,13 @@
           </a:prstGeom>
         </p:spPr>
         <p:txBody>
-          <a:bodyPr lIns="0" rIns="0" tIns="0" bIns="0" anchor="ctr">
+          <a:bodyPr lIns="0" tIns="0" rIns="0" bIns="0" anchor="ctr">
             <a:noAutofit/>
           </a:bodyPr>
+          <a:lstStyle/>
           <a:p>
             <a:pPr algn="ctr"/>
-            <a:endParaRPr b="0" lang="en-CA" sz="4400" spc="-1" strike="noStrike">
+            <a:endParaRPr lang="en-CA" sz="4400" b="0" strike="noStrike" spc="-1">
               <a:latin typeface="Arial"/>
             </a:endParaRPr>
           </a:p>
@@ -1270,11 +1440,12 @@
           </a:prstGeom>
         </p:spPr>
         <p:txBody>
-          <a:bodyPr lIns="0" rIns="0" tIns="0" bIns="0">
+          <a:bodyPr lIns="0" tIns="0" rIns="0" bIns="0">
             <a:normAutofit/>
           </a:bodyPr>
-          <a:p>
-            <a:endParaRPr b="0" lang="en-CA" sz="3200" spc="-1" strike="noStrike">
+          <a:lstStyle/>
+          <a:p>
+            <a:endParaRPr lang="en-CA" sz="3200" b="0" strike="noStrike" spc="-1">
               <a:latin typeface="Arial"/>
             </a:endParaRPr>
           </a:p>
@@ -1300,11 +1471,12 @@
           </a:prstGeom>
         </p:spPr>
         <p:txBody>
-          <a:bodyPr lIns="0" rIns="0" tIns="0" bIns="0">
+          <a:bodyPr lIns="0" tIns="0" rIns="0" bIns="0">
             <a:normAutofit/>
           </a:bodyPr>
-          <a:p>
-            <a:endParaRPr b="0" lang="en-CA" sz="3200" spc="-1" strike="noStrike">
+          <a:lstStyle/>
+          <a:p>
+            <a:endParaRPr lang="en-CA" sz="3200" b="0" strike="noStrike" spc="-1">
               <a:latin typeface="Arial"/>
             </a:endParaRPr>
           </a:p>
@@ -1330,11 +1502,12 @@
           </a:prstGeom>
         </p:spPr>
         <p:txBody>
-          <a:bodyPr lIns="0" rIns="0" tIns="0" bIns="0">
+          <a:bodyPr lIns="0" tIns="0" rIns="0" bIns="0">
             <a:normAutofit/>
           </a:bodyPr>
-          <a:p>
-            <a:endParaRPr b="0" lang="en-CA" sz="3200" spc="-1" strike="noStrike">
+          <a:lstStyle/>
+          <a:p>
+            <a:endParaRPr lang="en-CA" sz="3200" b="0" strike="noStrike" spc="-1">
               <a:latin typeface="Arial"/>
             </a:endParaRPr>
           </a:p>
@@ -1342,11 +1515,14 @@
       </p:sp>
     </p:spTree>
   </p:cSld>
+  <p:clrMapOvr>
+    <a:masterClrMapping/>
+  </p:clrMapOvr>
 </p:sldLayout>
 </file>
 
 <file path=ppt/slideLayouts/slideLayout21.xml><?xml version="1.0" encoding="utf-8"?>
-<p:sldLayout xmlns:a="http://schemas.openxmlformats.org/drawingml/2006/main" xmlns:p="http://schemas.openxmlformats.org/presentationml/2006/main" xmlns:r="http://schemas.openxmlformats.org/officeDocument/2006/relationships" xmlns:p14="http://schemas.microsoft.com/office/powerpoint/2010/main" xmlns:p15="http://schemas.microsoft.com/office/powerpoint/2012/main" xmlns:mc="http://schemas.openxmlformats.org/markup-compatibility/2006" type="twoObjOverTx" preserve="1">
+<p:sldLayout xmlns:a="http://schemas.openxmlformats.org/drawingml/2006/main" xmlns:r="http://schemas.openxmlformats.org/officeDocument/2006/relationships" xmlns:p="http://schemas.openxmlformats.org/presentationml/2006/main" type="twoObjOverTx" preserve="1">
   <p:cSld name="Title, 2 Content over Content">
     <p:spTree>
       <p:nvGrpSpPr>
@@ -1382,12 +1558,13 @@
           </a:prstGeom>
         </p:spPr>
         <p:txBody>
-          <a:bodyPr lIns="0" rIns="0" tIns="0" bIns="0" anchor="ctr">
+          <a:bodyPr lIns="0" tIns="0" rIns="0" bIns="0" anchor="ctr">
             <a:noAutofit/>
           </a:bodyPr>
+          <a:lstStyle/>
           <a:p>
             <a:pPr algn="ctr"/>
-            <a:endParaRPr b="0" lang="en-CA" sz="4400" spc="-1" strike="noStrike">
+            <a:endParaRPr lang="en-CA" sz="4400" b="0" strike="noStrike" spc="-1">
               <a:latin typeface="Arial"/>
             </a:endParaRPr>
           </a:p>
@@ -1413,11 +1590,12 @@
           </a:prstGeom>
         </p:spPr>
         <p:txBody>
-          <a:bodyPr lIns="0" rIns="0" tIns="0" bIns="0">
+          <a:bodyPr lIns="0" tIns="0" rIns="0" bIns="0">
             <a:normAutofit/>
           </a:bodyPr>
-          <a:p>
-            <a:endParaRPr b="0" lang="en-CA" sz="3200" spc="-1" strike="noStrike">
+          <a:lstStyle/>
+          <a:p>
+            <a:endParaRPr lang="en-CA" sz="3200" b="0" strike="noStrike" spc="-1">
               <a:latin typeface="Arial"/>
             </a:endParaRPr>
           </a:p>
@@ -1443,11 +1621,12 @@
           </a:prstGeom>
         </p:spPr>
         <p:txBody>
-          <a:bodyPr lIns="0" rIns="0" tIns="0" bIns="0">
+          <a:bodyPr lIns="0" tIns="0" rIns="0" bIns="0">
             <a:normAutofit/>
           </a:bodyPr>
-          <a:p>
-            <a:endParaRPr b="0" lang="en-CA" sz="3200" spc="-1" strike="noStrike">
+          <a:lstStyle/>
+          <a:p>
+            <a:endParaRPr lang="en-CA" sz="3200" b="0" strike="noStrike" spc="-1">
               <a:latin typeface="Arial"/>
             </a:endParaRPr>
           </a:p>
@@ -1473,11 +1652,12 @@
           </a:prstGeom>
         </p:spPr>
         <p:txBody>
-          <a:bodyPr lIns="0" rIns="0" tIns="0" bIns="0">
+          <a:bodyPr lIns="0" tIns="0" rIns="0" bIns="0">
             <a:normAutofit/>
           </a:bodyPr>
-          <a:p>
-            <a:endParaRPr b="0" lang="en-CA" sz="3200" spc="-1" strike="noStrike">
+          <a:lstStyle/>
+          <a:p>
+            <a:endParaRPr lang="en-CA" sz="3200" b="0" strike="noStrike" spc="-1">
               <a:latin typeface="Arial"/>
             </a:endParaRPr>
           </a:p>
@@ -1485,11 +1665,14 @@
       </p:sp>
     </p:spTree>
   </p:cSld>
+  <p:clrMapOvr>
+    <a:masterClrMapping/>
+  </p:clrMapOvr>
 </p:sldLayout>
 </file>
 
 <file path=ppt/slideLayouts/slideLayout22.xml><?xml version="1.0" encoding="utf-8"?>
-<p:sldLayout xmlns:a="http://schemas.openxmlformats.org/drawingml/2006/main" xmlns:p="http://schemas.openxmlformats.org/presentationml/2006/main" xmlns:r="http://schemas.openxmlformats.org/officeDocument/2006/relationships" xmlns:p14="http://schemas.microsoft.com/office/powerpoint/2010/main" xmlns:p15="http://schemas.microsoft.com/office/powerpoint/2012/main" xmlns:mc="http://schemas.openxmlformats.org/markup-compatibility/2006" type="objOverTx" preserve="1">
+<p:sldLayout xmlns:a="http://schemas.openxmlformats.org/drawingml/2006/main" xmlns:r="http://schemas.openxmlformats.org/officeDocument/2006/relationships" xmlns:p="http://schemas.openxmlformats.org/presentationml/2006/main" type="objOverTx" preserve="1">
   <p:cSld name="Title, Content over Content">
     <p:spTree>
       <p:nvGrpSpPr>
@@ -1525,12 +1708,13 @@
           </a:prstGeom>
         </p:spPr>
         <p:txBody>
-          <a:bodyPr lIns="0" rIns="0" tIns="0" bIns="0" anchor="ctr">
+          <a:bodyPr lIns="0" tIns="0" rIns="0" bIns="0" anchor="ctr">
             <a:noAutofit/>
           </a:bodyPr>
+          <a:lstStyle/>
           <a:p>
             <a:pPr algn="ctr"/>
-            <a:endParaRPr b="0" lang="en-CA" sz="4400" spc="-1" strike="noStrike">
+            <a:endParaRPr lang="en-CA" sz="4400" b="0" strike="noStrike" spc="-1">
               <a:latin typeface="Arial"/>
             </a:endParaRPr>
           </a:p>
@@ -1556,11 +1740,12 @@
           </a:prstGeom>
         </p:spPr>
         <p:txBody>
-          <a:bodyPr lIns="0" rIns="0" tIns="0" bIns="0">
+          <a:bodyPr lIns="0" tIns="0" rIns="0" bIns="0">
             <a:normAutofit/>
           </a:bodyPr>
-          <a:p>
-            <a:endParaRPr b="0" lang="en-CA" sz="3200" spc="-1" strike="noStrike">
+          <a:lstStyle/>
+          <a:p>
+            <a:endParaRPr lang="en-CA" sz="3200" b="0" strike="noStrike" spc="-1">
               <a:latin typeface="Arial"/>
             </a:endParaRPr>
           </a:p>
@@ -1586,11 +1771,12 @@
           </a:prstGeom>
         </p:spPr>
         <p:txBody>
-          <a:bodyPr lIns="0" rIns="0" tIns="0" bIns="0">
+          <a:bodyPr lIns="0" tIns="0" rIns="0" bIns="0">
             <a:normAutofit/>
           </a:bodyPr>
-          <a:p>
-            <a:endParaRPr b="0" lang="en-CA" sz="3200" spc="-1" strike="noStrike">
+          <a:lstStyle/>
+          <a:p>
+            <a:endParaRPr lang="en-CA" sz="3200" b="0" strike="noStrike" spc="-1">
               <a:latin typeface="Arial"/>
             </a:endParaRPr>
           </a:p>
@@ -1598,11 +1784,14 @@
       </p:sp>
     </p:spTree>
   </p:cSld>
+  <p:clrMapOvr>
+    <a:masterClrMapping/>
+  </p:clrMapOvr>
 </p:sldLayout>
 </file>
 
 <file path=ppt/slideLayouts/slideLayout23.xml><?xml version="1.0" encoding="utf-8"?>
-<p:sldLayout xmlns:a="http://schemas.openxmlformats.org/drawingml/2006/main" xmlns:p="http://schemas.openxmlformats.org/presentationml/2006/main" xmlns:r="http://schemas.openxmlformats.org/officeDocument/2006/relationships" xmlns:p14="http://schemas.microsoft.com/office/powerpoint/2010/main" xmlns:p15="http://schemas.microsoft.com/office/powerpoint/2012/main" xmlns:mc="http://schemas.openxmlformats.org/markup-compatibility/2006" type="fourObj" preserve="1">
+<p:sldLayout xmlns:a="http://schemas.openxmlformats.org/drawingml/2006/main" xmlns:r="http://schemas.openxmlformats.org/officeDocument/2006/relationships" xmlns:p="http://schemas.openxmlformats.org/presentationml/2006/main" type="fourObj" preserve="1">
   <p:cSld name="Title, 4 Content">
     <p:spTree>
       <p:nvGrpSpPr>
@@ -1638,12 +1827,13 @@
           </a:prstGeom>
         </p:spPr>
         <p:txBody>
-          <a:bodyPr lIns="0" rIns="0" tIns="0" bIns="0" anchor="ctr">
+          <a:bodyPr lIns="0" tIns="0" rIns="0" bIns="0" anchor="ctr">
             <a:noAutofit/>
           </a:bodyPr>
+          <a:lstStyle/>
           <a:p>
             <a:pPr algn="ctr"/>
-            <a:endParaRPr b="0" lang="en-CA" sz="4400" spc="-1" strike="noStrike">
+            <a:endParaRPr lang="en-CA" sz="4400" b="0" strike="noStrike" spc="-1">
               <a:latin typeface="Arial"/>
             </a:endParaRPr>
           </a:p>
@@ -1669,11 +1859,12 @@
           </a:prstGeom>
         </p:spPr>
         <p:txBody>
-          <a:bodyPr lIns="0" rIns="0" tIns="0" bIns="0">
+          <a:bodyPr lIns="0" tIns="0" rIns="0" bIns="0">
             <a:normAutofit/>
           </a:bodyPr>
-          <a:p>
-            <a:endParaRPr b="0" lang="en-CA" sz="3200" spc="-1" strike="noStrike">
+          <a:lstStyle/>
+          <a:p>
+            <a:endParaRPr lang="en-CA" sz="3200" b="0" strike="noStrike" spc="-1">
               <a:latin typeface="Arial"/>
             </a:endParaRPr>
           </a:p>
@@ -1699,11 +1890,12 @@
           </a:prstGeom>
         </p:spPr>
         <p:txBody>
-          <a:bodyPr lIns="0" rIns="0" tIns="0" bIns="0">
+          <a:bodyPr lIns="0" tIns="0" rIns="0" bIns="0">
             <a:normAutofit/>
           </a:bodyPr>
-          <a:p>
-            <a:endParaRPr b="0" lang="en-CA" sz="3200" spc="-1" strike="noStrike">
+          <a:lstStyle/>
+          <a:p>
+            <a:endParaRPr lang="en-CA" sz="3200" b="0" strike="noStrike" spc="-1">
               <a:latin typeface="Arial"/>
             </a:endParaRPr>
           </a:p>
@@ -1729,11 +1921,12 @@
           </a:prstGeom>
         </p:spPr>
         <p:txBody>
-          <a:bodyPr lIns="0" rIns="0" tIns="0" bIns="0">
+          <a:bodyPr lIns="0" tIns="0" rIns="0" bIns="0">
             <a:normAutofit/>
           </a:bodyPr>
-          <a:p>
-            <a:endParaRPr b="0" lang="en-CA" sz="3200" spc="-1" strike="noStrike">
+          <a:lstStyle/>
+          <a:p>
+            <a:endParaRPr lang="en-CA" sz="3200" b="0" strike="noStrike" spc="-1">
               <a:latin typeface="Arial"/>
             </a:endParaRPr>
           </a:p>
@@ -1759,11 +1952,12 @@
           </a:prstGeom>
         </p:spPr>
         <p:txBody>
-          <a:bodyPr lIns="0" rIns="0" tIns="0" bIns="0">
+          <a:bodyPr lIns="0" tIns="0" rIns="0" bIns="0">
             <a:normAutofit/>
           </a:bodyPr>
-          <a:p>
-            <a:endParaRPr b="0" lang="en-CA" sz="3200" spc="-1" strike="noStrike">
+          <a:lstStyle/>
+          <a:p>
+            <a:endParaRPr lang="en-CA" sz="3200" b="0" strike="noStrike" spc="-1">
               <a:latin typeface="Arial"/>
             </a:endParaRPr>
           </a:p>
@@ -1771,11 +1965,14 @@
       </p:sp>
     </p:spTree>
   </p:cSld>
+  <p:clrMapOvr>
+    <a:masterClrMapping/>
+  </p:clrMapOvr>
 </p:sldLayout>
 </file>
 
 <file path=ppt/slideLayouts/slideLayout24.xml><?xml version="1.0" encoding="utf-8"?>
-<p:sldLayout xmlns:a="http://schemas.openxmlformats.org/drawingml/2006/main" xmlns:p="http://schemas.openxmlformats.org/presentationml/2006/main" xmlns:r="http://schemas.openxmlformats.org/officeDocument/2006/relationships" xmlns:p14="http://schemas.microsoft.com/office/powerpoint/2010/main" xmlns:p15="http://schemas.microsoft.com/office/powerpoint/2012/main" xmlns:mc="http://schemas.openxmlformats.org/markup-compatibility/2006" type="blank" preserve="1">
+<p:sldLayout xmlns:a="http://schemas.openxmlformats.org/drawingml/2006/main" xmlns:r="http://schemas.openxmlformats.org/officeDocument/2006/relationships" xmlns:p="http://schemas.openxmlformats.org/presentationml/2006/main" type="blank" preserve="1">
   <p:cSld name="Title, 6 Content">
     <p:spTree>
       <p:nvGrpSpPr>
@@ -1811,12 +2008,13 @@
           </a:prstGeom>
         </p:spPr>
         <p:txBody>
-          <a:bodyPr lIns="0" rIns="0" tIns="0" bIns="0" anchor="ctr">
+          <a:bodyPr lIns="0" tIns="0" rIns="0" bIns="0" anchor="ctr">
             <a:noAutofit/>
           </a:bodyPr>
+          <a:lstStyle/>
           <a:p>
             <a:pPr algn="ctr"/>
-            <a:endParaRPr b="0" lang="en-CA" sz="4400" spc="-1" strike="noStrike">
+            <a:endParaRPr lang="en-CA" sz="4400" b="0" strike="noStrike" spc="-1">
               <a:latin typeface="Arial"/>
             </a:endParaRPr>
           </a:p>
@@ -1842,11 +2040,12 @@
           </a:prstGeom>
         </p:spPr>
         <p:txBody>
-          <a:bodyPr lIns="0" rIns="0" tIns="0" bIns="0">
+          <a:bodyPr lIns="0" tIns="0" rIns="0" bIns="0">
             <a:normAutofit/>
           </a:bodyPr>
-          <a:p>
-            <a:endParaRPr b="0" lang="en-CA" sz="3200" spc="-1" strike="noStrike">
+          <a:lstStyle/>
+          <a:p>
+            <a:endParaRPr lang="en-CA" sz="3200" b="0" strike="noStrike" spc="-1">
               <a:latin typeface="Arial"/>
             </a:endParaRPr>
           </a:p>
@@ -1872,11 +2071,12 @@
           </a:prstGeom>
         </p:spPr>
         <p:txBody>
-          <a:bodyPr lIns="0" rIns="0" tIns="0" bIns="0">
+          <a:bodyPr lIns="0" tIns="0" rIns="0" bIns="0">
             <a:normAutofit/>
           </a:bodyPr>
-          <a:p>
-            <a:endParaRPr b="0" lang="en-CA" sz="3200" spc="-1" strike="noStrike">
+          <a:lstStyle/>
+          <a:p>
+            <a:endParaRPr lang="en-CA" sz="3200" b="0" strike="noStrike" spc="-1">
               <a:latin typeface="Arial"/>
             </a:endParaRPr>
           </a:p>
@@ -1902,11 +2102,12 @@
           </a:prstGeom>
         </p:spPr>
         <p:txBody>
-          <a:bodyPr lIns="0" rIns="0" tIns="0" bIns="0">
+          <a:bodyPr lIns="0" tIns="0" rIns="0" bIns="0">
             <a:normAutofit/>
           </a:bodyPr>
-          <a:p>
-            <a:endParaRPr b="0" lang="en-CA" sz="3200" spc="-1" strike="noStrike">
+          <a:lstStyle/>
+          <a:p>
+            <a:endParaRPr lang="en-CA" sz="3200" b="0" strike="noStrike" spc="-1">
               <a:latin typeface="Arial"/>
             </a:endParaRPr>
           </a:p>
@@ -1932,11 +2133,12 @@
           </a:prstGeom>
         </p:spPr>
         <p:txBody>
-          <a:bodyPr lIns="0" rIns="0" tIns="0" bIns="0">
+          <a:bodyPr lIns="0" tIns="0" rIns="0" bIns="0">
             <a:normAutofit/>
           </a:bodyPr>
-          <a:p>
-            <a:endParaRPr b="0" lang="en-CA" sz="3200" spc="-1" strike="noStrike">
+          <a:lstStyle/>
+          <a:p>
+            <a:endParaRPr lang="en-CA" sz="3200" b="0" strike="noStrike" spc="-1">
               <a:latin typeface="Arial"/>
             </a:endParaRPr>
           </a:p>
@@ -1962,11 +2164,12 @@
           </a:prstGeom>
         </p:spPr>
         <p:txBody>
-          <a:bodyPr lIns="0" rIns="0" tIns="0" bIns="0">
+          <a:bodyPr lIns="0" tIns="0" rIns="0" bIns="0">
             <a:normAutofit/>
           </a:bodyPr>
-          <a:p>
-            <a:endParaRPr b="0" lang="en-CA" sz="3200" spc="-1" strike="noStrike">
+          <a:lstStyle/>
+          <a:p>
+            <a:endParaRPr lang="en-CA" sz="3200" b="0" strike="noStrike" spc="-1">
               <a:latin typeface="Arial"/>
             </a:endParaRPr>
           </a:p>
@@ -1992,11 +2195,12 @@
           </a:prstGeom>
         </p:spPr>
         <p:txBody>
-          <a:bodyPr lIns="0" rIns="0" tIns="0" bIns="0">
+          <a:bodyPr lIns="0" tIns="0" rIns="0" bIns="0">
             <a:normAutofit/>
           </a:bodyPr>
-          <a:p>
-            <a:endParaRPr b="0" lang="en-CA" sz="3200" spc="-1" strike="noStrike">
+          <a:lstStyle/>
+          <a:p>
+            <a:endParaRPr lang="en-CA" sz="3200" b="0" strike="noStrike" spc="-1">
               <a:latin typeface="Arial"/>
             </a:endParaRPr>
           </a:p>
@@ -2004,11 +2208,14 @@
       </p:sp>
     </p:spTree>
   </p:cSld>
+  <p:clrMapOvr>
+    <a:masterClrMapping/>
+  </p:clrMapOvr>
 </p:sldLayout>
 </file>
 
 <file path=ppt/slideLayouts/slideLayout3.xml><?xml version="1.0" encoding="utf-8"?>
-<p:sldLayout xmlns:a="http://schemas.openxmlformats.org/drawingml/2006/main" xmlns:p="http://schemas.openxmlformats.org/presentationml/2006/main" xmlns:r="http://schemas.openxmlformats.org/officeDocument/2006/relationships" xmlns:p14="http://schemas.microsoft.com/office/powerpoint/2010/main" xmlns:p15="http://schemas.microsoft.com/office/powerpoint/2012/main" xmlns:mc="http://schemas.openxmlformats.org/markup-compatibility/2006" type="obj" preserve="1">
+<p:sldLayout xmlns:a="http://schemas.openxmlformats.org/drawingml/2006/main" xmlns:r="http://schemas.openxmlformats.org/officeDocument/2006/relationships" xmlns:p="http://schemas.openxmlformats.org/presentationml/2006/main" type="obj" preserve="1">
   <p:cSld name="Title, Content">
     <p:spTree>
       <p:nvGrpSpPr>
@@ -2044,12 +2251,13 @@
           </a:prstGeom>
         </p:spPr>
         <p:txBody>
-          <a:bodyPr lIns="0" rIns="0" tIns="0" bIns="0" anchor="ctr">
+          <a:bodyPr lIns="0" tIns="0" rIns="0" bIns="0" anchor="ctr">
             <a:noAutofit/>
           </a:bodyPr>
+          <a:lstStyle/>
           <a:p>
             <a:pPr algn="ctr"/>
-            <a:endParaRPr b="0" lang="en-CA" sz="4400" spc="-1" strike="noStrike">
+            <a:endParaRPr lang="en-CA" sz="4400" b="0" strike="noStrike" spc="-1">
               <a:latin typeface="Arial"/>
             </a:endParaRPr>
           </a:p>
@@ -2075,11 +2283,12 @@
           </a:prstGeom>
         </p:spPr>
         <p:txBody>
-          <a:bodyPr lIns="0" rIns="0" tIns="0" bIns="0">
+          <a:bodyPr lIns="0" tIns="0" rIns="0" bIns="0">
             <a:normAutofit/>
           </a:bodyPr>
-          <a:p>
-            <a:endParaRPr b="0" lang="en-CA" sz="3200" spc="-1" strike="noStrike">
+          <a:lstStyle/>
+          <a:p>
+            <a:endParaRPr lang="en-CA" sz="3200" b="0" strike="noStrike" spc="-1">
               <a:latin typeface="Arial"/>
             </a:endParaRPr>
           </a:p>
@@ -2087,11 +2296,14 @@
       </p:sp>
     </p:spTree>
   </p:cSld>
+  <p:clrMapOvr>
+    <a:masterClrMapping/>
+  </p:clrMapOvr>
 </p:sldLayout>
 </file>
 
 <file path=ppt/slideLayouts/slideLayout4.xml><?xml version="1.0" encoding="utf-8"?>
-<p:sldLayout xmlns:a="http://schemas.openxmlformats.org/drawingml/2006/main" xmlns:p="http://schemas.openxmlformats.org/presentationml/2006/main" xmlns:r="http://schemas.openxmlformats.org/officeDocument/2006/relationships" xmlns:p14="http://schemas.microsoft.com/office/powerpoint/2010/main" xmlns:p15="http://schemas.microsoft.com/office/powerpoint/2012/main" xmlns:mc="http://schemas.openxmlformats.org/markup-compatibility/2006" type="twoObj" preserve="1">
+<p:sldLayout xmlns:a="http://schemas.openxmlformats.org/drawingml/2006/main" xmlns:r="http://schemas.openxmlformats.org/officeDocument/2006/relationships" xmlns:p="http://schemas.openxmlformats.org/presentationml/2006/main" type="twoObj" preserve="1">
   <p:cSld name="Title, 2 Content">
     <p:spTree>
       <p:nvGrpSpPr>
@@ -2127,12 +2339,13 @@
           </a:prstGeom>
         </p:spPr>
         <p:txBody>
-          <a:bodyPr lIns="0" rIns="0" tIns="0" bIns="0" anchor="ctr">
+          <a:bodyPr lIns="0" tIns="0" rIns="0" bIns="0" anchor="ctr">
             <a:noAutofit/>
           </a:bodyPr>
+          <a:lstStyle/>
           <a:p>
             <a:pPr algn="ctr"/>
-            <a:endParaRPr b="0" lang="en-CA" sz="4400" spc="-1" strike="noStrike">
+            <a:endParaRPr lang="en-CA" sz="4400" b="0" strike="noStrike" spc="-1">
               <a:latin typeface="Arial"/>
             </a:endParaRPr>
           </a:p>
@@ -2158,11 +2371,12 @@
           </a:prstGeom>
         </p:spPr>
         <p:txBody>
-          <a:bodyPr lIns="0" rIns="0" tIns="0" bIns="0">
+          <a:bodyPr lIns="0" tIns="0" rIns="0" bIns="0">
             <a:normAutofit/>
           </a:bodyPr>
-          <a:p>
-            <a:endParaRPr b="0" lang="en-CA" sz="3200" spc="-1" strike="noStrike">
+          <a:lstStyle/>
+          <a:p>
+            <a:endParaRPr lang="en-CA" sz="3200" b="0" strike="noStrike" spc="-1">
               <a:latin typeface="Arial"/>
             </a:endParaRPr>
           </a:p>
@@ -2188,11 +2402,12 @@
           </a:prstGeom>
         </p:spPr>
         <p:txBody>
-          <a:bodyPr lIns="0" rIns="0" tIns="0" bIns="0">
+          <a:bodyPr lIns="0" tIns="0" rIns="0" bIns="0">
             <a:normAutofit/>
           </a:bodyPr>
-          <a:p>
-            <a:endParaRPr b="0" lang="en-CA" sz="3200" spc="-1" strike="noStrike">
+          <a:lstStyle/>
+          <a:p>
+            <a:endParaRPr lang="en-CA" sz="3200" b="0" strike="noStrike" spc="-1">
               <a:latin typeface="Arial"/>
             </a:endParaRPr>
           </a:p>
@@ -2200,11 +2415,14 @@
       </p:sp>
     </p:spTree>
   </p:cSld>
+  <p:clrMapOvr>
+    <a:masterClrMapping/>
+  </p:clrMapOvr>
 </p:sldLayout>
 </file>
 
 <file path=ppt/slideLayouts/slideLayout5.xml><?xml version="1.0" encoding="utf-8"?>
-<p:sldLayout xmlns:a="http://schemas.openxmlformats.org/drawingml/2006/main" xmlns:p="http://schemas.openxmlformats.org/presentationml/2006/main" xmlns:r="http://schemas.openxmlformats.org/officeDocument/2006/relationships" xmlns:p14="http://schemas.microsoft.com/office/powerpoint/2010/main" xmlns:p15="http://schemas.microsoft.com/office/powerpoint/2012/main" xmlns:mc="http://schemas.openxmlformats.org/markup-compatibility/2006" type="titleOnly" preserve="1">
+<p:sldLayout xmlns:a="http://schemas.openxmlformats.org/drawingml/2006/main" xmlns:r="http://schemas.openxmlformats.org/officeDocument/2006/relationships" xmlns:p="http://schemas.openxmlformats.org/presentationml/2006/main" type="titleOnly" preserve="1">
   <p:cSld name="Title Only">
     <p:spTree>
       <p:nvGrpSpPr>
@@ -2240,12 +2458,13 @@
           </a:prstGeom>
         </p:spPr>
         <p:txBody>
-          <a:bodyPr lIns="0" rIns="0" tIns="0" bIns="0" anchor="ctr">
+          <a:bodyPr lIns="0" tIns="0" rIns="0" bIns="0" anchor="ctr">
             <a:noAutofit/>
           </a:bodyPr>
+          <a:lstStyle/>
           <a:p>
             <a:pPr algn="ctr"/>
-            <a:endParaRPr b="0" lang="en-CA" sz="4400" spc="-1" strike="noStrike">
+            <a:endParaRPr lang="en-CA" sz="4400" b="0" strike="noStrike" spc="-1">
               <a:latin typeface="Arial"/>
             </a:endParaRPr>
           </a:p>
@@ -2253,11 +2472,14 @@
       </p:sp>
     </p:spTree>
   </p:cSld>
+  <p:clrMapOvr>
+    <a:masterClrMapping/>
+  </p:clrMapOvr>
 </p:sldLayout>
 </file>
 
 <file path=ppt/slideLayouts/slideLayout6.xml><?xml version="1.0" encoding="utf-8"?>
-<p:sldLayout xmlns:a="http://schemas.openxmlformats.org/drawingml/2006/main" xmlns:p="http://schemas.openxmlformats.org/presentationml/2006/main" xmlns:r="http://schemas.openxmlformats.org/officeDocument/2006/relationships" xmlns:p14="http://schemas.microsoft.com/office/powerpoint/2010/main" xmlns:p15="http://schemas.microsoft.com/office/powerpoint/2012/main" xmlns:mc="http://schemas.openxmlformats.org/markup-compatibility/2006" type="objOnly" preserve="1">
+<p:sldLayout xmlns:a="http://schemas.openxmlformats.org/drawingml/2006/main" xmlns:r="http://schemas.openxmlformats.org/officeDocument/2006/relationships" xmlns:p="http://schemas.openxmlformats.org/presentationml/2006/main" type="objOnly" preserve="1">
   <p:cSld name="Centered Text">
     <p:spTree>
       <p:nvGrpSpPr>
@@ -2293,12 +2515,13 @@
           </a:prstGeom>
         </p:spPr>
         <p:txBody>
-          <a:bodyPr lIns="0" rIns="0" tIns="0" bIns="0" anchor="ctr">
+          <a:bodyPr lIns="0" tIns="0" rIns="0" bIns="0" anchor="ctr">
             <a:noAutofit/>
           </a:bodyPr>
+          <a:lstStyle/>
           <a:p>
             <a:pPr algn="ctr"/>
-            <a:endParaRPr b="0" lang="en-CA" sz="3200" spc="-1" strike="noStrike">
+            <a:endParaRPr lang="en-CA" sz="3200" b="0" strike="noStrike" spc="-1">
               <a:latin typeface="Arial"/>
             </a:endParaRPr>
           </a:p>
@@ -2306,11 +2529,14 @@
       </p:sp>
     </p:spTree>
   </p:cSld>
+  <p:clrMapOvr>
+    <a:masterClrMapping/>
+  </p:clrMapOvr>
 </p:sldLayout>
 </file>
 
 <file path=ppt/slideLayouts/slideLayout7.xml><?xml version="1.0" encoding="utf-8"?>
-<p:sldLayout xmlns:a="http://schemas.openxmlformats.org/drawingml/2006/main" xmlns:p="http://schemas.openxmlformats.org/presentationml/2006/main" xmlns:r="http://schemas.openxmlformats.org/officeDocument/2006/relationships" xmlns:p14="http://schemas.microsoft.com/office/powerpoint/2010/main" xmlns:p15="http://schemas.microsoft.com/office/powerpoint/2012/main" xmlns:mc="http://schemas.openxmlformats.org/markup-compatibility/2006" type="twoObjAndObj" preserve="1">
+<p:sldLayout xmlns:a="http://schemas.openxmlformats.org/drawingml/2006/main" xmlns:r="http://schemas.openxmlformats.org/officeDocument/2006/relationships" xmlns:p="http://schemas.openxmlformats.org/presentationml/2006/main" type="twoObjAndObj" preserve="1">
   <p:cSld name="Title, 2 Content and Content">
     <p:spTree>
       <p:nvGrpSpPr>
@@ -2346,12 +2572,13 @@
           </a:prstGeom>
         </p:spPr>
         <p:txBody>
-          <a:bodyPr lIns="0" rIns="0" tIns="0" bIns="0" anchor="ctr">
+          <a:bodyPr lIns="0" tIns="0" rIns="0" bIns="0" anchor="ctr">
             <a:noAutofit/>
           </a:bodyPr>
+          <a:lstStyle/>
           <a:p>
             <a:pPr algn="ctr"/>
-            <a:endParaRPr b="0" lang="en-CA" sz="4400" spc="-1" strike="noStrike">
+            <a:endParaRPr lang="en-CA" sz="4400" b="0" strike="noStrike" spc="-1">
               <a:latin typeface="Arial"/>
             </a:endParaRPr>
           </a:p>
@@ -2377,11 +2604,12 @@
           </a:prstGeom>
         </p:spPr>
         <p:txBody>
-          <a:bodyPr lIns="0" rIns="0" tIns="0" bIns="0">
+          <a:bodyPr lIns="0" tIns="0" rIns="0" bIns="0">
             <a:normAutofit/>
           </a:bodyPr>
-          <a:p>
-            <a:endParaRPr b="0" lang="en-CA" sz="3200" spc="-1" strike="noStrike">
+          <a:lstStyle/>
+          <a:p>
+            <a:endParaRPr lang="en-CA" sz="3200" b="0" strike="noStrike" spc="-1">
               <a:latin typeface="Arial"/>
             </a:endParaRPr>
           </a:p>
@@ -2407,11 +2635,12 @@
           </a:prstGeom>
         </p:spPr>
         <p:txBody>
-          <a:bodyPr lIns="0" rIns="0" tIns="0" bIns="0">
+          <a:bodyPr lIns="0" tIns="0" rIns="0" bIns="0">
             <a:normAutofit/>
           </a:bodyPr>
-          <a:p>
-            <a:endParaRPr b="0" lang="en-CA" sz="3200" spc="-1" strike="noStrike">
+          <a:lstStyle/>
+          <a:p>
+            <a:endParaRPr lang="en-CA" sz="3200" b="0" strike="noStrike" spc="-1">
               <a:latin typeface="Arial"/>
             </a:endParaRPr>
           </a:p>
@@ -2437,11 +2666,12 @@
           </a:prstGeom>
         </p:spPr>
         <p:txBody>
-          <a:bodyPr lIns="0" rIns="0" tIns="0" bIns="0">
+          <a:bodyPr lIns="0" tIns="0" rIns="0" bIns="0">
             <a:normAutofit/>
           </a:bodyPr>
-          <a:p>
-            <a:endParaRPr b="0" lang="en-CA" sz="3200" spc="-1" strike="noStrike">
+          <a:lstStyle/>
+          <a:p>
+            <a:endParaRPr lang="en-CA" sz="3200" b="0" strike="noStrike" spc="-1">
               <a:latin typeface="Arial"/>
             </a:endParaRPr>
           </a:p>
@@ -2449,11 +2679,14 @@
       </p:sp>
     </p:spTree>
   </p:cSld>
+  <p:clrMapOvr>
+    <a:masterClrMapping/>
+  </p:clrMapOvr>
 </p:sldLayout>
 </file>
 
 <file path=ppt/slideLayouts/slideLayout8.xml><?xml version="1.0" encoding="utf-8"?>
-<p:sldLayout xmlns:a="http://schemas.openxmlformats.org/drawingml/2006/main" xmlns:p="http://schemas.openxmlformats.org/presentationml/2006/main" xmlns:r="http://schemas.openxmlformats.org/officeDocument/2006/relationships" xmlns:p14="http://schemas.microsoft.com/office/powerpoint/2010/main" xmlns:p15="http://schemas.microsoft.com/office/powerpoint/2012/main" xmlns:mc="http://schemas.openxmlformats.org/markup-compatibility/2006" type="objAndTwoObj" preserve="1">
+<p:sldLayout xmlns:a="http://schemas.openxmlformats.org/drawingml/2006/main" xmlns:r="http://schemas.openxmlformats.org/officeDocument/2006/relationships" xmlns:p="http://schemas.openxmlformats.org/presentationml/2006/main" type="objAndTwoObj" preserve="1">
   <p:cSld name="Title Content and 2 Content">
     <p:spTree>
       <p:nvGrpSpPr>
@@ -2489,12 +2722,13 @@
           </a:prstGeom>
         </p:spPr>
         <p:txBody>
-          <a:bodyPr lIns="0" rIns="0" tIns="0" bIns="0" anchor="ctr">
+          <a:bodyPr lIns="0" tIns="0" rIns="0" bIns="0" anchor="ctr">
             <a:noAutofit/>
           </a:bodyPr>
+          <a:lstStyle/>
           <a:p>
             <a:pPr algn="ctr"/>
-            <a:endParaRPr b="0" lang="en-CA" sz="4400" spc="-1" strike="noStrike">
+            <a:endParaRPr lang="en-CA" sz="4400" b="0" strike="noStrike" spc="-1">
               <a:latin typeface="Arial"/>
             </a:endParaRPr>
           </a:p>
@@ -2520,11 +2754,12 @@
           </a:prstGeom>
         </p:spPr>
         <p:txBody>
-          <a:bodyPr lIns="0" rIns="0" tIns="0" bIns="0">
+          <a:bodyPr lIns="0" tIns="0" rIns="0" bIns="0">
             <a:normAutofit/>
           </a:bodyPr>
-          <a:p>
-            <a:endParaRPr b="0" lang="en-CA" sz="3200" spc="-1" strike="noStrike">
+          <a:lstStyle/>
+          <a:p>
+            <a:endParaRPr lang="en-CA" sz="3200" b="0" strike="noStrike" spc="-1">
               <a:latin typeface="Arial"/>
             </a:endParaRPr>
           </a:p>
@@ -2550,11 +2785,12 @@
           </a:prstGeom>
         </p:spPr>
         <p:txBody>
-          <a:bodyPr lIns="0" rIns="0" tIns="0" bIns="0">
+          <a:bodyPr lIns="0" tIns="0" rIns="0" bIns="0">
             <a:normAutofit/>
           </a:bodyPr>
-          <a:p>
-            <a:endParaRPr b="0" lang="en-CA" sz="3200" spc="-1" strike="noStrike">
+          <a:lstStyle/>
+          <a:p>
+            <a:endParaRPr lang="en-CA" sz="3200" b="0" strike="noStrike" spc="-1">
               <a:latin typeface="Arial"/>
             </a:endParaRPr>
           </a:p>
@@ -2580,11 +2816,12 @@
           </a:prstGeom>
         </p:spPr>
         <p:txBody>
-          <a:bodyPr lIns="0" rIns="0" tIns="0" bIns="0">
+          <a:bodyPr lIns="0" tIns="0" rIns="0" bIns="0">
             <a:normAutofit/>
           </a:bodyPr>
-          <a:p>
-            <a:endParaRPr b="0" lang="en-CA" sz="3200" spc="-1" strike="noStrike">
+          <a:lstStyle/>
+          <a:p>
+            <a:endParaRPr lang="en-CA" sz="3200" b="0" strike="noStrike" spc="-1">
               <a:latin typeface="Arial"/>
             </a:endParaRPr>
           </a:p>
@@ -2592,11 +2829,14 @@
       </p:sp>
     </p:spTree>
   </p:cSld>
+  <p:clrMapOvr>
+    <a:masterClrMapping/>
+  </p:clrMapOvr>
 </p:sldLayout>
 </file>
 
 <file path=ppt/slideLayouts/slideLayout9.xml><?xml version="1.0" encoding="utf-8"?>
-<p:sldLayout xmlns:a="http://schemas.openxmlformats.org/drawingml/2006/main" xmlns:p="http://schemas.openxmlformats.org/presentationml/2006/main" xmlns:r="http://schemas.openxmlformats.org/officeDocument/2006/relationships" xmlns:p14="http://schemas.microsoft.com/office/powerpoint/2010/main" xmlns:p15="http://schemas.microsoft.com/office/powerpoint/2012/main" xmlns:mc="http://schemas.openxmlformats.org/markup-compatibility/2006" type="twoObjOverTx" preserve="1">
+<p:sldLayout xmlns:a="http://schemas.openxmlformats.org/drawingml/2006/main" xmlns:r="http://schemas.openxmlformats.org/officeDocument/2006/relationships" xmlns:p="http://schemas.openxmlformats.org/presentationml/2006/main" type="twoObjOverTx" preserve="1">
   <p:cSld name="Title, 2 Content over Content">
     <p:spTree>
       <p:nvGrpSpPr>
@@ -2632,12 +2872,13 @@
           </a:prstGeom>
         </p:spPr>
         <p:txBody>
-          <a:bodyPr lIns="0" rIns="0" tIns="0" bIns="0" anchor="ctr">
+          <a:bodyPr lIns="0" tIns="0" rIns="0" bIns="0" anchor="ctr">
             <a:noAutofit/>
           </a:bodyPr>
+          <a:lstStyle/>
           <a:p>
             <a:pPr algn="ctr"/>
-            <a:endParaRPr b="0" lang="en-CA" sz="4400" spc="-1" strike="noStrike">
+            <a:endParaRPr lang="en-CA" sz="4400" b="0" strike="noStrike" spc="-1">
               <a:latin typeface="Arial"/>
             </a:endParaRPr>
           </a:p>
@@ -2663,11 +2904,12 @@
           </a:prstGeom>
         </p:spPr>
         <p:txBody>
-          <a:bodyPr lIns="0" rIns="0" tIns="0" bIns="0">
+          <a:bodyPr lIns="0" tIns="0" rIns="0" bIns="0">
             <a:normAutofit/>
           </a:bodyPr>
-          <a:p>
-            <a:endParaRPr b="0" lang="en-CA" sz="3200" spc="-1" strike="noStrike">
+          <a:lstStyle/>
+          <a:p>
+            <a:endParaRPr lang="en-CA" sz="3200" b="0" strike="noStrike" spc="-1">
               <a:latin typeface="Arial"/>
             </a:endParaRPr>
           </a:p>
@@ -2693,11 +2935,12 @@
           </a:prstGeom>
         </p:spPr>
         <p:txBody>
-          <a:bodyPr lIns="0" rIns="0" tIns="0" bIns="0">
+          <a:bodyPr lIns="0" tIns="0" rIns="0" bIns="0">
             <a:normAutofit/>
           </a:bodyPr>
-          <a:p>
-            <a:endParaRPr b="0" lang="en-CA" sz="3200" spc="-1" strike="noStrike">
+          <a:lstStyle/>
+          <a:p>
+            <a:endParaRPr lang="en-CA" sz="3200" b="0" strike="noStrike" spc="-1">
               <a:latin typeface="Arial"/>
             </a:endParaRPr>
           </a:p>
@@ -2723,11 +2966,12 @@
           </a:prstGeom>
         </p:spPr>
         <p:txBody>
-          <a:bodyPr lIns="0" rIns="0" tIns="0" bIns="0">
+          <a:bodyPr lIns="0" tIns="0" rIns="0" bIns="0">
             <a:normAutofit/>
           </a:bodyPr>
-          <a:p>
-            <a:endParaRPr b="0" lang="en-CA" sz="3200" spc="-1" strike="noStrike">
+          <a:lstStyle/>
+          <a:p>
+            <a:endParaRPr lang="en-CA" sz="3200" b="0" strike="noStrike" spc="-1">
               <a:latin typeface="Arial"/>
             </a:endParaRPr>
           </a:p>
@@ -2735,17 +2979,21 @@
       </p:sp>
     </p:spTree>
   </p:cSld>
+  <p:clrMapOvr>
+    <a:masterClrMapping/>
+  </p:clrMapOvr>
 </p:sldLayout>
 </file>
 
 <file path=ppt/slideMasters/slideMaster1.xml><?xml version="1.0" encoding="utf-8"?>
-<p:sldMaster xmlns:a="http://schemas.openxmlformats.org/drawingml/2006/main" xmlns:p="http://schemas.openxmlformats.org/presentationml/2006/main" xmlns:r="http://schemas.openxmlformats.org/officeDocument/2006/relationships" xmlns:p14="http://schemas.microsoft.com/office/powerpoint/2010/main" xmlns:p15="http://schemas.microsoft.com/office/powerpoint/2012/main" xmlns:mc="http://schemas.openxmlformats.org/markup-compatibility/2006">
+<p:sldMaster xmlns:a="http://schemas.openxmlformats.org/drawingml/2006/main" xmlns:r="http://schemas.openxmlformats.org/officeDocument/2006/relationships" xmlns:p="http://schemas.openxmlformats.org/presentationml/2006/main">
   <p:cSld>
     <p:bg>
       <p:bgPr>
         <a:solidFill>
-          <a:srgbClr val="ffffff"/>
+          <a:srgbClr val="FFFFFF"/>
         </a:solidFill>
+        <a:effectLst/>
       </p:bgPr>
     </p:bg>
     <p:spTree>
@@ -2764,7 +3012,7 @@
       </p:grpSpPr>
       <p:sp>
         <p:nvSpPr>
-          <p:cNvPr id="0" name="CustomShape 1"/>
+          <p:cNvPr id="3" name="CustomShape 1"/>
           <p:cNvSpPr/>
           <p:nvPr/>
         </p:nvSpPr>
@@ -2787,15 +3035,21 @@
           </a:ln>
         </p:spPr>
         <p:style>
-          <a:lnRef idx="0"/>
-          <a:fillRef idx="0"/>
-          <a:effectRef idx="0"/>
+          <a:lnRef idx="0">
+            <a:scrgbClr r="0" g="0" b="0"/>
+          </a:lnRef>
+          <a:fillRef idx="0">
+            <a:scrgbClr r="0" g="0" b="0"/>
+          </a:fillRef>
+          <a:effectRef idx="0">
+            <a:scrgbClr r="0" g="0" b="0"/>
+          </a:effectRef>
           <a:fontRef idx="minor"/>
         </p:style>
       </p:sp>
       <p:sp>
         <p:nvSpPr>
-          <p:cNvPr id="1" name="PlaceHolder 2"/>
+          <p:cNvPr id="4" name="PlaceHolder 2"/>
           <p:cNvSpPr>
             <a:spLocks noGrp="1"/>
           </p:cNvSpPr>
@@ -2813,19 +3067,17 @@
           </a:prstGeom>
         </p:spPr>
         <p:txBody>
-          <a:bodyPr lIns="0" rIns="0" tIns="0" bIns="0" anchor="ctr">
+          <a:bodyPr lIns="0" tIns="0" rIns="0" bIns="0" anchor="ctr">
             <a:noAutofit/>
           </a:bodyPr>
-          <a:p>
-            <a:r>
-              <a:rPr b="0" lang="en-CA" sz="1800" spc="-1" strike="noStrike">
+          <a:lstStyle/>
+          <a:p>
+            <a:r>
+              <a:rPr lang="en-CA" sz="1800" b="0" strike="noStrike" spc="-1">
                 <a:latin typeface="Arial"/>
               </a:rPr>
               <a:t>Click to edit the title text format</a:t>
             </a:r>
-            <a:endParaRPr b="0" lang="en-CA" sz="1800" spc="-1" strike="noStrike">
-              <a:latin typeface="Arial"/>
-            </a:endParaRPr>
           </a:p>
         </p:txBody>
       </p:sp>
@@ -2849,9 +3101,10 @@
           </a:prstGeom>
         </p:spPr>
         <p:txBody>
-          <a:bodyPr lIns="0" rIns="0" tIns="0" bIns="0">
+          <a:bodyPr lIns="0" tIns="0" rIns="0" bIns="0">
             <a:normAutofit/>
           </a:bodyPr>
+          <a:lstStyle/>
           <a:p>
             <a:pPr marL="432000" indent="-324000">
               <a:spcBef>
@@ -2865,17 +3118,14 @@
               <a:buChar char=""/>
             </a:pPr>
             <a:r>
-              <a:rPr b="0" lang="en-CA" sz="1800" spc="-1" strike="noStrike">
+              <a:rPr lang="en-CA" sz="1800" b="0" strike="noStrike" spc="-1">
                 <a:latin typeface="Arial"/>
               </a:rPr>
               <a:t>Click to edit the outline text format</a:t>
             </a:r>
-            <a:endParaRPr b="0" lang="en-CA" sz="1800" spc="-1" strike="noStrike">
-              <a:latin typeface="Arial"/>
-            </a:endParaRPr>
-          </a:p>
-          <a:p>
-            <a:pPr lvl="1" marL="864000" indent="-324000">
+          </a:p>
+          <a:p>
+            <a:pPr marL="864000" lvl="1" indent="-324000">
               <a:spcBef>
                 <a:spcPts val="1134"/>
               </a:spcBef>
@@ -2887,17 +3137,14 @@
               <a:buChar char=""/>
             </a:pPr>
             <a:r>
-              <a:rPr b="0" lang="en-CA" sz="1800" spc="-1" strike="noStrike">
+              <a:rPr lang="en-CA" sz="1800" b="0" strike="noStrike" spc="-1">
                 <a:latin typeface="Arial"/>
               </a:rPr>
               <a:t>Second Outline Level</a:t>
             </a:r>
-            <a:endParaRPr b="0" lang="en-CA" sz="1800" spc="-1" strike="noStrike">
-              <a:latin typeface="Arial"/>
-            </a:endParaRPr>
-          </a:p>
-          <a:p>
-            <a:pPr lvl="2" marL="1296000" indent="-288000">
+          </a:p>
+          <a:p>
+            <a:pPr marL="1296000" lvl="2" indent="-288000">
               <a:spcBef>
                 <a:spcPts val="850"/>
               </a:spcBef>
@@ -2909,17 +3156,14 @@
               <a:buChar char=""/>
             </a:pPr>
             <a:r>
-              <a:rPr b="0" lang="en-CA" sz="1800" spc="-1" strike="noStrike">
+              <a:rPr lang="en-CA" sz="1800" b="0" strike="noStrike" spc="-1">
                 <a:latin typeface="Arial"/>
               </a:rPr>
               <a:t>Third Outline Level</a:t>
             </a:r>
-            <a:endParaRPr b="0" lang="en-CA" sz="1800" spc="-1" strike="noStrike">
-              <a:latin typeface="Arial"/>
-            </a:endParaRPr>
-          </a:p>
-          <a:p>
-            <a:pPr lvl="3" marL="1728000" indent="-216000">
+          </a:p>
+          <a:p>
+            <a:pPr marL="1728000" lvl="3" indent="-216000">
               <a:spcBef>
                 <a:spcPts val="567"/>
               </a:spcBef>
@@ -2931,17 +3175,14 @@
               <a:buChar char=""/>
             </a:pPr>
             <a:r>
-              <a:rPr b="0" lang="en-CA" sz="1800" spc="-1" strike="noStrike">
+              <a:rPr lang="en-CA" sz="1800" b="0" strike="noStrike" spc="-1">
                 <a:latin typeface="Arial"/>
               </a:rPr>
               <a:t>Fourth Outline Level</a:t>
             </a:r>
-            <a:endParaRPr b="0" lang="en-CA" sz="1800" spc="-1" strike="noStrike">
-              <a:latin typeface="Arial"/>
-            </a:endParaRPr>
-          </a:p>
-          <a:p>
-            <a:pPr lvl="4" marL="2160000" indent="-216000">
+          </a:p>
+          <a:p>
+            <a:pPr marL="2160000" lvl="4" indent="-216000">
               <a:spcBef>
                 <a:spcPts val="283"/>
               </a:spcBef>
@@ -2953,17 +3194,14 @@
               <a:buChar char=""/>
             </a:pPr>
             <a:r>
-              <a:rPr b="0" lang="en-CA" sz="1800" spc="-1" strike="noStrike">
+              <a:rPr lang="en-CA" sz="1800" b="0" strike="noStrike" spc="-1">
                 <a:latin typeface="Arial"/>
               </a:rPr>
               <a:t>Fifth Outline Level</a:t>
             </a:r>
-            <a:endParaRPr b="0" lang="en-CA" sz="1800" spc="-1" strike="noStrike">
-              <a:latin typeface="Arial"/>
-            </a:endParaRPr>
-          </a:p>
-          <a:p>
-            <a:pPr lvl="5" marL="2592000" indent="-216000">
+          </a:p>
+          <a:p>
+            <a:pPr marL="2592000" lvl="5" indent="-216000">
               <a:spcBef>
                 <a:spcPts val="283"/>
               </a:spcBef>
@@ -2975,17 +3213,14 @@
               <a:buChar char=""/>
             </a:pPr>
             <a:r>
-              <a:rPr b="0" lang="en-CA" sz="1800" spc="-1" strike="noStrike">
+              <a:rPr lang="en-CA" sz="1800" b="0" strike="noStrike" spc="-1">
                 <a:latin typeface="Arial"/>
               </a:rPr>
               <a:t>Sixth Outline Level</a:t>
             </a:r>
-            <a:endParaRPr b="0" lang="en-CA" sz="1800" spc="-1" strike="noStrike">
-              <a:latin typeface="Arial"/>
-            </a:endParaRPr>
-          </a:p>
-          <a:p>
-            <a:pPr lvl="6" marL="3024000" indent="-216000">
+          </a:p>
+          <a:p>
+            <a:pPr marL="3024000" lvl="6" indent="-216000">
               <a:spcBef>
                 <a:spcPts val="283"/>
               </a:spcBef>
@@ -2997,45 +3232,323 @@
               <a:buChar char=""/>
             </a:pPr>
             <a:r>
-              <a:rPr b="0" lang="en-CA" sz="1800" spc="-1" strike="noStrike">
+              <a:rPr lang="en-CA" sz="1800" b="0" strike="noStrike" spc="-1">
                 <a:latin typeface="Arial"/>
               </a:rPr>
               <a:t>Seventh Outline Level</a:t>
             </a:r>
-            <a:endParaRPr b="0" lang="en-CA" sz="1800" spc="-1" strike="noStrike">
-              <a:latin typeface="Arial"/>
-            </a:endParaRPr>
           </a:p>
         </p:txBody>
       </p:sp>
     </p:spTree>
   </p:cSld>
-  <p:clrMap bg1="lt1" bg2="lt2" tx1="dk1" tx2="dk2" accent1="accent1" accent2="accent2" accent3="accent3" accent4="accent4" accent5="accent5" accent6="accent6" hlink="hlink" folHlink="folHlink"/>
+  <p:clrMap bg1="lt1" tx1="dk1" bg2="lt2" tx2="dk2" accent1="accent1" accent2="accent2" accent3="accent3" accent4="accent4" accent5="accent5" accent6="accent6" hlink="hlink" folHlink="folHlink"/>
   <p:sldLayoutIdLst>
-    <p:sldLayoutId id="2147483649" r:id="rId2"/>
-    <p:sldLayoutId id="2147483650" r:id="rId3"/>
-    <p:sldLayoutId id="2147483651" r:id="rId4"/>
-    <p:sldLayoutId id="2147483652" r:id="rId5"/>
-    <p:sldLayoutId id="2147483653" r:id="rId6"/>
-    <p:sldLayoutId id="2147483654" r:id="rId7"/>
-    <p:sldLayoutId id="2147483655" r:id="rId8"/>
-    <p:sldLayoutId id="2147483656" r:id="rId9"/>
-    <p:sldLayoutId id="2147483657" r:id="rId10"/>
-    <p:sldLayoutId id="2147483658" r:id="rId11"/>
-    <p:sldLayoutId id="2147483659" r:id="rId12"/>
-    <p:sldLayoutId id="2147483660" r:id="rId13"/>
+    <p:sldLayoutId id="2147483649" r:id="rId1"/>
+    <p:sldLayoutId id="2147483650" r:id="rId2"/>
+    <p:sldLayoutId id="2147483651" r:id="rId3"/>
+    <p:sldLayoutId id="2147483652" r:id="rId4"/>
+    <p:sldLayoutId id="2147483653" r:id="rId5"/>
+    <p:sldLayoutId id="2147483654" r:id="rId6"/>
+    <p:sldLayoutId id="2147483655" r:id="rId7"/>
+    <p:sldLayoutId id="2147483656" r:id="rId8"/>
+    <p:sldLayoutId id="2147483657" r:id="rId9"/>
+    <p:sldLayoutId id="2147483658" r:id="rId10"/>
+    <p:sldLayoutId id="2147483659" r:id="rId11"/>
+    <p:sldLayoutId id="2147483660" r:id="rId12"/>
   </p:sldLayoutIdLst>
+  <p:txStyles>
+    <p:titleStyle>
+      <a:lvl1pPr algn="l" defTabSz="914400" rtl="0" eaLnBrk="1" latinLnBrk="0" hangingPunct="1">
+        <a:lnSpc>
+          <a:spcPct val="90000"/>
+        </a:lnSpc>
+        <a:spcBef>
+          <a:spcPct val="0"/>
+        </a:spcBef>
+        <a:buNone/>
+        <a:defRPr sz="4400" kern="1200">
+          <a:solidFill>
+            <a:schemeClr val="tx1"/>
+          </a:solidFill>
+          <a:latin typeface="+mj-lt"/>
+          <a:ea typeface="+mj-ea"/>
+          <a:cs typeface="+mj-cs"/>
+        </a:defRPr>
+      </a:lvl1pPr>
+    </p:titleStyle>
+    <p:bodyStyle>
+      <a:lvl1pPr marL="228600" indent="-228600" algn="l" defTabSz="914400" rtl="0" eaLnBrk="1" latinLnBrk="0" hangingPunct="1">
+        <a:lnSpc>
+          <a:spcPct val="90000"/>
+        </a:lnSpc>
+        <a:spcBef>
+          <a:spcPts val="1000"/>
+        </a:spcBef>
+        <a:buFont typeface="Arial" panose="020B0604020202020204" pitchFamily="34" charset="0"/>
+        <a:buChar char="•"/>
+        <a:defRPr sz="2800" kern="1200">
+          <a:solidFill>
+            <a:schemeClr val="tx1"/>
+          </a:solidFill>
+          <a:latin typeface="+mn-lt"/>
+          <a:ea typeface="+mn-ea"/>
+          <a:cs typeface="+mn-cs"/>
+        </a:defRPr>
+      </a:lvl1pPr>
+      <a:lvl2pPr marL="685800" indent="-228600" algn="l" defTabSz="914400" rtl="0" eaLnBrk="1" latinLnBrk="0" hangingPunct="1">
+        <a:lnSpc>
+          <a:spcPct val="90000"/>
+        </a:lnSpc>
+        <a:spcBef>
+          <a:spcPts val="500"/>
+        </a:spcBef>
+        <a:buFont typeface="Arial" panose="020B0604020202020204" pitchFamily="34" charset="0"/>
+        <a:buChar char="•"/>
+        <a:defRPr sz="2400" kern="1200">
+          <a:solidFill>
+            <a:schemeClr val="tx1"/>
+          </a:solidFill>
+          <a:latin typeface="+mn-lt"/>
+          <a:ea typeface="+mn-ea"/>
+          <a:cs typeface="+mn-cs"/>
+        </a:defRPr>
+      </a:lvl2pPr>
+      <a:lvl3pPr marL="1143000" indent="-228600" algn="l" defTabSz="914400" rtl="0" eaLnBrk="1" latinLnBrk="0" hangingPunct="1">
+        <a:lnSpc>
+          <a:spcPct val="90000"/>
+        </a:lnSpc>
+        <a:spcBef>
+          <a:spcPts val="500"/>
+        </a:spcBef>
+        <a:buFont typeface="Arial" panose="020B0604020202020204" pitchFamily="34" charset="0"/>
+        <a:buChar char="•"/>
+        <a:defRPr sz="2000" kern="1200">
+          <a:solidFill>
+            <a:schemeClr val="tx1"/>
+          </a:solidFill>
+          <a:latin typeface="+mn-lt"/>
+          <a:ea typeface="+mn-ea"/>
+          <a:cs typeface="+mn-cs"/>
+        </a:defRPr>
+      </a:lvl3pPr>
+      <a:lvl4pPr marL="1600200" indent="-228600" algn="l" defTabSz="914400" rtl="0" eaLnBrk="1" latinLnBrk="0" hangingPunct="1">
+        <a:lnSpc>
+          <a:spcPct val="90000"/>
+        </a:lnSpc>
+        <a:spcBef>
+          <a:spcPts val="500"/>
+        </a:spcBef>
+        <a:buFont typeface="Arial" panose="020B0604020202020204" pitchFamily="34" charset="0"/>
+        <a:buChar char="•"/>
+        <a:defRPr sz="1800" kern="1200">
+          <a:solidFill>
+            <a:schemeClr val="tx1"/>
+          </a:solidFill>
+          <a:latin typeface="+mn-lt"/>
+          <a:ea typeface="+mn-ea"/>
+          <a:cs typeface="+mn-cs"/>
+        </a:defRPr>
+      </a:lvl4pPr>
+      <a:lvl5pPr marL="2057400" indent="-228600" algn="l" defTabSz="914400" rtl="0" eaLnBrk="1" latinLnBrk="0" hangingPunct="1">
+        <a:lnSpc>
+          <a:spcPct val="90000"/>
+        </a:lnSpc>
+        <a:spcBef>
+          <a:spcPts val="500"/>
+        </a:spcBef>
+        <a:buFont typeface="Arial" panose="020B0604020202020204" pitchFamily="34" charset="0"/>
+        <a:buChar char="•"/>
+        <a:defRPr sz="1800" kern="1200">
+          <a:solidFill>
+            <a:schemeClr val="tx1"/>
+          </a:solidFill>
+          <a:latin typeface="+mn-lt"/>
+          <a:ea typeface="+mn-ea"/>
+          <a:cs typeface="+mn-cs"/>
+        </a:defRPr>
+      </a:lvl5pPr>
+      <a:lvl6pPr marL="2514600" indent="-228600" algn="l" defTabSz="914400" rtl="0" eaLnBrk="1" latinLnBrk="0" hangingPunct="1">
+        <a:lnSpc>
+          <a:spcPct val="90000"/>
+        </a:lnSpc>
+        <a:spcBef>
+          <a:spcPts val="500"/>
+        </a:spcBef>
+        <a:buFont typeface="Arial" panose="020B0604020202020204" pitchFamily="34" charset="0"/>
+        <a:buChar char="•"/>
+        <a:defRPr sz="1800" kern="1200">
+          <a:solidFill>
+            <a:schemeClr val="tx1"/>
+          </a:solidFill>
+          <a:latin typeface="+mn-lt"/>
+          <a:ea typeface="+mn-ea"/>
+          <a:cs typeface="+mn-cs"/>
+        </a:defRPr>
+      </a:lvl6pPr>
+      <a:lvl7pPr marL="2971800" indent="-228600" algn="l" defTabSz="914400" rtl="0" eaLnBrk="1" latinLnBrk="0" hangingPunct="1">
+        <a:lnSpc>
+          <a:spcPct val="90000"/>
+        </a:lnSpc>
+        <a:spcBef>
+          <a:spcPts val="500"/>
+        </a:spcBef>
+        <a:buFont typeface="Arial" panose="020B0604020202020204" pitchFamily="34" charset="0"/>
+        <a:buChar char="•"/>
+        <a:defRPr sz="1800" kern="1200">
+          <a:solidFill>
+            <a:schemeClr val="tx1"/>
+          </a:solidFill>
+          <a:latin typeface="+mn-lt"/>
+          <a:ea typeface="+mn-ea"/>
+          <a:cs typeface="+mn-cs"/>
+        </a:defRPr>
+      </a:lvl7pPr>
+      <a:lvl8pPr marL="3429000" indent="-228600" algn="l" defTabSz="914400" rtl="0" eaLnBrk="1" latinLnBrk="0" hangingPunct="1">
+        <a:lnSpc>
+          <a:spcPct val="90000"/>
+        </a:lnSpc>
+        <a:spcBef>
+          <a:spcPts val="500"/>
+        </a:spcBef>
+        <a:buFont typeface="Arial" panose="020B0604020202020204" pitchFamily="34" charset="0"/>
+        <a:buChar char="•"/>
+        <a:defRPr sz="1800" kern="1200">
+          <a:solidFill>
+            <a:schemeClr val="tx1"/>
+          </a:solidFill>
+          <a:latin typeface="+mn-lt"/>
+          <a:ea typeface="+mn-ea"/>
+          <a:cs typeface="+mn-cs"/>
+        </a:defRPr>
+      </a:lvl8pPr>
+      <a:lvl9pPr marL="3886200" indent="-228600" algn="l" defTabSz="914400" rtl="0" eaLnBrk="1" latinLnBrk="0" hangingPunct="1">
+        <a:lnSpc>
+          <a:spcPct val="90000"/>
+        </a:lnSpc>
+        <a:spcBef>
+          <a:spcPts val="500"/>
+        </a:spcBef>
+        <a:buFont typeface="Arial" panose="020B0604020202020204" pitchFamily="34" charset="0"/>
+        <a:buChar char="•"/>
+        <a:defRPr sz="1800" kern="1200">
+          <a:solidFill>
+            <a:schemeClr val="tx1"/>
+          </a:solidFill>
+          <a:latin typeface="+mn-lt"/>
+          <a:ea typeface="+mn-ea"/>
+          <a:cs typeface="+mn-cs"/>
+        </a:defRPr>
+      </a:lvl9pPr>
+    </p:bodyStyle>
+    <p:otherStyle>
+      <a:defPPr>
+        <a:defRPr lang="fr-FR"/>
+      </a:defPPr>
+      <a:lvl1pPr marL="0" algn="l" defTabSz="914400" rtl="0" eaLnBrk="1" latinLnBrk="0" hangingPunct="1">
+        <a:defRPr sz="1800" kern="1200">
+          <a:solidFill>
+            <a:schemeClr val="tx1"/>
+          </a:solidFill>
+          <a:latin typeface="+mn-lt"/>
+          <a:ea typeface="+mn-ea"/>
+          <a:cs typeface="+mn-cs"/>
+        </a:defRPr>
+      </a:lvl1pPr>
+      <a:lvl2pPr marL="457200" algn="l" defTabSz="914400" rtl="0" eaLnBrk="1" latinLnBrk="0" hangingPunct="1">
+        <a:defRPr sz="1800" kern="1200">
+          <a:solidFill>
+            <a:schemeClr val="tx1"/>
+          </a:solidFill>
+          <a:latin typeface="+mn-lt"/>
+          <a:ea typeface="+mn-ea"/>
+          <a:cs typeface="+mn-cs"/>
+        </a:defRPr>
+      </a:lvl2pPr>
+      <a:lvl3pPr marL="914400" algn="l" defTabSz="914400" rtl="0" eaLnBrk="1" latinLnBrk="0" hangingPunct="1">
+        <a:defRPr sz="1800" kern="1200">
+          <a:solidFill>
+            <a:schemeClr val="tx1"/>
+          </a:solidFill>
+          <a:latin typeface="+mn-lt"/>
+          <a:ea typeface="+mn-ea"/>
+          <a:cs typeface="+mn-cs"/>
+        </a:defRPr>
+      </a:lvl3pPr>
+      <a:lvl4pPr marL="1371600" algn="l" defTabSz="914400" rtl="0" eaLnBrk="1" latinLnBrk="0" hangingPunct="1">
+        <a:defRPr sz="1800" kern="1200">
+          <a:solidFill>
+            <a:schemeClr val="tx1"/>
+          </a:solidFill>
+          <a:latin typeface="+mn-lt"/>
+          <a:ea typeface="+mn-ea"/>
+          <a:cs typeface="+mn-cs"/>
+        </a:defRPr>
+      </a:lvl4pPr>
+      <a:lvl5pPr marL="1828800" algn="l" defTabSz="914400" rtl="0" eaLnBrk="1" latinLnBrk="0" hangingPunct="1">
+        <a:defRPr sz="1800" kern="1200">
+          <a:solidFill>
+            <a:schemeClr val="tx1"/>
+          </a:solidFill>
+          <a:latin typeface="+mn-lt"/>
+          <a:ea typeface="+mn-ea"/>
+          <a:cs typeface="+mn-cs"/>
+        </a:defRPr>
+      </a:lvl5pPr>
+      <a:lvl6pPr marL="2286000" algn="l" defTabSz="914400" rtl="0" eaLnBrk="1" latinLnBrk="0" hangingPunct="1">
+        <a:defRPr sz="1800" kern="1200">
+          <a:solidFill>
+            <a:schemeClr val="tx1"/>
+          </a:solidFill>
+          <a:latin typeface="+mn-lt"/>
+          <a:ea typeface="+mn-ea"/>
+          <a:cs typeface="+mn-cs"/>
+        </a:defRPr>
+      </a:lvl6pPr>
+      <a:lvl7pPr marL="2743200" algn="l" defTabSz="914400" rtl="0" eaLnBrk="1" latinLnBrk="0" hangingPunct="1">
+        <a:defRPr sz="1800" kern="1200">
+          <a:solidFill>
+            <a:schemeClr val="tx1"/>
+          </a:solidFill>
+          <a:latin typeface="+mn-lt"/>
+          <a:ea typeface="+mn-ea"/>
+          <a:cs typeface="+mn-cs"/>
+        </a:defRPr>
+      </a:lvl7pPr>
+      <a:lvl8pPr marL="3200400" algn="l" defTabSz="914400" rtl="0" eaLnBrk="1" latinLnBrk="0" hangingPunct="1">
+        <a:defRPr sz="1800" kern="1200">
+          <a:solidFill>
+            <a:schemeClr val="tx1"/>
+          </a:solidFill>
+          <a:latin typeface="+mn-lt"/>
+          <a:ea typeface="+mn-ea"/>
+          <a:cs typeface="+mn-cs"/>
+        </a:defRPr>
+      </a:lvl8pPr>
+      <a:lvl9pPr marL="3657600" algn="l" defTabSz="914400" rtl="0" eaLnBrk="1" latinLnBrk="0" hangingPunct="1">
+        <a:defRPr sz="1800" kern="1200">
+          <a:solidFill>
+            <a:schemeClr val="tx1"/>
+          </a:solidFill>
+          <a:latin typeface="+mn-lt"/>
+          <a:ea typeface="+mn-ea"/>
+          <a:cs typeface="+mn-cs"/>
+        </a:defRPr>
+      </a:lvl9pPr>
+    </p:otherStyle>
+  </p:txStyles>
 </p:sldMaster>
 </file>
 
 <file path=ppt/slideMasters/slideMaster2.xml><?xml version="1.0" encoding="utf-8"?>
-<p:sldMaster xmlns:a="http://schemas.openxmlformats.org/drawingml/2006/main" xmlns:p="http://schemas.openxmlformats.org/presentationml/2006/main" xmlns:r="http://schemas.openxmlformats.org/officeDocument/2006/relationships" xmlns:p14="http://schemas.microsoft.com/office/powerpoint/2010/main" xmlns:p15="http://schemas.microsoft.com/office/powerpoint/2012/main" xmlns:mc="http://schemas.openxmlformats.org/markup-compatibility/2006">
+<p:sldMaster xmlns:a="http://schemas.openxmlformats.org/drawingml/2006/main" xmlns:r="http://schemas.openxmlformats.org/officeDocument/2006/relationships" xmlns:p="http://schemas.openxmlformats.org/presentationml/2006/main">
   <p:cSld>
     <p:bg>
       <p:bgPr>
         <a:solidFill>
-          <a:srgbClr val="ffffff"/>
+          <a:srgbClr val="FFFFFF"/>
         </a:solidFill>
+        <a:effectLst/>
       </p:bgPr>
     </p:bg>
     <p:spTree>
@@ -3077,9 +3590,15 @@
           </a:ln>
         </p:spPr>
         <p:style>
-          <a:lnRef idx="0"/>
-          <a:fillRef idx="0"/>
-          <a:effectRef idx="0"/>
+          <a:lnRef idx="0">
+            <a:scrgbClr r="0" g="0" b="0"/>
+          </a:lnRef>
+          <a:fillRef idx="0">
+            <a:scrgbClr r="0" g="0" b="0"/>
+          </a:fillRef>
+          <a:effectRef idx="0">
+            <a:scrgbClr r="0" g="0" b="0"/>
+          </a:effectRef>
           <a:fontRef idx="minor"/>
         </p:style>
       </p:sp>
@@ -3103,26 +3622,18 @@
           </a:prstGeom>
         </p:spPr>
         <p:txBody>
-          <a:bodyPr lIns="0" rIns="0" tIns="0" bIns="0" anchor="ctr">
+          <a:bodyPr lIns="0" tIns="0" rIns="0" bIns="0" anchor="ctr">
             <a:noAutofit/>
           </a:bodyPr>
+          <a:lstStyle/>
           <a:p>
             <a:pPr algn="ctr"/>
             <a:r>
-              <a:rPr b="0" lang="en-CA" sz="4400" spc="-1" strike="noStrike">
+              <a:rPr lang="en-CA" sz="4400" b="0" strike="noStrike" spc="-1">
                 <a:latin typeface="Arial"/>
               </a:rPr>
-              <a:t>Click to edit the title text </a:t>
-            </a:r>
-            <a:r>
-              <a:rPr b="0" lang="en-CA" sz="4400" spc="-1" strike="noStrike">
-                <a:latin typeface="Arial"/>
-              </a:rPr>
-              <a:t>format</a:t>
-            </a:r>
-            <a:endParaRPr b="0" lang="en-CA" sz="4400" spc="-1" strike="noStrike">
-              <a:latin typeface="Arial"/>
-            </a:endParaRPr>
+              <a:t>Click to edit the title text format</a:t>
+            </a:r>
           </a:p>
         </p:txBody>
       </p:sp>
@@ -3146,9 +3657,10 @@
           </a:prstGeom>
         </p:spPr>
         <p:txBody>
-          <a:bodyPr lIns="0" rIns="0" tIns="0" bIns="0">
+          <a:bodyPr lIns="0" tIns="0" rIns="0" bIns="0">
             <a:normAutofit/>
           </a:bodyPr>
+          <a:lstStyle/>
           <a:p>
             <a:pPr marL="432000" indent="-324000">
               <a:spcBef>
@@ -3162,17 +3674,14 @@
               <a:buChar char=""/>
             </a:pPr>
             <a:r>
-              <a:rPr b="0" lang="en-CA" sz="3200" spc="-1" strike="noStrike">
+              <a:rPr lang="en-CA" sz="3200" b="0" strike="noStrike" spc="-1">
                 <a:latin typeface="Arial"/>
               </a:rPr>
               <a:t>Click to edit the outline text format</a:t>
             </a:r>
-            <a:endParaRPr b="0" lang="en-CA" sz="3200" spc="-1" strike="noStrike">
-              <a:latin typeface="Arial"/>
-            </a:endParaRPr>
-          </a:p>
-          <a:p>
-            <a:pPr lvl="1" marL="864000" indent="-324000">
+          </a:p>
+          <a:p>
+            <a:pPr marL="864000" lvl="1" indent="-324000">
               <a:spcBef>
                 <a:spcPts val="1134"/>
               </a:spcBef>
@@ -3184,17 +3693,14 @@
               <a:buChar char=""/>
             </a:pPr>
             <a:r>
-              <a:rPr b="0" lang="en-CA" sz="2800" spc="-1" strike="noStrike">
+              <a:rPr lang="en-CA" sz="2800" b="0" strike="noStrike" spc="-1">
                 <a:latin typeface="Arial"/>
               </a:rPr>
               <a:t>Second Outline Level</a:t>
             </a:r>
-            <a:endParaRPr b="0" lang="en-CA" sz="2800" spc="-1" strike="noStrike">
-              <a:latin typeface="Arial"/>
-            </a:endParaRPr>
-          </a:p>
-          <a:p>
-            <a:pPr lvl="2" marL="1296000" indent="-288000">
+          </a:p>
+          <a:p>
+            <a:pPr marL="1296000" lvl="2" indent="-288000">
               <a:spcBef>
                 <a:spcPts val="850"/>
               </a:spcBef>
@@ -3206,17 +3712,14 @@
               <a:buChar char=""/>
             </a:pPr>
             <a:r>
-              <a:rPr b="0" lang="en-CA" sz="2400" spc="-1" strike="noStrike">
+              <a:rPr lang="en-CA" sz="2400" b="0" strike="noStrike" spc="-1">
                 <a:latin typeface="Arial"/>
               </a:rPr>
               <a:t>Third Outline Level</a:t>
             </a:r>
-            <a:endParaRPr b="0" lang="en-CA" sz="2400" spc="-1" strike="noStrike">
-              <a:latin typeface="Arial"/>
-            </a:endParaRPr>
-          </a:p>
-          <a:p>
-            <a:pPr lvl="3" marL="1728000" indent="-216000">
+          </a:p>
+          <a:p>
+            <a:pPr marL="1728000" lvl="3" indent="-216000">
               <a:spcBef>
                 <a:spcPts val="567"/>
               </a:spcBef>
@@ -3228,17 +3731,14 @@
               <a:buChar char=""/>
             </a:pPr>
             <a:r>
-              <a:rPr b="0" lang="en-CA" sz="2000" spc="-1" strike="noStrike">
+              <a:rPr lang="en-CA" sz="2000" b="0" strike="noStrike" spc="-1">
                 <a:latin typeface="Arial"/>
               </a:rPr>
               <a:t>Fourth Outline Level</a:t>
             </a:r>
-            <a:endParaRPr b="0" lang="en-CA" sz="2000" spc="-1" strike="noStrike">
-              <a:latin typeface="Arial"/>
-            </a:endParaRPr>
-          </a:p>
-          <a:p>
-            <a:pPr lvl="4" marL="2160000" indent="-216000">
+          </a:p>
+          <a:p>
+            <a:pPr marL="2160000" lvl="4" indent="-216000">
               <a:spcBef>
                 <a:spcPts val="283"/>
               </a:spcBef>
@@ -3250,17 +3750,14 @@
               <a:buChar char=""/>
             </a:pPr>
             <a:r>
-              <a:rPr b="0" lang="en-CA" sz="2000" spc="-1" strike="noStrike">
+              <a:rPr lang="en-CA" sz="2000" b="0" strike="noStrike" spc="-1">
                 <a:latin typeface="Arial"/>
               </a:rPr>
               <a:t>Fifth Outline Level</a:t>
             </a:r>
-            <a:endParaRPr b="0" lang="en-CA" sz="2000" spc="-1" strike="noStrike">
-              <a:latin typeface="Arial"/>
-            </a:endParaRPr>
-          </a:p>
-          <a:p>
-            <a:pPr lvl="5" marL="2592000" indent="-216000">
+          </a:p>
+          <a:p>
+            <a:pPr marL="2592000" lvl="5" indent="-216000">
               <a:spcBef>
                 <a:spcPts val="283"/>
               </a:spcBef>
@@ -3272,17 +3769,14 @@
               <a:buChar char=""/>
             </a:pPr>
             <a:r>
-              <a:rPr b="0" lang="en-CA" sz="2000" spc="-1" strike="noStrike">
+              <a:rPr lang="en-CA" sz="2000" b="0" strike="noStrike" spc="-1">
                 <a:latin typeface="Arial"/>
               </a:rPr>
               <a:t>Sixth Outline Level</a:t>
             </a:r>
-            <a:endParaRPr b="0" lang="en-CA" sz="2000" spc="-1" strike="noStrike">
-              <a:latin typeface="Arial"/>
-            </a:endParaRPr>
-          </a:p>
-          <a:p>
-            <a:pPr lvl="6" marL="3024000" indent="-216000">
+          </a:p>
+          <a:p>
+            <a:pPr marL="3024000" lvl="6" indent="-216000">
               <a:spcBef>
                 <a:spcPts val="283"/>
               </a:spcBef>
@@ -3294,39 +3788,316 @@
               <a:buChar char=""/>
             </a:pPr>
             <a:r>
-              <a:rPr b="0" lang="en-CA" sz="2000" spc="-1" strike="noStrike">
+              <a:rPr lang="en-CA" sz="2000" b="0" strike="noStrike" spc="-1">
                 <a:latin typeface="Arial"/>
               </a:rPr>
               <a:t>Seventh Outline Level</a:t>
             </a:r>
-            <a:endParaRPr b="0" lang="en-CA" sz="2000" spc="-1" strike="noStrike">
-              <a:latin typeface="Arial"/>
-            </a:endParaRPr>
           </a:p>
         </p:txBody>
       </p:sp>
     </p:spTree>
   </p:cSld>
-  <p:clrMap bg1="lt1" bg2="lt2" tx1="dk1" tx2="dk2" accent1="accent1" accent2="accent2" accent3="accent3" accent4="accent4" accent5="accent5" accent6="accent6" hlink="hlink" folHlink="folHlink"/>
+  <p:clrMap bg1="lt1" tx1="dk1" bg2="lt2" tx2="dk2" accent1="accent1" accent2="accent2" accent3="accent3" accent4="accent4" accent5="accent5" accent6="accent6" hlink="hlink" folHlink="folHlink"/>
   <p:sldLayoutIdLst>
-    <p:sldLayoutId id="2147483662" r:id="rId2"/>
-    <p:sldLayoutId id="2147483663" r:id="rId3"/>
-    <p:sldLayoutId id="2147483664" r:id="rId4"/>
-    <p:sldLayoutId id="2147483665" r:id="rId5"/>
-    <p:sldLayoutId id="2147483666" r:id="rId6"/>
-    <p:sldLayoutId id="2147483667" r:id="rId7"/>
-    <p:sldLayoutId id="2147483668" r:id="rId8"/>
-    <p:sldLayoutId id="2147483669" r:id="rId9"/>
-    <p:sldLayoutId id="2147483670" r:id="rId10"/>
-    <p:sldLayoutId id="2147483671" r:id="rId11"/>
-    <p:sldLayoutId id="2147483672" r:id="rId12"/>
-    <p:sldLayoutId id="2147483673" r:id="rId13"/>
+    <p:sldLayoutId id="2147483662" r:id="rId1"/>
+    <p:sldLayoutId id="2147483663" r:id="rId2"/>
+    <p:sldLayoutId id="2147483664" r:id="rId3"/>
+    <p:sldLayoutId id="2147483665" r:id="rId4"/>
+    <p:sldLayoutId id="2147483666" r:id="rId5"/>
+    <p:sldLayoutId id="2147483667" r:id="rId6"/>
+    <p:sldLayoutId id="2147483668" r:id="rId7"/>
+    <p:sldLayoutId id="2147483669" r:id="rId8"/>
+    <p:sldLayoutId id="2147483670" r:id="rId9"/>
+    <p:sldLayoutId id="2147483671" r:id="rId10"/>
+    <p:sldLayoutId id="2147483672" r:id="rId11"/>
+    <p:sldLayoutId id="2147483673" r:id="rId12"/>
   </p:sldLayoutIdLst>
+  <p:txStyles>
+    <p:titleStyle>
+      <a:lvl1pPr algn="l" defTabSz="914400" rtl="0" eaLnBrk="1" latinLnBrk="0" hangingPunct="1">
+        <a:lnSpc>
+          <a:spcPct val="90000"/>
+        </a:lnSpc>
+        <a:spcBef>
+          <a:spcPct val="0"/>
+        </a:spcBef>
+        <a:buNone/>
+        <a:defRPr sz="4400" kern="1200">
+          <a:solidFill>
+            <a:schemeClr val="tx1"/>
+          </a:solidFill>
+          <a:latin typeface="+mj-lt"/>
+          <a:ea typeface="+mj-ea"/>
+          <a:cs typeface="+mj-cs"/>
+        </a:defRPr>
+      </a:lvl1pPr>
+    </p:titleStyle>
+    <p:bodyStyle>
+      <a:lvl1pPr marL="228600" indent="-228600" algn="l" defTabSz="914400" rtl="0" eaLnBrk="1" latinLnBrk="0" hangingPunct="1">
+        <a:lnSpc>
+          <a:spcPct val="90000"/>
+        </a:lnSpc>
+        <a:spcBef>
+          <a:spcPts val="1000"/>
+        </a:spcBef>
+        <a:buFont typeface="Arial" panose="020B0604020202020204" pitchFamily="34" charset="0"/>
+        <a:buChar char="•"/>
+        <a:defRPr sz="2800" kern="1200">
+          <a:solidFill>
+            <a:schemeClr val="tx1"/>
+          </a:solidFill>
+          <a:latin typeface="+mn-lt"/>
+          <a:ea typeface="+mn-ea"/>
+          <a:cs typeface="+mn-cs"/>
+        </a:defRPr>
+      </a:lvl1pPr>
+      <a:lvl2pPr marL="685800" indent="-228600" algn="l" defTabSz="914400" rtl="0" eaLnBrk="1" latinLnBrk="0" hangingPunct="1">
+        <a:lnSpc>
+          <a:spcPct val="90000"/>
+        </a:lnSpc>
+        <a:spcBef>
+          <a:spcPts val="500"/>
+        </a:spcBef>
+        <a:buFont typeface="Arial" panose="020B0604020202020204" pitchFamily="34" charset="0"/>
+        <a:buChar char="•"/>
+        <a:defRPr sz="2400" kern="1200">
+          <a:solidFill>
+            <a:schemeClr val="tx1"/>
+          </a:solidFill>
+          <a:latin typeface="+mn-lt"/>
+          <a:ea typeface="+mn-ea"/>
+          <a:cs typeface="+mn-cs"/>
+        </a:defRPr>
+      </a:lvl2pPr>
+      <a:lvl3pPr marL="1143000" indent="-228600" algn="l" defTabSz="914400" rtl="0" eaLnBrk="1" latinLnBrk="0" hangingPunct="1">
+        <a:lnSpc>
+          <a:spcPct val="90000"/>
+        </a:lnSpc>
+        <a:spcBef>
+          <a:spcPts val="500"/>
+        </a:spcBef>
+        <a:buFont typeface="Arial" panose="020B0604020202020204" pitchFamily="34" charset="0"/>
+        <a:buChar char="•"/>
+        <a:defRPr sz="2000" kern="1200">
+          <a:solidFill>
+            <a:schemeClr val="tx1"/>
+          </a:solidFill>
+          <a:latin typeface="+mn-lt"/>
+          <a:ea typeface="+mn-ea"/>
+          <a:cs typeface="+mn-cs"/>
+        </a:defRPr>
+      </a:lvl3pPr>
+      <a:lvl4pPr marL="1600200" indent="-228600" algn="l" defTabSz="914400" rtl="0" eaLnBrk="1" latinLnBrk="0" hangingPunct="1">
+        <a:lnSpc>
+          <a:spcPct val="90000"/>
+        </a:lnSpc>
+        <a:spcBef>
+          <a:spcPts val="500"/>
+        </a:spcBef>
+        <a:buFont typeface="Arial" panose="020B0604020202020204" pitchFamily="34" charset="0"/>
+        <a:buChar char="•"/>
+        <a:defRPr sz="1800" kern="1200">
+          <a:solidFill>
+            <a:schemeClr val="tx1"/>
+          </a:solidFill>
+          <a:latin typeface="+mn-lt"/>
+          <a:ea typeface="+mn-ea"/>
+          <a:cs typeface="+mn-cs"/>
+        </a:defRPr>
+      </a:lvl4pPr>
+      <a:lvl5pPr marL="2057400" indent="-228600" algn="l" defTabSz="914400" rtl="0" eaLnBrk="1" latinLnBrk="0" hangingPunct="1">
+        <a:lnSpc>
+          <a:spcPct val="90000"/>
+        </a:lnSpc>
+        <a:spcBef>
+          <a:spcPts val="500"/>
+        </a:spcBef>
+        <a:buFont typeface="Arial" panose="020B0604020202020204" pitchFamily="34" charset="0"/>
+        <a:buChar char="•"/>
+        <a:defRPr sz="1800" kern="1200">
+          <a:solidFill>
+            <a:schemeClr val="tx1"/>
+          </a:solidFill>
+          <a:latin typeface="+mn-lt"/>
+          <a:ea typeface="+mn-ea"/>
+          <a:cs typeface="+mn-cs"/>
+        </a:defRPr>
+      </a:lvl5pPr>
+      <a:lvl6pPr marL="2514600" indent="-228600" algn="l" defTabSz="914400" rtl="0" eaLnBrk="1" latinLnBrk="0" hangingPunct="1">
+        <a:lnSpc>
+          <a:spcPct val="90000"/>
+        </a:lnSpc>
+        <a:spcBef>
+          <a:spcPts val="500"/>
+        </a:spcBef>
+        <a:buFont typeface="Arial" panose="020B0604020202020204" pitchFamily="34" charset="0"/>
+        <a:buChar char="•"/>
+        <a:defRPr sz="1800" kern="1200">
+          <a:solidFill>
+            <a:schemeClr val="tx1"/>
+          </a:solidFill>
+          <a:latin typeface="+mn-lt"/>
+          <a:ea typeface="+mn-ea"/>
+          <a:cs typeface="+mn-cs"/>
+        </a:defRPr>
+      </a:lvl6pPr>
+      <a:lvl7pPr marL="2971800" indent="-228600" algn="l" defTabSz="914400" rtl="0" eaLnBrk="1" latinLnBrk="0" hangingPunct="1">
+        <a:lnSpc>
+          <a:spcPct val="90000"/>
+        </a:lnSpc>
+        <a:spcBef>
+          <a:spcPts val="500"/>
+        </a:spcBef>
+        <a:buFont typeface="Arial" panose="020B0604020202020204" pitchFamily="34" charset="0"/>
+        <a:buChar char="•"/>
+        <a:defRPr sz="1800" kern="1200">
+          <a:solidFill>
+            <a:schemeClr val="tx1"/>
+          </a:solidFill>
+          <a:latin typeface="+mn-lt"/>
+          <a:ea typeface="+mn-ea"/>
+          <a:cs typeface="+mn-cs"/>
+        </a:defRPr>
+      </a:lvl7pPr>
+      <a:lvl8pPr marL="3429000" indent="-228600" algn="l" defTabSz="914400" rtl="0" eaLnBrk="1" latinLnBrk="0" hangingPunct="1">
+        <a:lnSpc>
+          <a:spcPct val="90000"/>
+        </a:lnSpc>
+        <a:spcBef>
+          <a:spcPts val="500"/>
+        </a:spcBef>
+        <a:buFont typeface="Arial" panose="020B0604020202020204" pitchFamily="34" charset="0"/>
+        <a:buChar char="•"/>
+        <a:defRPr sz="1800" kern="1200">
+          <a:solidFill>
+            <a:schemeClr val="tx1"/>
+          </a:solidFill>
+          <a:latin typeface="+mn-lt"/>
+          <a:ea typeface="+mn-ea"/>
+          <a:cs typeface="+mn-cs"/>
+        </a:defRPr>
+      </a:lvl8pPr>
+      <a:lvl9pPr marL="3886200" indent="-228600" algn="l" defTabSz="914400" rtl="0" eaLnBrk="1" latinLnBrk="0" hangingPunct="1">
+        <a:lnSpc>
+          <a:spcPct val="90000"/>
+        </a:lnSpc>
+        <a:spcBef>
+          <a:spcPts val="500"/>
+        </a:spcBef>
+        <a:buFont typeface="Arial" panose="020B0604020202020204" pitchFamily="34" charset="0"/>
+        <a:buChar char="•"/>
+        <a:defRPr sz="1800" kern="1200">
+          <a:solidFill>
+            <a:schemeClr val="tx1"/>
+          </a:solidFill>
+          <a:latin typeface="+mn-lt"/>
+          <a:ea typeface="+mn-ea"/>
+          <a:cs typeface="+mn-cs"/>
+        </a:defRPr>
+      </a:lvl9pPr>
+    </p:bodyStyle>
+    <p:otherStyle>
+      <a:defPPr>
+        <a:defRPr lang="fr-FR"/>
+      </a:defPPr>
+      <a:lvl1pPr marL="0" algn="l" defTabSz="914400" rtl="0" eaLnBrk="1" latinLnBrk="0" hangingPunct="1">
+        <a:defRPr sz="1800" kern="1200">
+          <a:solidFill>
+            <a:schemeClr val="tx1"/>
+          </a:solidFill>
+          <a:latin typeface="+mn-lt"/>
+          <a:ea typeface="+mn-ea"/>
+          <a:cs typeface="+mn-cs"/>
+        </a:defRPr>
+      </a:lvl1pPr>
+      <a:lvl2pPr marL="457200" algn="l" defTabSz="914400" rtl="0" eaLnBrk="1" latinLnBrk="0" hangingPunct="1">
+        <a:defRPr sz="1800" kern="1200">
+          <a:solidFill>
+            <a:schemeClr val="tx1"/>
+          </a:solidFill>
+          <a:latin typeface="+mn-lt"/>
+          <a:ea typeface="+mn-ea"/>
+          <a:cs typeface="+mn-cs"/>
+        </a:defRPr>
+      </a:lvl2pPr>
+      <a:lvl3pPr marL="914400" algn="l" defTabSz="914400" rtl="0" eaLnBrk="1" latinLnBrk="0" hangingPunct="1">
+        <a:defRPr sz="1800" kern="1200">
+          <a:solidFill>
+            <a:schemeClr val="tx1"/>
+          </a:solidFill>
+          <a:latin typeface="+mn-lt"/>
+          <a:ea typeface="+mn-ea"/>
+          <a:cs typeface="+mn-cs"/>
+        </a:defRPr>
+      </a:lvl3pPr>
+      <a:lvl4pPr marL="1371600" algn="l" defTabSz="914400" rtl="0" eaLnBrk="1" latinLnBrk="0" hangingPunct="1">
+        <a:defRPr sz="1800" kern="1200">
+          <a:solidFill>
+            <a:schemeClr val="tx1"/>
+          </a:solidFill>
+          <a:latin typeface="+mn-lt"/>
+          <a:ea typeface="+mn-ea"/>
+          <a:cs typeface="+mn-cs"/>
+        </a:defRPr>
+      </a:lvl4pPr>
+      <a:lvl5pPr marL="1828800" algn="l" defTabSz="914400" rtl="0" eaLnBrk="1" latinLnBrk="0" hangingPunct="1">
+        <a:defRPr sz="1800" kern="1200">
+          <a:solidFill>
+            <a:schemeClr val="tx1"/>
+          </a:solidFill>
+          <a:latin typeface="+mn-lt"/>
+          <a:ea typeface="+mn-ea"/>
+          <a:cs typeface="+mn-cs"/>
+        </a:defRPr>
+      </a:lvl5pPr>
+      <a:lvl6pPr marL="2286000" algn="l" defTabSz="914400" rtl="0" eaLnBrk="1" latinLnBrk="0" hangingPunct="1">
+        <a:defRPr sz="1800" kern="1200">
+          <a:solidFill>
+            <a:schemeClr val="tx1"/>
+          </a:solidFill>
+          <a:latin typeface="+mn-lt"/>
+          <a:ea typeface="+mn-ea"/>
+          <a:cs typeface="+mn-cs"/>
+        </a:defRPr>
+      </a:lvl6pPr>
+      <a:lvl7pPr marL="2743200" algn="l" defTabSz="914400" rtl="0" eaLnBrk="1" latinLnBrk="0" hangingPunct="1">
+        <a:defRPr sz="1800" kern="1200">
+          <a:solidFill>
+            <a:schemeClr val="tx1"/>
+          </a:solidFill>
+          <a:latin typeface="+mn-lt"/>
+          <a:ea typeface="+mn-ea"/>
+          <a:cs typeface="+mn-cs"/>
+        </a:defRPr>
+      </a:lvl7pPr>
+      <a:lvl8pPr marL="3200400" algn="l" defTabSz="914400" rtl="0" eaLnBrk="1" latinLnBrk="0" hangingPunct="1">
+        <a:defRPr sz="1800" kern="1200">
+          <a:solidFill>
+            <a:schemeClr val="tx1"/>
+          </a:solidFill>
+          <a:latin typeface="+mn-lt"/>
+          <a:ea typeface="+mn-ea"/>
+          <a:cs typeface="+mn-cs"/>
+        </a:defRPr>
+      </a:lvl8pPr>
+      <a:lvl9pPr marL="3657600" algn="l" defTabSz="914400" rtl="0" eaLnBrk="1" latinLnBrk="0" hangingPunct="1">
+        <a:defRPr sz="1800" kern="1200">
+          <a:solidFill>
+            <a:schemeClr val="tx1"/>
+          </a:solidFill>
+          <a:latin typeface="+mn-lt"/>
+          <a:ea typeface="+mn-ea"/>
+          <a:cs typeface="+mn-cs"/>
+        </a:defRPr>
+      </a:lvl9pPr>
+    </p:otherStyle>
+  </p:txStyles>
 </p:sldMaster>
 </file>
 
 <file path=ppt/slides/slide1.xml><?xml version="1.0" encoding="utf-8"?>
-<p:sld xmlns:a="http://schemas.openxmlformats.org/drawingml/2006/main" xmlns:p="http://schemas.openxmlformats.org/presentationml/2006/main" xmlns:r="http://schemas.openxmlformats.org/officeDocument/2006/relationships" xmlns:p14="http://schemas.microsoft.com/office/powerpoint/2010/main" xmlns:p15="http://schemas.microsoft.com/office/powerpoint/2012/main" xmlns:mc="http://schemas.openxmlformats.org/markup-compatibility/2006">
+<p:sld xmlns:a="http://schemas.openxmlformats.org/drawingml/2006/main" xmlns:r="http://schemas.openxmlformats.org/officeDocument/2006/relationships" xmlns:p="http://schemas.openxmlformats.org/presentationml/2006/main">
   <p:cSld>
     <p:spTree>
       <p:nvGrpSpPr>
@@ -3362,15 +4133,22 @@
           </a:ln>
         </p:spPr>
         <p:style>
-          <a:lnRef idx="0"/>
-          <a:fillRef idx="0"/>
-          <a:effectRef idx="0"/>
+          <a:lnRef idx="0">
+            <a:scrgbClr r="0" g="0" b="0"/>
+          </a:lnRef>
+          <a:fillRef idx="0">
+            <a:scrgbClr r="0" g="0" b="0"/>
+          </a:fillRef>
+          <a:effectRef idx="0">
+            <a:scrgbClr r="0" g="0" b="0"/>
+          </a:effectRef>
           <a:fontRef idx="minor"/>
         </p:style>
         <p:txBody>
-          <a:bodyPr lIns="90000" rIns="90000" tIns="45000" bIns="45000" anchor="ctr">
+          <a:bodyPr lIns="90000" tIns="45000" rIns="90000" bIns="45000" anchor="ctr">
             <a:noAutofit/>
           </a:bodyPr>
+          <a:lstStyle/>
           <a:p>
             <a:pPr algn="ctr">
               <a:lnSpc>
@@ -3378,7 +4156,7 @@
               </a:lnSpc>
             </a:pPr>
             <a:r>
-              <a:rPr b="0" lang="fr-CA" sz="2400" spc="-1" strike="noStrike">
+              <a:rPr lang="fr-CA" sz="2400" b="0" strike="noStrike" spc="-1">
                 <a:solidFill>
                   <a:srgbClr val="000000"/>
                 </a:solidFill>
@@ -3389,7 +4167,7 @@
             </a:r>
             <a:br/>
             <a:r>
-              <a:rPr b="0" lang="en-US" sz="4400" spc="-1" strike="noStrike">
+              <a:rPr lang="en-US" sz="4400" b="0" strike="noStrike" spc="-1">
                 <a:solidFill>
                   <a:srgbClr val="000000"/>
                 </a:solidFill>
@@ -3398,7 +4176,7 @@
               </a:rPr>
               <a:t>IFT-780</a:t>
             </a:r>
-            <a:endParaRPr b="0" lang="en-CA" sz="4400" spc="-1" strike="noStrike">
+            <a:endParaRPr lang="en-CA" sz="4400" b="0" strike="noStrike" spc="-1">
               <a:latin typeface="Arial"/>
             </a:endParaRPr>
           </a:p>
@@ -3424,15 +4202,22 @@
           </a:ln>
         </p:spPr>
         <p:style>
-          <a:lnRef idx="0"/>
-          <a:fillRef idx="0"/>
-          <a:effectRef idx="0"/>
+          <a:lnRef idx="0">
+            <a:scrgbClr r="0" g="0" b="0"/>
+          </a:lnRef>
+          <a:fillRef idx="0">
+            <a:scrgbClr r="0" g="0" b="0"/>
+          </a:fillRef>
+          <a:effectRef idx="0">
+            <a:scrgbClr r="0" g="0" b="0"/>
+          </a:effectRef>
           <a:fontRef idx="minor"/>
         </p:style>
         <p:txBody>
-          <a:bodyPr lIns="90000" rIns="90000" tIns="45000" bIns="45000">
+          <a:bodyPr lIns="90000" tIns="45000" rIns="90000" bIns="45000">
             <a:noAutofit/>
           </a:bodyPr>
+          <a:lstStyle/>
           <a:p>
             <a:pPr algn="ctr">
               <a:lnSpc>
@@ -3442,11 +4227,11 @@
                 <a:spcPts val="479"/>
               </a:spcBef>
               <a:tabLst>
-                <a:tab algn="l" pos="0"/>
+                <a:tab pos="0" algn="l"/>
               </a:tabLst>
             </a:pPr>
             <a:r>
-              <a:rPr b="0" lang="fr-CA" sz="2400" spc="-1" strike="noStrike">
+              <a:rPr lang="fr-CA" sz="2400" b="0" strike="noStrike" spc="-1">
                 <a:solidFill>
                   <a:srgbClr val="000000"/>
                 </a:solidFill>
@@ -3455,7 +4240,7 @@
               </a:rPr>
               <a:t>Présentation</a:t>
             </a:r>
-            <a:endParaRPr b="0" lang="en-CA" sz="2400" spc="-1" strike="noStrike">
+            <a:endParaRPr lang="en-CA" sz="2400" b="0" strike="noStrike" spc="-1">
               <a:latin typeface="Arial"/>
             </a:endParaRPr>
           </a:p>
@@ -3468,11 +4253,11 @@
                 <a:spcPts val="281"/>
               </a:spcBef>
               <a:tabLst>
-                <a:tab algn="l" pos="0"/>
+                <a:tab pos="0" algn="l"/>
               </a:tabLst>
             </a:pPr>
             <a:r>
-              <a:rPr b="0" lang="fr-CA" sz="1400" spc="-1" strike="noStrike">
+              <a:rPr lang="fr-CA" sz="1400" b="0" strike="noStrike" spc="-1">
                 <a:solidFill>
                   <a:srgbClr val="000000"/>
                 </a:solidFill>
@@ -3481,7 +4266,7 @@
               </a:rPr>
               <a:t>Par</a:t>
             </a:r>
-            <a:endParaRPr b="0" lang="en-CA" sz="1400" spc="-1" strike="noStrike">
+            <a:endParaRPr lang="en-CA" sz="1400" b="0" strike="noStrike" spc="-1">
               <a:latin typeface="Arial"/>
             </a:endParaRPr>
           </a:p>
@@ -3494,11 +4279,11 @@
                 <a:spcPts val="281"/>
               </a:spcBef>
               <a:tabLst>
-                <a:tab algn="l" pos="0"/>
+                <a:tab pos="0" algn="l"/>
               </a:tabLst>
             </a:pPr>
             <a:r>
-              <a:rPr b="0" lang="fr-CA" sz="1400" spc="-1" strike="sngStrike">
+              <a:rPr lang="fr-CA" sz="1400" b="0" strike="sngStrike" spc="-1">
                 <a:solidFill>
                   <a:srgbClr val="000000"/>
                 </a:solidFill>
@@ -3508,7 +4293,7 @@
               <a:t>Pierre-Marc Jodoin</a:t>
             </a:r>
             <a:r>
-              <a:rPr b="0" lang="fr-CA" sz="1400" spc="-1" strike="noStrike">
+              <a:rPr lang="fr-CA" sz="1400" b="0" strike="noStrike" spc="-1">
                 <a:solidFill>
                   <a:srgbClr val="000000"/>
                 </a:solidFill>
@@ -3517,7 +4302,7 @@
               </a:rPr>
               <a:t> Antoine Théberge </a:t>
             </a:r>
-            <a:endParaRPr b="0" lang="en-CA" sz="1400" spc="-1" strike="noStrike">
+            <a:endParaRPr lang="en-CA" sz="1400" b="0" strike="noStrike" spc="-1">
               <a:latin typeface="Arial"/>
             </a:endParaRPr>
           </a:p>
@@ -3525,19 +4310,14 @@
       </p:sp>
     </p:spTree>
   </p:cSld>
-  <mc:AlternateContent>
-    <mc:Choice Requires="p14">
-      <p:transition spd="slow" p14:dur="2000"/>
-    </mc:Choice>
-    <mc:Fallback>
-      <p:transition spd="slow"/>
-    </mc:Fallback>
-  </mc:AlternateContent>
+  <p:clrMapOvr>
+    <a:masterClrMapping/>
+  </p:clrMapOvr>
 </p:sld>
 </file>
 
 <file path=ppt/slides/slide10.xml><?xml version="1.0" encoding="utf-8"?>
-<p:sld xmlns:a="http://schemas.openxmlformats.org/drawingml/2006/main" xmlns:p="http://schemas.openxmlformats.org/presentationml/2006/main" xmlns:r="http://schemas.openxmlformats.org/officeDocument/2006/relationships" xmlns:p14="http://schemas.microsoft.com/office/powerpoint/2010/main" xmlns:p15="http://schemas.microsoft.com/office/powerpoint/2012/main" xmlns:mc="http://schemas.openxmlformats.org/markup-compatibility/2006">
+<p:sld xmlns:a="http://schemas.openxmlformats.org/drawingml/2006/main" xmlns:r="http://schemas.openxmlformats.org/officeDocument/2006/relationships" xmlns:p="http://schemas.openxmlformats.org/presentationml/2006/main">
   <p:cSld>
     <p:spTree>
       <p:nvGrpSpPr>
@@ -3573,15 +4353,22 @@
           </a:ln>
         </p:spPr>
         <p:style>
-          <a:lnRef idx="0"/>
-          <a:fillRef idx="0"/>
-          <a:effectRef idx="0"/>
+          <a:lnRef idx="0">
+            <a:scrgbClr r="0" g="0" b="0"/>
+          </a:lnRef>
+          <a:fillRef idx="0">
+            <a:scrgbClr r="0" g="0" b="0"/>
+          </a:fillRef>
+          <a:effectRef idx="0">
+            <a:scrgbClr r="0" g="0" b="0"/>
+          </a:effectRef>
           <a:fontRef idx="minor"/>
         </p:style>
         <p:txBody>
-          <a:bodyPr lIns="90000" rIns="90000" tIns="45000" bIns="45000" anchor="ctr">
+          <a:bodyPr lIns="90000" tIns="45000" rIns="90000" bIns="45000" anchor="ctr">
             <a:noAutofit/>
           </a:bodyPr>
+          <a:lstStyle/>
           <a:p>
             <a:pPr>
               <a:lnSpc>
@@ -3589,7 +4376,7 @@
               </a:lnSpc>
             </a:pPr>
             <a:r>
-              <a:rPr b="0" lang="fr-CA" sz="4400" spc="-1" strike="noStrike">
+              <a:rPr lang="fr-CA" sz="4400" b="0" strike="noStrike" spc="-1">
                 <a:solidFill>
                   <a:srgbClr val="000000"/>
                 </a:solidFill>
@@ -3598,7 +4385,7 @@
               </a:rPr>
               <a:t>Évaluation</a:t>
             </a:r>
-            <a:endParaRPr b="0" lang="en-CA" sz="4400" spc="-1" strike="noStrike">
+            <a:endParaRPr lang="en-CA" sz="4400" b="0" strike="noStrike" spc="-1">
               <a:latin typeface="Arial"/>
             </a:endParaRPr>
           </a:p>
@@ -3624,15 +4411,22 @@
           </a:ln>
         </p:spPr>
         <p:style>
-          <a:lnRef idx="0"/>
-          <a:fillRef idx="0"/>
-          <a:effectRef idx="0"/>
+          <a:lnRef idx="0">
+            <a:scrgbClr r="0" g="0" b="0"/>
+          </a:lnRef>
+          <a:fillRef idx="0">
+            <a:scrgbClr r="0" g="0" b="0"/>
+          </a:fillRef>
+          <a:effectRef idx="0">
+            <a:scrgbClr r="0" g="0" b="0"/>
+          </a:effectRef>
           <a:fontRef idx="minor"/>
         </p:style>
         <p:txBody>
-          <a:bodyPr lIns="90000" rIns="90000" tIns="45000" bIns="45000">
+          <a:bodyPr lIns="90000" tIns="45000" rIns="90000" bIns="45000">
             <a:noAutofit/>
           </a:bodyPr>
+          <a:lstStyle/>
           <a:p>
             <a:pPr marL="343080" indent="-342000">
               <a:lnSpc>
@@ -3648,7 +4442,7 @@
               <a:buChar char=""/>
             </a:pPr>
             <a:r>
-              <a:rPr b="0" lang="fr-CA" sz="3200" spc="-1" strike="noStrike">
+              <a:rPr lang="fr-CA" sz="3200" b="0" strike="noStrike" spc="-1">
                 <a:solidFill>
                   <a:srgbClr val="000000"/>
                 </a:solidFill>
@@ -3658,7 +4452,7 @@
               <a:t>Examen</a:t>
             </a:r>
             <a:r>
-              <a:rPr b="0" lang="fr-CA" sz="2800" spc="-1" strike="noStrike">
+              <a:rPr lang="fr-CA" sz="2800" b="0" strike="noStrike" spc="-1">
                 <a:solidFill>
                   <a:srgbClr val="000000"/>
                 </a:solidFill>
@@ -3667,7 +4461,7 @@
               </a:rPr>
               <a:t> final : 30%</a:t>
             </a:r>
-            <a:endParaRPr b="0" lang="en-CA" sz="2800" spc="-1" strike="noStrike">
+            <a:endParaRPr lang="en-CA" sz="2800" b="0" strike="noStrike" spc="-1">
               <a:latin typeface="Arial"/>
             </a:endParaRPr>
           </a:p>
@@ -3677,7 +4471,7 @@
                 <a:spcPct val="100000"/>
               </a:lnSpc>
             </a:pPr>
-            <a:endParaRPr b="0" lang="en-CA" sz="2800" spc="-1" strike="noStrike">
+            <a:endParaRPr lang="en-CA" sz="2800" b="0" strike="noStrike" spc="-1">
               <a:latin typeface="Arial"/>
             </a:endParaRPr>
           </a:p>
@@ -3696,7 +4490,7 @@
               <a:buChar char=""/>
             </a:pPr>
             <a:r>
-              <a:rPr b="0" lang="fr-CA" sz="3200" spc="-1" strike="noStrike">
+              <a:rPr lang="fr-CA" sz="3200" b="0" strike="noStrike" spc="-1">
                 <a:solidFill>
                   <a:srgbClr val="000000"/>
                 </a:solidFill>
@@ -3705,12 +4499,12 @@
               </a:rPr>
               <a:t>Travaux pratiques: 40-70%</a:t>
             </a:r>
-            <a:endParaRPr b="0" lang="en-CA" sz="3200" spc="-1" strike="noStrike">
-              <a:latin typeface="Arial"/>
-            </a:endParaRPr>
-          </a:p>
-          <a:p>
-            <a:pPr lvl="1" marL="743040" indent="-284760">
+            <a:endParaRPr lang="en-CA" sz="3200" b="0" strike="noStrike" spc="-1">
+              <a:latin typeface="Arial"/>
+            </a:endParaRPr>
+          </a:p>
+          <a:p>
+            <a:pPr marL="743040" lvl="1" indent="-284760">
               <a:lnSpc>
                 <a:spcPct val="100000"/>
               </a:lnSpc>
@@ -3724,7 +4518,7 @@
               <a:buChar char=""/>
             </a:pPr>
             <a:r>
-              <a:rPr b="0" lang="en-US" sz="2800" spc="-1" strike="noStrike">
+              <a:rPr lang="en-US" sz="2800" b="0" strike="noStrike" spc="-1">
                 <a:solidFill>
                   <a:srgbClr val="000000"/>
                 </a:solidFill>
@@ -3733,12 +4527,12 @@
               </a:rPr>
               <a:t>TP1 : 20%</a:t>
             </a:r>
-            <a:endParaRPr b="0" lang="en-CA" sz="2800" spc="-1" strike="noStrike">
-              <a:latin typeface="Arial"/>
-            </a:endParaRPr>
-          </a:p>
-          <a:p>
-            <a:pPr lvl="1" marL="743040" indent="-284760">
+            <a:endParaRPr lang="en-CA" sz="2800" b="0" strike="noStrike" spc="-1">
+              <a:latin typeface="Arial"/>
+            </a:endParaRPr>
+          </a:p>
+          <a:p>
+            <a:pPr marL="743040" lvl="1" indent="-284760">
               <a:lnSpc>
                 <a:spcPct val="100000"/>
               </a:lnSpc>
@@ -3752,7 +4546,7 @@
               <a:buChar char=""/>
             </a:pPr>
             <a:r>
-              <a:rPr b="0" lang="en-US" sz="2800" spc="-1" strike="noStrike">
+              <a:rPr lang="en-US" sz="2800" b="0" strike="noStrike" spc="-1">
                 <a:solidFill>
                   <a:srgbClr val="000000"/>
                 </a:solidFill>
@@ -3761,12 +4555,12 @@
               </a:rPr>
               <a:t>TP2 : 20%</a:t>
             </a:r>
-            <a:endParaRPr b="0" lang="en-CA" sz="2800" spc="-1" strike="noStrike">
-              <a:latin typeface="Arial"/>
-            </a:endParaRPr>
-          </a:p>
-          <a:p>
-            <a:pPr lvl="1" marL="743040" indent="-284760">
+            <a:endParaRPr lang="en-CA" sz="2800" b="0" strike="noStrike" spc="-1">
+              <a:latin typeface="Arial"/>
+            </a:endParaRPr>
+          </a:p>
+          <a:p>
+            <a:pPr marL="743040" lvl="1" indent="-284760">
               <a:lnSpc>
                 <a:spcPct val="100000"/>
               </a:lnSpc>
@@ -3780,7 +4574,7 @@
               <a:buChar char=""/>
             </a:pPr>
             <a:r>
-              <a:rPr b="0" lang="en-US" sz="2800" spc="-1" strike="noStrike">
+              <a:rPr lang="en-US" sz="2800" b="0" strike="noStrike" spc="-1">
                 <a:solidFill>
                   <a:srgbClr val="000000"/>
                 </a:solidFill>
@@ -3789,7 +4583,7 @@
               </a:rPr>
               <a:t>TP3 : 0-30%</a:t>
             </a:r>
-            <a:endParaRPr b="0" lang="en-CA" sz="2800" spc="-1" strike="noStrike">
+            <a:endParaRPr lang="en-CA" sz="2800" b="0" strike="noStrike" spc="-1">
               <a:latin typeface="Arial"/>
             </a:endParaRPr>
           </a:p>
@@ -3808,7 +4602,7 @@
               <a:buChar char=""/>
             </a:pPr>
             <a:r>
-              <a:rPr b="0" lang="fr-CA" sz="3200" spc="-1" strike="noStrike">
+              <a:rPr lang="fr-CA" sz="3200" b="0" strike="noStrike" spc="-1">
                 <a:solidFill>
                   <a:srgbClr val="000000"/>
                 </a:solidFill>
@@ -3818,7 +4612,7 @@
               <a:t>Projet de session : 0-30</a:t>
             </a:r>
             <a:r>
-              <a:rPr b="0" lang="en-CA" sz="3200" spc="-1" strike="noStrike">
+              <a:rPr lang="en-CA" sz="3200" b="0" strike="noStrike" spc="-1">
                 <a:solidFill>
                   <a:srgbClr val="000000"/>
                 </a:solidFill>
@@ -3827,7 +4621,7 @@
               </a:rPr>
               <a:t>%</a:t>
             </a:r>
-            <a:endParaRPr b="0" lang="en-CA" sz="3200" spc="-1" strike="noStrike">
+            <a:endParaRPr lang="en-CA" sz="3200" b="0" strike="noStrike" spc="-1">
               <a:latin typeface="Arial"/>
             </a:endParaRPr>
           </a:p>
@@ -3846,7 +4640,7 @@
               <a:buChar char=""/>
             </a:pPr>
             <a:r>
-              <a:rPr b="0" lang="en-US" sz="3200" spc="-1" strike="noStrike">
+              <a:rPr lang="en-US" sz="3200" b="0" strike="noStrike" spc="-1">
                 <a:solidFill>
                   <a:srgbClr val="000000"/>
                 </a:solidFill>
@@ -3855,7 +4649,7 @@
               </a:rPr>
               <a:t>Vous avez le choix entre le TP3 et le projet</a:t>
             </a:r>
-            <a:endParaRPr b="0" lang="en-CA" sz="3200" spc="-1" strike="noStrike">
+            <a:endParaRPr lang="en-CA" sz="3200" b="0" strike="noStrike" spc="-1">
               <a:latin typeface="Arial"/>
             </a:endParaRPr>
           </a:p>
@@ -3881,15 +4675,22 @@
           </a:ln>
         </p:spPr>
         <p:style>
-          <a:lnRef idx="0"/>
-          <a:fillRef idx="0"/>
-          <a:effectRef idx="0"/>
+          <a:lnRef idx="0">
+            <a:scrgbClr r="0" g="0" b="0"/>
+          </a:lnRef>
+          <a:fillRef idx="0">
+            <a:scrgbClr r="0" g="0" b="0"/>
+          </a:fillRef>
+          <a:effectRef idx="0">
+            <a:scrgbClr r="0" g="0" b="0"/>
+          </a:effectRef>
           <a:fontRef idx="minor"/>
         </p:style>
         <p:txBody>
-          <a:bodyPr lIns="90000" rIns="90000" tIns="45000" bIns="45000">
+          <a:bodyPr lIns="90000" tIns="45000" rIns="90000" bIns="45000">
             <a:noAutofit/>
           </a:bodyPr>
+          <a:lstStyle/>
           <a:p>
             <a:pPr algn="r">
               <a:lnSpc>
@@ -3897,16 +4698,16 @@
               </a:lnSpc>
             </a:pPr>
             <a:fld id="{F5B93C1A-B5FB-4DA0-8F16-DCBFA500DD02}" type="slidenum">
-              <a:rPr b="0" lang="fr-CA" sz="1400" spc="-1" strike="noStrike">
-                <a:solidFill>
-                  <a:srgbClr val="000000"/>
-                </a:solidFill>
-                <a:latin typeface="Times New Roman"/>
-                <a:ea typeface="DejaVu Sans"/>
-              </a:rPr>
-              <a:t>&lt;number&gt;</a:t>
+              <a:rPr lang="fr-CA" sz="1400" b="0" strike="noStrike" spc="-1">
+                <a:solidFill>
+                  <a:srgbClr val="000000"/>
+                </a:solidFill>
+                <a:latin typeface="Times New Roman"/>
+                <a:ea typeface="DejaVu Sans"/>
+              </a:rPr>
+              <a:t>10</a:t>
             </a:fld>
-            <a:endParaRPr b="0" lang="en-CA" sz="1400" spc="-1" strike="noStrike">
+            <a:endParaRPr lang="en-CA" sz="1400" b="0" strike="noStrike" spc="-1">
               <a:latin typeface="Arial"/>
             </a:endParaRPr>
           </a:p>
@@ -3934,7 +4735,7 @@
             <a:round/>
           </a:ln>
           <a:effectLst>
-            <a:outerShdw blurRad="40000" dir="5400000" dist="20160" rotWithShape="0">
+            <a:outerShdw blurRad="40000" dist="20160" dir="5400000" rotWithShape="0">
               <a:srgbClr val="000000">
                 <a:alpha val="38000"/>
               </a:srgbClr>
@@ -3974,15 +4775,22 @@
           </a:ln>
         </p:spPr>
         <p:style>
-          <a:lnRef idx="0"/>
-          <a:fillRef idx="0"/>
-          <a:effectRef idx="0"/>
+          <a:lnRef idx="0">
+            <a:scrgbClr r="0" g="0" b="0"/>
+          </a:lnRef>
+          <a:fillRef idx="0">
+            <a:scrgbClr r="0" g="0" b="0"/>
+          </a:fillRef>
+          <a:effectRef idx="0">
+            <a:scrgbClr r="0" g="0" b="0"/>
+          </a:effectRef>
           <a:fontRef idx="minor"/>
         </p:style>
         <p:txBody>
-          <a:bodyPr wrap="none" lIns="90000" rIns="90000" tIns="45000" bIns="45000">
+          <a:bodyPr wrap="none" lIns="90000" tIns="45000" rIns="90000" bIns="45000">
             <a:spAutoFit/>
           </a:bodyPr>
+          <a:lstStyle/>
           <a:p>
             <a:pPr>
               <a:lnSpc>
@@ -3990,7 +4798,7 @@
               </a:lnSpc>
             </a:pPr>
             <a:r>
-              <a:rPr b="0" lang="fr-CA" sz="2000" spc="-1" strike="noStrike">
+              <a:rPr lang="fr-CA" sz="2000" b="0" strike="noStrike" spc="-1">
                 <a:solidFill>
                   <a:srgbClr val="000000"/>
                 </a:solidFill>
@@ -3999,7 +4807,7 @@
               </a:rPr>
               <a:t>Seule les notes manuscrites</a:t>
             </a:r>
-            <a:endParaRPr b="0" lang="en-CA" sz="2000" spc="-1" strike="noStrike">
+            <a:endParaRPr lang="en-CA" sz="2000" b="0" strike="noStrike" spc="-1">
               <a:latin typeface="Arial"/>
             </a:endParaRPr>
           </a:p>
@@ -4010,7 +4818,7 @@
               </a:lnSpc>
             </a:pPr>
             <a:r>
-              <a:rPr b="0" lang="fr-CA" sz="2000" spc="-1" strike="noStrike">
+              <a:rPr lang="fr-CA" sz="2000" b="0" strike="noStrike" spc="-1">
                 <a:solidFill>
                   <a:srgbClr val="000000"/>
                 </a:solidFill>
@@ -4019,7 +4827,7 @@
               </a:rPr>
               <a:t>seront admises</a:t>
             </a:r>
-            <a:endParaRPr b="0" lang="en-CA" sz="2000" spc="-1" strike="noStrike">
+            <a:endParaRPr lang="en-CA" sz="2000" b="0" strike="noStrike" spc="-1">
               <a:latin typeface="Arial"/>
             </a:endParaRPr>
           </a:p>
@@ -4027,19 +4835,14 @@
       </p:sp>
     </p:spTree>
   </p:cSld>
-  <mc:AlternateContent>
-    <mc:Choice Requires="p14">
-      <p:transition spd="slow" p14:dur="2000"/>
-    </mc:Choice>
-    <mc:Fallback>
-      <p:transition spd="slow"/>
-    </mc:Fallback>
-  </mc:AlternateContent>
+  <p:clrMapOvr>
+    <a:masterClrMapping/>
+  </p:clrMapOvr>
 </p:sld>
 </file>
 
 <file path=ppt/slides/slide11.xml><?xml version="1.0" encoding="utf-8"?>
-<p:sld xmlns:a="http://schemas.openxmlformats.org/drawingml/2006/main" xmlns:p="http://schemas.openxmlformats.org/presentationml/2006/main" xmlns:r="http://schemas.openxmlformats.org/officeDocument/2006/relationships" xmlns:p14="http://schemas.microsoft.com/office/powerpoint/2010/main" xmlns:p15="http://schemas.microsoft.com/office/powerpoint/2012/main" xmlns:mc="http://schemas.openxmlformats.org/markup-compatibility/2006">
+<p:sld xmlns:a="http://schemas.openxmlformats.org/drawingml/2006/main" xmlns:r="http://schemas.openxmlformats.org/officeDocument/2006/relationships" xmlns:p="http://schemas.openxmlformats.org/presentationml/2006/main">
   <p:cSld>
     <p:spTree>
       <p:nvGrpSpPr>
@@ -4075,15 +4878,22 @@
           </a:ln>
         </p:spPr>
         <p:style>
-          <a:lnRef idx="0"/>
-          <a:fillRef idx="0"/>
-          <a:effectRef idx="0"/>
+          <a:lnRef idx="0">
+            <a:scrgbClr r="0" g="0" b="0"/>
+          </a:lnRef>
+          <a:fillRef idx="0">
+            <a:scrgbClr r="0" g="0" b="0"/>
+          </a:fillRef>
+          <a:effectRef idx="0">
+            <a:scrgbClr r="0" g="0" b="0"/>
+          </a:effectRef>
           <a:fontRef idx="minor"/>
         </p:style>
         <p:txBody>
-          <a:bodyPr lIns="90000" rIns="90000" tIns="45000" bIns="45000">
+          <a:bodyPr lIns="90000" tIns="45000" rIns="90000" bIns="45000">
             <a:noAutofit/>
           </a:bodyPr>
+          <a:lstStyle/>
           <a:p>
             <a:pPr algn="r">
               <a:lnSpc>
@@ -4091,16 +4901,16 @@
               </a:lnSpc>
             </a:pPr>
             <a:fld id="{F989B8B6-C11D-49A5-ABCE-4998442CDD61}" type="slidenum">
-              <a:rPr b="0" lang="fr-CA" sz="1400" spc="-1" strike="noStrike">
-                <a:solidFill>
-                  <a:srgbClr val="000000"/>
-                </a:solidFill>
-                <a:latin typeface="Times New Roman"/>
-                <a:ea typeface="DejaVu Sans"/>
-              </a:rPr>
-              <a:t>&lt;number&gt;</a:t>
+              <a:rPr lang="fr-CA" sz="1400" b="0" strike="noStrike" spc="-1">
+                <a:solidFill>
+                  <a:srgbClr val="000000"/>
+                </a:solidFill>
+                <a:latin typeface="Times New Roman"/>
+                <a:ea typeface="DejaVu Sans"/>
+              </a:rPr>
+              <a:t>11</a:t>
             </a:fld>
-            <a:endParaRPr b="0" lang="en-CA" sz="1400" spc="-1" strike="noStrike">
+            <a:endParaRPr lang="en-CA" sz="1400" b="0" strike="noStrike" spc="-1">
               <a:latin typeface="Arial"/>
             </a:endParaRPr>
           </a:p>
@@ -4126,15 +4936,22 @@
           </a:ln>
         </p:spPr>
         <p:style>
-          <a:lnRef idx="0"/>
-          <a:fillRef idx="0"/>
-          <a:effectRef idx="0"/>
+          <a:lnRef idx="0">
+            <a:scrgbClr r="0" g="0" b="0"/>
+          </a:lnRef>
+          <a:fillRef idx="0">
+            <a:scrgbClr r="0" g="0" b="0"/>
+          </a:fillRef>
+          <a:effectRef idx="0">
+            <a:scrgbClr r="0" g="0" b="0"/>
+          </a:effectRef>
           <a:fontRef idx="minor"/>
         </p:style>
         <p:txBody>
-          <a:bodyPr lIns="90000" rIns="90000" tIns="45000" bIns="45000" anchor="ctr">
+          <a:bodyPr lIns="90000" tIns="45000" rIns="90000" bIns="45000" anchor="ctr">
             <a:noAutofit/>
           </a:bodyPr>
+          <a:lstStyle/>
           <a:p>
             <a:pPr>
               <a:lnSpc>
@@ -4142,7 +4959,7 @@
               </a:lnSpc>
             </a:pPr>
             <a:r>
-              <a:rPr b="0" lang="fr-CA" sz="4400" spc="-1" strike="noStrike">
+              <a:rPr lang="fr-CA" sz="4400" b="0" strike="noStrike" spc="-1">
                 <a:solidFill>
                   <a:srgbClr val="000000"/>
                 </a:solidFill>
@@ -4151,7 +4968,7 @@
               </a:rPr>
               <a:t>Évaluation (suite)</a:t>
             </a:r>
-            <a:endParaRPr b="0" lang="en-CA" sz="4400" spc="-1" strike="noStrike">
+            <a:endParaRPr lang="en-CA" sz="4400" b="0" strike="noStrike" spc="-1">
               <a:latin typeface="Arial"/>
             </a:endParaRPr>
           </a:p>
@@ -4177,15 +4994,22 @@
           </a:ln>
         </p:spPr>
         <p:style>
-          <a:lnRef idx="0"/>
-          <a:fillRef idx="0"/>
-          <a:effectRef idx="0"/>
+          <a:lnRef idx="0">
+            <a:scrgbClr r="0" g="0" b="0"/>
+          </a:lnRef>
+          <a:fillRef idx="0">
+            <a:scrgbClr r="0" g="0" b="0"/>
+          </a:fillRef>
+          <a:effectRef idx="0">
+            <a:scrgbClr r="0" g="0" b="0"/>
+          </a:effectRef>
           <a:fontRef idx="minor"/>
         </p:style>
         <p:txBody>
-          <a:bodyPr lIns="90000" rIns="90000" tIns="45000" bIns="45000">
+          <a:bodyPr lIns="90000" tIns="45000" rIns="90000" bIns="45000">
             <a:noAutofit/>
           </a:bodyPr>
+          <a:lstStyle/>
           <a:p>
             <a:pPr>
               <a:lnSpc>
@@ -4195,11 +5019,11 @@
                 <a:spcPts val="479"/>
               </a:spcBef>
               <a:tabLst>
-                <a:tab algn="l" pos="0"/>
+                <a:tab pos="0" algn="l"/>
               </a:tabLst>
             </a:pPr>
             <a:r>
-              <a:rPr b="1" lang="fr-CA" sz="2400" spc="-1" strike="noStrike">
+              <a:rPr lang="fr-CA" sz="2400" b="1" strike="noStrike" spc="-1">
                 <a:solidFill>
                   <a:srgbClr val="000000"/>
                 </a:solidFill>
@@ -4209,7 +5033,7 @@
               <a:t>P</a:t>
             </a:r>
             <a:r>
-              <a:rPr b="1" lang="en-CA" sz="2400" spc="-1" strike="noStrike">
+              <a:rPr lang="en-CA" sz="2400" b="1" strike="noStrike" spc="-1">
                 <a:solidFill>
                   <a:srgbClr val="000000"/>
                 </a:solidFill>
@@ -4219,7 +5043,7 @@
               <a:t>rojet de session, </a:t>
             </a:r>
             <a:r>
-              <a:rPr b="0" lang="en-CA" sz="2400" spc="-1" strike="noStrike">
+              <a:rPr lang="en-CA" sz="2400" b="0" strike="noStrike" spc="-1">
                 <a:solidFill>
                   <a:srgbClr val="000000"/>
                 </a:solidFill>
@@ -4229,7 +5053,7 @@
               <a:t>voir plan de cours pour plus de d</a:t>
             </a:r>
             <a:r>
-              <a:rPr b="0" lang="fr-CA" sz="2400" spc="-1" strike="noStrike">
+              <a:rPr lang="fr-CA" sz="2400" b="0" strike="noStrike" spc="-1">
                 <a:solidFill>
                   <a:srgbClr val="000000"/>
                 </a:solidFill>
@@ -4238,7 +5062,7 @@
               </a:rPr>
               <a:t>étails</a:t>
             </a:r>
-            <a:endParaRPr b="0" lang="en-CA" sz="2400" spc="-1" strike="noStrike">
+            <a:endParaRPr lang="en-CA" sz="2400" b="0" strike="noStrike" spc="-1">
               <a:latin typeface="Arial"/>
             </a:endParaRPr>
           </a:p>
@@ -4251,10 +5075,10 @@
                 <a:spcPts val="479"/>
               </a:spcBef>
               <a:tabLst>
-                <a:tab algn="l" pos="0"/>
+                <a:tab pos="0" algn="l"/>
               </a:tabLst>
             </a:pPr>
-            <a:endParaRPr b="0" lang="en-CA" sz="2400" spc="-1" strike="noStrike">
+            <a:endParaRPr lang="en-CA" sz="2400" b="0" strike="noStrike" spc="-1">
               <a:latin typeface="Arial"/>
             </a:endParaRPr>
           </a:p>
@@ -4267,11 +5091,11 @@
                 <a:spcPts val="479"/>
               </a:spcBef>
               <a:tabLst>
-                <a:tab algn="l" pos="0"/>
+                <a:tab pos="0" algn="l"/>
               </a:tabLst>
             </a:pPr>
             <a:r>
-              <a:rPr b="1" lang="fr-CA" sz="2400" spc="-1" strike="noStrike" u="sng">
+              <a:rPr lang="fr-CA" sz="2400" b="1" u="sng" strike="noStrike" spc="-1">
                 <a:solidFill>
                   <a:srgbClr val="000000"/>
                 </a:solidFill>
@@ -4281,7 +5105,7 @@
               </a:rPr>
               <a:t>https://www.antoinetheberge.ca/teaching/2021-spring-ift780</a:t>
             </a:r>
-            <a:endParaRPr b="0" lang="en-CA" sz="2400" spc="-1" strike="noStrike">
+            <a:endParaRPr lang="en-CA" sz="2400" b="0" strike="noStrike" spc="-1">
               <a:latin typeface="Arial"/>
             </a:endParaRPr>
           </a:p>
@@ -4289,19 +5113,14 @@
       </p:sp>
     </p:spTree>
   </p:cSld>
-  <mc:AlternateContent>
-    <mc:Choice Requires="p14">
-      <p:transition spd="slow" p14:dur="2000"/>
-    </mc:Choice>
-    <mc:Fallback>
-      <p:transition spd="slow"/>
-    </mc:Fallback>
-  </mc:AlternateContent>
+  <p:clrMapOvr>
+    <a:masterClrMapping/>
+  </p:clrMapOvr>
 </p:sld>
 </file>
 
 <file path=ppt/slides/slide12.xml><?xml version="1.0" encoding="utf-8"?>
-<p:sld xmlns:a="http://schemas.openxmlformats.org/drawingml/2006/main" xmlns:p="http://schemas.openxmlformats.org/presentationml/2006/main" xmlns:r="http://schemas.openxmlformats.org/officeDocument/2006/relationships" xmlns:p14="http://schemas.microsoft.com/office/powerpoint/2010/main" xmlns:p15="http://schemas.microsoft.com/office/powerpoint/2012/main" xmlns:mc="http://schemas.openxmlformats.org/markup-compatibility/2006">
+<p:sld xmlns:a="http://schemas.openxmlformats.org/drawingml/2006/main" xmlns:r="http://schemas.openxmlformats.org/officeDocument/2006/relationships" xmlns:p="http://schemas.openxmlformats.org/presentationml/2006/main">
   <p:cSld>
     <p:spTree>
       <p:nvGrpSpPr>
@@ -4337,15 +5156,22 @@
           </a:ln>
         </p:spPr>
         <p:style>
-          <a:lnRef idx="0"/>
-          <a:fillRef idx="0"/>
-          <a:effectRef idx="0"/>
+          <a:lnRef idx="0">
+            <a:scrgbClr r="0" g="0" b="0"/>
+          </a:lnRef>
+          <a:fillRef idx="0">
+            <a:scrgbClr r="0" g="0" b="0"/>
+          </a:fillRef>
+          <a:effectRef idx="0">
+            <a:scrgbClr r="0" g="0" b="0"/>
+          </a:effectRef>
           <a:fontRef idx="minor"/>
         </p:style>
         <p:txBody>
-          <a:bodyPr lIns="90000" rIns="90000" tIns="45000" bIns="45000" anchor="ctr">
+          <a:bodyPr lIns="90000" tIns="45000" rIns="90000" bIns="45000" anchor="ctr">
             <a:noAutofit/>
           </a:bodyPr>
+          <a:lstStyle/>
           <a:p>
             <a:pPr>
               <a:lnSpc>
@@ -4353,7 +5179,7 @@
               </a:lnSpc>
             </a:pPr>
             <a:r>
-              <a:rPr b="0" lang="fr-CA" sz="4400" spc="-1" strike="noStrike">
+              <a:rPr lang="fr-CA" sz="4400" b="0" strike="noStrike" spc="-1">
                 <a:solidFill>
                   <a:srgbClr val="000000"/>
                 </a:solidFill>
@@ -4362,7 +5188,7 @@
               </a:rPr>
               <a:t>À partir de maintenant</a:t>
             </a:r>
-            <a:endParaRPr b="0" lang="en-CA" sz="4400" spc="-1" strike="noStrike">
+            <a:endParaRPr lang="en-CA" sz="4400" b="0" strike="noStrike" spc="-1">
               <a:latin typeface="Arial"/>
             </a:endParaRPr>
           </a:p>
@@ -4388,15 +5214,22 @@
           </a:ln>
         </p:spPr>
         <p:style>
-          <a:lnRef idx="0"/>
-          <a:fillRef idx="0"/>
-          <a:effectRef idx="0"/>
+          <a:lnRef idx="0">
+            <a:scrgbClr r="0" g="0" b="0"/>
+          </a:lnRef>
+          <a:fillRef idx="0">
+            <a:scrgbClr r="0" g="0" b="0"/>
+          </a:fillRef>
+          <a:effectRef idx="0">
+            <a:scrgbClr r="0" g="0" b="0"/>
+          </a:effectRef>
           <a:fontRef idx="minor"/>
         </p:style>
         <p:txBody>
-          <a:bodyPr lIns="90000" rIns="90000" tIns="45000" bIns="45000">
+          <a:bodyPr lIns="90000" tIns="45000" rIns="90000" bIns="45000">
             <a:noAutofit/>
           </a:bodyPr>
+          <a:lstStyle/>
           <a:p>
             <a:pPr marL="343080" indent="-342000">
               <a:lnSpc>
@@ -4412,7 +5245,7 @@
               <a:buChar char=""/>
             </a:pPr>
             <a:r>
-              <a:rPr b="1" lang="fr-CA" sz="2400" spc="-1" strike="noStrike" u="sng">
+              <a:rPr lang="fr-CA" sz="2400" b="1" u="sng" strike="noStrike" spc="-1">
                 <a:solidFill>
                   <a:srgbClr val="000000"/>
                 </a:solidFill>
@@ -4422,7 +5255,7 @@
               </a:rPr>
               <a:t>Formez vos équipes</a:t>
             </a:r>
-            <a:endParaRPr b="0" lang="en-CA" sz="2400" spc="-1" strike="noStrike">
+            <a:endParaRPr lang="en-CA" sz="2400" b="0" strike="noStrike" spc="-1">
               <a:latin typeface="Arial"/>
             </a:endParaRPr>
           </a:p>
@@ -4441,7 +5274,7 @@
               <a:buChar char=""/>
             </a:pPr>
             <a:r>
-              <a:rPr b="0" lang="fr-CA" sz="2400" spc="-1" strike="noStrike">
+              <a:rPr lang="fr-CA" sz="2400" b="0" strike="noStrike" spc="-1">
                 <a:solidFill>
                   <a:srgbClr val="000000"/>
                 </a:solidFill>
@@ -4450,7 +5283,7 @@
               </a:rPr>
               <a:t>Révision (ou apprentissage) de python</a:t>
             </a:r>
-            <a:endParaRPr b="0" lang="en-CA" sz="2400" spc="-1" strike="noStrike">
+            <a:endParaRPr lang="en-CA" sz="2400" b="0" strike="noStrike" spc="-1">
               <a:latin typeface="Arial"/>
             </a:endParaRPr>
           </a:p>
@@ -4469,7 +5302,7 @@
               <a:buChar char=""/>
             </a:pPr>
             <a:r>
-              <a:rPr b="0" lang="fr-CA" sz="2400" spc="-1" strike="noStrike">
+              <a:rPr lang="fr-CA" sz="2400" b="0" strike="noStrike" spc="-1">
                 <a:solidFill>
                   <a:srgbClr val="000000"/>
                 </a:solidFill>
@@ -4478,7 +5311,7 @@
               </a:rPr>
               <a:t>Révision des bases en math</a:t>
             </a:r>
-            <a:endParaRPr b="0" lang="en-CA" sz="2400" spc="-1" strike="noStrike">
+            <a:endParaRPr lang="en-CA" sz="2400" b="0" strike="noStrike" spc="-1">
               <a:latin typeface="Arial"/>
             </a:endParaRPr>
           </a:p>
@@ -4497,7 +5330,7 @@
               <a:buChar char=""/>
             </a:pPr>
             <a:r>
-              <a:rPr b="0" lang="fr-CA" sz="2400" spc="-1" strike="noStrike">
+              <a:rPr lang="fr-CA" sz="2400" b="0" strike="noStrike" spc="-1">
                 <a:solidFill>
                   <a:srgbClr val="000000"/>
                 </a:solidFill>
@@ -4506,7 +5339,7 @@
               </a:rPr>
               <a:t>Révision des bases des techniques d’apprentissage (voir vidéos du cours ift603 ou prendre le cours ift603)</a:t>
             </a:r>
-            <a:endParaRPr b="0" lang="en-CA" sz="2400" spc="-1" strike="noStrike">
+            <a:endParaRPr lang="en-CA" sz="2400" b="0" strike="noStrike" spc="-1">
               <a:latin typeface="Arial"/>
             </a:endParaRPr>
           </a:p>
@@ -4532,15 +5365,22 @@
           </a:ln>
         </p:spPr>
         <p:style>
-          <a:lnRef idx="0"/>
-          <a:fillRef idx="0"/>
-          <a:effectRef idx="0"/>
+          <a:lnRef idx="0">
+            <a:scrgbClr r="0" g="0" b="0"/>
+          </a:lnRef>
+          <a:fillRef idx="0">
+            <a:scrgbClr r="0" g="0" b="0"/>
+          </a:fillRef>
+          <a:effectRef idx="0">
+            <a:scrgbClr r="0" g="0" b="0"/>
+          </a:effectRef>
           <a:fontRef idx="minor"/>
         </p:style>
         <p:txBody>
-          <a:bodyPr lIns="90000" rIns="90000" tIns="45000" bIns="45000">
+          <a:bodyPr lIns="90000" tIns="45000" rIns="90000" bIns="45000">
             <a:noAutofit/>
           </a:bodyPr>
+          <a:lstStyle/>
           <a:p>
             <a:pPr algn="r">
               <a:lnSpc>
@@ -4548,16 +5388,16 @@
               </a:lnSpc>
             </a:pPr>
             <a:fld id="{C08BC618-EEFA-4E9B-B9E5-90F420898080}" type="slidenum">
-              <a:rPr b="0" lang="fr-CA" sz="1400" spc="-1" strike="noStrike">
-                <a:solidFill>
-                  <a:srgbClr val="000000"/>
-                </a:solidFill>
-                <a:latin typeface="Times New Roman"/>
-                <a:ea typeface="DejaVu Sans"/>
-              </a:rPr>
-              <a:t>&lt;number&gt;</a:t>
+              <a:rPr lang="fr-CA" sz="1400" b="0" strike="noStrike" spc="-1">
+                <a:solidFill>
+                  <a:srgbClr val="000000"/>
+                </a:solidFill>
+                <a:latin typeface="Times New Roman"/>
+                <a:ea typeface="DejaVu Sans"/>
+              </a:rPr>
+              <a:t>12</a:t>
             </a:fld>
-            <a:endParaRPr b="0" lang="en-CA" sz="1400" spc="-1" strike="noStrike">
+            <a:endParaRPr lang="en-CA" sz="1400" b="0" strike="noStrike" spc="-1">
               <a:latin typeface="Arial"/>
             </a:endParaRPr>
           </a:p>
@@ -4565,19 +5405,14 @@
       </p:sp>
     </p:spTree>
   </p:cSld>
-  <mc:AlternateContent>
-    <mc:Choice Requires="p14">
-      <p:transition spd="slow" p14:dur="2000"/>
-    </mc:Choice>
-    <mc:Fallback>
-      <p:transition spd="slow"/>
-    </mc:Fallback>
-  </mc:AlternateContent>
+  <p:clrMapOvr>
+    <a:masterClrMapping/>
+  </p:clrMapOvr>
 </p:sld>
 </file>
 
 <file path=ppt/slides/slide13.xml><?xml version="1.0" encoding="utf-8"?>
-<p:sld xmlns:a="http://schemas.openxmlformats.org/drawingml/2006/main" xmlns:p="http://schemas.openxmlformats.org/presentationml/2006/main" xmlns:r="http://schemas.openxmlformats.org/officeDocument/2006/relationships" xmlns:p14="http://schemas.microsoft.com/office/powerpoint/2010/main" xmlns:p15="http://schemas.microsoft.com/office/powerpoint/2012/main" xmlns:mc="http://schemas.openxmlformats.org/markup-compatibility/2006">
+<p:sld xmlns:a="http://schemas.openxmlformats.org/drawingml/2006/main" xmlns:r="http://schemas.openxmlformats.org/officeDocument/2006/relationships" xmlns:p="http://schemas.openxmlformats.org/presentationml/2006/main">
   <p:cSld>
     <p:spTree>
       <p:nvGrpSpPr>
@@ -4613,15 +5448,22 @@
           </a:ln>
         </p:spPr>
         <p:style>
-          <a:lnRef idx="0"/>
-          <a:fillRef idx="0"/>
-          <a:effectRef idx="0"/>
+          <a:lnRef idx="0">
+            <a:scrgbClr r="0" g="0" b="0"/>
+          </a:lnRef>
+          <a:fillRef idx="0">
+            <a:scrgbClr r="0" g="0" b="0"/>
+          </a:fillRef>
+          <a:effectRef idx="0">
+            <a:scrgbClr r="0" g="0" b="0"/>
+          </a:effectRef>
           <a:fontRef idx="minor"/>
         </p:style>
         <p:txBody>
-          <a:bodyPr lIns="90000" rIns="90000" tIns="45000" bIns="45000" anchor="ctr">
+          <a:bodyPr lIns="90000" tIns="45000" rIns="90000" bIns="45000" anchor="ctr">
             <a:noAutofit/>
           </a:bodyPr>
+          <a:lstStyle/>
           <a:p>
             <a:pPr>
               <a:lnSpc>
@@ -4629,7 +5471,7 @@
               </a:lnSpc>
             </a:pPr>
             <a:r>
-              <a:rPr b="0" lang="fr-CA" sz="4400" spc="-1" strike="noStrike">
+              <a:rPr lang="fr-CA" sz="4400" b="0" strike="noStrike" spc="-1">
                 <a:solidFill>
                   <a:srgbClr val="000000"/>
                 </a:solidFill>
@@ -4638,7 +5480,7 @@
               </a:rPr>
               <a:t>Déroulement</a:t>
             </a:r>
-            <a:endParaRPr b="0" lang="en-CA" sz="4400" spc="-1" strike="noStrike">
+            <a:endParaRPr lang="en-CA" sz="4400" b="0" strike="noStrike" spc="-1">
               <a:latin typeface="Arial"/>
             </a:endParaRPr>
           </a:p>
@@ -4664,15 +5506,22 @@
           </a:ln>
         </p:spPr>
         <p:style>
-          <a:lnRef idx="0"/>
-          <a:fillRef idx="0"/>
-          <a:effectRef idx="0"/>
+          <a:lnRef idx="0">
+            <a:scrgbClr r="0" g="0" b="0"/>
+          </a:lnRef>
+          <a:fillRef idx="0">
+            <a:scrgbClr r="0" g="0" b="0"/>
+          </a:fillRef>
+          <a:effectRef idx="0">
+            <a:scrgbClr r="0" g="0" b="0"/>
+          </a:effectRef>
           <a:fontRef idx="minor"/>
         </p:style>
         <p:txBody>
-          <a:bodyPr lIns="90000" rIns="90000" tIns="45000" bIns="45000">
+          <a:bodyPr lIns="90000" tIns="45000" rIns="90000" bIns="45000">
             <a:noAutofit/>
           </a:bodyPr>
+          <a:lstStyle/>
           <a:p>
             <a:pPr marL="343080" indent="-342000">
               <a:lnSpc>
@@ -4688,7 +5537,7 @@
               <a:buChar char=""/>
             </a:pPr>
             <a:r>
-              <a:rPr b="0" lang="fr-CA" sz="2400" spc="-1" strike="noStrike">
+              <a:rPr lang="fr-CA" sz="2400" b="0" strike="noStrike" spc="-1">
                 <a:solidFill>
                   <a:srgbClr val="000000"/>
                 </a:solidFill>
@@ -4697,12 +5546,12 @@
               </a:rPr>
               <a:t>Site web du cours</a:t>
             </a:r>
-            <a:endParaRPr b="0" lang="en-CA" sz="2400" spc="-1" strike="noStrike">
-              <a:latin typeface="Arial"/>
-            </a:endParaRPr>
-          </a:p>
-          <a:p>
-            <a:pPr lvl="1" marL="743040" indent="-284760">
+            <a:endParaRPr lang="en-CA" sz="2400" b="0" strike="noStrike" spc="-1">
+              <a:latin typeface="Arial"/>
+            </a:endParaRPr>
+          </a:p>
+          <a:p>
+            <a:pPr marL="743040" lvl="1" indent="-284760">
               <a:lnSpc>
                 <a:spcPct val="100000"/>
               </a:lnSpc>
@@ -4716,7 +5565,7 @@
               <a:buChar char=""/>
             </a:pPr>
             <a:r>
-              <a:rPr b="0" lang="en-US" sz="1600" spc="-1" strike="noStrike" u="sng">
+              <a:rPr lang="en-US" sz="1600" b="0" u="sng" strike="noStrike" spc="-1">
                 <a:solidFill>
                   <a:srgbClr val="000000"/>
                 </a:solidFill>
@@ -4726,7 +5575,7 @@
               </a:rPr>
               <a:t>https://www.antoinetheberge.ca/teaching/2021-spring-ift780</a:t>
             </a:r>
-            <a:endParaRPr b="0" lang="en-CA" sz="1600" spc="-1" strike="noStrike">
+            <a:endParaRPr lang="en-CA" sz="1600" b="0" strike="noStrike" spc="-1">
               <a:latin typeface="Arial"/>
             </a:endParaRPr>
           </a:p>
@@ -4745,7 +5594,7 @@
               <a:buChar char=""/>
             </a:pPr>
             <a:r>
-              <a:rPr b="0" lang="fr-CA" sz="2400" spc="-1" strike="noStrike">
+              <a:rPr lang="fr-CA" sz="2400" b="0" strike="noStrike" spc="-1">
                 <a:solidFill>
                   <a:srgbClr val="000000"/>
                 </a:solidFill>
@@ -4754,12 +5603,12 @@
               </a:rPr>
               <a:t>Livres (non obligatoires)</a:t>
             </a:r>
-            <a:endParaRPr b="0" lang="en-CA" sz="2400" spc="-1" strike="noStrike">
-              <a:latin typeface="Arial"/>
-            </a:endParaRPr>
-          </a:p>
-          <a:p>
-            <a:pPr lvl="1" marL="743040" indent="-284760">
+            <a:endParaRPr lang="en-CA" sz="2400" b="0" strike="noStrike" spc="-1">
+              <a:latin typeface="Arial"/>
+            </a:endParaRPr>
+          </a:p>
+          <a:p>
+            <a:pPr marL="743040" lvl="1" indent="-284760">
               <a:lnSpc>
                 <a:spcPct val="100000"/>
               </a:lnSpc>
@@ -4773,7 +5622,7 @@
               <a:buChar char=""/>
             </a:pPr>
             <a:r>
-              <a:rPr b="0" i="1" lang="en-US" sz="2000" spc="-1" strike="noStrike">
+              <a:rPr lang="en-US" sz="2000" b="0" i="1" strike="noStrike" spc="-1">
                 <a:solidFill>
                   <a:srgbClr val="000000"/>
                 </a:solidFill>
@@ -4782,7 +5631,7 @@
               </a:rPr>
               <a:t>Deep Learning</a:t>
             </a:r>
-            <a:endParaRPr b="0" lang="en-CA" sz="2000" spc="-1" strike="noStrike">
+            <a:endParaRPr lang="en-CA" sz="2000" b="0" strike="noStrike" spc="-1">
               <a:latin typeface="Arial"/>
             </a:endParaRPr>
           </a:p>
@@ -4795,35 +5644,25 @@
                 <a:spcPts val="320"/>
               </a:spcBef>
               <a:tabLst>
-                <a:tab algn="l" pos="0"/>
+                <a:tab pos="0" algn="l"/>
               </a:tabLst>
             </a:pPr>
             <a:r>
-              <a:rPr b="0" lang="en-US" sz="1600" spc="-1" strike="noStrike">
-                <a:solidFill>
-                  <a:srgbClr val="000000"/>
-                </a:solidFill>
-                <a:latin typeface="Times New Roman"/>
-                <a:ea typeface="DejaVu Sans"/>
-              </a:rPr>
-              <a:t>	</a:t>
-            </a:r>
-            <a:r>
-              <a:rPr b="0" lang="en-US" sz="1600" spc="-1" strike="noStrike">
-                <a:solidFill>
-                  <a:srgbClr val="000000"/>
-                </a:solidFill>
-                <a:latin typeface="Times New Roman"/>
-                <a:ea typeface="DejaVu Sans"/>
-              </a:rPr>
-              <a:t>Ian Goodfellow, Yoshua Bengio, Aaron Courville, MIT Press 2016 </a:t>
-            </a:r>
-            <a:endParaRPr b="0" lang="en-CA" sz="1600" spc="-1" strike="noStrike">
-              <a:latin typeface="Arial"/>
-            </a:endParaRPr>
-          </a:p>
-          <a:p>
-            <a:pPr lvl="1" marL="743040" indent="-284760">
+              <a:rPr lang="en-US" sz="1600" b="0" strike="noStrike" spc="-1">
+                <a:solidFill>
+                  <a:srgbClr val="000000"/>
+                </a:solidFill>
+                <a:latin typeface="Times New Roman"/>
+                <a:ea typeface="DejaVu Sans"/>
+              </a:rPr>
+              <a:t>	Ian Goodfellow, Yoshua Bengio, Aaron Courville, MIT Press 2016 </a:t>
+            </a:r>
+            <a:endParaRPr lang="en-CA" sz="1600" b="0" strike="noStrike" spc="-1">
+              <a:latin typeface="Arial"/>
+            </a:endParaRPr>
+          </a:p>
+          <a:p>
+            <a:pPr marL="743040" lvl="1" indent="-284760">
               <a:lnSpc>
                 <a:spcPct val="100000"/>
               </a:lnSpc>
@@ -4836,11 +5675,11 @@
               <a:buFont typeface="Symbol"/>
               <a:buChar char=""/>
               <a:tabLst>
-                <a:tab algn="l" pos="0"/>
+                <a:tab pos="0" algn="l"/>
               </a:tabLst>
             </a:pPr>
             <a:r>
-              <a:rPr b="0" i="1" lang="en-US" sz="2000" spc="-1" strike="noStrike">
+              <a:rPr lang="en-US" sz="2000" b="0" i="1" strike="noStrike" spc="-1">
                 <a:solidFill>
                   <a:srgbClr val="000000"/>
                 </a:solidFill>
@@ -4849,7 +5688,7 @@
               </a:rPr>
               <a:t>Pattern Recognition and Machine Learning</a:t>
             </a:r>
-            <a:endParaRPr b="0" lang="en-CA" sz="2000" spc="-1" strike="noStrike">
+            <a:endParaRPr lang="en-CA" sz="2000" b="0" strike="noStrike" spc="-1">
               <a:latin typeface="Arial"/>
             </a:endParaRPr>
           </a:p>
@@ -4862,11 +5701,11 @@
                 <a:spcPts val="320"/>
               </a:spcBef>
               <a:tabLst>
-                <a:tab algn="l" pos="0"/>
+                <a:tab pos="0" algn="l"/>
               </a:tabLst>
             </a:pPr>
             <a:r>
-              <a:rPr b="0" lang="en-US" sz="1600" spc="-1" strike="noStrike">
+              <a:rPr lang="en-US" sz="1600" b="0" strike="noStrike" spc="-1">
                 <a:solidFill>
                   <a:srgbClr val="000000"/>
                 </a:solidFill>
@@ -4875,7 +5714,7 @@
               </a:rPr>
               <a:t>Christopher Bishop, Springer, 2007</a:t>
             </a:r>
-            <a:endParaRPr b="0" lang="en-CA" sz="1600" spc="-1" strike="noStrike">
+            <a:endParaRPr lang="en-CA" sz="1600" b="0" strike="noStrike" spc="-1">
               <a:latin typeface="Arial"/>
             </a:endParaRPr>
           </a:p>
@@ -4893,11 +5732,11 @@
               <a:buFont typeface="Symbol"/>
               <a:buChar char=""/>
               <a:tabLst>
-                <a:tab algn="l" pos="0"/>
+                <a:tab pos="0" algn="l"/>
               </a:tabLst>
             </a:pPr>
             <a:r>
-              <a:rPr b="0" lang="fr-CA" sz="2400" spc="-1" strike="noStrike">
+              <a:rPr lang="fr-CA" sz="2400" b="0" strike="noStrike" spc="-1">
                 <a:solidFill>
                   <a:srgbClr val="000000"/>
                 </a:solidFill>
@@ -4907,7 +5746,7 @@
               <a:t>Où trouver les livres?</a:t>
             </a:r>
             <a:r>
-              <a:rPr b="0" lang="fr-CA" sz="2000" spc="-1" strike="noStrike">
+              <a:rPr lang="fr-CA" sz="2000" b="0" strike="noStrike" spc="-1">
                 <a:solidFill>
                   <a:srgbClr val="000000"/>
                 </a:solidFill>
@@ -4916,12 +5755,12 @@
               </a:rPr>
               <a:t>	</a:t>
             </a:r>
-            <a:endParaRPr b="0" lang="en-CA" sz="2000" spc="-1" strike="noStrike">
-              <a:latin typeface="Arial"/>
-            </a:endParaRPr>
-          </a:p>
-          <a:p>
-            <a:pPr lvl="1" marL="857160" indent="-342000">
+            <a:endParaRPr lang="en-CA" sz="2000" b="0" strike="noStrike" spc="-1">
+              <a:latin typeface="Arial"/>
+            </a:endParaRPr>
+          </a:p>
+          <a:p>
+            <a:pPr marL="857160" lvl="1" indent="-342000">
               <a:lnSpc>
                 <a:spcPct val="100000"/>
               </a:lnSpc>
@@ -4934,11 +5773,11 @@
               <a:buFont typeface="Symbol"/>
               <a:buChar char=""/>
               <a:tabLst>
-                <a:tab algn="l" pos="0"/>
+                <a:tab pos="0" algn="l"/>
               </a:tabLst>
             </a:pPr>
             <a:r>
-              <a:rPr b="0" lang="fr-CA" sz="2000" spc="-1" strike="noStrike">
+              <a:rPr lang="fr-CA" sz="2000" b="0" strike="noStrike" spc="-1">
                 <a:solidFill>
                   <a:srgbClr val="000000"/>
                 </a:solidFill>
@@ -4947,12 +5786,12 @@
               </a:rPr>
               <a:t>La coop de l’université (préférable)</a:t>
             </a:r>
-            <a:endParaRPr b="0" lang="en-CA" sz="2000" spc="-1" strike="noStrike">
-              <a:latin typeface="Arial"/>
-            </a:endParaRPr>
-          </a:p>
-          <a:p>
-            <a:pPr lvl="1" marL="857160" indent="-342000">
+            <a:endParaRPr lang="en-CA" sz="2000" b="0" strike="noStrike" spc="-1">
+              <a:latin typeface="Arial"/>
+            </a:endParaRPr>
+          </a:p>
+          <a:p>
+            <a:pPr marL="857160" lvl="1" indent="-342000">
               <a:lnSpc>
                 <a:spcPct val="100000"/>
               </a:lnSpc>
@@ -4965,11 +5804,11 @@
               <a:buFont typeface="Symbol"/>
               <a:buChar char=""/>
               <a:tabLst>
-                <a:tab algn="l" pos="0"/>
+                <a:tab pos="0" algn="l"/>
               </a:tabLst>
             </a:pPr>
             <a:r>
-              <a:rPr b="0" lang="fr-CA" sz="2000" spc="-1" strike="noStrike">
+              <a:rPr lang="fr-CA" sz="2000" b="0" strike="noStrike" spc="-1">
                 <a:solidFill>
                   <a:srgbClr val="000000"/>
                 </a:solidFill>
@@ -4978,12 +5817,12 @@
               </a:rPr>
               <a:t>Amazon</a:t>
             </a:r>
-            <a:endParaRPr b="0" lang="en-CA" sz="2000" spc="-1" strike="noStrike">
-              <a:latin typeface="Arial"/>
-            </a:endParaRPr>
-          </a:p>
-          <a:p>
-            <a:pPr lvl="1" marL="857160" indent="-342000">
+            <a:endParaRPr lang="en-CA" sz="2000" b="0" strike="noStrike" spc="-1">
+              <a:latin typeface="Arial"/>
+            </a:endParaRPr>
+          </a:p>
+          <a:p>
+            <a:pPr marL="857160" lvl="1" indent="-342000">
               <a:lnSpc>
                 <a:spcPct val="100000"/>
               </a:lnSpc>
@@ -4996,11 +5835,11 @@
               <a:buFont typeface="Symbol"/>
               <a:buChar char=""/>
               <a:tabLst>
-                <a:tab algn="l" pos="0"/>
+                <a:tab pos="0" algn="l"/>
               </a:tabLst>
             </a:pPr>
             <a:r>
-              <a:rPr b="0" lang="fr-CA" sz="2000" spc="-1" strike="noStrike">
+              <a:rPr lang="fr-CA" sz="2000" b="0" strike="noStrike" spc="-1">
                 <a:solidFill>
                   <a:srgbClr val="000000"/>
                 </a:solidFill>
@@ -5009,12 +5848,12 @@
               </a:rPr>
               <a:t>Abebooks</a:t>
             </a:r>
-            <a:endParaRPr b="0" lang="en-CA" sz="2000" spc="-1" strike="noStrike">
-              <a:latin typeface="Arial"/>
-            </a:endParaRPr>
-          </a:p>
-          <a:p>
-            <a:pPr lvl="1" marL="857160" indent="-342000">
+            <a:endParaRPr lang="en-CA" sz="2000" b="0" strike="noStrike" spc="-1">
+              <a:latin typeface="Arial"/>
+            </a:endParaRPr>
+          </a:p>
+          <a:p>
+            <a:pPr marL="857160" lvl="1" indent="-342000">
               <a:lnSpc>
                 <a:spcPct val="100000"/>
               </a:lnSpc>
@@ -5027,11 +5866,11 @@
               <a:buFont typeface="Symbol"/>
               <a:buChar char=""/>
               <a:tabLst>
-                <a:tab algn="l" pos="0"/>
+                <a:tab pos="0" algn="l"/>
               </a:tabLst>
             </a:pPr>
             <a:r>
-              <a:rPr b="0" lang="fr-CA" sz="2000" spc="-1" strike="noStrike">
+              <a:rPr lang="fr-CA" sz="2000" b="0" strike="noStrike" spc="-1">
                 <a:solidFill>
                   <a:srgbClr val="000000"/>
                 </a:solidFill>
@@ -5040,12 +5879,12 @@
               </a:rPr>
               <a:t>Bibliothèque de sciences et génie</a:t>
             </a:r>
-            <a:endParaRPr b="0" lang="en-CA" sz="2000" spc="-1" strike="noStrike">
-              <a:latin typeface="Arial"/>
-            </a:endParaRPr>
-          </a:p>
-          <a:p>
-            <a:pPr lvl="1" marL="857160" indent="-342000">
+            <a:endParaRPr lang="en-CA" sz="2000" b="0" strike="noStrike" spc="-1">
+              <a:latin typeface="Arial"/>
+            </a:endParaRPr>
+          </a:p>
+          <a:p>
+            <a:pPr marL="857160" lvl="1" indent="-342000">
               <a:lnSpc>
                 <a:spcPct val="100000"/>
               </a:lnSpc>
@@ -5053,25 +5892,25 @@
                 <a:spcPts val="400"/>
               </a:spcBef>
               <a:buClr>
-                <a:srgbClr val="ff0000"/>
+                <a:srgbClr val="FF0000"/>
               </a:buClr>
               <a:buFont typeface="Symbol"/>
               <a:buChar char=""/>
               <a:tabLst>
-                <a:tab algn="l" pos="0"/>
+                <a:tab pos="0" algn="l"/>
               </a:tabLst>
             </a:pPr>
             <a:r>
-              <a:rPr b="0" lang="fr-CA" sz="2000" spc="-1" strike="noStrike">
-                <a:solidFill>
-                  <a:srgbClr val="ff0000"/>
+              <a:rPr lang="fr-CA" sz="2000" b="0" strike="noStrike" spc="-1">
+                <a:solidFill>
+                  <a:srgbClr val="FF0000"/>
                 </a:solidFill>
                 <a:latin typeface="Times New Roman"/>
                 <a:ea typeface="DejaVu Sans"/>
               </a:rPr>
               <a:t>Versions gratuites en ligne!!</a:t>
             </a:r>
-            <a:endParaRPr b="0" lang="en-CA" sz="2000" spc="-1" strike="noStrike">
+            <a:endParaRPr lang="en-CA" sz="2000" b="0" strike="noStrike" spc="-1">
               <a:latin typeface="Arial"/>
             </a:endParaRPr>
           </a:p>
@@ -5084,13 +5923,13 @@
                 <a:spcPts val="360"/>
               </a:spcBef>
               <a:tabLst>
-                <a:tab algn="l" pos="0"/>
+                <a:tab pos="0" algn="l"/>
               </a:tabLst>
             </a:pPr>
             <a:r>
-              <a:rPr b="0" lang="fr-CA" sz="1800" spc="-1" strike="noStrike">
-                <a:solidFill>
-                  <a:srgbClr val="ff0000"/>
+              <a:rPr lang="fr-CA" sz="1800" b="0" strike="noStrike" spc="-1">
+                <a:solidFill>
+                  <a:srgbClr val="FF0000"/>
                 </a:solidFill>
                 <a:latin typeface="Times New Roman"/>
                 <a:ea typeface="DejaVu Sans"/>
@@ -5098,9 +5937,9 @@
               <a:t>             </a:t>
             </a:r>
             <a:r>
-              <a:rPr b="1" lang="fr-CA" sz="1600" spc="-1" strike="noStrike" u="sng">
-                <a:solidFill>
-                  <a:srgbClr val="ff0000"/>
+              <a:rPr lang="fr-CA" sz="1600" b="1" u="sng" strike="noStrike" spc="-1">
+                <a:solidFill>
+                  <a:srgbClr val="FF0000"/>
                 </a:solidFill>
                 <a:uFillTx/>
                 <a:latin typeface="Times New Roman"/>
@@ -5108,7 +5947,7 @@
               </a:rPr>
               <a:t>https://www.antoinetheberge.ca/teaching/2021-spring-ift780</a:t>
             </a:r>
-            <a:endParaRPr b="0" lang="en-CA" sz="1600" spc="-1" strike="noStrike">
+            <a:endParaRPr lang="en-CA" sz="1600" b="0" strike="noStrike" spc="-1">
               <a:latin typeface="Arial"/>
             </a:endParaRPr>
           </a:p>
@@ -5134,15 +5973,22 @@
           </a:ln>
         </p:spPr>
         <p:style>
-          <a:lnRef idx="0"/>
-          <a:fillRef idx="0"/>
-          <a:effectRef idx="0"/>
+          <a:lnRef idx="0">
+            <a:scrgbClr r="0" g="0" b="0"/>
+          </a:lnRef>
+          <a:fillRef idx="0">
+            <a:scrgbClr r="0" g="0" b="0"/>
+          </a:fillRef>
+          <a:effectRef idx="0">
+            <a:scrgbClr r="0" g="0" b="0"/>
+          </a:effectRef>
           <a:fontRef idx="minor"/>
         </p:style>
         <p:txBody>
-          <a:bodyPr lIns="90000" rIns="90000" tIns="45000" bIns="45000">
+          <a:bodyPr lIns="90000" tIns="45000" rIns="90000" bIns="45000">
             <a:noAutofit/>
           </a:bodyPr>
+          <a:lstStyle/>
           <a:p>
             <a:pPr algn="r">
               <a:lnSpc>
@@ -5150,16 +5996,16 @@
               </a:lnSpc>
             </a:pPr>
             <a:fld id="{EC46BD42-232A-4DA7-A2F2-AD79DD2F338A}" type="slidenum">
-              <a:rPr b="0" lang="fr-CA" sz="1400" spc="-1" strike="noStrike">
-                <a:solidFill>
-                  <a:srgbClr val="000000"/>
-                </a:solidFill>
-                <a:latin typeface="Times New Roman"/>
-                <a:ea typeface="DejaVu Sans"/>
-              </a:rPr>
-              <a:t>&lt;number&gt;</a:t>
+              <a:rPr lang="fr-CA" sz="1400" b="0" strike="noStrike" spc="-1">
+                <a:solidFill>
+                  <a:srgbClr val="000000"/>
+                </a:solidFill>
+                <a:latin typeface="Times New Roman"/>
+                <a:ea typeface="DejaVu Sans"/>
+              </a:rPr>
+              <a:t>13</a:t>
             </a:fld>
-            <a:endParaRPr b="0" lang="en-CA" sz="1400" spc="-1" strike="noStrike">
+            <a:endParaRPr lang="en-CA" sz="1400" b="0" strike="noStrike" spc="-1">
               <a:latin typeface="Arial"/>
             </a:endParaRPr>
           </a:p>
@@ -5172,7 +6018,7 @@
           <p:nvPr/>
         </p:nvPicPr>
         <p:blipFill>
-          <a:blip r:embed="rId1"/>
+          <a:blip r:embed="rId2"/>
           <a:stretch/>
         </p:blipFill>
         <p:spPr>
@@ -5190,12 +6036,12 @@
       </p:pic>
       <p:pic>
         <p:nvPicPr>
-          <p:cNvPr id="118" name="Picture 4" descr=""/>
+          <p:cNvPr id="118" name="Picture 4"/>
           <p:cNvPicPr/>
           <p:nvPr/>
         </p:nvPicPr>
         <p:blipFill>
-          <a:blip r:embed="rId2"/>
+          <a:blip r:embed="rId3"/>
           <a:stretch/>
         </p:blipFill>
         <p:spPr>
@@ -5213,19 +6059,14 @@
       </p:pic>
     </p:spTree>
   </p:cSld>
-  <mc:AlternateContent>
-    <mc:Choice Requires="p14">
-      <p:transition spd="slow" p14:dur="2000"/>
-    </mc:Choice>
-    <mc:Fallback>
-      <p:transition spd="slow"/>
-    </mc:Fallback>
-  </mc:AlternateContent>
+  <p:clrMapOvr>
+    <a:masterClrMapping/>
+  </p:clrMapOvr>
 </p:sld>
 </file>
 
 <file path=ppt/slides/slide14.xml><?xml version="1.0" encoding="utf-8"?>
-<p:sld xmlns:a="http://schemas.openxmlformats.org/drawingml/2006/main" xmlns:p="http://schemas.openxmlformats.org/presentationml/2006/main" xmlns:r="http://schemas.openxmlformats.org/officeDocument/2006/relationships" xmlns:p14="http://schemas.microsoft.com/office/powerpoint/2010/main" xmlns:p15="http://schemas.microsoft.com/office/powerpoint/2012/main" xmlns:mc="http://schemas.openxmlformats.org/markup-compatibility/2006">
+<p:sld xmlns:a="http://schemas.openxmlformats.org/drawingml/2006/main" xmlns:r="http://schemas.openxmlformats.org/officeDocument/2006/relationships" xmlns:p="http://schemas.openxmlformats.org/presentationml/2006/main">
   <p:cSld>
     <p:spTree>
       <p:nvGrpSpPr>
@@ -5261,15 +6102,22 @@
           </a:ln>
         </p:spPr>
         <p:style>
-          <a:lnRef idx="0"/>
-          <a:fillRef idx="0"/>
-          <a:effectRef idx="0"/>
+          <a:lnRef idx="0">
+            <a:scrgbClr r="0" g="0" b="0"/>
+          </a:lnRef>
+          <a:fillRef idx="0">
+            <a:scrgbClr r="0" g="0" b="0"/>
+          </a:fillRef>
+          <a:effectRef idx="0">
+            <a:scrgbClr r="0" g="0" b="0"/>
+          </a:effectRef>
           <a:fontRef idx="minor"/>
         </p:style>
         <p:txBody>
-          <a:bodyPr lIns="90000" rIns="90000" tIns="45000" bIns="45000" anchor="ctr">
+          <a:bodyPr lIns="90000" tIns="45000" rIns="90000" bIns="45000" anchor="ctr">
             <a:noAutofit/>
           </a:bodyPr>
+          <a:lstStyle/>
           <a:p>
             <a:pPr>
               <a:lnSpc>
@@ -5277,7 +6125,7 @@
               </a:lnSpc>
             </a:pPr>
             <a:r>
-              <a:rPr b="0" lang="fr-CA" sz="4400" spc="-1" strike="noStrike">
+              <a:rPr lang="fr-CA" sz="4400" b="0" strike="noStrike" spc="-1">
                 <a:solidFill>
                   <a:srgbClr val="000000"/>
                 </a:solidFill>
@@ -5286,7 +6134,7 @@
               </a:rPr>
               <a:t>D’ici la semaine prochaine</a:t>
             </a:r>
-            <a:endParaRPr b="0" lang="en-CA" sz="4400" spc="-1" strike="noStrike">
+            <a:endParaRPr lang="en-CA" sz="4400" b="0" strike="noStrike" spc="-1">
               <a:latin typeface="Arial"/>
             </a:endParaRPr>
           </a:p>
@@ -5312,15 +6160,22 @@
           </a:ln>
         </p:spPr>
         <p:style>
-          <a:lnRef idx="0"/>
-          <a:fillRef idx="0"/>
-          <a:effectRef idx="0"/>
+          <a:lnRef idx="0">
+            <a:scrgbClr r="0" g="0" b="0"/>
+          </a:lnRef>
+          <a:fillRef idx="0">
+            <a:scrgbClr r="0" g="0" b="0"/>
+          </a:fillRef>
+          <a:effectRef idx="0">
+            <a:scrgbClr r="0" g="0" b="0"/>
+          </a:effectRef>
           <a:fontRef idx="minor"/>
         </p:style>
         <p:txBody>
-          <a:bodyPr lIns="90000" rIns="90000" tIns="45000" bIns="45000">
+          <a:bodyPr lIns="90000" tIns="45000" rIns="90000" bIns="45000">
             <a:noAutofit/>
           </a:bodyPr>
+          <a:lstStyle/>
           <a:p>
             <a:pPr>
               <a:lnSpc>
@@ -5330,11 +6185,11 @@
                 <a:spcPts val="641"/>
               </a:spcBef>
               <a:tabLst>
-                <a:tab algn="l" pos="0"/>
+                <a:tab pos="0" algn="l"/>
               </a:tabLst>
             </a:pPr>
             <a:r>
-              <a:rPr b="1" lang="fr-CA" sz="3200" spc="-1" strike="noStrike">
+              <a:rPr lang="fr-CA" sz="3200" b="1" strike="noStrike" spc="-1">
                 <a:solidFill>
                   <a:srgbClr val="000000"/>
                 </a:solidFill>
@@ -5343,12 +6198,12 @@
               </a:rPr>
               <a:t>Révision</a:t>
             </a:r>
-            <a:endParaRPr b="0" lang="en-CA" sz="3200" spc="-1" strike="noStrike">
-              <a:latin typeface="Arial"/>
-            </a:endParaRPr>
-          </a:p>
-          <a:p>
-            <a:pPr lvl="1" marL="743040" indent="-284760">
+            <a:endParaRPr lang="en-CA" sz="3200" b="0" strike="noStrike" spc="-1">
+              <a:latin typeface="Arial"/>
+            </a:endParaRPr>
+          </a:p>
+          <a:p>
+            <a:pPr marL="743040" lvl="1" indent="-284760">
               <a:lnSpc>
                 <a:spcPct val="100000"/>
               </a:lnSpc>
@@ -5361,11 +6216,11 @@
               <a:buFont typeface="Symbol"/>
               <a:buChar char=""/>
               <a:tabLst>
-                <a:tab algn="l" pos="0"/>
+                <a:tab pos="0" algn="l"/>
               </a:tabLst>
             </a:pPr>
             <a:r>
-              <a:rPr b="0" lang="fr-CA" sz="2000" spc="-1" strike="noStrike">
+              <a:rPr lang="fr-CA" sz="2000" b="0" strike="noStrike" spc="-1">
                 <a:solidFill>
                   <a:srgbClr val="000000"/>
                 </a:solidFill>
@@ -5375,7 +6230,7 @@
               <a:t>Programmation Python 3.x (</a:t>
             </a:r>
             <a:r>
-              <a:rPr b="0" i="1" lang="fr-CA" sz="2000" spc="-1" strike="noStrike">
+              <a:rPr lang="fr-CA" sz="2000" b="0" i="1" strike="noStrike" spc="-1">
                 <a:solidFill>
                   <a:srgbClr val="000000"/>
                 </a:solidFill>
@@ -5385,7 +6240,7 @@
               <a:t>Spyder</a:t>
             </a:r>
             <a:r>
-              <a:rPr b="0" lang="fr-CA" sz="2000" spc="-1" strike="noStrike">
+              <a:rPr lang="fr-CA" sz="2000" b="0" strike="noStrike" spc="-1">
                 <a:solidFill>
                   <a:srgbClr val="000000"/>
                 </a:solidFill>
@@ -5395,7 +6250,7 @@
               <a:t>, </a:t>
             </a:r>
             <a:r>
-              <a:rPr b="0" i="1" lang="fr-CA" sz="2000" spc="-1" strike="noStrike">
+              <a:rPr lang="fr-CA" sz="2000" b="0" i="1" strike="noStrike" spc="-1">
                 <a:solidFill>
                   <a:srgbClr val="000000"/>
                 </a:solidFill>
@@ -5405,7 +6260,7 @@
               <a:t>Pycharm, Vim?</a:t>
             </a:r>
             <a:r>
-              <a:rPr b="0" lang="fr-CA" sz="2000" spc="-1" strike="noStrike">
+              <a:rPr lang="fr-CA" sz="2000" b="0" strike="noStrike" spc="-1">
                 <a:solidFill>
                   <a:srgbClr val="000000"/>
                 </a:solidFill>
@@ -5414,12 +6269,12 @@
               </a:rPr>
               <a:t>)</a:t>
             </a:r>
-            <a:endParaRPr b="0" lang="en-CA" sz="2000" spc="-1" strike="noStrike">
-              <a:latin typeface="Arial"/>
-            </a:endParaRPr>
-          </a:p>
-          <a:p>
-            <a:pPr lvl="2" marL="1143000" indent="-227520">
+            <a:endParaRPr lang="en-CA" sz="2000" b="0" strike="noStrike" spc="-1">
+              <a:latin typeface="Arial"/>
+            </a:endParaRPr>
+          </a:p>
+          <a:p>
+            <a:pPr marL="1143000" lvl="2" indent="-227520">
               <a:lnSpc>
                 <a:spcPct val="100000"/>
               </a:lnSpc>
@@ -5432,11 +6287,11 @@
               <a:buFont typeface="Symbol"/>
               <a:buChar char=""/>
               <a:tabLst>
-                <a:tab algn="l" pos="0"/>
+                <a:tab pos="0" algn="l"/>
               </a:tabLst>
             </a:pPr>
             <a:r>
-              <a:rPr b="0" lang="fr-CA" sz="1600" spc="-1" strike="noStrike">
+              <a:rPr lang="fr-CA" sz="1600" b="0" strike="noStrike" spc="-1">
                 <a:solidFill>
                   <a:srgbClr val="000000"/>
                 </a:solidFill>
@@ -5446,7 +6301,7 @@
               <a:t>Tutoriel Stanford : </a:t>
             </a:r>
             <a:r>
-              <a:rPr b="1" lang="fr-CA" sz="1600" spc="-1" strike="noStrike" u="sng">
+              <a:rPr lang="fr-CA" sz="1600" b="1" u="sng" strike="noStrike" spc="-1">
                 <a:solidFill>
                   <a:srgbClr val="000000"/>
                 </a:solidFill>
@@ -5456,12 +6311,12 @@
               </a:rPr>
               <a:t>cs231n.github.io/python-numpy-tutorial/</a:t>
             </a:r>
-            <a:endParaRPr b="0" lang="en-CA" sz="1600" spc="-1" strike="noStrike">
-              <a:latin typeface="Arial"/>
-            </a:endParaRPr>
-          </a:p>
-          <a:p>
-            <a:pPr lvl="2" marL="1143000" indent="-227520">
+            <a:endParaRPr lang="en-CA" sz="1600" b="0" strike="noStrike" spc="-1">
+              <a:latin typeface="Arial"/>
+            </a:endParaRPr>
+          </a:p>
+          <a:p>
+            <a:pPr marL="1143000" lvl="2" indent="-227520">
               <a:lnSpc>
                 <a:spcPct val="100000"/>
               </a:lnSpc>
@@ -5474,11 +6329,11 @@
               <a:buFont typeface="Symbol"/>
               <a:buChar char=""/>
               <a:tabLst>
-                <a:tab algn="l" pos="0"/>
+                <a:tab pos="0" algn="l"/>
               </a:tabLst>
             </a:pPr>
             <a:r>
-              <a:rPr b="0" lang="fr-CA" sz="1600" spc="-1" strike="noStrike">
+              <a:rPr lang="fr-CA" sz="1600" b="0" strike="noStrike" spc="-1">
                 <a:solidFill>
                   <a:srgbClr val="000000"/>
                 </a:solidFill>
@@ -5488,7 +6343,7 @@
               <a:t>Tutoriel approfondi : </a:t>
             </a:r>
             <a:r>
-              <a:rPr b="1" lang="fr-CA" sz="1600" spc="-1" strike="noStrike" u="sng">
+              <a:rPr lang="fr-CA" sz="1600" b="1" u="sng" strike="noStrike" spc="-1">
                 <a:solidFill>
                   <a:srgbClr val="000000"/>
                 </a:solidFill>
@@ -5498,12 +6353,12 @@
               </a:rPr>
               <a:t>https://docs.python.org/3/tutorial/</a:t>
             </a:r>
-            <a:endParaRPr b="0" lang="en-CA" sz="1600" spc="-1" strike="noStrike">
-              <a:latin typeface="Arial"/>
-            </a:endParaRPr>
-          </a:p>
-          <a:p>
-            <a:pPr lvl="2" marL="1143000" indent="-227520">
+            <a:endParaRPr lang="en-CA" sz="1600" b="0" strike="noStrike" spc="-1">
+              <a:latin typeface="Arial"/>
+            </a:endParaRPr>
+          </a:p>
+          <a:p>
+            <a:pPr marL="1143000" lvl="2" indent="-227520">
               <a:lnSpc>
                 <a:spcPct val="100000"/>
               </a:lnSpc>
@@ -5516,11 +6371,11 @@
               <a:buFont typeface="Symbol"/>
               <a:buChar char=""/>
               <a:tabLst>
-                <a:tab algn="l" pos="0"/>
+                <a:tab pos="0" algn="l"/>
               </a:tabLst>
             </a:pPr>
             <a:r>
-              <a:rPr b="0" lang="fr-CA" sz="1600" spc="-1" strike="noStrike">
+              <a:rPr lang="fr-CA" sz="1600" b="0" strike="noStrike" spc="-1">
                 <a:solidFill>
                   <a:srgbClr val="000000"/>
                 </a:solidFill>
@@ -5529,7 +6384,7 @@
               </a:rPr>
               <a:t>Etc.</a:t>
             </a:r>
-            <a:endParaRPr b="0" lang="en-CA" sz="1600" spc="-1" strike="noStrike">
+            <a:endParaRPr lang="en-CA" sz="1600" b="0" strike="noStrike" spc="-1">
               <a:latin typeface="Arial"/>
             </a:endParaRPr>
           </a:p>
@@ -5539,15 +6394,15 @@
                 <a:spcPct val="100000"/>
               </a:lnSpc>
               <a:tabLst>
-                <a:tab algn="l" pos="0"/>
+                <a:tab pos="0" algn="l"/>
               </a:tabLst>
             </a:pPr>
-            <a:endParaRPr b="0" lang="en-CA" sz="1600" spc="-1" strike="noStrike">
-              <a:latin typeface="Arial"/>
-            </a:endParaRPr>
-          </a:p>
-          <a:p>
-            <a:pPr lvl="1" marL="743040" indent="-284760">
+            <a:endParaRPr lang="en-CA" sz="1600" b="0" strike="noStrike" spc="-1">
+              <a:latin typeface="Arial"/>
+            </a:endParaRPr>
+          </a:p>
+          <a:p>
+            <a:pPr marL="743040" lvl="1" indent="-284760">
               <a:lnSpc>
                 <a:spcPct val="100000"/>
               </a:lnSpc>
@@ -5560,11 +6415,11 @@
               <a:buFont typeface="Symbol"/>
               <a:buChar char=""/>
               <a:tabLst>
-                <a:tab algn="l" pos="0"/>
+                <a:tab pos="0" algn="l"/>
               </a:tabLst>
             </a:pPr>
             <a:r>
-              <a:rPr b="0" lang="fr-CA" sz="2000" spc="-1" strike="noStrike">
+              <a:rPr lang="fr-CA" sz="2000" b="0" strike="noStrike" spc="-1">
                 <a:solidFill>
                   <a:srgbClr val="000000"/>
                 </a:solidFill>
@@ -5573,12 +6428,12 @@
               </a:rPr>
               <a:t>Se familiariser avec Linux</a:t>
             </a:r>
-            <a:endParaRPr b="0" lang="en-CA" sz="2000" spc="-1" strike="noStrike">
-              <a:latin typeface="Arial"/>
-            </a:endParaRPr>
-          </a:p>
-          <a:p>
-            <a:pPr lvl="1" marL="743040" indent="-284760">
+            <a:endParaRPr lang="en-CA" sz="2000" b="0" strike="noStrike" spc="-1">
+              <a:latin typeface="Arial"/>
+            </a:endParaRPr>
+          </a:p>
+          <a:p>
+            <a:pPr marL="743040" lvl="1" indent="-284760">
               <a:lnSpc>
                 <a:spcPct val="100000"/>
               </a:lnSpc>
@@ -5591,11 +6446,11 @@
               <a:buFont typeface="Symbol"/>
               <a:buChar char=""/>
               <a:tabLst>
-                <a:tab algn="l" pos="0"/>
+                <a:tab pos="0" algn="l"/>
               </a:tabLst>
             </a:pPr>
             <a:r>
-              <a:rPr b="0" lang="fr-CA" sz="2000" spc="-1" strike="noStrike">
+              <a:rPr lang="fr-CA" sz="2000" b="0" strike="noStrike" spc="-1">
                 <a:solidFill>
                   <a:srgbClr val="000000"/>
                 </a:solidFill>
@@ -5605,9 +6460,9 @@
               <a:t>Se familiariser avec git si vous ne connaissez pas… </a:t>
             </a:r>
             <a:r>
-              <a:rPr b="1" lang="fr-CA" sz="2000" spc="-1" strike="noStrike">
-                <a:solidFill>
-                  <a:srgbClr val="ff0000"/>
+              <a:rPr lang="fr-CA" sz="2000" b="1" strike="noStrike" spc="-1">
+                <a:solidFill>
+                  <a:srgbClr val="FF0000"/>
                 </a:solidFill>
                 <a:latin typeface="Times New Roman"/>
                 <a:ea typeface="DejaVu Sans"/>
@@ -5615,7 +6470,7 @@
               <a:t>ça urge</a:t>
             </a:r>
             <a:r>
-              <a:rPr b="0" lang="fr-CA" sz="2000" spc="-1" strike="noStrike">
+              <a:rPr lang="fr-CA" sz="2000" b="0" strike="noStrike" spc="-1">
                 <a:solidFill>
                   <a:srgbClr val="000000"/>
                 </a:solidFill>
@@ -5624,12 +6479,12 @@
               </a:rPr>
               <a:t>!</a:t>
             </a:r>
-            <a:endParaRPr b="0" lang="en-CA" sz="2000" spc="-1" strike="noStrike">
-              <a:latin typeface="Arial"/>
-            </a:endParaRPr>
-          </a:p>
-          <a:p>
-            <a:pPr lvl="1" marL="743040" indent="-284760">
+            <a:endParaRPr lang="en-CA" sz="2000" b="0" strike="noStrike" spc="-1">
+              <a:latin typeface="Arial"/>
+            </a:endParaRPr>
+          </a:p>
+          <a:p>
+            <a:pPr marL="743040" lvl="1" indent="-284760">
               <a:lnSpc>
                 <a:spcPct val="100000"/>
               </a:lnSpc>
@@ -5642,11 +6497,11 @@
               <a:buFont typeface="Symbol"/>
               <a:buChar char=""/>
               <a:tabLst>
-                <a:tab algn="l" pos="0"/>
+                <a:tab pos="0" algn="l"/>
               </a:tabLst>
             </a:pPr>
             <a:r>
-              <a:rPr b="0" lang="fr-CA" sz="2000" spc="-1" strike="noStrike">
+              <a:rPr lang="fr-CA" sz="2000" b="0" strike="noStrike" spc="-1">
                 <a:solidFill>
                   <a:srgbClr val="000000"/>
                 </a:solidFill>
@@ -5656,7 +6511,7 @@
               <a:t>Se mettre à niveau avec les concepts de base en </a:t>
             </a:r>
             <a:r>
-              <a:rPr b="1" lang="fr-CA" sz="2000" spc="-1" strike="noStrike">
+              <a:rPr lang="fr-CA" sz="2000" b="1" strike="noStrike" spc="-1">
                 <a:solidFill>
                   <a:srgbClr val="000000"/>
                 </a:solidFill>
@@ -5666,7 +6521,7 @@
               <a:t>techniques d’apprentissage</a:t>
             </a:r>
             <a:r>
-              <a:rPr b="0" lang="fr-CA" sz="2000" spc="-1" strike="noStrike">
+              <a:rPr lang="fr-CA" sz="2000" b="0" strike="noStrike" spc="-1">
                 <a:solidFill>
                   <a:srgbClr val="000000"/>
                 </a:solidFill>
@@ -5676,7 +6531,7 @@
               <a:t> et en </a:t>
             </a:r>
             <a:r>
-              <a:rPr b="1" lang="fr-CA" sz="2000" spc="-1" strike="noStrike">
+              <a:rPr lang="fr-CA" sz="2000" b="1" strike="noStrike" spc="-1">
                 <a:solidFill>
                   <a:srgbClr val="000000"/>
                 </a:solidFill>
@@ -5685,7 +6540,7 @@
               </a:rPr>
               <a:t>probabilités</a:t>
             </a:r>
-            <a:endParaRPr b="0" lang="en-CA" sz="2000" spc="-1" strike="noStrike">
+            <a:endParaRPr lang="en-CA" sz="2000" b="0" strike="noStrike" spc="-1">
               <a:latin typeface="Arial"/>
             </a:endParaRPr>
           </a:p>
@@ -5711,15 +6566,22 @@
           </a:ln>
         </p:spPr>
         <p:style>
-          <a:lnRef idx="0"/>
-          <a:fillRef idx="0"/>
-          <a:effectRef idx="0"/>
+          <a:lnRef idx="0">
+            <a:scrgbClr r="0" g="0" b="0"/>
+          </a:lnRef>
+          <a:fillRef idx="0">
+            <a:scrgbClr r="0" g="0" b="0"/>
+          </a:fillRef>
+          <a:effectRef idx="0">
+            <a:scrgbClr r="0" g="0" b="0"/>
+          </a:effectRef>
           <a:fontRef idx="minor"/>
         </p:style>
         <p:txBody>
-          <a:bodyPr lIns="90000" rIns="90000" tIns="45000" bIns="45000">
+          <a:bodyPr lIns="90000" tIns="45000" rIns="90000" bIns="45000">
             <a:noAutofit/>
           </a:bodyPr>
+          <a:lstStyle/>
           <a:p>
             <a:pPr algn="r">
               <a:lnSpc>
@@ -5727,16 +6589,16 @@
               </a:lnSpc>
             </a:pPr>
             <a:fld id="{464EBF6D-E98F-44E6-BC87-9329811DF45D}" type="slidenum">
-              <a:rPr b="0" lang="fr-CA" sz="1400" spc="-1" strike="noStrike">
-                <a:solidFill>
-                  <a:srgbClr val="000000"/>
-                </a:solidFill>
-                <a:latin typeface="Times New Roman"/>
-                <a:ea typeface="DejaVu Sans"/>
-              </a:rPr>
-              <a:t>&lt;number&gt;</a:t>
+              <a:rPr lang="fr-CA" sz="1400" b="0" strike="noStrike" spc="-1">
+                <a:solidFill>
+                  <a:srgbClr val="000000"/>
+                </a:solidFill>
+                <a:latin typeface="Times New Roman"/>
+                <a:ea typeface="DejaVu Sans"/>
+              </a:rPr>
+              <a:t>14</a:t>
             </a:fld>
-            <a:endParaRPr b="0" lang="en-CA" sz="1400" spc="-1" strike="noStrike">
+            <a:endParaRPr lang="en-CA" sz="1400" b="0" strike="noStrike" spc="-1">
               <a:latin typeface="Arial"/>
             </a:endParaRPr>
           </a:p>
@@ -5744,19 +6606,14 @@
       </p:sp>
     </p:spTree>
   </p:cSld>
-  <mc:AlternateContent>
-    <mc:Choice Requires="p14">
-      <p:transition spd="slow" p14:dur="2000"/>
-    </mc:Choice>
-    <mc:Fallback>
-      <p:transition spd="slow"/>
-    </mc:Fallback>
-  </mc:AlternateContent>
+  <p:clrMapOvr>
+    <a:masterClrMapping/>
+  </p:clrMapOvr>
 </p:sld>
 </file>
 
 <file path=ppt/slides/slide2.xml><?xml version="1.0" encoding="utf-8"?>
-<p:sld xmlns:a="http://schemas.openxmlformats.org/drawingml/2006/main" xmlns:p="http://schemas.openxmlformats.org/presentationml/2006/main" xmlns:r="http://schemas.openxmlformats.org/officeDocument/2006/relationships" xmlns:p14="http://schemas.microsoft.com/office/powerpoint/2010/main" xmlns:p15="http://schemas.microsoft.com/office/powerpoint/2012/main" xmlns:mc="http://schemas.openxmlformats.org/markup-compatibility/2006">
+<p:sld xmlns:a="http://schemas.openxmlformats.org/drawingml/2006/main" xmlns:r="http://schemas.openxmlformats.org/officeDocument/2006/relationships" xmlns:p="http://schemas.openxmlformats.org/presentationml/2006/main">
   <p:cSld>
     <p:spTree>
       <p:nvGrpSpPr>
@@ -5792,15 +6649,22 @@
           </a:ln>
         </p:spPr>
         <p:style>
-          <a:lnRef idx="0"/>
-          <a:fillRef idx="0"/>
-          <a:effectRef idx="0"/>
+          <a:lnRef idx="0">
+            <a:scrgbClr r="0" g="0" b="0"/>
+          </a:lnRef>
+          <a:fillRef idx="0">
+            <a:scrgbClr r="0" g="0" b="0"/>
+          </a:fillRef>
+          <a:effectRef idx="0">
+            <a:scrgbClr r="0" g="0" b="0"/>
+          </a:effectRef>
           <a:fontRef idx="minor"/>
         </p:style>
         <p:txBody>
-          <a:bodyPr lIns="90000" rIns="90000" tIns="45000" bIns="45000">
+          <a:bodyPr lIns="90000" tIns="45000" rIns="90000" bIns="45000">
             <a:noAutofit/>
           </a:bodyPr>
+          <a:lstStyle/>
           <a:p>
             <a:pPr algn="r">
               <a:lnSpc>
@@ -5808,16 +6672,16 @@
               </a:lnSpc>
             </a:pPr>
             <a:fld id="{2837FFF3-6856-4F90-A343-139EDCE30DC4}" type="slidenum">
-              <a:rPr b="0" lang="fr-CA" sz="1400" spc="-1" strike="noStrike">
-                <a:solidFill>
-                  <a:srgbClr val="000000"/>
-                </a:solidFill>
-                <a:latin typeface="Times New Roman"/>
-                <a:ea typeface="DejaVu Sans"/>
-              </a:rPr>
-              <a:t>&lt;number&gt;</a:t>
+              <a:rPr lang="fr-CA" sz="1400" b="0" strike="noStrike" spc="-1">
+                <a:solidFill>
+                  <a:srgbClr val="000000"/>
+                </a:solidFill>
+                <a:latin typeface="Times New Roman"/>
+                <a:ea typeface="DejaVu Sans"/>
+              </a:rPr>
+              <a:t>2</a:t>
             </a:fld>
-            <a:endParaRPr b="0" lang="en-CA" sz="1400" spc="-1" strike="noStrike">
+            <a:endParaRPr lang="en-CA" sz="1400" b="0" strike="noStrike" spc="-1">
               <a:latin typeface="Arial"/>
             </a:endParaRPr>
           </a:p>
@@ -5843,15 +6707,22 @@
           </a:ln>
         </p:spPr>
         <p:style>
-          <a:lnRef idx="0"/>
-          <a:fillRef idx="0"/>
-          <a:effectRef idx="0"/>
+          <a:lnRef idx="0">
+            <a:scrgbClr r="0" g="0" b="0"/>
+          </a:lnRef>
+          <a:fillRef idx="0">
+            <a:scrgbClr r="0" g="0" b="0"/>
+          </a:fillRef>
+          <a:effectRef idx="0">
+            <a:scrgbClr r="0" g="0" b="0"/>
+          </a:effectRef>
           <a:fontRef idx="minor"/>
         </p:style>
         <p:txBody>
-          <a:bodyPr lIns="90000" rIns="90000" tIns="45000" bIns="45000" anchor="ctr">
+          <a:bodyPr lIns="90000" tIns="45000" rIns="90000" bIns="45000" anchor="ctr">
             <a:noAutofit/>
           </a:bodyPr>
+          <a:lstStyle/>
           <a:p>
             <a:pPr>
               <a:lnSpc>
@@ -5859,7 +6730,7 @@
               </a:lnSpc>
             </a:pPr>
             <a:r>
-              <a:rPr b="0" lang="fr-CA" sz="4400" spc="-1" strike="noStrike">
+              <a:rPr lang="fr-CA" sz="4400" b="0" strike="noStrike" spc="-1">
                 <a:solidFill>
                   <a:srgbClr val="000000"/>
                 </a:solidFill>
@@ -5868,7 +6739,7 @@
               </a:rPr>
               <a:t>Présentation</a:t>
             </a:r>
-            <a:endParaRPr b="0" lang="en-CA" sz="4400" spc="-1" strike="noStrike">
+            <a:endParaRPr lang="en-CA" sz="4400" b="0" strike="noStrike" spc="-1">
               <a:latin typeface="Arial"/>
             </a:endParaRPr>
           </a:p>
@@ -5894,15 +6765,22 @@
           </a:ln>
         </p:spPr>
         <p:style>
-          <a:lnRef idx="0"/>
-          <a:fillRef idx="0"/>
-          <a:effectRef idx="0"/>
+          <a:lnRef idx="0">
+            <a:scrgbClr r="0" g="0" b="0"/>
+          </a:lnRef>
+          <a:fillRef idx="0">
+            <a:scrgbClr r="0" g="0" b="0"/>
+          </a:fillRef>
+          <a:effectRef idx="0">
+            <a:scrgbClr r="0" g="0" b="0"/>
+          </a:effectRef>
           <a:fontRef idx="minor"/>
         </p:style>
         <p:txBody>
-          <a:bodyPr lIns="90000" rIns="90000" tIns="45000" bIns="45000">
+          <a:bodyPr lIns="90000" tIns="45000" rIns="90000" bIns="45000">
             <a:noAutofit/>
           </a:bodyPr>
+          <a:lstStyle/>
           <a:p>
             <a:pPr marL="343080" indent="-342000">
               <a:lnSpc>
@@ -5918,7 +6796,7 @@
               <a:buChar char=""/>
             </a:pPr>
             <a:r>
-              <a:rPr b="1" lang="fr-CA" sz="2400" spc="-1" strike="noStrike">
+              <a:rPr lang="fr-CA" sz="2400" b="1" strike="noStrike" spc="-1">
                 <a:solidFill>
                   <a:srgbClr val="000000"/>
                 </a:solidFill>
@@ -5928,7 +6806,7 @@
               <a:t>Chargé de cours </a:t>
             </a:r>
             <a:r>
-              <a:rPr b="0" lang="fr-CA" sz="2400" spc="-1" strike="noStrike">
+              <a:rPr lang="fr-CA" sz="2400" b="0" strike="noStrike" spc="-1">
                 <a:solidFill>
                   <a:srgbClr val="000000"/>
                 </a:solidFill>
@@ -5937,7 +6815,7 @@
               </a:rPr>
               <a:t>: Antoine Théberge</a:t>
             </a:r>
-            <a:endParaRPr b="0" lang="en-CA" sz="2400" spc="-1" strike="noStrike">
+            <a:endParaRPr lang="en-CA" sz="2400" b="0" strike="noStrike" spc="-1">
               <a:latin typeface="Arial"/>
             </a:endParaRPr>
           </a:p>
@@ -5956,7 +6834,7 @@
               <a:buChar char=""/>
             </a:pPr>
             <a:r>
-              <a:rPr b="1" lang="fr-CA" sz="2400" spc="-1" strike="noStrike">
+              <a:rPr lang="fr-CA" sz="2400" b="1" strike="noStrike" spc="-1">
                 <a:solidFill>
                   <a:srgbClr val="000000"/>
                 </a:solidFill>
@@ -5966,7 +6844,7 @@
               <a:t>Courriel</a:t>
             </a:r>
             <a:r>
-              <a:rPr b="0" lang="fr-CA" sz="2400" spc="-1" strike="noStrike">
+              <a:rPr lang="fr-CA" sz="2400" b="0" strike="noStrike" spc="-1">
                 <a:solidFill>
                   <a:srgbClr val="000000"/>
                 </a:solidFill>
@@ -5975,7 +6853,7 @@
               </a:rPr>
               <a:t> : antoine.theberge@usherbrooke.ca</a:t>
             </a:r>
-            <a:endParaRPr b="0" lang="en-CA" sz="2400" spc="-1" strike="noStrike">
+            <a:endParaRPr lang="en-CA" sz="2400" b="0" strike="noStrike" spc="-1">
               <a:latin typeface="Arial"/>
             </a:endParaRPr>
           </a:p>
@@ -5994,7 +6872,7 @@
               <a:buChar char=""/>
             </a:pPr>
             <a:r>
-              <a:rPr b="1" lang="en-US" sz="2400" spc="-1" strike="noStrike">
+              <a:rPr lang="en-US" sz="2400" b="1" strike="noStrike" spc="-1">
                 <a:solidFill>
                   <a:srgbClr val="000000"/>
                 </a:solidFill>
@@ -6004,7 +6882,7 @@
               <a:t>Page web</a:t>
             </a:r>
             <a:r>
-              <a:rPr b="0" lang="en-US" sz="2400" spc="-1" strike="noStrike">
+              <a:rPr lang="en-US" sz="2400" b="0" strike="noStrike" spc="-1">
                 <a:solidFill>
                   <a:srgbClr val="000000"/>
                 </a:solidFill>
@@ -6014,18 +6892,18 @@
               <a:t> : </a:t>
             </a:r>
             <a:r>
-              <a:rPr b="0" lang="en-US" sz="2400" spc="-1" strike="noStrike" u="sng">
-                <a:solidFill>
-                  <a:srgbClr val="ccccff"/>
+              <a:rPr lang="en-US" sz="2400" b="0" u="sng" strike="noStrike" spc="-1">
+                <a:solidFill>
+                  <a:srgbClr val="CCCCFF"/>
                 </a:solidFill>
                 <a:uFillTx/>
                 <a:latin typeface="Times New Roman"/>
                 <a:ea typeface="DejaVu Sans"/>
-                <a:hlinkClick r:id="rId1"/>
+                <a:hlinkClick r:id="rId2"/>
               </a:rPr>
               <a:t>https://www.antoinetheberge.ca</a:t>
             </a:r>
-            <a:endParaRPr b="0" lang="en-CA" sz="2400" spc="-1" strike="noStrike">
+            <a:endParaRPr lang="en-CA" sz="2400" b="0" strike="noStrike" spc="-1">
               <a:latin typeface="Arial"/>
             </a:endParaRPr>
           </a:p>
@@ -6044,7 +6922,7 @@
               <a:buChar char=""/>
             </a:pPr>
             <a:r>
-              <a:rPr b="1" lang="en-US" sz="2400" spc="-1" strike="noStrike">
+              <a:rPr lang="en-US" sz="2400" b="1" strike="noStrike" spc="-1">
                 <a:solidFill>
                   <a:srgbClr val="000000"/>
                 </a:solidFill>
@@ -6054,7 +6932,7 @@
               <a:t>Page web cours </a:t>
             </a:r>
             <a:r>
-              <a:rPr b="0" lang="en-US" sz="2400" spc="-1" strike="noStrike">
+              <a:rPr lang="en-US" sz="2400" b="0" strike="noStrike" spc="-1">
                 <a:solidFill>
                   <a:srgbClr val="000000"/>
                 </a:solidFill>
@@ -6064,18 +6942,18 @@
               <a:t>: </a:t>
             </a:r>
             <a:r>
-              <a:rPr b="0" lang="en-US" sz="2400" spc="-1" strike="noStrike" u="sng">
-                <a:solidFill>
-                  <a:srgbClr val="ccccff"/>
+              <a:rPr lang="en-US" sz="2400" b="0" u="sng" strike="noStrike" spc="-1">
+                <a:solidFill>
+                  <a:srgbClr val="CCCCFF"/>
                 </a:solidFill>
                 <a:uFillTx/>
                 <a:latin typeface="Times New Roman"/>
                 <a:ea typeface="DejaVu Sans"/>
-                <a:hlinkClick r:id="rId2"/>
+                <a:hlinkClick r:id="rId3"/>
               </a:rPr>
               <a:t>https://www.antoinetheberge.ca/teaching/2021-spring-ift780</a:t>
             </a:r>
-            <a:endParaRPr b="0" lang="en-CA" sz="2400" spc="-1" strike="noStrike">
+            <a:endParaRPr lang="en-CA" sz="2400" b="0" strike="noStrike" spc="-1">
               <a:latin typeface="Arial"/>
             </a:endParaRPr>
           </a:p>
@@ -6094,7 +6972,7 @@
               <a:buChar char=""/>
             </a:pPr>
             <a:r>
-              <a:rPr b="1" lang="fr-CA" sz="2400" spc="-1" strike="noStrike">
+              <a:rPr lang="fr-CA" sz="2400" b="1" strike="noStrike" spc="-1">
                 <a:solidFill>
                   <a:srgbClr val="000000"/>
                 </a:solidFill>
@@ -6104,7 +6982,7 @@
               <a:t>Local</a:t>
             </a:r>
             <a:r>
-              <a:rPr b="0" lang="fr-CA" sz="2400" spc="-1" strike="noStrike">
+              <a:rPr lang="fr-CA" sz="2400" b="0" strike="noStrike" spc="-1">
                 <a:solidFill>
                   <a:srgbClr val="000000"/>
                 </a:solidFill>
@@ -6113,7 +6991,7 @@
               </a:rPr>
               <a:t> : D6-0052, pavillon des sciences</a:t>
             </a:r>
-            <a:endParaRPr b="0" lang="en-CA" sz="2400" spc="-1" strike="noStrike">
+            <a:endParaRPr lang="en-CA" sz="2400" b="0" strike="noStrike" spc="-1">
               <a:latin typeface="Arial"/>
             </a:endParaRPr>
           </a:p>
@@ -6132,7 +7010,7 @@
               <a:buChar char=""/>
             </a:pPr>
             <a:r>
-              <a:rPr b="1" lang="fr-CA" sz="2400" spc="-1" strike="noStrike">
+              <a:rPr lang="fr-CA" sz="2400" b="1" strike="noStrike" spc="-1">
                 <a:solidFill>
                   <a:srgbClr val="000000"/>
                 </a:solidFill>
@@ -6142,7 +7020,7 @@
               <a:t>Période de disponibilités</a:t>
             </a:r>
             <a:r>
-              <a:rPr b="0" lang="fr-CA" sz="2400" spc="-1" strike="noStrike">
+              <a:rPr lang="fr-CA" sz="2400" b="0" strike="noStrike" spc="-1">
                 <a:solidFill>
                   <a:srgbClr val="000000"/>
                 </a:solidFill>
@@ -6151,7 +7029,7 @@
               </a:rPr>
               <a:t> : à déterminer</a:t>
             </a:r>
-            <a:endParaRPr b="0" lang="en-CA" sz="2400" spc="-1" strike="noStrike">
+            <a:endParaRPr lang="en-CA" sz="2400" b="0" strike="noStrike" spc="-1">
               <a:latin typeface="Arial"/>
             </a:endParaRPr>
           </a:p>
@@ -6159,19 +7037,14 @@
       </p:sp>
     </p:spTree>
   </p:cSld>
-  <mc:AlternateContent>
-    <mc:Choice Requires="p14">
-      <p:transition spd="slow" p14:dur="2000"/>
-    </mc:Choice>
-    <mc:Fallback>
-      <p:transition spd="slow"/>
-    </mc:Fallback>
-  </mc:AlternateContent>
+  <p:clrMapOvr>
+    <a:masterClrMapping/>
+  </p:clrMapOvr>
 </p:sld>
 </file>
 
 <file path=ppt/slides/slide3.xml><?xml version="1.0" encoding="utf-8"?>
-<p:sld xmlns:a="http://schemas.openxmlformats.org/drawingml/2006/main" xmlns:p="http://schemas.openxmlformats.org/presentationml/2006/main" xmlns:r="http://schemas.openxmlformats.org/officeDocument/2006/relationships" xmlns:p14="http://schemas.microsoft.com/office/powerpoint/2010/main" xmlns:p15="http://schemas.microsoft.com/office/powerpoint/2012/main" xmlns:mc="http://schemas.openxmlformats.org/markup-compatibility/2006">
+<p:sld xmlns:a="http://schemas.openxmlformats.org/drawingml/2006/main" xmlns:r="http://schemas.openxmlformats.org/officeDocument/2006/relationships" xmlns:p="http://schemas.openxmlformats.org/presentationml/2006/main">
   <p:cSld>
     <p:spTree>
       <p:nvGrpSpPr>
@@ -6207,15 +7080,22 @@
           </a:ln>
         </p:spPr>
         <p:style>
-          <a:lnRef idx="0"/>
-          <a:fillRef idx="0"/>
-          <a:effectRef idx="0"/>
+          <a:lnRef idx="0">
+            <a:scrgbClr r="0" g="0" b="0"/>
+          </a:lnRef>
+          <a:fillRef idx="0">
+            <a:scrgbClr r="0" g="0" b="0"/>
+          </a:fillRef>
+          <a:effectRef idx="0">
+            <a:scrgbClr r="0" g="0" b="0"/>
+          </a:effectRef>
           <a:fontRef idx="minor"/>
         </p:style>
         <p:txBody>
-          <a:bodyPr lIns="90000" rIns="90000" tIns="45000" bIns="45000" anchor="ctr">
+          <a:bodyPr lIns="90000" tIns="45000" rIns="90000" bIns="45000" anchor="ctr">
             <a:noAutofit/>
           </a:bodyPr>
+          <a:lstStyle/>
           <a:p>
             <a:pPr>
               <a:lnSpc>
@@ -6223,7 +7103,7 @@
               </a:lnSpc>
             </a:pPr>
             <a:r>
-              <a:rPr b="0" lang="fr-CA" sz="4400" spc="-1" strike="noStrike">
+              <a:rPr lang="fr-CA" sz="4400" b="0" strike="noStrike" spc="-1">
                 <a:solidFill>
                   <a:srgbClr val="000000"/>
                 </a:solidFill>
@@ -6232,7 +7112,7 @@
               </a:rPr>
               <a:t>Horaire</a:t>
             </a:r>
-            <a:endParaRPr b="0" lang="en-CA" sz="4400" spc="-1" strike="noStrike">
+            <a:endParaRPr lang="en-CA" sz="4400" b="0" strike="noStrike" spc="-1">
               <a:latin typeface="Arial"/>
             </a:endParaRPr>
           </a:p>
@@ -6258,15 +7138,22 @@
           </a:ln>
         </p:spPr>
         <p:style>
-          <a:lnRef idx="0"/>
-          <a:fillRef idx="0"/>
-          <a:effectRef idx="0"/>
+          <a:lnRef idx="0">
+            <a:scrgbClr r="0" g="0" b="0"/>
+          </a:lnRef>
+          <a:fillRef idx="0">
+            <a:scrgbClr r="0" g="0" b="0"/>
+          </a:fillRef>
+          <a:effectRef idx="0">
+            <a:scrgbClr r="0" g="0" b="0"/>
+          </a:effectRef>
           <a:fontRef idx="minor"/>
         </p:style>
         <p:txBody>
-          <a:bodyPr lIns="90000" rIns="90000" tIns="45000" bIns="45000">
+          <a:bodyPr lIns="90000" tIns="45000" rIns="90000" bIns="45000">
             <a:noAutofit/>
           </a:bodyPr>
+          <a:lstStyle/>
           <a:p>
             <a:pPr marL="343080" indent="-342000">
               <a:lnSpc>
@@ -6282,7 +7169,7 @@
               <a:buChar char=""/>
             </a:pPr>
             <a:r>
-              <a:rPr b="0" lang="fr-CA" sz="3200" spc="-1" strike="noStrike">
+              <a:rPr lang="fr-CA" sz="3200" b="0" strike="noStrike" spc="-1">
                 <a:solidFill>
                   <a:srgbClr val="000000"/>
                 </a:solidFill>
@@ -6291,12 +7178,12 @@
               </a:rPr>
               <a:t>Cours magistraux</a:t>
             </a:r>
-            <a:endParaRPr b="0" lang="en-CA" sz="3200" spc="-1" strike="noStrike">
-              <a:latin typeface="Arial"/>
-            </a:endParaRPr>
-          </a:p>
-          <a:p>
-            <a:pPr lvl="1" marL="743040" indent="-284760">
+            <a:endParaRPr lang="en-CA" sz="3200" b="0" strike="noStrike" spc="-1">
+              <a:latin typeface="Arial"/>
+            </a:endParaRPr>
+          </a:p>
+          <a:p>
+            <a:pPr marL="743040" lvl="1" indent="-284760">
               <a:lnSpc>
                 <a:spcPct val="100000"/>
               </a:lnSpc>
@@ -6310,7 +7197,7 @@
               <a:buChar char=""/>
             </a:pPr>
             <a:r>
-              <a:rPr b="0" lang="fr-CA" sz="2800" spc="-1" strike="noStrike">
+              <a:rPr lang="fr-CA" sz="2800" b="0" strike="noStrike" spc="-1">
                 <a:solidFill>
                   <a:srgbClr val="000000"/>
                 </a:solidFill>
@@ -6320,21 +7207,21 @@
               <a:t>voir ici: </a:t>
             </a:r>
             <a:r>
-              <a:rPr b="0" lang="en-CA" sz="2800" spc="-1" strike="noStrike" u="sng">
-                <a:solidFill>
-                  <a:srgbClr val="ccccff"/>
+              <a:rPr lang="en-CA" sz="2800" b="0" u="sng" strike="noStrike" spc="-1">
+                <a:solidFill>
+                  <a:srgbClr val="CCCCFF"/>
                 </a:solidFill>
                 <a:uFillTx/>
                 <a:latin typeface="Times New Roman"/>
                 <a:ea typeface="DejaVu Sans"/>
-                <a:hlinkClick r:id="rId1"/>
+                <a:hlinkClick r:id="rId2"/>
               </a:rPr>
               <a:t>http://horaire.dinf.usherbrooke.ca</a:t>
             </a:r>
             <a:r>
-              <a:rPr b="0" lang="en-CA" sz="2800" spc="-1" strike="noStrike" u="sng">
-                <a:solidFill>
-                  <a:srgbClr val="ccccff"/>
+              <a:rPr lang="en-CA" sz="2800" b="0" u="sng" strike="noStrike" spc="-1">
+                <a:solidFill>
+                  <a:srgbClr val="CCCCFF"/>
                 </a:solidFill>
                 <a:uFillTx/>
                 <a:latin typeface="Times New Roman"/>
@@ -6343,7 +7230,7 @@
               </a:rPr>
               <a:t>/</a:t>
             </a:r>
-            <a:endParaRPr b="0" lang="en-CA" sz="2800" spc="-1" strike="noStrike">
+            <a:endParaRPr lang="en-CA" sz="2800" b="0" strike="noStrike" spc="-1">
               <a:latin typeface="Arial"/>
             </a:endParaRPr>
           </a:p>
@@ -6356,10 +7243,10 @@
                 <a:spcPts val="641"/>
               </a:spcBef>
               <a:tabLst>
-                <a:tab algn="l" pos="0"/>
+                <a:tab pos="0" algn="l"/>
               </a:tabLst>
             </a:pPr>
-            <a:endParaRPr b="0" lang="en-CA" sz="2800" spc="-1" strike="noStrike">
+            <a:endParaRPr lang="en-CA" sz="2800" b="0" strike="noStrike" spc="-1">
               <a:latin typeface="Arial"/>
             </a:endParaRPr>
           </a:p>
@@ -6377,11 +7264,11 @@
               <a:buFont typeface="Symbol"/>
               <a:buChar char=""/>
               <a:tabLst>
-                <a:tab algn="l" pos="0"/>
+                <a:tab pos="0" algn="l"/>
               </a:tabLst>
             </a:pPr>
             <a:r>
-              <a:rPr b="0" lang="fr-CA" sz="3200" spc="-1" strike="noStrike">
+              <a:rPr lang="fr-CA" sz="3200" b="0" strike="noStrike" spc="-1">
                 <a:solidFill>
                   <a:srgbClr val="000000"/>
                 </a:solidFill>
@@ -6391,7 +7278,7 @@
               <a:t>Travaux dirigés (</a:t>
             </a:r>
             <a:r>
-              <a:rPr b="0" i="1" lang="fr-CA" sz="3200" spc="-1" strike="noStrike">
+              <a:rPr lang="fr-CA" sz="3200" b="0" i="1" strike="noStrike" spc="-1">
                 <a:solidFill>
                   <a:srgbClr val="000000"/>
                 </a:solidFill>
@@ -6401,7 +7288,7 @@
               <a:t>parfois, peut-être, à voir en classe</a:t>
             </a:r>
             <a:r>
-              <a:rPr b="0" lang="fr-CA" sz="3200" spc="-1" strike="noStrike">
+              <a:rPr lang="fr-CA" sz="3200" b="0" strike="noStrike" spc="-1">
                 <a:solidFill>
                   <a:srgbClr val="000000"/>
                 </a:solidFill>
@@ -6410,7 +7297,7 @@
               </a:rPr>
               <a:t>)</a:t>
             </a:r>
-            <a:endParaRPr b="0" lang="en-CA" sz="3200" spc="-1" strike="noStrike">
+            <a:endParaRPr lang="en-CA" sz="3200" b="0" strike="noStrike" spc="-1">
               <a:latin typeface="Arial"/>
             </a:endParaRPr>
           </a:p>
@@ -6436,15 +7323,22 @@
           </a:ln>
         </p:spPr>
         <p:style>
-          <a:lnRef idx="0"/>
-          <a:fillRef idx="0"/>
-          <a:effectRef idx="0"/>
+          <a:lnRef idx="0">
+            <a:scrgbClr r="0" g="0" b="0"/>
+          </a:lnRef>
+          <a:fillRef idx="0">
+            <a:scrgbClr r="0" g="0" b="0"/>
+          </a:fillRef>
+          <a:effectRef idx="0">
+            <a:scrgbClr r="0" g="0" b="0"/>
+          </a:effectRef>
           <a:fontRef idx="minor"/>
         </p:style>
         <p:txBody>
-          <a:bodyPr lIns="90000" rIns="90000" tIns="45000" bIns="45000">
+          <a:bodyPr lIns="90000" tIns="45000" rIns="90000" bIns="45000">
             <a:noAutofit/>
           </a:bodyPr>
+          <a:lstStyle/>
           <a:p>
             <a:pPr algn="r">
               <a:lnSpc>
@@ -6452,16 +7346,16 @@
               </a:lnSpc>
             </a:pPr>
             <a:fld id="{82368DC8-D9F4-48BA-A2C2-898AD415EDBB}" type="slidenum">
-              <a:rPr b="0" lang="fr-CA" sz="1400" spc="-1" strike="noStrike">
-                <a:solidFill>
-                  <a:srgbClr val="000000"/>
-                </a:solidFill>
-                <a:latin typeface="Times New Roman"/>
-                <a:ea typeface="DejaVu Sans"/>
-              </a:rPr>
-              <a:t>&lt;number&gt;</a:t>
+              <a:rPr lang="fr-CA" sz="1400" b="0" strike="noStrike" spc="-1">
+                <a:solidFill>
+                  <a:srgbClr val="000000"/>
+                </a:solidFill>
+                <a:latin typeface="Times New Roman"/>
+                <a:ea typeface="DejaVu Sans"/>
+              </a:rPr>
+              <a:t>3</a:t>
             </a:fld>
-            <a:endParaRPr b="0" lang="en-CA" sz="1400" spc="-1" strike="noStrike">
+            <a:endParaRPr lang="en-CA" sz="1400" b="0" strike="noStrike" spc="-1">
               <a:latin typeface="Arial"/>
             </a:endParaRPr>
           </a:p>
@@ -6482,22 +7376,29 @@
             <a:avLst/>
           </a:prstGeom>
           <a:solidFill>
-            <a:srgbClr val="ffff00"/>
+            <a:srgbClr val="FFFF00"/>
           </a:solidFill>
           <a:ln>
             <a:noFill/>
           </a:ln>
         </p:spPr>
         <p:style>
-          <a:lnRef idx="0"/>
-          <a:fillRef idx="0"/>
-          <a:effectRef idx="0"/>
+          <a:lnRef idx="0">
+            <a:scrgbClr r="0" g="0" b="0"/>
+          </a:lnRef>
+          <a:fillRef idx="0">
+            <a:scrgbClr r="0" g="0" b="0"/>
+          </a:fillRef>
+          <a:effectRef idx="0">
+            <a:scrgbClr r="0" g="0" b="0"/>
+          </a:effectRef>
           <a:fontRef idx="minor"/>
         </p:style>
         <p:txBody>
-          <a:bodyPr lIns="90000" rIns="90000" tIns="45000" bIns="45000">
+          <a:bodyPr lIns="90000" tIns="45000" rIns="90000" bIns="45000">
             <a:spAutoFit/>
           </a:bodyPr>
+          <a:lstStyle/>
           <a:p>
             <a:pPr>
               <a:lnSpc>
@@ -6505,16 +7406,16 @@
               </a:lnSpc>
             </a:pPr>
             <a:r>
-              <a:rPr b="0" lang="fr-CA" sz="4000" spc="-1" strike="noStrike">
-                <a:solidFill>
-                  <a:srgbClr val="ff0000"/>
+              <a:rPr lang="fr-CA" sz="4000" b="0" strike="noStrike" spc="-1">
+                <a:solidFill>
+                  <a:srgbClr val="FF0000"/>
                 </a:solidFill>
                 <a:latin typeface="Times New Roman"/>
                 <a:ea typeface="DejaVu Sans"/>
               </a:rPr>
               <a:t>Sujet à modification!</a:t>
             </a:r>
-            <a:endParaRPr b="0" lang="en-CA" sz="4000" spc="-1" strike="noStrike">
+            <a:endParaRPr lang="en-CA" sz="4000" b="0" strike="noStrike" spc="-1">
               <a:latin typeface="Arial"/>
             </a:endParaRPr>
           </a:p>
@@ -6522,19 +7423,14 @@
       </p:sp>
     </p:spTree>
   </p:cSld>
-  <mc:AlternateContent>
-    <mc:Choice Requires="p14">
-      <p:transition spd="slow" p14:dur="2000"/>
-    </mc:Choice>
-    <mc:Fallback>
-      <p:transition spd="slow"/>
-    </mc:Fallback>
-  </mc:AlternateContent>
+  <p:clrMapOvr>
+    <a:masterClrMapping/>
+  </p:clrMapOvr>
 </p:sld>
 </file>
 
 <file path=ppt/slides/slide4.xml><?xml version="1.0" encoding="utf-8"?>
-<p:sld xmlns:a="http://schemas.openxmlformats.org/drawingml/2006/main" xmlns:p="http://schemas.openxmlformats.org/presentationml/2006/main" xmlns:r="http://schemas.openxmlformats.org/officeDocument/2006/relationships" xmlns:p14="http://schemas.microsoft.com/office/powerpoint/2010/main" xmlns:p15="http://schemas.microsoft.com/office/powerpoint/2012/main" xmlns:mc="http://schemas.openxmlformats.org/markup-compatibility/2006">
+<p:sld xmlns:a="http://schemas.openxmlformats.org/drawingml/2006/main" xmlns:r="http://schemas.openxmlformats.org/officeDocument/2006/relationships" xmlns:p="http://schemas.openxmlformats.org/presentationml/2006/main">
   <p:cSld>
     <p:spTree>
       <p:nvGrpSpPr>
@@ -6570,15 +7466,22 @@
           </a:ln>
         </p:spPr>
         <p:style>
-          <a:lnRef idx="0"/>
-          <a:fillRef idx="0"/>
-          <a:effectRef idx="0"/>
+          <a:lnRef idx="0">
+            <a:scrgbClr r="0" g="0" b="0"/>
+          </a:lnRef>
+          <a:fillRef idx="0">
+            <a:scrgbClr r="0" g="0" b="0"/>
+          </a:fillRef>
+          <a:effectRef idx="0">
+            <a:scrgbClr r="0" g="0" b="0"/>
+          </a:effectRef>
           <a:fontRef idx="minor"/>
         </p:style>
         <p:txBody>
-          <a:bodyPr lIns="90000" rIns="90000" tIns="45000" bIns="45000">
+          <a:bodyPr lIns="90000" tIns="45000" rIns="90000" bIns="45000">
             <a:noAutofit/>
           </a:bodyPr>
+          <a:lstStyle/>
           <a:p>
             <a:pPr algn="r">
               <a:lnSpc>
@@ -6586,16 +7489,16 @@
               </a:lnSpc>
             </a:pPr>
             <a:fld id="{D946E31C-216A-4B20-B4CE-FF6B12EFD1F2}" type="slidenum">
-              <a:rPr b="0" lang="fr-CA" sz="1400" spc="-1" strike="noStrike">
-                <a:solidFill>
-                  <a:srgbClr val="000000"/>
-                </a:solidFill>
-                <a:latin typeface="Times New Roman"/>
-                <a:ea typeface="DejaVu Sans"/>
-              </a:rPr>
-              <a:t>&lt;number&gt;</a:t>
+              <a:rPr lang="fr-CA" sz="1400" b="0" strike="noStrike" spc="-1">
+                <a:solidFill>
+                  <a:srgbClr val="000000"/>
+                </a:solidFill>
+                <a:latin typeface="Times New Roman"/>
+                <a:ea typeface="DejaVu Sans"/>
+              </a:rPr>
+              <a:t>4</a:t>
             </a:fld>
-            <a:endParaRPr b="0" lang="en-CA" sz="1400" spc="-1" strike="noStrike">
+            <a:endParaRPr lang="en-CA" sz="1400" b="0" strike="noStrike" spc="-1">
               <a:latin typeface="Arial"/>
             </a:endParaRPr>
           </a:p>
@@ -6621,15 +7524,22 @@
           </a:ln>
         </p:spPr>
         <p:style>
-          <a:lnRef idx="0"/>
-          <a:fillRef idx="0"/>
-          <a:effectRef idx="0"/>
+          <a:lnRef idx="0">
+            <a:scrgbClr r="0" g="0" b="0"/>
+          </a:lnRef>
+          <a:fillRef idx="0">
+            <a:scrgbClr r="0" g="0" b="0"/>
+          </a:fillRef>
+          <a:effectRef idx="0">
+            <a:scrgbClr r="0" g="0" b="0"/>
+          </a:effectRef>
           <a:fontRef idx="minor"/>
         </p:style>
         <p:txBody>
-          <a:bodyPr lIns="90000" rIns="90000" tIns="45000" bIns="45000" anchor="ctr">
+          <a:bodyPr lIns="90000" tIns="45000" rIns="90000" bIns="45000" anchor="ctr">
             <a:noAutofit/>
           </a:bodyPr>
+          <a:lstStyle/>
           <a:p>
             <a:pPr>
               <a:lnSpc>
@@ -6637,7 +7547,7 @@
               </a:lnSpc>
             </a:pPr>
             <a:r>
-              <a:rPr b="0" lang="fr-CA" sz="4400" spc="-1" strike="noStrike">
+              <a:rPr lang="fr-CA" sz="4400" b="0" strike="noStrike" spc="-1">
                 <a:solidFill>
                   <a:srgbClr val="000000"/>
                 </a:solidFill>
@@ -6647,7 +7557,7 @@
               <a:t>Évaluation</a:t>
             </a:r>
             <a:r>
-              <a:rPr b="0" lang="en-US" sz="4400" spc="-1" strike="noStrike">
+              <a:rPr lang="en-US" sz="4400" b="0" strike="noStrike" spc="-1">
                 <a:solidFill>
                   <a:srgbClr val="000000"/>
                 </a:solidFill>
@@ -6656,7 +7566,7 @@
               </a:rPr>
               <a:t> (examens)</a:t>
             </a:r>
-            <a:endParaRPr b="0" lang="en-CA" sz="4400" spc="-1" strike="noStrike">
+            <a:endParaRPr lang="en-CA" sz="4400" b="0" strike="noStrike" spc="-1">
               <a:latin typeface="Arial"/>
             </a:endParaRPr>
           </a:p>
@@ -6682,15 +7592,22 @@
           </a:ln>
         </p:spPr>
         <p:style>
-          <a:lnRef idx="0"/>
-          <a:fillRef idx="0"/>
-          <a:effectRef idx="0"/>
+          <a:lnRef idx="0">
+            <a:scrgbClr r="0" g="0" b="0"/>
+          </a:lnRef>
+          <a:fillRef idx="0">
+            <a:scrgbClr r="0" g="0" b="0"/>
+          </a:fillRef>
+          <a:effectRef idx="0">
+            <a:scrgbClr r="0" g="0" b="0"/>
+          </a:effectRef>
           <a:fontRef idx="minor"/>
         </p:style>
         <p:txBody>
-          <a:bodyPr lIns="90000" rIns="90000" tIns="45000" bIns="45000">
+          <a:bodyPr lIns="90000" tIns="45000" rIns="90000" bIns="45000">
             <a:noAutofit/>
           </a:bodyPr>
+          <a:lstStyle/>
           <a:p>
             <a:pPr marL="343080" indent="-342000">
               <a:lnSpc>
@@ -6706,7 +7623,7 @@
               <a:buChar char=""/>
             </a:pPr>
             <a:r>
-              <a:rPr b="0" lang="fr-CA" sz="2400" spc="-1" strike="noStrike">
+              <a:rPr lang="fr-CA" sz="2400" b="0" strike="noStrike" spc="-1">
                 <a:solidFill>
                   <a:srgbClr val="000000"/>
                 </a:solidFill>
@@ -6715,7 +7632,7 @@
               </a:rPr>
               <a:t>Pas d’examen intra</a:t>
             </a:r>
-            <a:endParaRPr b="0" lang="en-CA" sz="2400" spc="-1" strike="noStrike">
+            <a:endParaRPr lang="en-CA" sz="2400" b="0" strike="noStrike" spc="-1">
               <a:latin typeface="Arial"/>
             </a:endParaRPr>
           </a:p>
@@ -6734,7 +7651,7 @@
               <a:buChar char=""/>
             </a:pPr>
             <a:r>
-              <a:rPr b="0" lang="fr-CA" sz="2400" spc="-1" strike="noStrike">
+              <a:rPr lang="fr-CA" sz="2400" b="0" strike="noStrike" spc="-1">
                 <a:solidFill>
                   <a:srgbClr val="000000"/>
                 </a:solidFill>
@@ -6744,7 +7661,7 @@
               <a:t>L’examen final se fait </a:t>
             </a:r>
             <a:r>
-              <a:rPr b="1" lang="fr-CA" sz="2400" spc="-1" strike="noStrike">
+              <a:rPr lang="fr-CA" sz="2400" b="1" strike="noStrike" spc="-1">
                 <a:solidFill>
                   <a:srgbClr val="000000"/>
                 </a:solidFill>
@@ -6754,7 +7671,7 @@
               <a:t>seul</a:t>
             </a:r>
             <a:r>
-              <a:rPr b="0" lang="fr-CA" sz="2400" spc="-1" strike="noStrike">
+              <a:rPr lang="fr-CA" sz="2400" b="0" strike="noStrike" spc="-1">
                 <a:solidFill>
                   <a:srgbClr val="000000"/>
                 </a:solidFill>
@@ -6763,7 +7680,7 @@
               </a:rPr>
               <a:t>.</a:t>
             </a:r>
-            <a:endParaRPr b="0" lang="en-CA" sz="2400" spc="-1" strike="noStrike">
+            <a:endParaRPr lang="en-CA" sz="2400" b="0" strike="noStrike" spc="-1">
               <a:latin typeface="Arial"/>
             </a:endParaRPr>
           </a:p>
@@ -6782,7 +7699,7 @@
               <a:buChar char=""/>
             </a:pPr>
             <a:r>
-              <a:rPr b="0" lang="fr-CA" sz="2400" spc="-1" strike="noStrike">
+              <a:rPr lang="fr-CA" sz="2400" b="0" strike="noStrike" spc="-1">
                 <a:solidFill>
                   <a:srgbClr val="000000"/>
                 </a:solidFill>
@@ -6791,7 +7708,7 @@
               </a:rPr>
               <a:t>L’examen final portera sur toute la matière vue en classe</a:t>
             </a:r>
-            <a:endParaRPr b="0" lang="en-CA" sz="2400" spc="-1" strike="noStrike">
+            <a:endParaRPr lang="en-CA" sz="2400" b="0" strike="noStrike" spc="-1">
               <a:latin typeface="Arial"/>
             </a:endParaRPr>
           </a:p>
@@ -6810,7 +7727,7 @@
               <a:buChar char=""/>
             </a:pPr>
             <a:r>
-              <a:rPr b="0" lang="fr-CA" sz="2400" spc="-1" strike="noStrike">
+              <a:rPr lang="fr-CA" sz="2400" b="0" strike="noStrike" spc="-1">
                 <a:solidFill>
                   <a:srgbClr val="000000"/>
                 </a:solidFill>
@@ -6820,7 +7737,7 @@
               <a:t>Vous avez droit à des feuilles </a:t>
             </a:r>
             <a:r>
-              <a:rPr b="1" lang="fr-CA" sz="2400" spc="-1" strike="noStrike" u="sng">
+              <a:rPr lang="fr-CA" sz="2400" b="1" u="sng" strike="noStrike" spc="-1">
                 <a:solidFill>
                   <a:srgbClr val="000000"/>
                 </a:solidFill>
@@ -6831,7 +7748,7 @@
               <a:t>manuscrites </a:t>
             </a:r>
             <a:r>
-              <a:rPr b="0" lang="fr-CA" sz="2400" spc="-1" strike="noStrike">
+              <a:rPr lang="fr-CA" sz="2400" b="0" strike="noStrike" spc="-1">
                 <a:solidFill>
                   <a:srgbClr val="000000"/>
                 </a:solidFill>
@@ -6840,7 +7757,7 @@
               </a:rPr>
               <a:t>pour toute documentation.</a:t>
             </a:r>
-            <a:endParaRPr b="0" lang="en-CA" sz="2400" spc="-1" strike="noStrike">
+            <a:endParaRPr lang="en-CA" sz="2400" b="0" strike="noStrike" spc="-1">
               <a:latin typeface="Arial"/>
             </a:endParaRPr>
           </a:p>
@@ -6859,7 +7776,7 @@
               <a:buChar char=""/>
             </a:pPr>
             <a:r>
-              <a:rPr b="0" lang="fr-CA" sz="2400" spc="-1" strike="noStrike">
+              <a:rPr lang="fr-CA" sz="2400" b="0" strike="noStrike" spc="-1">
                 <a:solidFill>
                   <a:srgbClr val="000000"/>
                 </a:solidFill>
@@ -6868,7 +7785,7 @@
               </a:rPr>
               <a:t>Votre présence aux séances magistrales est fortement recommandée mais non obligatoire.</a:t>
             </a:r>
-            <a:endParaRPr b="0" lang="en-CA" sz="2400" spc="-1" strike="noStrike">
+            <a:endParaRPr lang="en-CA" sz="2400" b="0" strike="noStrike" spc="-1">
               <a:latin typeface="Arial"/>
             </a:endParaRPr>
           </a:p>
@@ -6881,7 +7798,7 @@
                 <a:spcPts val="479"/>
               </a:spcBef>
             </a:pPr>
-            <a:endParaRPr b="0" lang="en-CA" sz="2400" spc="-1" strike="noStrike">
+            <a:endParaRPr lang="en-CA" sz="2400" b="0" strike="noStrike" spc="-1">
               <a:latin typeface="Arial"/>
             </a:endParaRPr>
           </a:p>
@@ -6894,10 +7811,10 @@
                 <a:spcPts val="479"/>
               </a:spcBef>
               <a:tabLst>
-                <a:tab algn="l" pos="0"/>
+                <a:tab pos="0" algn="l"/>
               </a:tabLst>
             </a:pPr>
-            <a:endParaRPr b="0" lang="en-CA" sz="2400" spc="-1" strike="noStrike">
+            <a:endParaRPr lang="en-CA" sz="2400" b="0" strike="noStrike" spc="-1">
               <a:latin typeface="Arial"/>
             </a:endParaRPr>
           </a:p>
@@ -6905,19 +7822,14 @@
       </p:sp>
     </p:spTree>
   </p:cSld>
-  <mc:AlternateContent>
-    <mc:Choice Requires="p14">
-      <p:transition spd="slow" p14:dur="2000"/>
-    </mc:Choice>
-    <mc:Fallback>
-      <p:transition spd="slow"/>
-    </mc:Fallback>
-  </mc:AlternateContent>
+  <p:clrMapOvr>
+    <a:masterClrMapping/>
+  </p:clrMapOvr>
 </p:sld>
 </file>
 
 <file path=ppt/slides/slide5.xml><?xml version="1.0" encoding="utf-8"?>
-<p:sld xmlns:a="http://schemas.openxmlformats.org/drawingml/2006/main" xmlns:p="http://schemas.openxmlformats.org/presentationml/2006/main" xmlns:r="http://schemas.openxmlformats.org/officeDocument/2006/relationships" xmlns:p14="http://schemas.microsoft.com/office/powerpoint/2010/main" xmlns:p15="http://schemas.microsoft.com/office/powerpoint/2012/main" xmlns:mc="http://schemas.openxmlformats.org/markup-compatibility/2006">
+<p:sld xmlns:a="http://schemas.openxmlformats.org/drawingml/2006/main" xmlns:r="http://schemas.openxmlformats.org/officeDocument/2006/relationships" xmlns:p="http://schemas.openxmlformats.org/presentationml/2006/main">
   <p:cSld>
     <p:spTree>
       <p:nvGrpSpPr>
@@ -6953,15 +7865,22 @@
           </a:ln>
         </p:spPr>
         <p:style>
-          <a:lnRef idx="0"/>
-          <a:fillRef idx="0"/>
-          <a:effectRef idx="0"/>
+          <a:lnRef idx="0">
+            <a:scrgbClr r="0" g="0" b="0"/>
+          </a:lnRef>
+          <a:fillRef idx="0">
+            <a:scrgbClr r="0" g="0" b="0"/>
+          </a:fillRef>
+          <a:effectRef idx="0">
+            <a:scrgbClr r="0" g="0" b="0"/>
+          </a:effectRef>
           <a:fontRef idx="minor"/>
         </p:style>
         <p:txBody>
-          <a:bodyPr lIns="90000" rIns="90000" tIns="45000" bIns="45000">
+          <a:bodyPr lIns="90000" tIns="45000" rIns="90000" bIns="45000">
             <a:noAutofit/>
           </a:bodyPr>
+          <a:lstStyle/>
           <a:p>
             <a:pPr algn="r">
               <a:lnSpc>
@@ -6969,16 +7888,16 @@
               </a:lnSpc>
             </a:pPr>
             <a:fld id="{EAEBC8D7-230E-4F82-9B78-2126FC74326E}" type="slidenum">
-              <a:rPr b="0" lang="fr-CA" sz="1400" spc="-1" strike="noStrike">
-                <a:solidFill>
-                  <a:srgbClr val="000000"/>
-                </a:solidFill>
-                <a:latin typeface="Times New Roman"/>
-                <a:ea typeface="DejaVu Sans"/>
-              </a:rPr>
-              <a:t>&lt;number&gt;</a:t>
+              <a:rPr lang="fr-CA" sz="1400" b="0" strike="noStrike" spc="-1">
+                <a:solidFill>
+                  <a:srgbClr val="000000"/>
+                </a:solidFill>
+                <a:latin typeface="Times New Roman"/>
+                <a:ea typeface="DejaVu Sans"/>
+              </a:rPr>
+              <a:t>5</a:t>
             </a:fld>
-            <a:endParaRPr b="0" lang="en-CA" sz="1400" spc="-1" strike="noStrike">
+            <a:endParaRPr lang="en-CA" sz="1400" b="0" strike="noStrike" spc="-1">
               <a:latin typeface="Arial"/>
             </a:endParaRPr>
           </a:p>
@@ -7004,15 +7923,22 @@
           </a:ln>
         </p:spPr>
         <p:style>
-          <a:lnRef idx="0"/>
-          <a:fillRef idx="0"/>
-          <a:effectRef idx="0"/>
+          <a:lnRef idx="0">
+            <a:scrgbClr r="0" g="0" b="0"/>
+          </a:lnRef>
+          <a:fillRef idx="0">
+            <a:scrgbClr r="0" g="0" b="0"/>
+          </a:fillRef>
+          <a:effectRef idx="0">
+            <a:scrgbClr r="0" g="0" b="0"/>
+          </a:effectRef>
           <a:fontRef idx="minor"/>
         </p:style>
         <p:txBody>
-          <a:bodyPr lIns="90000" rIns="90000" tIns="45000" bIns="45000" anchor="ctr">
+          <a:bodyPr lIns="90000" tIns="45000" rIns="90000" bIns="45000" anchor="ctr">
             <a:noAutofit/>
           </a:bodyPr>
+          <a:lstStyle/>
           <a:p>
             <a:pPr>
               <a:lnSpc>
@@ -7020,7 +7946,7 @@
               </a:lnSpc>
             </a:pPr>
             <a:r>
-              <a:rPr b="0" lang="fr-CA" sz="4400" spc="-1" strike="noStrike">
+              <a:rPr lang="fr-CA" sz="4400" b="0" strike="noStrike" spc="-1">
                 <a:solidFill>
                   <a:srgbClr val="000000"/>
                 </a:solidFill>
@@ -7029,7 +7955,7 @@
               </a:rPr>
               <a:t>Évaluation (travaux pratiques)</a:t>
             </a:r>
-            <a:endParaRPr b="0" lang="en-CA" sz="4400" spc="-1" strike="noStrike">
+            <a:endParaRPr lang="en-CA" sz="4400" b="0" strike="noStrike" spc="-1">
               <a:latin typeface="Arial"/>
             </a:endParaRPr>
           </a:p>
@@ -7055,17 +7981,24 @@
           </a:ln>
         </p:spPr>
         <p:style>
-          <a:lnRef idx="0"/>
-          <a:fillRef idx="0"/>
-          <a:effectRef idx="0"/>
+          <a:lnRef idx="0">
+            <a:scrgbClr r="0" g="0" b="0"/>
+          </a:lnRef>
+          <a:fillRef idx="0">
+            <a:scrgbClr r="0" g="0" b="0"/>
+          </a:fillRef>
+          <a:effectRef idx="0">
+            <a:scrgbClr r="0" g="0" b="0"/>
+          </a:effectRef>
           <a:fontRef idx="minor"/>
         </p:style>
         <p:txBody>
-          <a:bodyPr lIns="90000" rIns="90000" tIns="45000" bIns="45000">
+          <a:bodyPr lIns="90000" tIns="45000" rIns="90000" bIns="45000" anchor="t">
             <a:noAutofit/>
           </a:bodyPr>
-          <a:p>
-            <a:pPr marL="343080" indent="-342000">
+          <a:lstStyle/>
+          <a:p>
+            <a:pPr marL="342900" indent="-341630">
               <a:lnSpc>
                 <a:spcPct val="100000"/>
               </a:lnSpc>
@@ -7079,7 +8012,7 @@
               <a:buChar char=""/>
             </a:pPr>
             <a:r>
-              <a:rPr b="0" lang="fr-CA" sz="2400" spc="-1" strike="noStrike">
+              <a:rPr lang="fr-CA" sz="2400" b="0" strike="noStrike" spc="-1" dirty="0">
                 <a:solidFill>
                   <a:srgbClr val="000000"/>
                 </a:solidFill>
@@ -7089,7 +8022,7 @@
               <a:t>Les travaux pratiques se font en </a:t>
             </a:r>
             <a:r>
-              <a:rPr b="1" lang="fr-CA" sz="2400" spc="-1" strike="noStrike">
+              <a:rPr lang="fr-CA" sz="2400" b="1" strike="noStrike" spc="-1" dirty="0">
                 <a:solidFill>
                   <a:srgbClr val="000000"/>
                 </a:solidFill>
@@ -7099,7 +8032,7 @@
               <a:t>python</a:t>
             </a:r>
             <a:r>
-              <a:rPr b="0" lang="fr-CA" sz="2400" spc="-1" strike="noStrike">
+              <a:rPr lang="fr-CA" sz="2400" b="0" strike="noStrike" spc="-1" dirty="0">
                 <a:solidFill>
                   <a:srgbClr val="000000"/>
                 </a:solidFill>
@@ -7108,12 +8041,12 @@
               </a:rPr>
               <a:t>.</a:t>
             </a:r>
-            <a:endParaRPr b="0" lang="en-CA" sz="2400" spc="-1" strike="noStrike">
-              <a:latin typeface="Arial"/>
-            </a:endParaRPr>
-          </a:p>
-          <a:p>
-            <a:pPr marL="343080" indent="-342000">
+            <a:endParaRPr lang="en-CA" sz="2400" b="0" strike="noStrike" spc="-1" dirty="0">
+              <a:latin typeface="Arial"/>
+            </a:endParaRPr>
+          </a:p>
+          <a:p>
+            <a:pPr marL="342900" indent="-341630">
               <a:lnSpc>
                 <a:spcPct val="100000"/>
               </a:lnSpc>
@@ -7127,21 +8060,41 @@
               <a:buChar char=""/>
             </a:pPr>
             <a:r>
-              <a:rPr b="0" lang="fr-CA" sz="2400" spc="-1" strike="noStrike">
-                <a:solidFill>
-                  <a:srgbClr val="000000"/>
-                </a:solidFill>
-                <a:latin typeface="Times New Roman"/>
-                <a:ea typeface="DejaVu Sans"/>
-              </a:rPr>
-              <a:t>Exécuter localement ou via Google Colab (plus d’infos à venir)</a:t>
-            </a:r>
-            <a:endParaRPr b="0" lang="en-CA" sz="2400" spc="-1" strike="noStrike">
-              <a:latin typeface="Arial"/>
-            </a:endParaRPr>
-          </a:p>
-          <a:p>
-            <a:pPr marL="343080" indent="-342000">
+              <a:rPr lang="fr-CA" sz="2400" b="0" strike="noStrike" spc="-1" dirty="0">
+                <a:solidFill>
+                  <a:srgbClr val="000000"/>
+                </a:solidFill>
+                <a:latin typeface="Times New Roman"/>
+                <a:ea typeface="DejaVu Sans"/>
+              </a:rPr>
+              <a:t>Exécuter localement ou via Google </a:t>
+            </a:r>
+            <a:r>
+              <a:rPr lang="fr-CA" sz="2400" b="0" strike="noStrike" spc="-1" dirty="0" err="1">
+                <a:solidFill>
+                  <a:srgbClr val="000000"/>
+                </a:solidFill>
+                <a:latin typeface="Times New Roman"/>
+                <a:ea typeface="DejaVu Sans"/>
+              </a:rPr>
+              <a:t>Colab</a:t>
+            </a:r>
+            <a:r>
+              <a:rPr lang="fr-CA" sz="2400" b="0" strike="noStrike" spc="-1" dirty="0">
+                <a:solidFill>
+                  <a:srgbClr val="000000"/>
+                </a:solidFill>
+                <a:latin typeface="Times New Roman"/>
+                <a:ea typeface="DejaVu Sans"/>
+              </a:rPr>
+              <a:t> (plus d’infos à venir)</a:t>
+            </a:r>
+            <a:endParaRPr lang="en-CA" sz="2400" b="0" strike="noStrike" spc="-1" dirty="0">
+              <a:latin typeface="Arial"/>
+            </a:endParaRPr>
+          </a:p>
+          <a:p>
+            <a:pPr marL="342900" indent="-341630">
               <a:lnSpc>
                 <a:spcPct val="100000"/>
               </a:lnSpc>
@@ -7155,7 +8108,7 @@
               <a:buChar char=""/>
             </a:pPr>
             <a:r>
-              <a:rPr b="0" lang="fr-CA" sz="2400" spc="-1" strike="noStrike">
+              <a:rPr lang="fr-CA" sz="2400" b="0" strike="noStrike" spc="-1" dirty="0">
                 <a:solidFill>
                   <a:srgbClr val="000000"/>
                 </a:solidFill>
@@ -7164,12 +8117,12 @@
               </a:rPr>
               <a:t>Correcteur et soutient technique pour les travaux :</a:t>
             </a:r>
-            <a:endParaRPr b="0" lang="en-CA" sz="2400" spc="-1" strike="noStrike">
-              <a:latin typeface="Arial"/>
-            </a:endParaRPr>
-          </a:p>
-          <a:p>
-            <a:pPr lvl="1" marL="743040" indent="-284760">
+            <a:endParaRPr lang="en-CA" sz="2400" b="0" strike="noStrike" spc="-1" dirty="0">
+              <a:latin typeface="Arial"/>
+            </a:endParaRPr>
+          </a:p>
+          <a:p>
+            <a:pPr marL="742950" lvl="1" indent="-284480">
               <a:lnSpc>
                 <a:spcPct val="100000"/>
               </a:lnSpc>
@@ -7183,7 +8136,7 @@
               <a:buChar char=""/>
             </a:pPr>
             <a:r>
-              <a:rPr b="1" lang="fr-CA" sz="2800" spc="-1" strike="noStrike">
+              <a:rPr lang="fr-CA" sz="2800" b="1" strike="noStrike" spc="-1" dirty="0">
                 <a:solidFill>
                   <a:srgbClr val="000000"/>
                 </a:solidFill>
@@ -7192,8 +8145,48 @@
               </a:rPr>
               <a:t>Thierry Judge</a:t>
             </a:r>
-            <a:endParaRPr b="0" lang="en-CA" sz="2800" spc="-1" strike="noStrike">
-              <a:latin typeface="Arial"/>
+            <a:endParaRPr lang="en-CA" sz="2800" b="0" strike="noStrike" spc="-1" dirty="0">
+              <a:latin typeface="Arial"/>
+            </a:endParaRPr>
+          </a:p>
+          <a:p>
+            <a:pPr marL="742950" lvl="1" indent="-284480">
+              <a:spcBef>
+                <a:spcPts val="561"/>
+              </a:spcBef>
+              <a:buClr>
+                <a:srgbClr val="000000"/>
+              </a:buClr>
+              <a:buFont typeface="Symbol"/>
+              <a:buChar char=""/>
+              <a:tabLst>
+                <a:tab pos="0" algn="l"/>
+              </a:tabLst>
+            </a:pPr>
+            <a:r>
+              <a:rPr lang="fr-CA" sz="2800" spc="-1" dirty="0">
+                <a:latin typeface="Times New Roman"/>
+              </a:rPr>
+              <a:t>courriel</a:t>
+            </a:r>
+            <a:r>
+              <a:rPr lang="fr-CA" sz="2800" b="1" spc="-1" dirty="0">
+                <a:latin typeface="Times New Roman"/>
+              </a:rPr>
+              <a:t>: </a:t>
+            </a:r>
+            <a:r>
+              <a:rPr lang="fr-CA" sz="2800" spc="-1" dirty="0">
+                <a:latin typeface="Times"/>
+                <a:ea typeface="+mn-lt"/>
+                <a:cs typeface="+mn-lt"/>
+              </a:rPr>
+              <a:t>thierry.judge@usherbrooke.ca</a:t>
+            </a:r>
+            <a:endParaRPr lang="fr-CA" sz="2800" b="1" strike="noStrike" spc="-1" dirty="0">
+              <a:latin typeface="Times"/>
+              <a:ea typeface="+mn-lt"/>
+              <a:cs typeface="+mn-lt"/>
             </a:endParaRPr>
           </a:p>
           <a:p>
@@ -7205,10 +8198,10 @@
                 <a:spcPts val="400"/>
               </a:spcBef>
               <a:tabLst>
-                <a:tab algn="l" pos="0"/>
+                <a:tab pos="0" algn="l"/>
               </a:tabLst>
             </a:pPr>
-            <a:endParaRPr b="0" lang="en-CA" sz="2800" spc="-1" strike="noStrike">
+            <a:endParaRPr lang="en-CA" sz="2800" b="0" strike="noStrike" spc="-1">
               <a:latin typeface="Arial"/>
             </a:endParaRPr>
           </a:p>
@@ -7221,26 +8214,23 @@
                 <a:spcPts val="641"/>
               </a:spcBef>
               <a:tabLst>
-                <a:tab algn="l" pos="0"/>
+                <a:tab pos="0" algn="l"/>
               </a:tabLst>
             </a:pPr>
-            <a:endParaRPr b="0" lang="en-CA" sz="2800" spc="-1" strike="noStrike">
+            <a:endParaRPr lang="en-CA" sz="2800" b="0" strike="noStrike" spc="-1">
               <a:latin typeface="Arial"/>
             </a:endParaRPr>
           </a:p>
           <a:p>
             <a:pPr marL="457200">
-              <a:lnSpc>
-                <a:spcPct val="100000"/>
-              </a:lnSpc>
               <a:spcBef>
                 <a:spcPts val="479"/>
               </a:spcBef>
               <a:tabLst>
-                <a:tab algn="l" pos="0"/>
+                <a:tab pos="0" algn="l"/>
               </a:tabLst>
             </a:pPr>
-            <a:endParaRPr b="0" lang="en-CA" sz="2800" spc="-1" strike="noStrike">
+            <a:endParaRPr lang="en-CA" sz="2800" spc="-1">
               <a:latin typeface="Arial"/>
             </a:endParaRPr>
           </a:p>
@@ -7248,19 +8238,14 @@
       </p:sp>
     </p:spTree>
   </p:cSld>
-  <mc:AlternateContent>
-    <mc:Choice Requires="p14">
-      <p:transition spd="slow" p14:dur="2000"/>
-    </mc:Choice>
-    <mc:Fallback>
-      <p:transition spd="slow"/>
-    </mc:Fallback>
-  </mc:AlternateContent>
+  <p:clrMapOvr>
+    <a:masterClrMapping/>
+  </p:clrMapOvr>
 </p:sld>
 </file>
 
 <file path=ppt/slides/slide6.xml><?xml version="1.0" encoding="utf-8"?>
-<p:sld xmlns:a="http://schemas.openxmlformats.org/drawingml/2006/main" xmlns:p="http://schemas.openxmlformats.org/presentationml/2006/main" xmlns:r="http://schemas.openxmlformats.org/officeDocument/2006/relationships" xmlns:p14="http://schemas.microsoft.com/office/powerpoint/2010/main" xmlns:p15="http://schemas.microsoft.com/office/powerpoint/2012/main" xmlns:mc="http://schemas.openxmlformats.org/markup-compatibility/2006">
+<p:sld xmlns:a="http://schemas.openxmlformats.org/drawingml/2006/main" xmlns:r="http://schemas.openxmlformats.org/officeDocument/2006/relationships" xmlns:p="http://schemas.openxmlformats.org/presentationml/2006/main">
   <p:cSld>
     <p:spTree>
       <p:nvGrpSpPr>
@@ -7296,15 +8281,22 @@
           </a:ln>
         </p:spPr>
         <p:style>
-          <a:lnRef idx="0"/>
-          <a:fillRef idx="0"/>
-          <a:effectRef idx="0"/>
+          <a:lnRef idx="0">
+            <a:scrgbClr r="0" g="0" b="0"/>
+          </a:lnRef>
+          <a:fillRef idx="0">
+            <a:scrgbClr r="0" g="0" b="0"/>
+          </a:fillRef>
+          <a:effectRef idx="0">
+            <a:scrgbClr r="0" g="0" b="0"/>
+          </a:effectRef>
           <a:fontRef idx="minor"/>
         </p:style>
         <p:txBody>
-          <a:bodyPr lIns="90000" rIns="90000" tIns="45000" bIns="45000">
+          <a:bodyPr lIns="90000" tIns="45000" rIns="90000" bIns="45000">
             <a:noAutofit/>
           </a:bodyPr>
+          <a:lstStyle/>
           <a:p>
             <a:pPr algn="r">
               <a:lnSpc>
@@ -7312,16 +8304,16 @@
               </a:lnSpc>
             </a:pPr>
             <a:fld id="{B2915293-D57C-47AD-AF1C-F41245BA9F64}" type="slidenum">
-              <a:rPr b="0" lang="fr-CA" sz="1400" spc="-1" strike="noStrike">
-                <a:solidFill>
-                  <a:srgbClr val="000000"/>
-                </a:solidFill>
-                <a:latin typeface="Times New Roman"/>
-                <a:ea typeface="DejaVu Sans"/>
-              </a:rPr>
-              <a:t>&lt;number&gt;</a:t>
+              <a:rPr lang="fr-CA" sz="1400" b="0" strike="noStrike" spc="-1">
+                <a:solidFill>
+                  <a:srgbClr val="000000"/>
+                </a:solidFill>
+                <a:latin typeface="Times New Roman"/>
+                <a:ea typeface="DejaVu Sans"/>
+              </a:rPr>
+              <a:t>6</a:t>
             </a:fld>
-            <a:endParaRPr b="0" lang="en-CA" sz="1400" spc="-1" strike="noStrike">
+            <a:endParaRPr lang="en-CA" sz="1400" b="0" strike="noStrike" spc="-1">
               <a:latin typeface="Arial"/>
             </a:endParaRPr>
           </a:p>
@@ -7347,15 +8339,22 @@
           </a:ln>
         </p:spPr>
         <p:style>
-          <a:lnRef idx="0"/>
-          <a:fillRef idx="0"/>
-          <a:effectRef idx="0"/>
+          <a:lnRef idx="0">
+            <a:scrgbClr r="0" g="0" b="0"/>
+          </a:lnRef>
+          <a:fillRef idx="0">
+            <a:scrgbClr r="0" g="0" b="0"/>
+          </a:fillRef>
+          <a:effectRef idx="0">
+            <a:scrgbClr r="0" g="0" b="0"/>
+          </a:effectRef>
           <a:fontRef idx="minor"/>
         </p:style>
         <p:txBody>
-          <a:bodyPr lIns="90000" rIns="90000" tIns="45000" bIns="45000" anchor="ctr">
+          <a:bodyPr lIns="90000" tIns="45000" rIns="90000" bIns="45000" anchor="ctr">
             <a:noAutofit/>
           </a:bodyPr>
+          <a:lstStyle/>
           <a:p>
             <a:pPr>
               <a:lnSpc>
@@ -7363,26 +8362,16 @@
               </a:lnSpc>
             </a:pPr>
             <a:r>
-              <a:rPr b="0" lang="fr-CA" sz="4400" spc="-1" strike="noStrike">
-                <a:solidFill>
-                  <a:srgbClr val="000000"/>
-                </a:solidFill>
-                <a:latin typeface="Times New Roman"/>
-                <a:ea typeface="DejaVu Sans"/>
-              </a:rPr>
-              <a:t>Évaluation</a:t>
-            </a:r>
-            <a:r>
-              <a:rPr b="0" lang="fr-CA" sz="4400" spc="-1" strike="noStrike">
-                <a:solidFill>
-                  <a:srgbClr val="000000"/>
-                </a:solidFill>
-                <a:latin typeface="Times New Roman"/>
-                <a:ea typeface="DejaVu Sans"/>
-              </a:rPr>
-              <a:t> (travaux pratiques)</a:t>
-            </a:r>
-            <a:endParaRPr b="0" lang="en-CA" sz="4400" spc="-1" strike="noStrike">
+              <a:rPr lang="fr-CA" sz="4400" b="0" strike="noStrike" spc="-1">
+                <a:solidFill>
+                  <a:srgbClr val="000000"/>
+                </a:solidFill>
+                <a:latin typeface="Times New Roman"/>
+                <a:ea typeface="DejaVu Sans"/>
+              </a:rPr>
+              <a:t>Évaluation (travaux pratiques)</a:t>
+            </a:r>
+            <a:endParaRPr lang="en-CA" sz="4400" b="0" strike="noStrike" spc="-1">
               <a:latin typeface="Arial"/>
             </a:endParaRPr>
           </a:p>
@@ -7408,15 +8397,22 @@
           </a:ln>
         </p:spPr>
         <p:style>
-          <a:lnRef idx="0"/>
-          <a:fillRef idx="0"/>
-          <a:effectRef idx="0"/>
+          <a:lnRef idx="0">
+            <a:scrgbClr r="0" g="0" b="0"/>
+          </a:lnRef>
+          <a:fillRef idx="0">
+            <a:scrgbClr r="0" g="0" b="0"/>
+          </a:fillRef>
+          <a:effectRef idx="0">
+            <a:scrgbClr r="0" g="0" b="0"/>
+          </a:effectRef>
           <a:fontRef idx="minor"/>
         </p:style>
         <p:txBody>
-          <a:bodyPr lIns="90000" rIns="90000" tIns="45000" bIns="45000">
+          <a:bodyPr lIns="90000" tIns="45000" rIns="90000" bIns="45000">
             <a:noAutofit/>
           </a:bodyPr>
+          <a:lstStyle/>
           <a:p>
             <a:pPr marL="343080" indent="-342000">
               <a:lnSpc>
@@ -7432,7 +8428,7 @@
               <a:buChar char=""/>
             </a:pPr>
             <a:r>
-              <a:rPr b="0" lang="fr-CA" sz="2400" spc="-1" strike="noStrike">
+              <a:rPr lang="fr-CA" sz="2400" b="0" strike="noStrike" spc="-1">
                 <a:solidFill>
                   <a:srgbClr val="000000"/>
                 </a:solidFill>
@@ -7442,7 +8438,7 @@
               <a:t>Les travaux pratiques </a:t>
             </a:r>
             <a:r>
-              <a:rPr b="0" lang="en-US" sz="2400" spc="-1" strike="noStrike">
+              <a:rPr lang="en-US" sz="2400" b="0" strike="noStrike" spc="-1">
                 <a:solidFill>
                   <a:srgbClr val="000000"/>
                 </a:solidFill>
@@ -7452,7 +8448,7 @@
               <a:t>se </a:t>
             </a:r>
             <a:r>
-              <a:rPr b="0" lang="fr-CA" sz="2400" spc="-1" strike="noStrike">
+              <a:rPr lang="fr-CA" sz="2400" b="0" strike="noStrike" spc="-1">
                 <a:solidFill>
                   <a:srgbClr val="000000"/>
                 </a:solidFill>
@@ -7462,7 +8458,7 @@
               <a:t>font </a:t>
             </a:r>
             <a:r>
-              <a:rPr b="1" lang="fr-CA" sz="2400" spc="-1" strike="noStrike">
+              <a:rPr lang="fr-CA" sz="2400" b="1" strike="noStrike" spc="-1">
                 <a:solidFill>
                   <a:srgbClr val="000000"/>
                 </a:solidFill>
@@ -7472,7 +8468,7 @@
               <a:t>PAR ÉQUIPE DE </a:t>
             </a:r>
             <a:r>
-              <a:rPr b="1" lang="fr-CA" sz="2400" spc="-1" strike="noStrike" u="sng">
+              <a:rPr lang="fr-CA" sz="2400" b="1" u="sng" strike="noStrike" spc="-1">
                 <a:solidFill>
                   <a:srgbClr val="000000"/>
                 </a:solidFill>
@@ -7483,7 +8479,7 @@
               <a:t>DEUX ou TROIS</a:t>
             </a:r>
             <a:r>
-              <a:rPr b="0" lang="fr-CA" sz="2400" spc="-1" strike="noStrike">
+              <a:rPr lang="fr-CA" sz="2400" b="0" strike="noStrike" spc="-1">
                 <a:solidFill>
                   <a:srgbClr val="000000"/>
                 </a:solidFill>
@@ -7492,12 +8488,12 @@
               </a:rPr>
               <a:t>.</a:t>
             </a:r>
-            <a:endParaRPr b="0" lang="en-CA" sz="2400" spc="-1" strike="noStrike">
-              <a:latin typeface="Arial"/>
-            </a:endParaRPr>
-          </a:p>
-          <a:p>
-            <a:pPr lvl="1" marL="743040" indent="-284760">
+            <a:endParaRPr lang="en-CA" sz="2400" b="0" strike="noStrike" spc="-1">
+              <a:latin typeface="Arial"/>
+            </a:endParaRPr>
+          </a:p>
+          <a:p>
+            <a:pPr marL="743040" lvl="1" indent="-284760">
               <a:lnSpc>
                 <a:spcPct val="100000"/>
               </a:lnSpc>
@@ -7511,7 +8507,7 @@
               <a:buChar char=""/>
             </a:pPr>
             <a:r>
-              <a:rPr b="0" lang="fr-CA" sz="2000" spc="-1" strike="noStrike">
+              <a:rPr lang="fr-CA" sz="2000" b="0" strike="noStrike" spc="-1">
                 <a:solidFill>
                   <a:srgbClr val="000000"/>
                 </a:solidFill>
@@ -7521,9 +8517,9 @@
               <a:t>Sinon </a:t>
             </a:r>
             <a:r>
-              <a:rPr b="1" lang="fr-CA" sz="2000" spc="-1" strike="noStrike" u="sng">
-                <a:solidFill>
-                  <a:srgbClr val="ff0000"/>
+              <a:rPr lang="fr-CA" sz="2000" b="1" u="sng" strike="noStrike" spc="-1">
+                <a:solidFill>
+                  <a:srgbClr val="FF0000"/>
                 </a:solidFill>
                 <a:uFillTx/>
                 <a:latin typeface="Times New Roman"/>
@@ -7531,12 +8527,12 @@
               </a:rPr>
               <a:t>PÉNALITÉS</a:t>
             </a:r>
-            <a:endParaRPr b="0" lang="en-CA" sz="2000" spc="-1" strike="noStrike">
-              <a:latin typeface="Arial"/>
-            </a:endParaRPr>
-          </a:p>
-          <a:p>
-            <a:pPr lvl="1" marL="743040" indent="-284760">
+            <a:endParaRPr lang="en-CA" sz="2000" b="0" strike="noStrike" spc="-1">
+              <a:latin typeface="Arial"/>
+            </a:endParaRPr>
+          </a:p>
+          <a:p>
+            <a:pPr marL="743040" lvl="1" indent="-284760">
               <a:lnSpc>
                 <a:spcPct val="100000"/>
               </a:lnSpc>
@@ -7544,15 +8540,15 @@
                 <a:spcPts val="400"/>
               </a:spcBef>
               <a:buClr>
-                <a:srgbClr val="ff0000"/>
+                <a:srgbClr val="FF0000"/>
               </a:buClr>
               <a:buFont typeface="Symbol"/>
               <a:buChar char=""/>
             </a:pPr>
             <a:r>
-              <a:rPr b="1" lang="fr-CA" sz="2000" spc="-1" strike="noStrike" u="sng">
-                <a:solidFill>
-                  <a:srgbClr val="ff0000"/>
+              <a:rPr lang="fr-CA" sz="2000" b="1" u="sng" strike="noStrike" spc="-1">
+                <a:solidFill>
+                  <a:srgbClr val="FF0000"/>
                 </a:solidFill>
                 <a:uFillTx/>
                 <a:latin typeface="Times New Roman"/>
@@ -7560,7 +8556,7 @@
               </a:rPr>
               <a:t>Pas d’équipe solo!</a:t>
             </a:r>
-            <a:endParaRPr b="0" lang="en-CA" sz="2000" spc="-1" strike="noStrike">
+            <a:endParaRPr lang="en-CA" sz="2000" b="0" strike="noStrike" spc="-1">
               <a:latin typeface="Arial"/>
             </a:endParaRPr>
           </a:p>
@@ -7579,7 +8575,7 @@
               <a:buChar char=""/>
             </a:pPr>
             <a:r>
-              <a:rPr b="0" lang="fr-CA" sz="2400" spc="-1" strike="noStrike">
+              <a:rPr lang="fr-CA" sz="2400" b="0" strike="noStrike" spc="-1">
                 <a:solidFill>
                   <a:srgbClr val="000000"/>
                 </a:solidFill>
@@ -7589,7 +8585,7 @@
               <a:t>La remise du code et des exercices théoriques (lorsqu’il y en a) se fait par le système </a:t>
             </a:r>
             <a:r>
-              <a:rPr b="1" lang="fr-CA" sz="2400" spc="-1" strike="noStrike">
+              <a:rPr lang="fr-CA" sz="2400" b="1" strike="noStrike" spc="-1">
                 <a:solidFill>
                   <a:srgbClr val="000000"/>
                 </a:solidFill>
@@ -7598,7 +8594,7 @@
               </a:rPr>
               <a:t>turninWeb</a:t>
             </a:r>
-            <a:endParaRPr b="0" lang="en-CA" sz="2400" spc="-1" strike="noStrike">
+            <a:endParaRPr lang="en-CA" sz="2400" b="0" strike="noStrike" spc="-1">
               <a:latin typeface="Arial"/>
             </a:endParaRPr>
           </a:p>
@@ -7611,30 +8607,20 @@
                 <a:spcPts val="641"/>
               </a:spcBef>
               <a:tabLst>
-                <a:tab algn="l" pos="0"/>
+                <a:tab pos="0" algn="l"/>
               </a:tabLst>
             </a:pPr>
             <a:r>
-              <a:rPr b="0" lang="fr-CA" sz="3200" spc="-1" strike="noStrike">
-                <a:solidFill>
-                  <a:srgbClr val="000000"/>
-                </a:solidFill>
-                <a:latin typeface="Times New Roman"/>
-                <a:ea typeface="DejaVu Sans"/>
-              </a:rPr>
-              <a:t>          </a:t>
-            </a:r>
-            <a:r>
-              <a:rPr b="0" lang="fr-CA" sz="3200" spc="-1" strike="noStrike">
-                <a:solidFill>
-                  <a:srgbClr val="000000"/>
-                </a:solidFill>
-                <a:latin typeface="Times New Roman"/>
-                <a:ea typeface="DejaVu Sans"/>
-              </a:rPr>
-              <a:t>(http://opus.dinf.usherbrooke.ca/)</a:t>
-            </a:r>
-            <a:endParaRPr b="0" lang="en-CA" sz="3200" spc="-1" strike="noStrike">
+              <a:rPr lang="fr-CA" sz="3200" b="0" strike="noStrike" spc="-1">
+                <a:solidFill>
+                  <a:srgbClr val="000000"/>
+                </a:solidFill>
+                <a:latin typeface="Times New Roman"/>
+                <a:ea typeface="DejaVu Sans"/>
+              </a:rPr>
+              <a:t>          (http://opus.dinf.usherbrooke.ca/)</a:t>
+            </a:r>
+            <a:endParaRPr lang="en-CA" sz="3200" b="0" strike="noStrike" spc="-1">
               <a:latin typeface="Arial"/>
             </a:endParaRPr>
           </a:p>
@@ -7652,11 +8638,11 @@
               <a:buFont typeface="Symbol"/>
               <a:buChar char=""/>
               <a:tabLst>
-                <a:tab algn="l" pos="0"/>
+                <a:tab pos="0" algn="l"/>
               </a:tabLst>
             </a:pPr>
             <a:r>
-              <a:rPr b="0" lang="fr-CA" sz="2400" spc="-1" strike="noStrike">
+              <a:rPr lang="fr-CA" sz="2400" b="0" strike="noStrike" spc="-1">
                 <a:solidFill>
                   <a:srgbClr val="000000"/>
                 </a:solidFill>
@@ -7665,7 +8651,7 @@
               </a:rPr>
               <a:t>10 points de pénalité par jour de retard</a:t>
             </a:r>
-            <a:endParaRPr b="0" lang="en-CA" sz="2400" spc="-1" strike="noStrike">
+            <a:endParaRPr lang="en-CA" sz="2400" b="0" strike="noStrike" spc="-1">
               <a:latin typeface="Arial"/>
             </a:endParaRPr>
           </a:p>
@@ -7683,11 +8669,11 @@
               <a:buFont typeface="Symbol"/>
               <a:buChar char=""/>
               <a:tabLst>
-                <a:tab algn="l" pos="0"/>
+                <a:tab pos="0" algn="l"/>
               </a:tabLst>
             </a:pPr>
             <a:r>
-              <a:rPr b="0" lang="fr-CA" sz="2400" spc="-1" strike="noStrike">
+              <a:rPr lang="fr-CA" sz="2400" b="0" strike="noStrike" spc="-1">
                 <a:solidFill>
                   <a:srgbClr val="000000"/>
                 </a:solidFill>
@@ -7696,7 +8682,7 @@
               </a:rPr>
               <a:t>0 après 3 jours de retard</a:t>
             </a:r>
-            <a:endParaRPr b="0" lang="en-CA" sz="2400" spc="-1" strike="noStrike">
+            <a:endParaRPr lang="en-CA" sz="2400" b="0" strike="noStrike" spc="-1">
               <a:latin typeface="Arial"/>
             </a:endParaRPr>
           </a:p>
@@ -7714,11 +8700,11 @@
               <a:buFont typeface="Symbol"/>
               <a:buChar char=""/>
               <a:tabLst>
-                <a:tab algn="l" pos="0"/>
+                <a:tab pos="0" algn="l"/>
               </a:tabLst>
             </a:pPr>
             <a:r>
-              <a:rPr b="0" lang="fr-CA" sz="2400" spc="-1" strike="noStrike">
+              <a:rPr lang="fr-CA" sz="2400" b="0" strike="noStrike" spc="-1">
                 <a:solidFill>
                   <a:srgbClr val="000000"/>
                 </a:solidFill>
@@ -7728,7 +8714,7 @@
               <a:t>Une erreur de remise </a:t>
             </a:r>
             <a:r>
-              <a:rPr b="1" lang="fr-CA" sz="2400" spc="-1" strike="noStrike">
+              <a:rPr lang="fr-CA" sz="2400" b="1" strike="noStrike" spc="-1">
                 <a:solidFill>
                   <a:srgbClr val="000000"/>
                 </a:solidFill>
@@ -7737,7 +8723,7 @@
               </a:rPr>
               <a:t>peut entraîner une note de zéro.</a:t>
             </a:r>
-            <a:endParaRPr b="0" lang="en-CA" sz="2400" spc="-1" strike="noStrike">
+            <a:endParaRPr lang="en-CA" sz="2400" b="0" strike="noStrike" spc="-1">
               <a:latin typeface="Arial"/>
             </a:endParaRPr>
           </a:p>
@@ -7750,10 +8736,10 @@
                 <a:spcPts val="641"/>
               </a:spcBef>
               <a:tabLst>
-                <a:tab algn="l" pos="0"/>
+                <a:tab pos="0" algn="l"/>
               </a:tabLst>
             </a:pPr>
-            <a:endParaRPr b="0" lang="en-CA" sz="2400" spc="-1" strike="noStrike">
+            <a:endParaRPr lang="en-CA" sz="2400" b="0" strike="noStrike" spc="-1">
               <a:latin typeface="Arial"/>
             </a:endParaRPr>
           </a:p>
@@ -7766,10 +8752,10 @@
                 <a:spcPts val="479"/>
               </a:spcBef>
               <a:tabLst>
-                <a:tab algn="l" pos="0"/>
+                <a:tab pos="0" algn="l"/>
               </a:tabLst>
             </a:pPr>
-            <a:endParaRPr b="0" lang="en-CA" sz="2400" spc="-1" strike="noStrike">
+            <a:endParaRPr lang="en-CA" sz="2400" b="0" strike="noStrike" spc="-1">
               <a:latin typeface="Arial"/>
             </a:endParaRPr>
           </a:p>
@@ -7777,19 +8763,14 @@
       </p:sp>
     </p:spTree>
   </p:cSld>
-  <mc:AlternateContent>
-    <mc:Choice Requires="p14">
-      <p:transition spd="slow" p14:dur="2000"/>
-    </mc:Choice>
-    <mc:Fallback>
-      <p:transition spd="slow"/>
-    </mc:Fallback>
-  </mc:AlternateContent>
+  <p:clrMapOvr>
+    <a:masterClrMapping/>
+  </p:clrMapOvr>
 </p:sld>
 </file>
 
 <file path=ppt/slides/slide7.xml><?xml version="1.0" encoding="utf-8"?>
-<p:sld xmlns:a="http://schemas.openxmlformats.org/drawingml/2006/main" xmlns:p="http://schemas.openxmlformats.org/presentationml/2006/main" xmlns:r="http://schemas.openxmlformats.org/officeDocument/2006/relationships" xmlns:p14="http://schemas.microsoft.com/office/powerpoint/2010/main" xmlns:p15="http://schemas.microsoft.com/office/powerpoint/2012/main" xmlns:mc="http://schemas.openxmlformats.org/markup-compatibility/2006">
+<p:sld xmlns:a="http://schemas.openxmlformats.org/drawingml/2006/main" xmlns:r="http://schemas.openxmlformats.org/officeDocument/2006/relationships" xmlns:p="http://schemas.openxmlformats.org/presentationml/2006/main">
   <p:cSld>
     <p:spTree>
       <p:nvGrpSpPr>
@@ -7825,15 +8806,22 @@
           </a:ln>
         </p:spPr>
         <p:style>
-          <a:lnRef idx="0"/>
-          <a:fillRef idx="0"/>
-          <a:effectRef idx="0"/>
+          <a:lnRef idx="0">
+            <a:scrgbClr r="0" g="0" b="0"/>
+          </a:lnRef>
+          <a:fillRef idx="0">
+            <a:scrgbClr r="0" g="0" b="0"/>
+          </a:fillRef>
+          <a:effectRef idx="0">
+            <a:scrgbClr r="0" g="0" b="0"/>
+          </a:effectRef>
           <a:fontRef idx="minor"/>
         </p:style>
         <p:txBody>
-          <a:bodyPr lIns="90000" rIns="90000" tIns="45000" bIns="45000">
+          <a:bodyPr lIns="90000" tIns="45000" rIns="90000" bIns="45000">
             <a:noAutofit/>
           </a:bodyPr>
+          <a:lstStyle/>
           <a:p>
             <a:pPr algn="r">
               <a:lnSpc>
@@ -7841,16 +8829,16 @@
               </a:lnSpc>
             </a:pPr>
             <a:fld id="{B027CE9E-4016-4B04-8CD1-C26257A66F6D}" type="slidenum">
-              <a:rPr b="0" lang="fr-CA" sz="1400" spc="-1" strike="noStrike">
-                <a:solidFill>
-                  <a:srgbClr val="000000"/>
-                </a:solidFill>
-                <a:latin typeface="Times New Roman"/>
-                <a:ea typeface="DejaVu Sans"/>
-              </a:rPr>
-              <a:t>&lt;number&gt;</a:t>
+              <a:rPr lang="fr-CA" sz="1400" b="0" strike="noStrike" spc="-1">
+                <a:solidFill>
+                  <a:srgbClr val="000000"/>
+                </a:solidFill>
+                <a:latin typeface="Times New Roman"/>
+                <a:ea typeface="DejaVu Sans"/>
+              </a:rPr>
+              <a:t>7</a:t>
             </a:fld>
-            <a:endParaRPr b="0" lang="en-CA" sz="1400" spc="-1" strike="noStrike">
+            <a:endParaRPr lang="en-CA" sz="1400" b="0" strike="noStrike" spc="-1">
               <a:latin typeface="Arial"/>
             </a:endParaRPr>
           </a:p>
@@ -7876,15 +8864,22 @@
           </a:ln>
         </p:spPr>
         <p:style>
-          <a:lnRef idx="0"/>
-          <a:fillRef idx="0"/>
-          <a:effectRef idx="0"/>
+          <a:lnRef idx="0">
+            <a:scrgbClr r="0" g="0" b="0"/>
+          </a:lnRef>
+          <a:fillRef idx="0">
+            <a:scrgbClr r="0" g="0" b="0"/>
+          </a:fillRef>
+          <a:effectRef idx="0">
+            <a:scrgbClr r="0" g="0" b="0"/>
+          </a:effectRef>
           <a:fontRef idx="minor"/>
         </p:style>
         <p:txBody>
-          <a:bodyPr lIns="90000" rIns="90000" tIns="45000" bIns="45000" anchor="ctr">
+          <a:bodyPr lIns="90000" tIns="45000" rIns="90000" bIns="45000" anchor="ctr">
             <a:noAutofit/>
           </a:bodyPr>
+          <a:lstStyle/>
           <a:p>
             <a:pPr>
               <a:lnSpc>
@@ -7892,26 +8887,16 @@
               </a:lnSpc>
             </a:pPr>
             <a:r>
-              <a:rPr b="0" lang="fr-CA" sz="4400" spc="-1" strike="noStrike">
-                <a:solidFill>
-                  <a:srgbClr val="000000"/>
-                </a:solidFill>
-                <a:latin typeface="Times New Roman"/>
-                <a:ea typeface="DejaVu Sans"/>
-              </a:rPr>
-              <a:t>Évaluation</a:t>
-            </a:r>
-            <a:r>
-              <a:rPr b="0" lang="fr-CA" sz="4400" spc="-1" strike="noStrike">
-                <a:solidFill>
-                  <a:srgbClr val="000000"/>
-                </a:solidFill>
-                <a:latin typeface="Times New Roman"/>
-                <a:ea typeface="DejaVu Sans"/>
-              </a:rPr>
-              <a:t> (travaux pratiques)</a:t>
-            </a:r>
-            <a:endParaRPr b="0" lang="en-CA" sz="4400" spc="-1" strike="noStrike">
+              <a:rPr lang="fr-CA" sz="4400" b="0" strike="noStrike" spc="-1">
+                <a:solidFill>
+                  <a:srgbClr val="000000"/>
+                </a:solidFill>
+                <a:latin typeface="Times New Roman"/>
+                <a:ea typeface="DejaVu Sans"/>
+              </a:rPr>
+              <a:t>Évaluation (travaux pratiques)</a:t>
+            </a:r>
+            <a:endParaRPr lang="en-CA" sz="4400" b="0" strike="noStrike" spc="-1">
               <a:latin typeface="Arial"/>
             </a:endParaRPr>
           </a:p>
@@ -7937,15 +8922,22 @@
           </a:ln>
         </p:spPr>
         <p:style>
-          <a:lnRef idx="0"/>
-          <a:fillRef idx="0"/>
-          <a:effectRef idx="0"/>
+          <a:lnRef idx="0">
+            <a:scrgbClr r="0" g="0" b="0"/>
+          </a:lnRef>
+          <a:fillRef idx="0">
+            <a:scrgbClr r="0" g="0" b="0"/>
+          </a:fillRef>
+          <a:effectRef idx="0">
+            <a:scrgbClr r="0" g="0" b="0"/>
+          </a:effectRef>
           <a:fontRef idx="minor"/>
         </p:style>
         <p:txBody>
-          <a:bodyPr lIns="90000" rIns="90000" tIns="45000" bIns="45000">
+          <a:bodyPr lIns="90000" tIns="45000" rIns="90000" bIns="45000">
             <a:noAutofit/>
           </a:bodyPr>
+          <a:lstStyle/>
           <a:p>
             <a:pPr marL="343080" indent="-342000">
               <a:lnSpc>
@@ -7961,7 +8953,7 @@
               <a:buChar char=""/>
             </a:pPr>
             <a:r>
-              <a:rPr b="0" lang="fr-CA" sz="2400" spc="-1" strike="noStrike">
+              <a:rPr lang="fr-CA" sz="2400" b="0" strike="noStrike" spc="-1">
                 <a:solidFill>
                   <a:srgbClr val="000000"/>
                 </a:solidFill>
@@ -7971,7 +8963,7 @@
               <a:t>Avec le travail à distance, il est </a:t>
             </a:r>
             <a:r>
-              <a:rPr b="1" lang="fr-CA" sz="2400" spc="-1" strike="noStrike" u="sng">
+              <a:rPr lang="fr-CA" sz="2400" b="1" u="sng" strike="noStrike" spc="-1">
                 <a:solidFill>
                   <a:srgbClr val="000000"/>
                 </a:solidFill>
@@ -7982,7 +8974,7 @@
               <a:t>obligatoire</a:t>
             </a:r>
             <a:r>
-              <a:rPr b="0" lang="fr-CA" sz="2400" spc="-1" strike="noStrike">
+              <a:rPr lang="fr-CA" sz="2400" b="0" strike="noStrike" spc="-1">
                 <a:solidFill>
                   <a:srgbClr val="000000"/>
                 </a:solidFill>
@@ -7991,7 +8983,7 @@
               </a:rPr>
               <a:t> d’utiliser un gestionnaire de code source « git ».  Afin de simplifier les choses, veuillez utiliser le gitlab de l’UdeS:</a:t>
             </a:r>
-            <a:endParaRPr b="0" lang="en-CA" sz="2400" spc="-1" strike="noStrike">
+            <a:endParaRPr lang="en-CA" sz="2400" b="0" strike="noStrike" spc="-1">
               <a:latin typeface="Arial"/>
             </a:endParaRPr>
           </a:p>
@@ -8004,7 +8996,7 @@
                 <a:spcPts val="479"/>
               </a:spcBef>
             </a:pPr>
-            <a:endParaRPr b="0" lang="en-CA" sz="2400" spc="-1" strike="noStrike">
+            <a:endParaRPr lang="en-CA" sz="2400" b="0" strike="noStrike" spc="-1">
               <a:latin typeface="Arial"/>
             </a:endParaRPr>
           </a:p>
@@ -8017,31 +9009,21 @@
                 <a:spcPts val="561"/>
               </a:spcBef>
               <a:tabLst>
-                <a:tab algn="l" pos="0"/>
+                <a:tab pos="0" algn="l"/>
               </a:tabLst>
             </a:pPr>
             <a:r>
-              <a:rPr b="0" lang="fr-CA" sz="2800" spc="-1" strike="noStrike">
-                <a:solidFill>
-                  <a:srgbClr val="000000"/>
-                </a:solidFill>
-                <a:latin typeface="Times New Roman"/>
-                <a:ea typeface="DejaVu Sans"/>
-              </a:rPr>
-              <a:t>	</a:t>
-            </a:r>
-            <a:r>
-              <a:rPr b="0" lang="fr-CA" sz="2800" spc="-1" strike="noStrike">
-                <a:solidFill>
-                  <a:srgbClr val="000000"/>
-                </a:solidFill>
-                <a:latin typeface="Times New Roman"/>
-                <a:ea typeface="DejaVu Sans"/>
-              </a:rPr>
-              <a:t>	</a:t>
-            </a:r>
-            <a:r>
-              <a:rPr b="0" lang="fr-CA" sz="2800" spc="-1" strike="noStrike" u="sng">
+              <a:rPr lang="fr-CA" sz="2800" b="0" strike="noStrike" spc="-1">
+                <a:solidFill>
+                  <a:srgbClr val="000000"/>
+                </a:solidFill>
+                <a:latin typeface="Times New Roman"/>
+                <a:ea typeface="DejaVu Sans"/>
+              </a:rPr>
+              <a:t>		</a:t>
+            </a:r>
+            <a:r>
+              <a:rPr lang="fr-CA" sz="2800" b="0" u="sng" strike="noStrike" spc="-1">
                 <a:solidFill>
                   <a:srgbClr val="000000"/>
                 </a:solidFill>
@@ -8051,7 +9033,7 @@
               </a:rPr>
               <a:t>depot.dinf.usherbrooke.ca</a:t>
             </a:r>
-            <a:endParaRPr b="0" lang="en-CA" sz="2800" spc="-1" strike="noStrike">
+            <a:endParaRPr lang="en-CA" sz="2800" b="0" strike="noStrike" spc="-1">
               <a:latin typeface="Arial"/>
             </a:endParaRPr>
           </a:p>
@@ -8064,10 +9046,10 @@
                 <a:spcPts val="479"/>
               </a:spcBef>
               <a:tabLst>
-                <a:tab algn="l" pos="0"/>
+                <a:tab pos="0" algn="l"/>
               </a:tabLst>
             </a:pPr>
-            <a:endParaRPr b="0" lang="en-CA" sz="2800" spc="-1" strike="noStrike">
+            <a:endParaRPr lang="en-CA" sz="2800" b="0" strike="noStrike" spc="-1">
               <a:latin typeface="Arial"/>
             </a:endParaRPr>
           </a:p>
@@ -8085,11 +9067,11 @@
               <a:buFont typeface="Symbol"/>
               <a:buChar char=""/>
               <a:tabLst>
-                <a:tab algn="l" pos="0"/>
+                <a:tab pos="0" algn="l"/>
               </a:tabLst>
             </a:pPr>
             <a:r>
-              <a:rPr b="0" lang="fr-CA" sz="2400" spc="-1" strike="noStrike">
+              <a:rPr lang="fr-CA" sz="2400" b="0" strike="noStrike" spc="-1">
                 <a:solidFill>
                   <a:srgbClr val="000000"/>
                 </a:solidFill>
@@ -8098,7 +9080,7 @@
               </a:rPr>
               <a:t>Pas de code envoyé par courriel!</a:t>
             </a:r>
-            <a:endParaRPr b="0" lang="en-CA" sz="2400" spc="-1" strike="noStrike">
+            <a:endParaRPr lang="en-CA" sz="2400" b="0" strike="noStrike" spc="-1">
               <a:latin typeface="Arial"/>
             </a:endParaRPr>
           </a:p>
@@ -8116,11 +9098,11 @@
               <a:buFont typeface="Symbol"/>
               <a:buChar char=""/>
               <a:tabLst>
-                <a:tab algn="l" pos="0"/>
+                <a:tab pos="0" algn="l"/>
               </a:tabLst>
             </a:pPr>
             <a:r>
-              <a:rPr b="0" lang="fr-CA" sz="2400" spc="-1" strike="noStrike">
+              <a:rPr lang="fr-CA" sz="2400" b="0" strike="noStrike" spc="-1">
                 <a:solidFill>
                   <a:srgbClr val="000000"/>
                 </a:solidFill>
@@ -8130,7 +9112,7 @@
               <a:t>Une mauvaise utilisation de git pourra entraîner une </a:t>
             </a:r>
             <a:r>
-              <a:rPr b="1" lang="fr-CA" sz="2400" spc="-1" strike="noStrike">
+              <a:rPr lang="fr-CA" sz="2400" b="1" strike="noStrike" spc="-1">
                 <a:solidFill>
                   <a:srgbClr val="000000"/>
                 </a:solidFill>
@@ -8140,7 +9122,7 @@
               <a:t>perte de points </a:t>
             </a:r>
             <a:r>
-              <a:rPr b="0" lang="fr-CA" sz="2400" spc="-1" strike="noStrike">
+              <a:rPr lang="fr-CA" sz="2400" b="0" strike="noStrike" spc="-1">
                 <a:solidFill>
                   <a:srgbClr val="000000"/>
                 </a:solidFill>
@@ -8149,7 +9131,7 @@
               </a:rPr>
               <a:t>au tp3 et pour le projet.</a:t>
             </a:r>
-            <a:endParaRPr b="0" lang="en-CA" sz="2400" spc="-1" strike="noStrike">
+            <a:endParaRPr lang="en-CA" sz="2400" b="0" strike="noStrike" spc="-1">
               <a:latin typeface="Arial"/>
             </a:endParaRPr>
           </a:p>
@@ -8167,11 +9149,11 @@
               <a:buFont typeface="Symbol"/>
               <a:buChar char=""/>
               <a:tabLst>
-                <a:tab algn="l" pos="0"/>
+                <a:tab pos="0" algn="l"/>
               </a:tabLst>
             </a:pPr>
             <a:r>
-              <a:rPr b="0" lang="fr-CA" sz="2400" spc="-1" strike="noStrike">
+              <a:rPr lang="fr-CA" sz="2400" b="0" strike="noStrike" spc="-1">
                 <a:solidFill>
                   <a:srgbClr val="000000"/>
                 </a:solidFill>
@@ -8180,7 +9162,7 @@
               </a:rPr>
               <a:t>Vous ne connaissez pas git? </a:t>
             </a:r>
-            <a:endParaRPr b="0" lang="en-CA" sz="2400" spc="-1" strike="noStrike">
+            <a:endParaRPr lang="en-CA" sz="2400" b="0" strike="noStrike" spc="-1">
               <a:latin typeface="Arial"/>
             </a:endParaRPr>
           </a:p>
@@ -8193,31 +9175,21 @@
                 <a:spcPts val="479"/>
               </a:spcBef>
               <a:tabLst>
-                <a:tab algn="l" pos="0"/>
+                <a:tab pos="0" algn="l"/>
               </a:tabLst>
             </a:pPr>
             <a:r>
-              <a:rPr b="0" lang="fr-CA" sz="2400" spc="-1" strike="noStrike">
-                <a:solidFill>
-                  <a:srgbClr val="000000"/>
-                </a:solidFill>
-                <a:latin typeface="Times New Roman"/>
-                <a:ea typeface="DejaVu Sans"/>
-              </a:rPr>
-              <a:t>	</a:t>
-            </a:r>
-            <a:r>
-              <a:rPr b="0" lang="fr-CA" sz="2400" spc="-1" strike="noStrike">
-                <a:solidFill>
-                  <a:srgbClr val="000000"/>
-                </a:solidFill>
-                <a:latin typeface="Times New Roman"/>
-                <a:ea typeface="DejaVu Sans"/>
-              </a:rPr>
-              <a:t>	</a:t>
-            </a:r>
-            <a:r>
-              <a:rPr b="0" lang="fr-CA" sz="2400" spc="-1" strike="noStrike" u="sng">
+              <a:rPr lang="fr-CA" sz="2400" b="0" strike="noStrike" spc="-1">
+                <a:solidFill>
+                  <a:srgbClr val="000000"/>
+                </a:solidFill>
+                <a:latin typeface="Times New Roman"/>
+                <a:ea typeface="DejaVu Sans"/>
+              </a:rPr>
+              <a:t>		</a:t>
+            </a:r>
+            <a:r>
+              <a:rPr lang="fr-CA" sz="2400" b="0" u="sng" strike="noStrike" spc="-1">
                 <a:solidFill>
                   <a:srgbClr val="000000"/>
                 </a:solidFill>
@@ -8228,7 +9200,7 @@
               <a:t>www.tutorialspoint.com/git/index.htm</a:t>
             </a:r>
             <a:r>
-              <a:rPr b="0" lang="fr-CA" sz="2400" spc="-1" strike="noStrike">
+              <a:rPr lang="fr-CA" sz="2400" b="0" strike="noStrike" spc="-1">
                 <a:solidFill>
                   <a:srgbClr val="000000"/>
                 </a:solidFill>
@@ -8237,7 +9209,7 @@
               </a:rPr>
               <a:t> </a:t>
             </a:r>
-            <a:endParaRPr b="0" lang="en-CA" sz="2400" spc="-1" strike="noStrike">
+            <a:endParaRPr lang="en-CA" sz="2400" b="0" strike="noStrike" spc="-1">
               <a:latin typeface="Arial"/>
             </a:endParaRPr>
           </a:p>
@@ -8250,10 +9222,10 @@
                 <a:spcPts val="641"/>
               </a:spcBef>
               <a:tabLst>
-                <a:tab algn="l" pos="0"/>
+                <a:tab pos="0" algn="l"/>
               </a:tabLst>
             </a:pPr>
-            <a:endParaRPr b="0" lang="en-CA" sz="2400" spc="-1" strike="noStrike">
+            <a:endParaRPr lang="en-CA" sz="2400" b="0" strike="noStrike" spc="-1">
               <a:latin typeface="Arial"/>
             </a:endParaRPr>
           </a:p>
@@ -8266,10 +9238,10 @@
                 <a:spcPts val="479"/>
               </a:spcBef>
               <a:tabLst>
-                <a:tab algn="l" pos="0"/>
+                <a:tab pos="0" algn="l"/>
               </a:tabLst>
             </a:pPr>
-            <a:endParaRPr b="0" lang="en-CA" sz="2400" spc="-1" strike="noStrike">
+            <a:endParaRPr lang="en-CA" sz="2400" b="0" strike="noStrike" spc="-1">
               <a:latin typeface="Arial"/>
             </a:endParaRPr>
           </a:p>
@@ -8277,19 +9249,14 @@
       </p:sp>
     </p:spTree>
   </p:cSld>
-  <mc:AlternateContent>
-    <mc:Choice Requires="p14">
-      <p:transition spd="slow" p14:dur="2000"/>
-    </mc:Choice>
-    <mc:Fallback>
-      <p:transition spd="slow"/>
-    </mc:Fallback>
-  </mc:AlternateContent>
+  <p:clrMapOvr>
+    <a:masterClrMapping/>
+  </p:clrMapOvr>
 </p:sld>
 </file>
 
 <file path=ppt/slides/slide8.xml><?xml version="1.0" encoding="utf-8"?>
-<p:sld xmlns:a="http://schemas.openxmlformats.org/drawingml/2006/main" xmlns:p="http://schemas.openxmlformats.org/presentationml/2006/main" xmlns:r="http://schemas.openxmlformats.org/officeDocument/2006/relationships" xmlns:p14="http://schemas.microsoft.com/office/powerpoint/2010/main" xmlns:p15="http://schemas.microsoft.com/office/powerpoint/2012/main" xmlns:mc="http://schemas.openxmlformats.org/markup-compatibility/2006">
+<p:sld xmlns:a="http://schemas.openxmlformats.org/drawingml/2006/main" xmlns:r="http://schemas.openxmlformats.org/officeDocument/2006/relationships" xmlns:p="http://schemas.openxmlformats.org/presentationml/2006/main">
   <p:cSld>
     <p:spTree>
       <p:nvGrpSpPr>
@@ -8325,15 +9292,22 @@
           </a:ln>
         </p:spPr>
         <p:style>
-          <a:lnRef idx="0"/>
-          <a:fillRef idx="0"/>
-          <a:effectRef idx="0"/>
+          <a:lnRef idx="0">
+            <a:scrgbClr r="0" g="0" b="0"/>
+          </a:lnRef>
+          <a:fillRef idx="0">
+            <a:scrgbClr r="0" g="0" b="0"/>
+          </a:fillRef>
+          <a:effectRef idx="0">
+            <a:scrgbClr r="0" g="0" b="0"/>
+          </a:effectRef>
           <a:fontRef idx="minor"/>
         </p:style>
         <p:txBody>
-          <a:bodyPr lIns="90000" rIns="90000" tIns="45000" bIns="45000">
+          <a:bodyPr lIns="90000" tIns="45000" rIns="90000" bIns="45000">
             <a:noAutofit/>
           </a:bodyPr>
+          <a:lstStyle/>
           <a:p>
             <a:pPr algn="r">
               <a:lnSpc>
@@ -8341,16 +9315,16 @@
               </a:lnSpc>
             </a:pPr>
             <a:fld id="{C9A689DA-1780-4CB0-893C-098B7C9381E3}" type="slidenum">
-              <a:rPr b="0" lang="fr-CA" sz="1400" spc="-1" strike="noStrike">
-                <a:solidFill>
-                  <a:srgbClr val="000000"/>
-                </a:solidFill>
-                <a:latin typeface="Times New Roman"/>
-                <a:ea typeface="DejaVu Sans"/>
-              </a:rPr>
-              <a:t>&lt;number&gt;</a:t>
+              <a:rPr lang="fr-CA" sz="1400" b="0" strike="noStrike" spc="-1">
+                <a:solidFill>
+                  <a:srgbClr val="000000"/>
+                </a:solidFill>
+                <a:latin typeface="Times New Roman"/>
+                <a:ea typeface="DejaVu Sans"/>
+              </a:rPr>
+              <a:t>8</a:t>
             </a:fld>
-            <a:endParaRPr b="0" lang="en-CA" sz="1400" spc="-1" strike="noStrike">
+            <a:endParaRPr lang="en-CA" sz="1400" b="0" strike="noStrike" spc="-1">
               <a:latin typeface="Arial"/>
             </a:endParaRPr>
           </a:p>
@@ -8376,15 +9350,22 @@
           </a:ln>
         </p:spPr>
         <p:style>
-          <a:lnRef idx="0"/>
-          <a:fillRef idx="0"/>
-          <a:effectRef idx="0"/>
+          <a:lnRef idx="0">
+            <a:scrgbClr r="0" g="0" b="0"/>
+          </a:lnRef>
+          <a:fillRef idx="0">
+            <a:scrgbClr r="0" g="0" b="0"/>
+          </a:fillRef>
+          <a:effectRef idx="0">
+            <a:scrgbClr r="0" g="0" b="0"/>
+          </a:effectRef>
           <a:fontRef idx="minor"/>
         </p:style>
         <p:txBody>
-          <a:bodyPr lIns="90000" rIns="90000" tIns="45000" bIns="45000" anchor="ctr">
+          <a:bodyPr lIns="90000" tIns="45000" rIns="90000" bIns="45000" anchor="ctr">
             <a:noAutofit/>
           </a:bodyPr>
+          <a:lstStyle/>
           <a:p>
             <a:pPr>
               <a:lnSpc>
@@ -8392,7 +9373,7 @@
               </a:lnSpc>
             </a:pPr>
             <a:r>
-              <a:rPr b="0" lang="fr-CA" sz="4400" spc="-1" strike="noStrike">
+              <a:rPr lang="fr-CA" sz="4400" b="0" strike="noStrike" spc="-1">
                 <a:solidFill>
                   <a:srgbClr val="000000"/>
                 </a:solidFill>
@@ -8401,7 +9382,7 @@
               </a:rPr>
               <a:t>Recommandations</a:t>
             </a:r>
-            <a:endParaRPr b="0" lang="en-CA" sz="4400" spc="-1" strike="noStrike">
+            <a:endParaRPr lang="en-CA" sz="4400" b="0" strike="noStrike" spc="-1">
               <a:latin typeface="Arial"/>
             </a:endParaRPr>
           </a:p>
@@ -8427,15 +9408,22 @@
           </a:ln>
         </p:spPr>
         <p:style>
-          <a:lnRef idx="0"/>
-          <a:fillRef idx="0"/>
-          <a:effectRef idx="0"/>
+          <a:lnRef idx="0">
+            <a:scrgbClr r="0" g="0" b="0"/>
+          </a:lnRef>
+          <a:fillRef idx="0">
+            <a:scrgbClr r="0" g="0" b="0"/>
+          </a:fillRef>
+          <a:effectRef idx="0">
+            <a:scrgbClr r="0" g="0" b="0"/>
+          </a:effectRef>
           <a:fontRef idx="minor"/>
         </p:style>
         <p:txBody>
-          <a:bodyPr lIns="90000" rIns="90000" tIns="45000" bIns="45000">
+          <a:bodyPr lIns="90000" tIns="45000" rIns="90000" bIns="45000">
             <a:noAutofit/>
           </a:bodyPr>
+          <a:lstStyle/>
           <a:p>
             <a:pPr marL="343080" indent="-342000">
               <a:lnSpc>
@@ -8451,7 +9439,7 @@
               <a:buChar char=""/>
             </a:pPr>
             <a:r>
-              <a:rPr b="1" lang="fr-CA" sz="2400" spc="-1" strike="noStrike" u="sng">
+              <a:rPr lang="fr-CA" sz="2400" b="1" u="sng" strike="noStrike" spc="-1">
                 <a:solidFill>
                   <a:srgbClr val="000000"/>
                 </a:solidFill>
@@ -8461,7 +9449,7 @@
               </a:rPr>
               <a:t>N’attendez pas à la dernière minute pour faire les TP</a:t>
             </a:r>
-            <a:endParaRPr b="0" lang="en-CA" sz="2400" spc="-1" strike="noStrike">
+            <a:endParaRPr lang="en-CA" sz="2400" b="0" strike="noStrike" spc="-1">
               <a:latin typeface="Arial"/>
             </a:endParaRPr>
           </a:p>
@@ -8480,7 +9468,7 @@
               <a:buChar char=""/>
             </a:pPr>
             <a:r>
-              <a:rPr b="0" lang="fr-CA" sz="2400" spc="-1" strike="noStrike">
+              <a:rPr lang="fr-CA" sz="2400" b="0" strike="noStrike" spc="-1">
                 <a:solidFill>
                   <a:srgbClr val="000000"/>
                 </a:solidFill>
@@ -8489,7 +9477,7 @@
               </a:rPr>
               <a:t>Faites 100% des TP et non 50%-50%.</a:t>
             </a:r>
-            <a:endParaRPr b="0" lang="en-CA" sz="2400" spc="-1" strike="noStrike">
+            <a:endParaRPr lang="en-CA" sz="2400" b="0" strike="noStrike" spc="-1">
               <a:latin typeface="Arial"/>
             </a:endParaRPr>
           </a:p>
@@ -8508,7 +9496,7 @@
               <a:buChar char=""/>
             </a:pPr>
             <a:r>
-              <a:rPr b="0" lang="fr-CA" sz="2400" spc="-1" strike="noStrike">
+              <a:rPr lang="fr-CA" sz="2400" b="0" strike="noStrike" spc="-1">
                 <a:solidFill>
                   <a:srgbClr val="000000"/>
                 </a:solidFill>
@@ -8518,7 +9506,7 @@
               <a:t>Jamais une bonne idée de </a:t>
             </a:r>
             <a:r>
-              <a:rPr b="1" lang="fr-CA" sz="2400" spc="-1" strike="noStrike" u="sng">
+              <a:rPr lang="fr-CA" sz="2400" b="1" u="sng" strike="noStrike" spc="-1">
                 <a:solidFill>
                   <a:srgbClr val="000000"/>
                 </a:solidFill>
@@ -8528,7 +9516,7 @@
               </a:rPr>
               <a:t>plagier</a:t>
             </a:r>
-            <a:endParaRPr b="0" lang="en-CA" sz="2400" spc="-1" strike="noStrike">
+            <a:endParaRPr lang="en-CA" sz="2400" b="0" strike="noStrike" spc="-1">
               <a:latin typeface="Arial"/>
             </a:endParaRPr>
           </a:p>
@@ -8547,7 +9535,7 @@
               <a:buChar char=""/>
             </a:pPr>
             <a:r>
-              <a:rPr b="0" lang="fr-CA" sz="2400" spc="-1" strike="noStrike">
+              <a:rPr lang="fr-CA" sz="2400" b="0" strike="noStrike" spc="-1">
                 <a:solidFill>
                   <a:srgbClr val="000000"/>
                 </a:solidFill>
@@ -8556,7 +9544,7 @@
               </a:rPr>
               <a:t>Feedbacks en temps réel.</a:t>
             </a:r>
-            <a:endParaRPr b="0" lang="en-CA" sz="2400" spc="-1" strike="noStrike">
+            <a:endParaRPr lang="en-CA" sz="2400" b="0" strike="noStrike" spc="-1">
               <a:latin typeface="Arial"/>
             </a:endParaRPr>
           </a:p>
@@ -8575,7 +9563,7 @@
               <a:buChar char=""/>
             </a:pPr>
             <a:r>
-              <a:rPr b="0" lang="fr-CA" sz="2400" spc="-1" strike="noStrike">
+              <a:rPr lang="fr-CA" sz="2400" b="0" strike="noStrike" spc="-1">
                 <a:solidFill>
                   <a:srgbClr val="000000"/>
                 </a:solidFill>
@@ -8585,7 +9573,7 @@
               <a:t>Pénalité de 10% par jour de retard, à vous de ne </a:t>
             </a:r>
             <a:r>
-              <a:rPr b="1" lang="fr-CA" sz="2400" spc="-1" strike="noStrike">
+              <a:rPr lang="fr-CA" sz="2400" b="1" strike="noStrike" spc="-1">
                 <a:solidFill>
                   <a:srgbClr val="000000"/>
                 </a:solidFill>
@@ -8595,7 +9583,7 @@
               <a:t>pas faire d’erreur </a:t>
             </a:r>
             <a:r>
-              <a:rPr b="0" lang="fr-CA" sz="2400" spc="-1" strike="noStrike">
+              <a:rPr lang="fr-CA" sz="2400" b="0" strike="noStrike" spc="-1">
                 <a:solidFill>
                   <a:srgbClr val="000000"/>
                 </a:solidFill>
@@ -8605,7 +9593,7 @@
               <a:t>avec le système de remise « </a:t>
             </a:r>
             <a:r>
-              <a:rPr b="1" lang="fr-CA" sz="2400" spc="-1" strike="noStrike">
+              <a:rPr lang="fr-CA" sz="2400" b="1" strike="noStrike" spc="-1">
                 <a:solidFill>
                   <a:srgbClr val="000000"/>
                 </a:solidFill>
@@ -8615,7 +9603,7 @@
               <a:t>turninWeb</a:t>
             </a:r>
             <a:r>
-              <a:rPr b="0" lang="fr-CA" sz="2400" spc="-1" strike="noStrike">
+              <a:rPr lang="fr-CA" sz="2400" b="0" strike="noStrike" spc="-1">
                 <a:solidFill>
                   <a:srgbClr val="000000"/>
                 </a:solidFill>
@@ -8624,7 +9612,7 @@
               </a:rPr>
               <a:t> »</a:t>
             </a:r>
-            <a:endParaRPr b="0" lang="en-CA" sz="2400" spc="-1" strike="noStrike">
+            <a:endParaRPr lang="en-CA" sz="2400" b="0" strike="noStrike" spc="-1">
               <a:latin typeface="Arial"/>
             </a:endParaRPr>
           </a:p>
@@ -8632,19 +9620,14 @@
       </p:sp>
     </p:spTree>
   </p:cSld>
-  <mc:AlternateContent>
-    <mc:Choice Requires="p14">
-      <p:transition spd="slow" p14:dur="2000"/>
-    </mc:Choice>
-    <mc:Fallback>
-      <p:transition spd="slow"/>
-    </mc:Fallback>
-  </mc:AlternateContent>
+  <p:clrMapOvr>
+    <a:masterClrMapping/>
+  </p:clrMapOvr>
 </p:sld>
 </file>
 
 <file path=ppt/slides/slide9.xml><?xml version="1.0" encoding="utf-8"?>
-<p:sld xmlns:a="http://schemas.openxmlformats.org/drawingml/2006/main" xmlns:p="http://schemas.openxmlformats.org/presentationml/2006/main" xmlns:r="http://schemas.openxmlformats.org/officeDocument/2006/relationships" xmlns:p14="http://schemas.microsoft.com/office/powerpoint/2010/main" xmlns:p15="http://schemas.microsoft.com/office/powerpoint/2012/main" xmlns:mc="http://schemas.openxmlformats.org/markup-compatibility/2006">
+<p:sld xmlns:a="http://schemas.openxmlformats.org/drawingml/2006/main" xmlns:r="http://schemas.openxmlformats.org/officeDocument/2006/relationships" xmlns:p="http://schemas.openxmlformats.org/presentationml/2006/main">
   <p:cSld>
     <p:spTree>
       <p:nvGrpSpPr>
@@ -8680,15 +9663,22 @@
           </a:ln>
         </p:spPr>
         <p:style>
-          <a:lnRef idx="0"/>
-          <a:fillRef idx="0"/>
-          <a:effectRef idx="0"/>
+          <a:lnRef idx="0">
+            <a:scrgbClr r="0" g="0" b="0"/>
+          </a:lnRef>
+          <a:fillRef idx="0">
+            <a:scrgbClr r="0" g="0" b="0"/>
+          </a:fillRef>
+          <a:effectRef idx="0">
+            <a:scrgbClr r="0" g="0" b="0"/>
+          </a:effectRef>
           <a:fontRef idx="minor"/>
         </p:style>
         <p:txBody>
-          <a:bodyPr lIns="90000" rIns="90000" tIns="45000" bIns="45000" anchor="ctr">
+          <a:bodyPr lIns="90000" tIns="45000" rIns="90000" bIns="45000" anchor="ctr">
             <a:noAutofit/>
           </a:bodyPr>
+          <a:lstStyle/>
           <a:p>
             <a:pPr algn="ctr">
               <a:lnSpc>
@@ -8696,7 +9686,7 @@
               </a:lnSpc>
             </a:pPr>
             <a:r>
-              <a:rPr b="0" lang="fr-CA" sz="6000" spc="-1" strike="noStrike">
+              <a:rPr lang="fr-CA" sz="6000" b="0" strike="noStrike" spc="-1">
                 <a:solidFill>
                   <a:srgbClr val="000000"/>
                 </a:solidFill>
@@ -8707,7 +9697,7 @@
             </a:r>
             <a:br/>
             <a:r>
-              <a:rPr b="0" lang="fr-CA" sz="2000" spc="-1" strike="noStrike">
+              <a:rPr lang="fr-CA" sz="2000" b="0" strike="noStrike" spc="-1">
                 <a:solidFill>
                   <a:srgbClr val="000000"/>
                 </a:solidFill>
@@ -8716,7 +9706,7 @@
               </a:rPr>
               <a:t>c’est facile de savoir si vous plagiez</a:t>
             </a:r>
-            <a:endParaRPr b="0" lang="en-CA" sz="2000" spc="-1" strike="noStrike">
+            <a:endParaRPr lang="en-CA" sz="2000" b="0" strike="noStrike" spc="-1">
               <a:latin typeface="Arial"/>
             </a:endParaRPr>
           </a:p>
@@ -8724,14 +9714,9 @@
       </p:sp>
     </p:spTree>
   </p:cSld>
-  <mc:AlternateContent>
-    <mc:Choice Requires="p14">
-      <p:transition spd="slow" p14:dur="2000"/>
-    </mc:Choice>
-    <mc:Fallback>
-      <p:transition spd="slow"/>
-    </mc:Fallback>
-  </mc:AlternateContent>
+  <p:clrMapOvr>
+    <a:masterClrMapping/>
+  </p:clrMapOvr>
 </p:sld>
 </file>
 
@@ -8752,28 +9737,28 @@
         <a:srgbClr val="808080"/>
       </a:lt2>
       <a:accent1>
-        <a:srgbClr val="00cc99"/>
+        <a:srgbClr val="00CC99"/>
       </a:accent1>
       <a:accent2>
-        <a:srgbClr val="3333cc"/>
+        <a:srgbClr val="3333CC"/>
       </a:accent2>
       <a:accent3>
-        <a:srgbClr val="ffffff"/>
+        <a:srgbClr val="FFFFFF"/>
       </a:accent3>
       <a:accent4>
         <a:srgbClr val="000000"/>
       </a:accent4>
       <a:accent5>
-        <a:srgbClr val="aae2ca"/>
+        <a:srgbClr val="AAE2CA"/>
       </a:accent5>
       <a:accent6>
-        <a:srgbClr val="2d2db9"/>
+        <a:srgbClr val="2D2DB9"/>
       </a:accent6>
       <a:hlink>
-        <a:srgbClr val="ccccff"/>
+        <a:srgbClr val="CCCCFF"/>
       </a:hlink>
       <a:folHlink>
-        <a:srgbClr val="b2b2b2"/>
+        <a:srgbClr val="B2B2B2"/>
       </a:folHlink>
     </a:clrScheme>
     <a:fontScheme name="Office">
@@ -8958,6 +9943,8 @@
       </a:bgFillStyleLst>
     </a:fmtScheme>
   </a:themeElements>
+  <a:objectDefaults/>
+  <a:extraClrSchemeLst/>
 </a:theme>
 </file>
 
@@ -8978,28 +9965,28 @@
         <a:srgbClr val="808080"/>
       </a:lt2>
       <a:accent1>
-        <a:srgbClr val="00cc99"/>
+        <a:srgbClr val="00CC99"/>
       </a:accent1>
       <a:accent2>
-        <a:srgbClr val="3333cc"/>
+        <a:srgbClr val="3333CC"/>
       </a:accent2>
       <a:accent3>
-        <a:srgbClr val="ffffff"/>
+        <a:srgbClr val="FFFFFF"/>
       </a:accent3>
       <a:accent4>
         <a:srgbClr val="000000"/>
       </a:accent4>
       <a:accent5>
-        <a:srgbClr val="aae2ca"/>
+        <a:srgbClr val="AAE2CA"/>
       </a:accent5>
       <a:accent6>
-        <a:srgbClr val="2d2db9"/>
+        <a:srgbClr val="2D2DB9"/>
       </a:accent6>
       <a:hlink>
-        <a:srgbClr val="ccccff"/>
+        <a:srgbClr val="CCCCFF"/>
       </a:hlink>
       <a:folHlink>
-        <a:srgbClr val="b2b2b2"/>
+        <a:srgbClr val="B2B2B2"/>
       </a:folHlink>
     </a:clrScheme>
     <a:fontScheme name="Office">
@@ -9184,5 +10171,7 @@
       </a:bgFillStyleLst>
     </a:fmtScheme>
   </a:themeElements>
+  <a:objectDefaults/>
+  <a:extraClrSchemeLst/>
 </a:theme>
 </file>